--- a/presentation/XLParser.pptx
+++ b/presentation/XLParser.pptx
@@ -5,43 +5,46 @@
     <p:sldMasterId id="2147483804" r:id="rId1"/>
   </p:sldMasterIdLst>
   <p:notesMasterIdLst>
-    <p:notesMasterId r:id="rId36"/>
+    <p:notesMasterId r:id="rId39"/>
   </p:notesMasterIdLst>
   <p:sldIdLst>
     <p:sldId id="256" r:id="rId2"/>
     <p:sldId id="258" r:id="rId3"/>
-    <p:sldId id="260" r:id="rId4"/>
-    <p:sldId id="261" r:id="rId5"/>
-    <p:sldId id="263" r:id="rId6"/>
-    <p:sldId id="310" r:id="rId7"/>
-    <p:sldId id="311" r:id="rId8"/>
-    <p:sldId id="312" r:id="rId9"/>
-    <p:sldId id="313" r:id="rId10"/>
-    <p:sldId id="314" r:id="rId11"/>
-    <p:sldId id="306" r:id="rId12"/>
-    <p:sldId id="271" r:id="rId13"/>
-    <p:sldId id="270" r:id="rId14"/>
-    <p:sldId id="289" r:id="rId15"/>
-    <p:sldId id="288" r:id="rId16"/>
-    <p:sldId id="308" r:id="rId17"/>
-    <p:sldId id="274" r:id="rId18"/>
-    <p:sldId id="317" r:id="rId19"/>
-    <p:sldId id="307" r:id="rId20"/>
-    <p:sldId id="318" r:id="rId21"/>
-    <p:sldId id="280" r:id="rId22"/>
-    <p:sldId id="296" r:id="rId23"/>
-    <p:sldId id="279" r:id="rId24"/>
-    <p:sldId id="257" r:id="rId25"/>
-    <p:sldId id="309" r:id="rId26"/>
-    <p:sldId id="297" r:id="rId27"/>
-    <p:sldId id="298" r:id="rId28"/>
-    <p:sldId id="299" r:id="rId29"/>
-    <p:sldId id="300" r:id="rId30"/>
-    <p:sldId id="301" r:id="rId31"/>
-    <p:sldId id="302" r:id="rId32"/>
-    <p:sldId id="303" r:id="rId33"/>
-    <p:sldId id="304" r:id="rId34"/>
-    <p:sldId id="305" r:id="rId35"/>
+    <p:sldId id="319" r:id="rId4"/>
+    <p:sldId id="260" r:id="rId5"/>
+    <p:sldId id="261" r:id="rId6"/>
+    <p:sldId id="263" r:id="rId7"/>
+    <p:sldId id="320" r:id="rId8"/>
+    <p:sldId id="310" r:id="rId9"/>
+    <p:sldId id="311" r:id="rId10"/>
+    <p:sldId id="312" r:id="rId11"/>
+    <p:sldId id="313" r:id="rId12"/>
+    <p:sldId id="314" r:id="rId13"/>
+    <p:sldId id="321" r:id="rId14"/>
+    <p:sldId id="306" r:id="rId15"/>
+    <p:sldId id="271" r:id="rId16"/>
+    <p:sldId id="270" r:id="rId17"/>
+    <p:sldId id="289" r:id="rId18"/>
+    <p:sldId id="288" r:id="rId19"/>
+    <p:sldId id="308" r:id="rId20"/>
+    <p:sldId id="322" r:id="rId21"/>
+    <p:sldId id="317" r:id="rId22"/>
+    <p:sldId id="307" r:id="rId23"/>
+    <p:sldId id="318" r:id="rId24"/>
+    <p:sldId id="280" r:id="rId25"/>
+    <p:sldId id="296" r:id="rId26"/>
+    <p:sldId id="279" r:id="rId27"/>
+    <p:sldId id="257" r:id="rId28"/>
+    <p:sldId id="309" r:id="rId29"/>
+    <p:sldId id="297" r:id="rId30"/>
+    <p:sldId id="298" r:id="rId31"/>
+    <p:sldId id="299" r:id="rId32"/>
+    <p:sldId id="300" r:id="rId33"/>
+    <p:sldId id="301" r:id="rId34"/>
+    <p:sldId id="302" r:id="rId35"/>
+    <p:sldId id="303" r:id="rId36"/>
+    <p:sldId id="304" r:id="rId37"/>
+    <p:sldId id="305" r:id="rId38"/>
   </p:sldIdLst>
   <p:sldSz cx="9144000" cy="6858000" type="screen4x3"/>
   <p:notesSz cx="6858000" cy="9144000"/>
@@ -239,11 +242,11 @@
           <c:showBubbleSize val="0"/>
         </c:dLbls>
         <c:gapWidth val="100"/>
-        <c:axId val="59867520"/>
-        <c:axId val="59861632"/>
+        <c:axId val="44548480"/>
+        <c:axId val="44542592"/>
       </c:barChart>
       <c:valAx>
-        <c:axId val="59861632"/>
+        <c:axId val="44542592"/>
         <c:scaling>
           <c:orientation val="minMax"/>
         </c:scaling>
@@ -253,12 +256,12 @@
         <c:majorTickMark val="out"/>
         <c:minorTickMark val="none"/>
         <c:tickLblPos val="nextTo"/>
-        <c:crossAx val="59867520"/>
+        <c:crossAx val="44548480"/>
         <c:crosses val="autoZero"/>
         <c:crossBetween val="between"/>
       </c:valAx>
       <c:catAx>
-        <c:axId val="59867520"/>
+        <c:axId val="44548480"/>
         <c:scaling>
           <c:orientation val="minMax"/>
         </c:scaling>
@@ -267,7 +270,7 @@
         <c:majorTickMark val="out"/>
         <c:minorTickMark val="none"/>
         <c:tickLblPos val="nextTo"/>
-        <c:crossAx val="59861632"/>
+        <c:crossAx val="44542592"/>
         <c:crosses val="autoZero"/>
         <c:auto val="1"/>
         <c:lblAlgn val="ctr"/>
@@ -549,7 +552,7 @@
           <a:p>
             <a:fld id="{F2D2C67B-9859-4AD6-A6B1-118CE337E14D}" type="datetimeFigureOut">
               <a:rPr lang="en-US" smtClean="0"/>
-              <a:t>9/18/2015</a:t>
+              <a:t>9/22/2015</a:t>
             </a:fld>
             <a:endParaRPr lang="en-US"/>
           </a:p>
@@ -968,7 +971,47 @@
           <a:p>
             <a:r>
               <a:rPr lang="en-US" dirty="0" smtClean="0"/>
-              <a:t>preprocessor</a:t>
+              <a:t>Iterative process, trial and</a:t>
+            </a:r>
+            <a:r>
+              <a:rPr lang="en-US" baseline="0" dirty="0" smtClean="0"/>
+              <a:t> error</a:t>
+            </a:r>
+          </a:p>
+          <a:p>
+            <a:r>
+              <a:rPr lang="en-US" baseline="0" dirty="0" smtClean="0"/>
+              <a:t>Categorize</a:t>
+            </a:r>
+          </a:p>
+          <a:p>
+            <a:r>
+              <a:rPr lang="en-US" baseline="0" dirty="0" smtClean="0"/>
+              <a:t>Fix</a:t>
+            </a:r>
+          </a:p>
+          <a:p>
+            <a:r>
+              <a:rPr lang="en-US" baseline="0" dirty="0" smtClean="0"/>
+              <a:t>Return</a:t>
+            </a:r>
+          </a:p>
+          <a:p>
+            <a:r>
+              <a:rPr lang="en-US" baseline="0" dirty="0" smtClean="0"/>
+              <a:t>Optimize</a:t>
+            </a:r>
+          </a:p>
+          <a:p>
+            <a:r>
+              <a:rPr lang="en-US" dirty="0" smtClean="0"/>
+              <a:t>20 million formulas </a:t>
+            </a:r>
+            <a:r>
+              <a:rPr lang="en-US" dirty="0" smtClean="0">
+                <a:sym typeface="Wingdings" panose="05000000000000000000" pitchFamily="2" charset="2"/>
+              </a:rPr>
+              <a:t> 1 million unique</a:t>
             </a:r>
             <a:endParaRPr lang="en-US" dirty="0"/>
           </a:p>
@@ -1000,7 +1043,7 @@
     </p:spTree>
     <p:extLst>
       <p:ext uri="{BB962C8B-B14F-4D97-AF65-F5344CB8AC3E}">
-        <p14:creationId xmlns:p14="http://schemas.microsoft.com/office/powerpoint/2010/main" val="3586518272"/>
+        <p14:creationId xmlns:p14="http://schemas.microsoft.com/office/powerpoint/2010/main" val="2254367648"/>
       </p:ext>
     </p:extLst>
   </p:cSld>
@@ -1056,17 +1099,7 @@
           <a:p>
             <a:r>
               <a:rPr lang="en-US" dirty="0" smtClean="0"/>
-              <a:t>28 errors, 2 legitimate, real errors</a:t>
-            </a:r>
-          </a:p>
-          <a:p>
-            <a:r>
-              <a:rPr lang="en-US" dirty="0" smtClean="0"/>
-              <a:t>Others</a:t>
-            </a:r>
-            <a:r>
-              <a:rPr lang="en-US" baseline="0" dirty="0" smtClean="0"/>
-              <a:t> due to incorrect reading of formulas or corrupt files</a:t>
+              <a:t>Lexical analysis</a:t>
             </a:r>
             <a:endParaRPr lang="en-US" dirty="0"/>
           </a:p>
@@ -1089,7 +1122,7 @@
           <a:p>
             <a:fld id="{13AEE553-B631-4BB9-A545-34E07B763307}" type="slidenum">
               <a:rPr lang="en-US" smtClean="0"/>
-              <a:t>13</a:t>
+              <a:t>14</a:t>
             </a:fld>
             <a:endParaRPr lang="en-US"/>
           </a:p>
@@ -1098,7 +1131,7 @@
     </p:spTree>
     <p:extLst>
       <p:ext uri="{BB962C8B-B14F-4D97-AF65-F5344CB8AC3E}">
-        <p14:creationId xmlns:p14="http://schemas.microsoft.com/office/powerpoint/2010/main" val="2930269119"/>
+        <p14:creationId xmlns:p14="http://schemas.microsoft.com/office/powerpoint/2010/main" val="1381000784"/>
       </p:ext>
     </p:extLst>
   </p:cSld>
@@ -1154,15 +1187,7 @@
           <a:p>
             <a:r>
               <a:rPr lang="en-US" dirty="0" smtClean="0"/>
-              <a:t>Reference function:</a:t>
-            </a:r>
-            <a:r>
-              <a:rPr lang="en-US" baseline="0" dirty="0" smtClean="0"/>
-              <a:t> </a:t>
-            </a:r>
-            <a:r>
-              <a:rPr lang="en-US" dirty="0" smtClean="0"/>
-              <a:t>INDEX, OFFSET, INDIRECT</a:t>
+              <a:t>preprocessor</a:t>
             </a:r>
             <a:endParaRPr lang="en-US" dirty="0"/>
           </a:p>
@@ -1185,7 +1210,7 @@
           <a:p>
             <a:fld id="{13AEE553-B631-4BB9-A545-34E07B763307}" type="slidenum">
               <a:rPr lang="en-US" smtClean="0"/>
-              <a:t>14</a:t>
+              <a:t>15</a:t>
             </a:fld>
             <a:endParaRPr lang="en-US"/>
           </a:p>
@@ -1194,7 +1219,7 @@
     </p:spTree>
     <p:extLst>
       <p:ext uri="{BB962C8B-B14F-4D97-AF65-F5344CB8AC3E}">
-        <p14:creationId xmlns:p14="http://schemas.microsoft.com/office/powerpoint/2010/main" val="1317630973"/>
+        <p14:creationId xmlns:p14="http://schemas.microsoft.com/office/powerpoint/2010/main" val="3586518272"/>
       </p:ext>
     </p:extLst>
   </p:cSld>
@@ -1249,16 +1274,18 @@
           <a:lstStyle/>
           <a:p>
             <a:r>
-              <a:rPr lang="en-US" sz="1200" b="0" i="0" kern="1200" dirty="0" smtClean="0">
-                <a:solidFill>
-                  <a:schemeClr val="tx1"/>
-                </a:solidFill>
-                <a:effectLst/>
-                <a:latin typeface="+mn-lt"/>
-                <a:ea typeface="+mn-ea"/>
-                <a:cs typeface="+mn-cs"/>
-              </a:rPr>
-              <a:t>in addition to these constructs being rare, they also require some of the most (grammar) work to support, so that they are prime candidates to ignore</a:t>
+              <a:rPr lang="en-US" dirty="0" smtClean="0"/>
+              <a:t>28 errors, 2 legitimate, real errors</a:t>
+            </a:r>
+          </a:p>
+          <a:p>
+            <a:r>
+              <a:rPr lang="en-US" dirty="0" smtClean="0"/>
+              <a:t>Others</a:t>
+            </a:r>
+            <a:r>
+              <a:rPr lang="en-US" baseline="0" dirty="0" smtClean="0"/>
+              <a:t> due to incorrect reading of formulas or corrupt files</a:t>
             </a:r>
             <a:endParaRPr lang="en-US" dirty="0"/>
           </a:p>
@@ -1281,7 +1308,7 @@
           <a:p>
             <a:fld id="{13AEE553-B631-4BB9-A545-34E07B763307}" type="slidenum">
               <a:rPr lang="en-US" smtClean="0"/>
-              <a:t>15</a:t>
+              <a:t>16</a:t>
             </a:fld>
             <a:endParaRPr lang="en-US"/>
           </a:p>
@@ -1290,7 +1317,7 @@
     </p:spTree>
     <p:extLst>
       <p:ext uri="{BB962C8B-B14F-4D97-AF65-F5344CB8AC3E}">
-        <p14:creationId xmlns:p14="http://schemas.microsoft.com/office/powerpoint/2010/main" val="2429786546"/>
+        <p14:creationId xmlns:p14="http://schemas.microsoft.com/office/powerpoint/2010/main" val="2930269119"/>
       </p:ext>
     </p:extLst>
   </p:cSld>
@@ -1346,13 +1373,17 @@
           <a:p>
             <a:r>
               <a:rPr lang="en-US" dirty="0" smtClean="0"/>
-              <a:t>Error prone, lead</a:t>
+              <a:t>Reference function:</a:t>
             </a:r>
             <a:r>
               <a:rPr lang="en-US" baseline="0" dirty="0" smtClean="0"/>
-              <a:t> the user to make mistakes</a:t>
-            </a:r>
-            <a:endParaRPr lang="en-US" dirty="0" smtClean="0"/>
+              <a:t> </a:t>
+            </a:r>
+            <a:r>
+              <a:rPr lang="en-US" dirty="0" smtClean="0"/>
+              <a:t>INDEX, OFFSET, INDIRECT</a:t>
+            </a:r>
+            <a:endParaRPr lang="en-US" dirty="0"/>
           </a:p>
         </p:txBody>
       </p:sp>
@@ -1382,7 +1413,7 @@
     </p:spTree>
     <p:extLst>
       <p:ext uri="{BB962C8B-B14F-4D97-AF65-F5344CB8AC3E}">
-        <p14:creationId xmlns:p14="http://schemas.microsoft.com/office/powerpoint/2010/main" val="2206567502"/>
+        <p14:creationId xmlns:p14="http://schemas.microsoft.com/office/powerpoint/2010/main" val="1317630973"/>
       </p:ext>
     </p:extLst>
   </p:cSld>
@@ -1437,14 +1468,18 @@
           <a:lstStyle/>
           <a:p>
             <a:r>
-              <a:rPr lang="en-US" dirty="0" smtClean="0"/>
-              <a:t>Error prone, lead</a:t>
-            </a:r>
-            <a:r>
-              <a:rPr lang="en-US" baseline="0" dirty="0" smtClean="0"/>
-              <a:t> the user to make mistakes</a:t>
-            </a:r>
-            <a:endParaRPr lang="en-US" dirty="0" smtClean="0"/>
+              <a:rPr lang="en-US" sz="1200" b="0" i="0" kern="1200" dirty="0" smtClean="0">
+                <a:solidFill>
+                  <a:schemeClr val="tx1"/>
+                </a:solidFill>
+                <a:effectLst/>
+                <a:latin typeface="+mn-lt"/>
+                <a:ea typeface="+mn-ea"/>
+                <a:cs typeface="+mn-cs"/>
+              </a:rPr>
+              <a:t>in addition to these constructs being rare, they also require some of the most (grammar) work to support, so that they are prime candidates to ignore</a:t>
+            </a:r>
+            <a:endParaRPr lang="en-US" dirty="0"/>
           </a:p>
         </p:txBody>
       </p:sp>
@@ -1474,7 +1509,7 @@
     </p:spTree>
     <p:extLst>
       <p:ext uri="{BB962C8B-B14F-4D97-AF65-F5344CB8AC3E}">
-        <p14:creationId xmlns:p14="http://schemas.microsoft.com/office/powerpoint/2010/main" val="2206567502"/>
+        <p14:creationId xmlns:p14="http://schemas.microsoft.com/office/powerpoint/2010/main" val="2429786546"/>
       </p:ext>
     </p:extLst>
   </p:cSld>
@@ -1557,7 +1592,7 @@
           <a:p>
             <a:fld id="{13AEE553-B631-4BB9-A545-34E07B763307}" type="slidenum">
               <a:rPr lang="en-US" smtClean="0"/>
-              <a:t>19</a:t>
+              <a:t>20</a:t>
             </a:fld>
             <a:endParaRPr lang="en-US"/>
           </a:p>
@@ -1649,7 +1684,7 @@
           <a:p>
             <a:fld id="{13AEE553-B631-4BB9-A545-34E07B763307}" type="slidenum">
               <a:rPr lang="en-US" smtClean="0"/>
-              <a:t>20</a:t>
+              <a:t>21</a:t>
             </a:fld>
             <a:endParaRPr lang="en-US"/>
           </a:p>
@@ -1714,25 +1749,13 @@
           <a:p>
             <a:r>
               <a:rPr lang="en-US" dirty="0" smtClean="0"/>
-              <a:t>One</a:t>
+              <a:t>Error prone, lead</a:t>
             </a:r>
             <a:r>
               <a:rPr lang="en-US" baseline="0" dirty="0" smtClean="0"/>
-              <a:t> thing to take away:</a:t>
-            </a:r>
-          </a:p>
-          <a:p>
-            <a:r>
-              <a:rPr lang="en-US" baseline="0" dirty="0" smtClean="0"/>
-              <a:t>If you want to analyze spreadsheets, there is a parser, use it.</a:t>
-            </a:r>
-          </a:p>
-          <a:p>
-            <a:r>
-              <a:rPr lang="en-US" baseline="0" dirty="0" smtClean="0"/>
-              <a:t>And if there is a problem, tell us! We need feedback to improve it.</a:t>
-            </a:r>
-            <a:endParaRPr lang="en-US" dirty="0"/>
+              <a:t> the user to make mistakes</a:t>
+            </a:r>
+            <a:endParaRPr lang="en-US" dirty="0" smtClean="0"/>
           </a:p>
         </p:txBody>
       </p:sp>
@@ -1753,7 +1776,7 @@
           <a:p>
             <a:fld id="{13AEE553-B631-4BB9-A545-34E07B763307}" type="slidenum">
               <a:rPr lang="en-US" smtClean="0"/>
-              <a:t>24</a:t>
+              <a:t>22</a:t>
             </a:fld>
             <a:endParaRPr lang="en-US"/>
           </a:p>
@@ -1762,7 +1785,7 @@
     </p:spTree>
     <p:extLst>
       <p:ext uri="{BB962C8B-B14F-4D97-AF65-F5344CB8AC3E}">
-        <p14:creationId xmlns:p14="http://schemas.microsoft.com/office/powerpoint/2010/main" val="3433679250"/>
+        <p14:creationId xmlns:p14="http://schemas.microsoft.com/office/powerpoint/2010/main" val="2206567502"/>
       </p:ext>
     </p:extLst>
   </p:cSld>
@@ -1818,31 +1841,13 @@
           <a:p>
             <a:r>
               <a:rPr lang="en-US" dirty="0" smtClean="0"/>
-              <a:t>What do formulas consist of?</a:t>
-            </a:r>
-          </a:p>
-          <a:p>
-            <a:r>
-              <a:rPr lang="en-US" dirty="0" smtClean="0"/>
-              <a:t>20 lexical tokes</a:t>
-            </a:r>
-          </a:p>
-          <a:p>
-            <a:r>
-              <a:rPr lang="en-US" dirty="0" smtClean="0"/>
-              <a:t>In the paper,</a:t>
+              <a:t>Error prone, lead</a:t>
             </a:r>
             <a:r>
               <a:rPr lang="en-US" baseline="0" dirty="0" smtClean="0"/>
-              <a:t> their identification patterns in the regular expression language</a:t>
-            </a:r>
-          </a:p>
-          <a:p>
-            <a:r>
-              <a:rPr lang="en-US" baseline="0" dirty="0" smtClean="0"/>
-              <a:t>Along with their priorities</a:t>
-            </a:r>
-            <a:endParaRPr lang="en-US" dirty="0"/>
+              <a:t> the user to make mistakes</a:t>
+            </a:r>
+            <a:endParaRPr lang="en-US" dirty="0" smtClean="0"/>
           </a:p>
         </p:txBody>
       </p:sp>
@@ -1863,7 +1868,7 @@
           <a:p>
             <a:fld id="{13AEE553-B631-4BB9-A545-34E07B763307}" type="slidenum">
               <a:rPr lang="en-US" smtClean="0"/>
-              <a:t>26</a:t>
+              <a:t>23</a:t>
             </a:fld>
             <a:endParaRPr lang="en-US"/>
           </a:p>
@@ -1872,7 +1877,7 @@
     </p:spTree>
     <p:extLst>
       <p:ext uri="{BB962C8B-B14F-4D97-AF65-F5344CB8AC3E}">
-        <p14:creationId xmlns:p14="http://schemas.microsoft.com/office/powerpoint/2010/main" val="3414651741"/>
+        <p14:creationId xmlns:p14="http://schemas.microsoft.com/office/powerpoint/2010/main" val="2206567502"/>
       </p:ext>
     </p:extLst>
   </p:cSld>
@@ -1928,27 +1933,26 @@
           <a:p>
             <a:r>
               <a:rPr lang="en-US" dirty="0" smtClean="0"/>
-              <a:t>Calculation trees as lines of code</a:t>
-            </a:r>
-          </a:p>
-          <a:p>
+              <a:t>The most </a:t>
+            </a:r>
+            <a:r>
+              <a:rPr lang="en-US" b="0" dirty="0" smtClean="0"/>
+              <a:t>widespread</a:t>
+            </a:r>
             <a:r>
               <a:rPr lang="en-US" dirty="0" smtClean="0"/>
-              <a:t>Have found </a:t>
+              <a:t> programming</a:t>
             </a:r>
             <a:r>
               <a:rPr lang="en-US" baseline="0" dirty="0" smtClean="0"/>
-              <a:t>cells with 1000s of transitive precedents</a:t>
-            </a:r>
-          </a:p>
-          <a:p>
-            <a:r>
-              <a:rPr lang="en-US" baseline="0" dirty="0" smtClean="0">
-                <a:sym typeface="Wingdings" panose="05000000000000000000" pitchFamily="2" charset="2"/>
-              </a:rPr>
-              <a:t> Complex programs</a:t>
-            </a:r>
-            <a:endParaRPr lang="en-US" dirty="0" smtClean="0"/>
+              <a:t> language</a:t>
+            </a:r>
+          </a:p>
+          <a:p>
+            <a:r>
+              <a:rPr lang="en-US" baseline="0" dirty="0" smtClean="0"/>
+              <a:t># of spreadsheet programmers bigger than # of software programmers</a:t>
+            </a:r>
           </a:p>
         </p:txBody>
       </p:sp>
@@ -1978,7 +1982,7 @@
     </p:spTree>
     <p:extLst>
       <p:ext uri="{BB962C8B-B14F-4D97-AF65-F5344CB8AC3E}">
-        <p14:creationId xmlns:p14="http://schemas.microsoft.com/office/powerpoint/2010/main" val="2667005675"/>
+        <p14:creationId xmlns:p14="http://schemas.microsoft.com/office/powerpoint/2010/main" val="1849896315"/>
       </p:ext>
     </p:extLst>
   </p:cSld>
@@ -2033,17 +2037,24 @@
           <a:lstStyle/>
           <a:p>
             <a:r>
+              <a:rPr lang="en-US" dirty="0" smtClean="0"/>
+              <a:t>One</a:t>
+            </a:r>
+            <a:r>
               <a:rPr lang="en-US" baseline="0" dirty="0" smtClean="0"/>
-              <a:t>Dynamic data exchange link</a:t>
-            </a:r>
-          </a:p>
-          <a:p>
-            <a:endParaRPr lang="en-US" baseline="0" dirty="0" smtClean="0"/>
+              <a:t> thing to take away:</a:t>
+            </a:r>
           </a:p>
           <a:p>
             <a:r>
               <a:rPr lang="en-US" baseline="0" dirty="0" smtClean="0"/>
-              <a:t>Internal representation of external file references is numeric</a:t>
+              <a:t>If you want to analyze spreadsheets, there is a parser, use it.</a:t>
+            </a:r>
+          </a:p>
+          <a:p>
+            <a:r>
+              <a:rPr lang="en-US" baseline="0" dirty="0" smtClean="0"/>
+              <a:t>And if there is a problem, tell us! We need feedback to improve it.</a:t>
             </a:r>
             <a:endParaRPr lang="en-US" dirty="0"/>
           </a:p>
@@ -2075,7 +2086,7 @@
     </p:spTree>
     <p:extLst>
       <p:ext uri="{BB962C8B-B14F-4D97-AF65-F5344CB8AC3E}">
-        <p14:creationId xmlns:p14="http://schemas.microsoft.com/office/powerpoint/2010/main" val="3414651741"/>
+        <p14:creationId xmlns:p14="http://schemas.microsoft.com/office/powerpoint/2010/main" val="3433679250"/>
       </p:ext>
     </p:extLst>
   </p:cSld>
@@ -2129,29 +2140,32 @@
           <a:bodyPr/>
           <a:lstStyle/>
           <a:p>
-            <a:pPr marL="0" marR="0" indent="0" algn="l" defTabSz="914400" rtl="0" eaLnBrk="1" fontAlgn="auto" latinLnBrk="0" hangingPunct="1">
-              <a:lnSpc>
-                <a:spcPct val="100000"/>
-              </a:lnSpc>
-              <a:spcBef>
-                <a:spcPts val="0"/>
-              </a:spcBef>
-              <a:spcAft>
-                <a:spcPts val="0"/>
-              </a:spcAft>
-              <a:buClrTx/>
-              <a:buSzTx/>
-              <a:buFontTx/>
-              <a:buNone/>
-              <a:tabLst/>
-              <a:defRPr/>
-            </a:pPr>
             <a:r>
               <a:rPr lang="en-US" dirty="0" smtClean="0"/>
-              <a:t>Next: Constant</a:t>
-            </a:r>
-          </a:p>
-          <a:p>
+              <a:t>What do formulas consist of?</a:t>
+            </a:r>
+          </a:p>
+          <a:p>
+            <a:r>
+              <a:rPr lang="en-US" dirty="0" smtClean="0"/>
+              <a:t>20 lexical tokes</a:t>
+            </a:r>
+          </a:p>
+          <a:p>
+            <a:r>
+              <a:rPr lang="en-US" dirty="0" smtClean="0"/>
+              <a:t>In the paper,</a:t>
+            </a:r>
+            <a:r>
+              <a:rPr lang="en-US" baseline="0" dirty="0" smtClean="0"/>
+              <a:t> their identification patterns in the regular expression language</a:t>
+            </a:r>
+          </a:p>
+          <a:p>
+            <a:r>
+              <a:rPr lang="en-US" baseline="0" dirty="0" smtClean="0"/>
+              <a:t>Along with their priorities</a:t>
+            </a:r>
             <a:endParaRPr lang="en-US" dirty="0"/>
           </a:p>
         </p:txBody>
@@ -2173,7 +2187,7 @@
           <a:p>
             <a:fld id="{13AEE553-B631-4BB9-A545-34E07B763307}" type="slidenum">
               <a:rPr lang="en-US" smtClean="0"/>
-              <a:t>28</a:t>
+              <a:t>29</a:t>
             </a:fld>
             <a:endParaRPr lang="en-US"/>
           </a:p>
@@ -2182,7 +2196,7 @@
     </p:spTree>
     <p:extLst>
       <p:ext uri="{BB962C8B-B14F-4D97-AF65-F5344CB8AC3E}">
-        <p14:creationId xmlns:p14="http://schemas.microsoft.com/office/powerpoint/2010/main" val="3548756803"/>
+        <p14:creationId xmlns:p14="http://schemas.microsoft.com/office/powerpoint/2010/main" val="3414651741"/>
       </p:ext>
     </p:extLst>
   </p:cSld>
@@ -2237,18 +2251,17 @@
           <a:lstStyle/>
           <a:p>
             <a:r>
-              <a:rPr lang="en-US" dirty="0" smtClean="0"/>
-              <a:t>Constants</a:t>
-            </a:r>
-          </a:p>
-          <a:p>
-            <a:r>
-              <a:rPr lang="en-US" dirty="0" smtClean="0"/>
-              <a:t>Next: </a:t>
-            </a:r>
-            <a:r>
-              <a:rPr lang="en-US" dirty="0" err="1" smtClean="0"/>
-              <a:t>ConstantArray</a:t>
+              <a:rPr lang="en-US" baseline="0" dirty="0" smtClean="0"/>
+              <a:t>Dynamic data exchange link</a:t>
+            </a:r>
+          </a:p>
+          <a:p>
+            <a:endParaRPr lang="en-US" baseline="0" dirty="0" smtClean="0"/>
+          </a:p>
+          <a:p>
+            <a:r>
+              <a:rPr lang="en-US" baseline="0" dirty="0" smtClean="0"/>
+              <a:t>Internal representation of external file references is numeric</a:t>
             </a:r>
             <a:endParaRPr lang="en-US" dirty="0"/>
           </a:p>
@@ -2271,7 +2284,7 @@
           <a:p>
             <a:fld id="{13AEE553-B631-4BB9-A545-34E07B763307}" type="slidenum">
               <a:rPr lang="en-US" smtClean="0"/>
-              <a:t>29</a:t>
+              <a:t>30</a:t>
             </a:fld>
             <a:endParaRPr lang="en-US"/>
           </a:p>
@@ -2280,7 +2293,7 @@
     </p:spTree>
     <p:extLst>
       <p:ext uri="{BB962C8B-B14F-4D97-AF65-F5344CB8AC3E}">
-        <p14:creationId xmlns:p14="http://schemas.microsoft.com/office/powerpoint/2010/main" val="2935516014"/>
+        <p14:creationId xmlns:p14="http://schemas.microsoft.com/office/powerpoint/2010/main" val="3414651741"/>
       </p:ext>
     </p:extLst>
   </p:cSld>
@@ -2334,53 +2347,27 @@
           <a:bodyPr/>
           <a:lstStyle/>
           <a:p>
-            <a:r>
-              <a:rPr lang="en-US" sz="1200" b="0" i="0" kern="1200" dirty="0" smtClean="0">
-                <a:solidFill>
-                  <a:schemeClr val="tx1"/>
-                </a:solidFill>
-                <a:effectLst/>
-                <a:latin typeface="+mn-lt"/>
-                <a:ea typeface="+mn-ea"/>
-                <a:cs typeface="+mn-cs"/>
-              </a:rPr>
-              <a:t>Constants Arrays + CTRL+SHIFT+ENTER</a:t>
-            </a:r>
-          </a:p>
-          <a:p>
-            <a:r>
-              <a:rPr lang="en-US" sz="1200" b="0" i="0" kern="1200" dirty="0" smtClean="0">
-                <a:solidFill>
-                  <a:schemeClr val="tx1"/>
-                </a:solidFill>
-                <a:effectLst/>
-                <a:latin typeface="+mn-lt"/>
-                <a:ea typeface="+mn-ea"/>
-                <a:cs typeface="+mn-cs"/>
-              </a:rPr>
-              <a:t>Next: </a:t>
-            </a:r>
-            <a:r>
-              <a:rPr lang="en-US" sz="1200" b="0" i="0" kern="1200" dirty="0" err="1" smtClean="0">
-                <a:solidFill>
-                  <a:schemeClr val="tx1"/>
-                </a:solidFill>
-                <a:effectLst/>
-                <a:latin typeface="+mn-lt"/>
-                <a:ea typeface="+mn-ea"/>
-                <a:cs typeface="+mn-cs"/>
-              </a:rPr>
-              <a:t>FunctionCall</a:t>
-            </a:r>
-            <a:endParaRPr lang="en-US" sz="1200" b="0" i="0" kern="1200" dirty="0" smtClean="0">
-              <a:solidFill>
-                <a:schemeClr val="tx1"/>
-              </a:solidFill>
-              <a:effectLst/>
-              <a:latin typeface="+mn-lt"/>
-              <a:ea typeface="+mn-ea"/>
-              <a:cs typeface="+mn-cs"/>
-            </a:endParaRPr>
+            <a:pPr marL="0" marR="0" indent="0" algn="l" defTabSz="914400" rtl="0" eaLnBrk="1" fontAlgn="auto" latinLnBrk="0" hangingPunct="1">
+              <a:lnSpc>
+                <a:spcPct val="100000"/>
+              </a:lnSpc>
+              <a:spcBef>
+                <a:spcPts val="0"/>
+              </a:spcBef>
+              <a:spcAft>
+                <a:spcPts val="0"/>
+              </a:spcAft>
+              <a:buClrTx/>
+              <a:buSzTx/>
+              <a:buFontTx/>
+              <a:buNone/>
+              <a:tabLst/>
+              <a:defRPr/>
+            </a:pPr>
+            <a:r>
+              <a:rPr lang="en-US" dirty="0" smtClean="0"/>
+              <a:t>Next: Constant</a:t>
+            </a:r>
           </a:p>
           <a:p>
             <a:endParaRPr lang="en-US" dirty="0"/>
@@ -2404,7 +2391,7 @@
           <a:p>
             <a:fld id="{13AEE553-B631-4BB9-A545-34E07B763307}" type="slidenum">
               <a:rPr lang="en-US" smtClean="0"/>
-              <a:t>30</a:t>
+              <a:t>31</a:t>
             </a:fld>
             <a:endParaRPr lang="en-US"/>
           </a:p>
@@ -2413,7 +2400,7 @@
     </p:spTree>
     <p:extLst>
       <p:ext uri="{BB962C8B-B14F-4D97-AF65-F5344CB8AC3E}">
-        <p14:creationId xmlns:p14="http://schemas.microsoft.com/office/powerpoint/2010/main" val="2935516014"/>
+        <p14:creationId xmlns:p14="http://schemas.microsoft.com/office/powerpoint/2010/main" val="3548756803"/>
       </p:ext>
     </p:extLst>
   </p:cSld>
@@ -2468,42 +2455,19 @@
           <a:lstStyle/>
           <a:p>
             <a:r>
-              <a:rPr lang="en-US" sz="1200" b="0" i="0" kern="1200" dirty="0" err="1" smtClean="0">
-                <a:solidFill>
-                  <a:schemeClr val="tx1"/>
-                </a:solidFill>
-                <a:effectLst/>
-                <a:latin typeface="+mn-lt"/>
-                <a:ea typeface="+mn-ea"/>
-                <a:cs typeface="+mn-cs"/>
-              </a:rPr>
-              <a:t>FunctionCall</a:t>
-            </a:r>
-            <a:endParaRPr lang="en-US" sz="1200" b="0" i="0" kern="1200" dirty="0" smtClean="0">
-              <a:solidFill>
-                <a:schemeClr val="tx1"/>
-              </a:solidFill>
-              <a:effectLst/>
-              <a:latin typeface="+mn-lt"/>
-              <a:ea typeface="+mn-ea"/>
-              <a:cs typeface="+mn-cs"/>
-            </a:endParaRPr>
-          </a:p>
-          <a:p>
-            <a:r>
-              <a:rPr lang="en-US" sz="1200" b="0" i="0" kern="1200" dirty="0" smtClean="0">
-                <a:solidFill>
-                  <a:schemeClr val="tx1"/>
-                </a:solidFill>
-                <a:effectLst/>
-                <a:latin typeface="+mn-lt"/>
-                <a:ea typeface="+mn-ea"/>
-                <a:cs typeface="+mn-cs"/>
-              </a:rPr>
-              <a:t>Next: Reference Rule</a:t>
-            </a:r>
-          </a:p>
-          <a:p>
+              <a:rPr lang="en-US" dirty="0" smtClean="0"/>
+              <a:t>Constants</a:t>
+            </a:r>
+          </a:p>
+          <a:p>
+            <a:r>
+              <a:rPr lang="en-US" dirty="0" smtClean="0"/>
+              <a:t>Next: </a:t>
+            </a:r>
+            <a:r>
+              <a:rPr lang="en-US" dirty="0" err="1" smtClean="0"/>
+              <a:t>ConstantArray</a:t>
+            </a:r>
             <a:endParaRPr lang="en-US" dirty="0"/>
           </a:p>
         </p:txBody>
@@ -2525,7 +2489,7 @@
           <a:p>
             <a:fld id="{13AEE553-B631-4BB9-A545-34E07B763307}" type="slidenum">
               <a:rPr lang="en-US" smtClean="0"/>
-              <a:t>31</a:t>
+              <a:t>32</a:t>
             </a:fld>
             <a:endParaRPr lang="en-US"/>
           </a:p>
@@ -2589,6 +2553,32 @@
           <a:lstStyle/>
           <a:p>
             <a:r>
+              <a:rPr lang="en-US" sz="1200" b="0" i="0" kern="1200" dirty="0" smtClean="0">
+                <a:solidFill>
+                  <a:schemeClr val="tx1"/>
+                </a:solidFill>
+                <a:effectLst/>
+                <a:latin typeface="+mn-lt"/>
+                <a:ea typeface="+mn-ea"/>
+                <a:cs typeface="+mn-cs"/>
+              </a:rPr>
+              <a:t>Constants Arrays + CTRL+SHIFT+ENTER</a:t>
+            </a:r>
+          </a:p>
+          <a:p>
+            <a:r>
+              <a:rPr lang="en-US" sz="1200" b="0" i="0" kern="1200" dirty="0" smtClean="0">
+                <a:solidFill>
+                  <a:schemeClr val="tx1"/>
+                </a:solidFill>
+                <a:effectLst/>
+                <a:latin typeface="+mn-lt"/>
+                <a:ea typeface="+mn-ea"/>
+                <a:cs typeface="+mn-cs"/>
+              </a:rPr>
+              <a:t>Next: </a:t>
+            </a:r>
+            <a:r>
               <a:rPr lang="en-US" sz="1200" b="0" i="0" kern="1200" dirty="0" err="1" smtClean="0">
                 <a:solidFill>
                   <a:schemeClr val="tx1"/>
@@ -2611,41 +2601,6 @@
             </a:endParaRPr>
           </a:p>
           <a:p>
-            <a:r>
-              <a:rPr lang="en-US" sz="1200" b="0" i="0" kern="1200" dirty="0" smtClean="0">
-                <a:solidFill>
-                  <a:schemeClr val="tx1"/>
-                </a:solidFill>
-                <a:effectLst/>
-                <a:latin typeface="+mn-lt"/>
-                <a:ea typeface="+mn-ea"/>
-                <a:cs typeface="+mn-cs"/>
-              </a:rPr>
-              <a:t>Next: Prefix and </a:t>
-            </a:r>
-            <a:r>
-              <a:rPr lang="en-US" sz="1200" b="0" i="0" kern="1200" dirty="0" err="1" smtClean="0">
-                <a:solidFill>
-                  <a:schemeClr val="tx1"/>
-                </a:solidFill>
-                <a:effectLst/>
-                <a:latin typeface="+mn-lt"/>
-                <a:ea typeface="+mn-ea"/>
-                <a:cs typeface="+mn-cs"/>
-              </a:rPr>
-              <a:t>ReferenceItem</a:t>
-            </a:r>
-            <a:endParaRPr lang="en-US" sz="1200" b="0" i="0" kern="1200" dirty="0" smtClean="0">
-              <a:solidFill>
-                <a:schemeClr val="tx1"/>
-              </a:solidFill>
-              <a:effectLst/>
-              <a:latin typeface="+mn-lt"/>
-              <a:ea typeface="+mn-ea"/>
-              <a:cs typeface="+mn-cs"/>
-            </a:endParaRPr>
-          </a:p>
-          <a:p>
             <a:endParaRPr lang="en-US" dirty="0"/>
           </a:p>
         </p:txBody>
@@ -2667,7 +2622,7 @@
           <a:p>
             <a:fld id="{13AEE553-B631-4BB9-A545-34E07B763307}" type="slidenum">
               <a:rPr lang="en-US" smtClean="0"/>
-              <a:t>32</a:t>
+              <a:t>33</a:t>
             </a:fld>
             <a:endParaRPr lang="en-US"/>
           </a:p>
@@ -2731,6 +2686,29 @@
           <a:lstStyle/>
           <a:p>
             <a:r>
+              <a:rPr lang="en-US" sz="1200" b="0" i="0" kern="1200" dirty="0" err="1" smtClean="0">
+                <a:solidFill>
+                  <a:schemeClr val="tx1"/>
+                </a:solidFill>
+                <a:effectLst/>
+                <a:latin typeface="+mn-lt"/>
+                <a:ea typeface="+mn-ea"/>
+                <a:cs typeface="+mn-cs"/>
+              </a:rPr>
+              <a:t>FunctionCall</a:t>
+            </a:r>
+            <a:endParaRPr lang="en-US" sz="1200" b="0" i="0" kern="1200" dirty="0" smtClean="0">
+              <a:solidFill>
+                <a:schemeClr val="tx1"/>
+              </a:solidFill>
+              <a:effectLst/>
+              <a:latin typeface="+mn-lt"/>
+              <a:ea typeface="+mn-ea"/>
+              <a:cs typeface="+mn-cs"/>
+            </a:endParaRPr>
+          </a:p>
+          <a:p>
+            <a:r>
               <a:rPr lang="en-US" sz="1200" b="0" i="0" kern="1200" dirty="0" smtClean="0">
                 <a:solidFill>
                   <a:schemeClr val="tx1"/>
@@ -2740,76 +2718,8 @@
                 <a:ea typeface="+mn-ea"/>
                 <a:cs typeface="+mn-cs"/>
               </a:rPr>
-              <a:t>Prefix +</a:t>
-            </a:r>
-            <a:r>
-              <a:rPr lang="en-US" sz="1200" b="0" i="0" kern="1200" baseline="0" dirty="0" smtClean="0">
-                <a:solidFill>
-                  <a:schemeClr val="tx1"/>
-                </a:solidFill>
-                <a:effectLst/>
-                <a:latin typeface="+mn-lt"/>
-                <a:ea typeface="+mn-ea"/>
-                <a:cs typeface="+mn-cs"/>
-              </a:rPr>
-              <a:t> </a:t>
-            </a:r>
-            <a:r>
-              <a:rPr lang="en-US" sz="1200" b="0" i="0" kern="1200" baseline="0" dirty="0" err="1" smtClean="0">
-                <a:solidFill>
-                  <a:schemeClr val="tx1"/>
-                </a:solidFill>
-                <a:effectLst/>
-                <a:latin typeface="+mn-lt"/>
-                <a:ea typeface="+mn-ea"/>
-                <a:cs typeface="+mn-cs"/>
-              </a:rPr>
-              <a:t>referenceItem</a:t>
-            </a:r>
-            <a:endParaRPr lang="en-US" sz="1200" b="0" i="0" kern="1200" dirty="0" smtClean="0">
-              <a:solidFill>
-                <a:schemeClr val="tx1"/>
-              </a:solidFill>
-              <a:effectLst/>
-              <a:latin typeface="+mn-lt"/>
-              <a:ea typeface="+mn-ea"/>
-              <a:cs typeface="+mn-cs"/>
-            </a:endParaRPr>
-          </a:p>
-          <a:p>
-            <a:r>
-              <a:rPr lang="en-US" sz="1200" b="0" i="0" kern="1200" dirty="0" smtClean="0">
-                <a:solidFill>
-                  <a:schemeClr val="tx1"/>
-                </a:solidFill>
-                <a:effectLst/>
-                <a:latin typeface="+mn-lt"/>
-                <a:ea typeface="+mn-ea"/>
-                <a:cs typeface="+mn-cs"/>
-              </a:rPr>
-              <a:t>Next: </a:t>
-            </a:r>
-            <a:r>
-              <a:rPr lang="en-US" sz="1200" b="0" i="0" kern="1200" dirty="0" err="1" smtClean="0">
-                <a:solidFill>
-                  <a:schemeClr val="tx1"/>
-                </a:solidFill>
-                <a:effectLst/>
-                <a:latin typeface="+mn-lt"/>
-                <a:ea typeface="+mn-ea"/>
-                <a:cs typeface="+mn-cs"/>
-              </a:rPr>
-              <a:t>RefFunctionCall</a:t>
-            </a:r>
-            <a:endParaRPr lang="en-US" sz="1200" b="0" i="0" kern="1200" dirty="0" smtClean="0">
-              <a:solidFill>
-                <a:schemeClr val="tx1"/>
-              </a:solidFill>
-              <a:effectLst/>
-              <a:latin typeface="+mn-lt"/>
-              <a:ea typeface="+mn-ea"/>
-              <a:cs typeface="+mn-cs"/>
-            </a:endParaRPr>
+              <a:t>Next: Reference Rule</a:t>
+            </a:r>
           </a:p>
           <a:p>
             <a:endParaRPr lang="en-US" dirty="0"/>
@@ -2833,7 +2743,7 @@
           <a:p>
             <a:fld id="{13AEE553-B631-4BB9-A545-34E07B763307}" type="slidenum">
               <a:rPr lang="en-US" smtClean="0"/>
-              <a:t>33</a:t>
+              <a:t>34</a:t>
             </a:fld>
             <a:endParaRPr lang="en-US"/>
           </a:p>
@@ -2906,6 +2816,314 @@
                 <a:ea typeface="+mn-ea"/>
                 <a:cs typeface="+mn-cs"/>
               </a:rPr>
+              <a:t>FunctionCall</a:t>
+            </a:r>
+            <a:endParaRPr lang="en-US" sz="1200" b="0" i="0" kern="1200" dirty="0" smtClean="0">
+              <a:solidFill>
+                <a:schemeClr val="tx1"/>
+              </a:solidFill>
+              <a:effectLst/>
+              <a:latin typeface="+mn-lt"/>
+              <a:ea typeface="+mn-ea"/>
+              <a:cs typeface="+mn-cs"/>
+            </a:endParaRPr>
+          </a:p>
+          <a:p>
+            <a:r>
+              <a:rPr lang="en-US" sz="1200" b="0" i="0" kern="1200" dirty="0" smtClean="0">
+                <a:solidFill>
+                  <a:schemeClr val="tx1"/>
+                </a:solidFill>
+                <a:effectLst/>
+                <a:latin typeface="+mn-lt"/>
+                <a:ea typeface="+mn-ea"/>
+                <a:cs typeface="+mn-cs"/>
+              </a:rPr>
+              <a:t>Next: Prefix and </a:t>
+            </a:r>
+            <a:r>
+              <a:rPr lang="en-US" sz="1200" b="0" i="0" kern="1200" dirty="0" err="1" smtClean="0">
+                <a:solidFill>
+                  <a:schemeClr val="tx1"/>
+                </a:solidFill>
+                <a:effectLst/>
+                <a:latin typeface="+mn-lt"/>
+                <a:ea typeface="+mn-ea"/>
+                <a:cs typeface="+mn-cs"/>
+              </a:rPr>
+              <a:t>ReferenceItem</a:t>
+            </a:r>
+            <a:endParaRPr lang="en-US" sz="1200" b="0" i="0" kern="1200" dirty="0" smtClean="0">
+              <a:solidFill>
+                <a:schemeClr val="tx1"/>
+              </a:solidFill>
+              <a:effectLst/>
+              <a:latin typeface="+mn-lt"/>
+              <a:ea typeface="+mn-ea"/>
+              <a:cs typeface="+mn-cs"/>
+            </a:endParaRPr>
+          </a:p>
+          <a:p>
+            <a:endParaRPr lang="en-US" dirty="0"/>
+          </a:p>
+        </p:txBody>
+      </p:sp>
+      <p:sp>
+        <p:nvSpPr>
+          <p:cNvPr id="4" name="Slide Number Placeholder 3"/>
+          <p:cNvSpPr>
+            <a:spLocks noGrp="1"/>
+          </p:cNvSpPr>
+          <p:nvPr>
+            <p:ph type="sldNum" sz="quarter" idx="10"/>
+          </p:nvPr>
+        </p:nvSpPr>
+        <p:spPr/>
+        <p:txBody>
+          <a:bodyPr/>
+          <a:lstStyle/>
+          <a:p>
+            <a:fld id="{13AEE553-B631-4BB9-A545-34E07B763307}" type="slidenum">
+              <a:rPr lang="en-US" smtClean="0"/>
+              <a:t>35</a:t>
+            </a:fld>
+            <a:endParaRPr lang="en-US"/>
+          </a:p>
+        </p:txBody>
+      </p:sp>
+    </p:spTree>
+    <p:extLst>
+      <p:ext uri="{BB962C8B-B14F-4D97-AF65-F5344CB8AC3E}">
+        <p14:creationId xmlns:p14="http://schemas.microsoft.com/office/powerpoint/2010/main" val="2935516014"/>
+      </p:ext>
+    </p:extLst>
+  </p:cSld>
+  <p:clrMapOvr>
+    <a:masterClrMapping/>
+  </p:clrMapOvr>
+</p:notes>
+</file>
+
+<file path=ppt/notesSlides/notesSlide28.xml><?xml version="1.0" encoding="utf-8"?>
+<p:notes xmlns:a="http://schemas.openxmlformats.org/drawingml/2006/main" xmlns:r="http://schemas.openxmlformats.org/officeDocument/2006/relationships" xmlns:p="http://schemas.openxmlformats.org/presentationml/2006/main">
+  <p:cSld>
+    <p:spTree>
+      <p:nvGrpSpPr>
+        <p:cNvPr id="1" name=""/>
+        <p:cNvGrpSpPr/>
+        <p:nvPr/>
+      </p:nvGrpSpPr>
+      <p:grpSpPr>
+        <a:xfrm>
+          <a:off x="0" y="0"/>
+          <a:ext cx="0" cy="0"/>
+          <a:chOff x="0" y="0"/>
+          <a:chExt cx="0" cy="0"/>
+        </a:xfrm>
+      </p:grpSpPr>
+      <p:sp>
+        <p:nvSpPr>
+          <p:cNvPr id="2" name="Slide Image Placeholder 1"/>
+          <p:cNvSpPr>
+            <a:spLocks noGrp="1" noRot="1" noChangeAspect="1"/>
+          </p:cNvSpPr>
+          <p:nvPr>
+            <p:ph type="sldImg"/>
+          </p:nvPr>
+        </p:nvSpPr>
+        <p:spPr/>
+      </p:sp>
+      <p:sp>
+        <p:nvSpPr>
+          <p:cNvPr id="3" name="Notes Placeholder 2"/>
+          <p:cNvSpPr>
+            <a:spLocks noGrp="1"/>
+          </p:cNvSpPr>
+          <p:nvPr>
+            <p:ph type="body" idx="1"/>
+          </p:nvPr>
+        </p:nvSpPr>
+        <p:spPr/>
+        <p:txBody>
+          <a:bodyPr/>
+          <a:lstStyle/>
+          <a:p>
+            <a:r>
+              <a:rPr lang="en-US" sz="1200" b="0" i="0" kern="1200" dirty="0" smtClean="0">
+                <a:solidFill>
+                  <a:schemeClr val="tx1"/>
+                </a:solidFill>
+                <a:effectLst/>
+                <a:latin typeface="+mn-lt"/>
+                <a:ea typeface="+mn-ea"/>
+                <a:cs typeface="+mn-cs"/>
+              </a:rPr>
+              <a:t>Prefix +</a:t>
+            </a:r>
+            <a:r>
+              <a:rPr lang="en-US" sz="1200" b="0" i="0" kern="1200" baseline="0" dirty="0" smtClean="0">
+                <a:solidFill>
+                  <a:schemeClr val="tx1"/>
+                </a:solidFill>
+                <a:effectLst/>
+                <a:latin typeface="+mn-lt"/>
+                <a:ea typeface="+mn-ea"/>
+                <a:cs typeface="+mn-cs"/>
+              </a:rPr>
+              <a:t> </a:t>
+            </a:r>
+            <a:r>
+              <a:rPr lang="en-US" sz="1200" b="0" i="0" kern="1200" baseline="0" dirty="0" err="1" smtClean="0">
+                <a:solidFill>
+                  <a:schemeClr val="tx1"/>
+                </a:solidFill>
+                <a:effectLst/>
+                <a:latin typeface="+mn-lt"/>
+                <a:ea typeface="+mn-ea"/>
+                <a:cs typeface="+mn-cs"/>
+              </a:rPr>
+              <a:t>referenceItem</a:t>
+            </a:r>
+            <a:endParaRPr lang="en-US" sz="1200" b="0" i="0" kern="1200" dirty="0" smtClean="0">
+              <a:solidFill>
+                <a:schemeClr val="tx1"/>
+              </a:solidFill>
+              <a:effectLst/>
+              <a:latin typeface="+mn-lt"/>
+              <a:ea typeface="+mn-ea"/>
+              <a:cs typeface="+mn-cs"/>
+            </a:endParaRPr>
+          </a:p>
+          <a:p>
+            <a:r>
+              <a:rPr lang="en-US" sz="1200" b="0" i="0" kern="1200" dirty="0" smtClean="0">
+                <a:solidFill>
+                  <a:schemeClr val="tx1"/>
+                </a:solidFill>
+                <a:effectLst/>
+                <a:latin typeface="+mn-lt"/>
+                <a:ea typeface="+mn-ea"/>
+                <a:cs typeface="+mn-cs"/>
+              </a:rPr>
+              <a:t>Next: </a:t>
+            </a:r>
+            <a:r>
+              <a:rPr lang="en-US" sz="1200" b="0" i="0" kern="1200" dirty="0" err="1" smtClean="0">
+                <a:solidFill>
+                  <a:schemeClr val="tx1"/>
+                </a:solidFill>
+                <a:effectLst/>
+                <a:latin typeface="+mn-lt"/>
+                <a:ea typeface="+mn-ea"/>
+                <a:cs typeface="+mn-cs"/>
+              </a:rPr>
+              <a:t>RefFunctionCall</a:t>
+            </a:r>
+            <a:endParaRPr lang="en-US" sz="1200" b="0" i="0" kern="1200" dirty="0" smtClean="0">
+              <a:solidFill>
+                <a:schemeClr val="tx1"/>
+              </a:solidFill>
+              <a:effectLst/>
+              <a:latin typeface="+mn-lt"/>
+              <a:ea typeface="+mn-ea"/>
+              <a:cs typeface="+mn-cs"/>
+            </a:endParaRPr>
+          </a:p>
+          <a:p>
+            <a:endParaRPr lang="en-US" dirty="0"/>
+          </a:p>
+        </p:txBody>
+      </p:sp>
+      <p:sp>
+        <p:nvSpPr>
+          <p:cNvPr id="4" name="Slide Number Placeholder 3"/>
+          <p:cNvSpPr>
+            <a:spLocks noGrp="1"/>
+          </p:cNvSpPr>
+          <p:nvPr>
+            <p:ph type="sldNum" sz="quarter" idx="10"/>
+          </p:nvPr>
+        </p:nvSpPr>
+        <p:spPr/>
+        <p:txBody>
+          <a:bodyPr/>
+          <a:lstStyle/>
+          <a:p>
+            <a:fld id="{13AEE553-B631-4BB9-A545-34E07B763307}" type="slidenum">
+              <a:rPr lang="en-US" smtClean="0"/>
+              <a:t>36</a:t>
+            </a:fld>
+            <a:endParaRPr lang="en-US"/>
+          </a:p>
+        </p:txBody>
+      </p:sp>
+    </p:spTree>
+    <p:extLst>
+      <p:ext uri="{BB962C8B-B14F-4D97-AF65-F5344CB8AC3E}">
+        <p14:creationId xmlns:p14="http://schemas.microsoft.com/office/powerpoint/2010/main" val="2935516014"/>
+      </p:ext>
+    </p:extLst>
+  </p:cSld>
+  <p:clrMapOvr>
+    <a:masterClrMapping/>
+  </p:clrMapOvr>
+</p:notes>
+</file>
+
+<file path=ppt/notesSlides/notesSlide29.xml><?xml version="1.0" encoding="utf-8"?>
+<p:notes xmlns:a="http://schemas.openxmlformats.org/drawingml/2006/main" xmlns:r="http://schemas.openxmlformats.org/officeDocument/2006/relationships" xmlns:p="http://schemas.openxmlformats.org/presentationml/2006/main">
+  <p:cSld>
+    <p:spTree>
+      <p:nvGrpSpPr>
+        <p:cNvPr id="1" name=""/>
+        <p:cNvGrpSpPr/>
+        <p:nvPr/>
+      </p:nvGrpSpPr>
+      <p:grpSpPr>
+        <a:xfrm>
+          <a:off x="0" y="0"/>
+          <a:ext cx="0" cy="0"/>
+          <a:chOff x="0" y="0"/>
+          <a:chExt cx="0" cy="0"/>
+        </a:xfrm>
+      </p:grpSpPr>
+      <p:sp>
+        <p:nvSpPr>
+          <p:cNvPr id="2" name="Slide Image Placeholder 1"/>
+          <p:cNvSpPr>
+            <a:spLocks noGrp="1" noRot="1" noChangeAspect="1"/>
+          </p:cNvSpPr>
+          <p:nvPr>
+            <p:ph type="sldImg"/>
+          </p:nvPr>
+        </p:nvSpPr>
+        <p:spPr/>
+      </p:sp>
+      <p:sp>
+        <p:nvSpPr>
+          <p:cNvPr id="3" name="Notes Placeholder 2"/>
+          <p:cNvSpPr>
+            <a:spLocks noGrp="1"/>
+          </p:cNvSpPr>
+          <p:nvPr>
+            <p:ph type="body" idx="1"/>
+          </p:nvPr>
+        </p:nvSpPr>
+        <p:spPr/>
+        <p:txBody>
+          <a:bodyPr/>
+          <a:lstStyle/>
+          <a:p>
+            <a:r>
+              <a:rPr lang="en-US" sz="1200" b="0" i="0" kern="1200" dirty="0" err="1" smtClean="0">
+                <a:solidFill>
+                  <a:schemeClr val="tx1"/>
+                </a:solidFill>
+                <a:effectLst/>
+                <a:latin typeface="+mn-lt"/>
+                <a:ea typeface="+mn-ea"/>
+                <a:cs typeface="+mn-cs"/>
+              </a:rPr>
               <a:t>RefFunctionCall</a:t>
             </a:r>
             <a:endParaRPr lang="en-US" sz="1200" b="0" i="0" kern="1200" dirty="0" smtClean="0">
@@ -3083,7 +3301,7 @@
           <a:p>
             <a:fld id="{13AEE553-B631-4BB9-A545-34E07B763307}" type="slidenum">
               <a:rPr lang="en-US" smtClean="0"/>
-              <a:t>34</a:t>
+              <a:t>37</a:t>
             </a:fld>
             <a:endParaRPr lang="en-US"/>
           </a:p>
@@ -3148,25 +3366,27 @@
           <a:p>
             <a:r>
               <a:rPr lang="en-US" dirty="0" smtClean="0"/>
-              <a:t>All</a:t>
+              <a:t>Calculation trees as lines of code</a:t>
+            </a:r>
+          </a:p>
+          <a:p>
+            <a:r>
+              <a:rPr lang="en-US" dirty="0" smtClean="0"/>
+              <a:t>Have found </a:t>
             </a:r>
             <a:r>
               <a:rPr lang="en-US" baseline="0" dirty="0" smtClean="0"/>
-              <a:t> research involves </a:t>
-            </a:r>
-            <a:r>
-              <a:rPr lang="en-US" b="0" baseline="0" dirty="0" smtClean="0"/>
-              <a:t>formula analysis</a:t>
-            </a:r>
-          </a:p>
-          <a:p>
-            <a:r>
-              <a:rPr lang="en-US" b="0" baseline="0" dirty="0" smtClean="0">
+              <a:t>cells with 1000s of transitive precedents</a:t>
+            </a:r>
+          </a:p>
+          <a:p>
+            <a:r>
+              <a:rPr lang="en-US" baseline="0" dirty="0" smtClean="0">
                 <a:sym typeface="Wingdings" panose="05000000000000000000" pitchFamily="2" charset="2"/>
               </a:rPr>
-              <a:t> Formula parser to convert Strings to Parse trees</a:t>
-            </a:r>
-            <a:endParaRPr lang="en-US" b="0" dirty="0"/>
+              <a:t> Complex programs</a:t>
+            </a:r>
+            <a:endParaRPr lang="en-US" dirty="0" smtClean="0"/>
           </a:p>
         </p:txBody>
       </p:sp>
@@ -3196,7 +3416,7 @@
     </p:spTree>
     <p:extLst>
       <p:ext uri="{BB962C8B-B14F-4D97-AF65-F5344CB8AC3E}">
-        <p14:creationId xmlns:p14="http://schemas.microsoft.com/office/powerpoint/2010/main" val="471144824"/>
+        <p14:creationId xmlns:p14="http://schemas.microsoft.com/office/powerpoint/2010/main" val="2667005675"/>
       </p:ext>
     </p:extLst>
   </p:cSld>
@@ -3250,50 +3470,27 @@
           <a:bodyPr/>
           <a:lstStyle/>
           <a:p>
-            <a:pPr marL="0" indent="0">
-              <a:buNone/>
-            </a:pPr>
             <a:r>
               <a:rPr lang="en-US" dirty="0" smtClean="0"/>
-              <a:t>Surely this grammar serves its purpose:</a:t>
+              <a:t>All</a:t>
             </a:r>
             <a:r>
               <a:rPr lang="en-US" baseline="0" dirty="0" smtClean="0"/>
-              <a:t> to evaluate cells</a:t>
-            </a:r>
-          </a:p>
-          <a:p>
-            <a:pPr marL="0" indent="0">
-              <a:buNone/>
-            </a:pPr>
-            <a:r>
-              <a:rPr lang="en-US" baseline="0" dirty="0" smtClean="0"/>
-              <a:t>But:</a:t>
-            </a:r>
-            <a:endParaRPr lang="en-US" dirty="0" smtClean="0"/>
-          </a:p>
-          <a:p>
-            <a:pPr marL="228600" indent="-228600">
-              <a:buAutoNum type="arabicPeriod"/>
-            </a:pPr>
-            <a:r>
-              <a:rPr lang="en-US" dirty="0" smtClean="0"/>
-              <a:t>Hard to</a:t>
-            </a:r>
-            <a:r>
-              <a:rPr lang="en-US" baseline="0" dirty="0" smtClean="0"/>
-              <a:t> implement using a parser generator</a:t>
-            </a:r>
-          </a:p>
-          <a:p>
-            <a:pPr marL="228600" indent="-228600">
-              <a:buAutoNum type="arabicPeriod"/>
-            </a:pPr>
-            <a:r>
-              <a:rPr lang="en-US" baseline="0" dirty="0" smtClean="0"/>
-              <a:t>Parse trees not suited for further manipulation and analysis</a:t>
-            </a:r>
-            <a:endParaRPr lang="en-US" dirty="0"/>
+              <a:t> research involves </a:t>
+            </a:r>
+            <a:r>
+              <a:rPr lang="en-US" b="0" baseline="0" dirty="0" smtClean="0"/>
+              <a:t>formula analysis</a:t>
+            </a:r>
+          </a:p>
+          <a:p>
+            <a:r>
+              <a:rPr lang="en-US" b="0" baseline="0" dirty="0" smtClean="0">
+                <a:sym typeface="Wingdings" panose="05000000000000000000" pitchFamily="2" charset="2"/>
+              </a:rPr>
+              <a:t> Formula parser to convert Strings to Parse trees</a:t>
+            </a:r>
+            <a:endParaRPr lang="en-US" b="0" dirty="0"/>
           </a:p>
         </p:txBody>
       </p:sp>
@@ -3323,7 +3520,7 @@
     </p:spTree>
     <p:extLst>
       <p:ext uri="{BB962C8B-B14F-4D97-AF65-F5344CB8AC3E}">
-        <p14:creationId xmlns:p14="http://schemas.microsoft.com/office/powerpoint/2010/main" val="3817885063"/>
+        <p14:creationId xmlns:p14="http://schemas.microsoft.com/office/powerpoint/2010/main" val="471144824"/>
       </p:ext>
     </p:extLst>
   </p:cSld>
@@ -3377,9 +3574,48 @@
           <a:bodyPr/>
           <a:lstStyle/>
           <a:p>
+            <a:pPr marL="0" indent="0">
+              <a:buNone/>
+            </a:pPr>
             <a:r>
               <a:rPr lang="en-US" dirty="0" smtClean="0"/>
-              <a:t>balance</a:t>
+              <a:t>Surely this grammar serves its purpose:</a:t>
+            </a:r>
+            <a:r>
+              <a:rPr lang="en-US" baseline="0" dirty="0" smtClean="0"/>
+              <a:t> to evaluate cells</a:t>
+            </a:r>
+          </a:p>
+          <a:p>
+            <a:pPr marL="0" indent="0">
+              <a:buNone/>
+            </a:pPr>
+            <a:r>
+              <a:rPr lang="en-US" baseline="0" dirty="0" smtClean="0"/>
+              <a:t>But:</a:t>
+            </a:r>
+            <a:endParaRPr lang="en-US" dirty="0" smtClean="0"/>
+          </a:p>
+          <a:p>
+            <a:pPr marL="228600" indent="-228600">
+              <a:buAutoNum type="arabicPeriod"/>
+            </a:pPr>
+            <a:r>
+              <a:rPr lang="en-US" dirty="0" smtClean="0"/>
+              <a:t>Hard to</a:t>
+            </a:r>
+            <a:r>
+              <a:rPr lang="en-US" baseline="0" dirty="0" smtClean="0"/>
+              <a:t> implement using a parser generator</a:t>
+            </a:r>
+          </a:p>
+          <a:p>
+            <a:pPr marL="228600" indent="-228600">
+              <a:buAutoNum type="arabicPeriod"/>
+            </a:pPr>
+            <a:r>
+              <a:rPr lang="en-US" baseline="0" dirty="0" smtClean="0"/>
+              <a:t>Parse trees not suited for further manipulation and analysis</a:t>
             </a:r>
             <a:endParaRPr lang="en-US" dirty="0"/>
           </a:p>
@@ -3402,7 +3638,7 @@
           <a:p>
             <a:fld id="{13AEE553-B631-4BB9-A545-34E07B763307}" type="slidenum">
               <a:rPr lang="en-US" smtClean="0"/>
-              <a:t>7</a:t>
+              <a:t>6</a:t>
             </a:fld>
             <a:endParaRPr lang="en-US"/>
           </a:p>
@@ -3411,7 +3647,7 @@
     </p:spTree>
     <p:extLst>
       <p:ext uri="{BB962C8B-B14F-4D97-AF65-F5344CB8AC3E}">
-        <p14:creationId xmlns:p14="http://schemas.microsoft.com/office/powerpoint/2010/main" val="2254367648"/>
+        <p14:creationId xmlns:p14="http://schemas.microsoft.com/office/powerpoint/2010/main" val="3817885063"/>
       </p:ext>
     </p:extLst>
   </p:cSld>
@@ -3465,38 +3701,50 @@
           <a:bodyPr/>
           <a:lstStyle/>
           <a:p>
+            <a:pPr marL="0" indent="0">
+              <a:buNone/>
+            </a:pPr>
             <a:r>
               <a:rPr lang="en-US" dirty="0" smtClean="0"/>
-              <a:t>Iterative process, trial and</a:t>
+              <a:t>Surely this grammar serves its purpose:</a:t>
             </a:r>
             <a:r>
               <a:rPr lang="en-US" baseline="0" dirty="0" smtClean="0"/>
-              <a:t> error</a:t>
-            </a:r>
-          </a:p>
-          <a:p>
+              <a:t> to evaluate cells</a:t>
+            </a:r>
+          </a:p>
+          <a:p>
+            <a:pPr marL="0" indent="0">
+              <a:buNone/>
+            </a:pPr>
             <a:r>
               <a:rPr lang="en-US" baseline="0" dirty="0" smtClean="0"/>
-              <a:t>Categorize</a:t>
-            </a:r>
-          </a:p>
-          <a:p>
+              <a:t>But:</a:t>
+            </a:r>
+            <a:endParaRPr lang="en-US" dirty="0" smtClean="0"/>
+          </a:p>
+          <a:p>
+            <a:pPr marL="228600" indent="-228600">
+              <a:buAutoNum type="arabicPeriod"/>
+            </a:pPr>
+            <a:r>
+              <a:rPr lang="en-US" dirty="0" smtClean="0"/>
+              <a:t>Hard to</a:t>
+            </a:r>
             <a:r>
               <a:rPr lang="en-US" baseline="0" dirty="0" smtClean="0"/>
-              <a:t>Fix</a:t>
-            </a:r>
-          </a:p>
-          <a:p>
+              <a:t> implement using a parser generator</a:t>
+            </a:r>
+          </a:p>
+          <a:p>
+            <a:pPr marL="228600" indent="-228600">
+              <a:buAutoNum type="arabicPeriod"/>
+            </a:pPr>
             <a:r>
               <a:rPr lang="en-US" baseline="0" dirty="0" smtClean="0"/>
-              <a:t>Return</a:t>
-            </a:r>
-          </a:p>
-          <a:p>
-            <a:r>
-              <a:rPr lang="en-US" baseline="0" dirty="0" smtClean="0"/>
-              <a:t>Optimize</a:t>
-            </a:r>
+              <a:t>Parse trees not suited for further manipulation and analysis</a:t>
+            </a:r>
+            <a:endParaRPr lang="en-US" dirty="0"/>
           </a:p>
         </p:txBody>
       </p:sp>
@@ -3517,7 +3765,7 @@
           <a:p>
             <a:fld id="{13AEE553-B631-4BB9-A545-34E07B763307}" type="slidenum">
               <a:rPr lang="en-US" smtClean="0"/>
-              <a:t>8</a:t>
+              <a:t>7</a:t>
             </a:fld>
             <a:endParaRPr lang="en-US"/>
           </a:p>
@@ -3526,7 +3774,7 @@
     </p:spTree>
     <p:extLst>
       <p:ext uri="{BB962C8B-B14F-4D97-AF65-F5344CB8AC3E}">
-        <p14:creationId xmlns:p14="http://schemas.microsoft.com/office/powerpoint/2010/main" val="2254367648"/>
+        <p14:creationId xmlns:p14="http://schemas.microsoft.com/office/powerpoint/2010/main" val="3817885063"/>
       </p:ext>
     </p:extLst>
   </p:cSld>
@@ -3582,31 +3830,7 @@
           <a:p>
             <a:r>
               <a:rPr lang="en-US" dirty="0" smtClean="0"/>
-              <a:t>Spreadsheets not open</a:t>
-            </a:r>
-          </a:p>
-          <a:p>
-            <a:r>
-              <a:rPr lang="en-US" dirty="0" smtClean="0"/>
-              <a:t>No spreadsheet</a:t>
-            </a:r>
-            <a:r>
-              <a:rPr lang="en-US" baseline="0" dirty="0" smtClean="0"/>
-              <a:t> repositories</a:t>
-            </a:r>
-          </a:p>
-          <a:p>
-            <a:r>
-              <a:rPr lang="en-US" baseline="0" dirty="0" smtClean="0"/>
-              <a:t>No </a:t>
-            </a:r>
-            <a:r>
-              <a:rPr lang="en-US" baseline="0" dirty="0" err="1" smtClean="0"/>
-              <a:t>github</a:t>
-            </a:r>
-            <a:r>
-              <a:rPr lang="en-US" baseline="0" dirty="0" smtClean="0"/>
-              <a:t> for spreadsheet research</a:t>
+              <a:t>balance</a:t>
             </a:r>
             <a:endParaRPr lang="en-US" dirty="0"/>
           </a:p>
@@ -3638,7 +3862,7 @@
     </p:spTree>
     <p:extLst>
       <p:ext uri="{BB962C8B-B14F-4D97-AF65-F5344CB8AC3E}">
-        <p14:creationId xmlns:p14="http://schemas.microsoft.com/office/powerpoint/2010/main" val="831291857"/>
+        <p14:creationId xmlns:p14="http://schemas.microsoft.com/office/powerpoint/2010/main" val="2254367648"/>
       </p:ext>
     </p:extLst>
   </p:cSld>
@@ -3724,19 +3948,6 @@
               <a:rPr lang="en-US" baseline="0" dirty="0" smtClean="0"/>
               <a:t>Optimize</a:t>
             </a:r>
-          </a:p>
-          <a:p>
-            <a:r>
-              <a:rPr lang="en-US" dirty="0" smtClean="0"/>
-              <a:t>20 million formulas </a:t>
-            </a:r>
-            <a:r>
-              <a:rPr lang="en-US" dirty="0" smtClean="0">
-                <a:sym typeface="Wingdings" panose="05000000000000000000" pitchFamily="2" charset="2"/>
-              </a:rPr>
-              <a:t> 1 million unique</a:t>
-            </a:r>
-            <a:endParaRPr lang="en-US" dirty="0"/>
           </a:p>
         </p:txBody>
       </p:sp>
@@ -3822,7 +4033,31 @@
           <a:p>
             <a:r>
               <a:rPr lang="en-US" dirty="0" smtClean="0"/>
-              <a:t>Lexical analysis</a:t>
+              <a:t>Spreadsheets not open</a:t>
+            </a:r>
+          </a:p>
+          <a:p>
+            <a:r>
+              <a:rPr lang="en-US" dirty="0" smtClean="0"/>
+              <a:t>No spreadsheet</a:t>
+            </a:r>
+            <a:r>
+              <a:rPr lang="en-US" baseline="0" dirty="0" smtClean="0"/>
+              <a:t> repositories</a:t>
+            </a:r>
+          </a:p>
+          <a:p>
+            <a:r>
+              <a:rPr lang="en-US" baseline="0" dirty="0" smtClean="0"/>
+              <a:t>No </a:t>
+            </a:r>
+            <a:r>
+              <a:rPr lang="en-US" baseline="0" dirty="0" err="1" smtClean="0"/>
+              <a:t>github</a:t>
+            </a:r>
+            <a:r>
+              <a:rPr lang="en-US" baseline="0" dirty="0" smtClean="0"/>
+              <a:t> for spreadsheet research</a:t>
             </a:r>
             <a:endParaRPr lang="en-US" dirty="0"/>
           </a:p>
@@ -3854,7 +4089,7 @@
     </p:spTree>
     <p:extLst>
       <p:ext uri="{BB962C8B-B14F-4D97-AF65-F5344CB8AC3E}">
-        <p14:creationId xmlns:p14="http://schemas.microsoft.com/office/powerpoint/2010/main" val="1381000784"/>
+        <p14:creationId xmlns:p14="http://schemas.microsoft.com/office/powerpoint/2010/main" val="831291857"/>
       </p:ext>
     </p:extLst>
   </p:cSld>
@@ -4046,7 +4281,7 @@
             <a:fld id="{1D8BD707-D9CF-40AE-B4C6-C98DA3205C09}" type="datetimeFigureOut">
               <a:rPr lang="en-US" smtClean="0"/>
               <a:pPr/>
-              <a:t>9/18/2015</a:t>
+              <a:t>9/22/2015</a:t>
             </a:fld>
             <a:endParaRPr lang="en-US"/>
           </a:p>
@@ -4218,7 +4453,7 @@
             <a:fld id="{1D8BD707-D9CF-40AE-B4C6-C98DA3205C09}" type="datetimeFigureOut">
               <a:rPr lang="en-US" smtClean="0"/>
               <a:pPr/>
-              <a:t>9/18/2015</a:t>
+              <a:t>9/22/2015</a:t>
             </a:fld>
             <a:endParaRPr lang="en-US"/>
           </a:p>
@@ -4400,7 +4635,7 @@
             <a:fld id="{1D8BD707-D9CF-40AE-B4C6-C98DA3205C09}" type="datetimeFigureOut">
               <a:rPr lang="en-US" smtClean="0"/>
               <a:pPr/>
-              <a:t>9/18/2015</a:t>
+              <a:t>9/22/2015</a:t>
             </a:fld>
             <a:endParaRPr lang="en-US"/>
           </a:p>
@@ -4572,7 +4807,7 @@
             <a:fld id="{1D8BD707-D9CF-40AE-B4C6-C98DA3205C09}" type="datetimeFigureOut">
               <a:rPr lang="en-US" smtClean="0"/>
               <a:pPr/>
-              <a:t>9/18/2015</a:t>
+              <a:t>9/22/2015</a:t>
             </a:fld>
             <a:endParaRPr lang="en-US"/>
           </a:p>
@@ -4820,7 +5055,7 @@
             <a:fld id="{1D8BD707-D9CF-40AE-B4C6-C98DA3205C09}" type="datetimeFigureOut">
               <a:rPr lang="en-US" smtClean="0"/>
               <a:pPr/>
-              <a:t>9/18/2015</a:t>
+              <a:t>9/22/2015</a:t>
             </a:fld>
             <a:endParaRPr lang="en-US"/>
           </a:p>
@@ -5110,7 +5345,7 @@
             <a:fld id="{1D8BD707-D9CF-40AE-B4C6-C98DA3205C09}" type="datetimeFigureOut">
               <a:rPr lang="en-US" smtClean="0"/>
               <a:pPr/>
-              <a:t>9/18/2015</a:t>
+              <a:t>9/22/2015</a:t>
             </a:fld>
             <a:endParaRPr lang="en-US"/>
           </a:p>
@@ -5534,7 +5769,7 @@
             <a:fld id="{1D8BD707-D9CF-40AE-B4C6-C98DA3205C09}" type="datetimeFigureOut">
               <a:rPr lang="en-US" smtClean="0"/>
               <a:pPr/>
-              <a:t>9/18/2015</a:t>
+              <a:t>9/22/2015</a:t>
             </a:fld>
             <a:endParaRPr lang="en-US"/>
           </a:p>
@@ -5654,7 +5889,7 @@
             <a:fld id="{1D8BD707-D9CF-40AE-B4C6-C98DA3205C09}" type="datetimeFigureOut">
               <a:rPr lang="en-US" smtClean="0"/>
               <a:pPr/>
-              <a:t>9/18/2015</a:t>
+              <a:t>9/22/2015</a:t>
             </a:fld>
             <a:endParaRPr lang="en-US"/>
           </a:p>
@@ -5751,7 +5986,7 @@
             <a:fld id="{1D8BD707-D9CF-40AE-B4C6-C98DA3205C09}" type="datetimeFigureOut">
               <a:rPr lang="en-US" smtClean="0"/>
               <a:pPr/>
-              <a:t>9/18/2015</a:t>
+              <a:t>9/22/2015</a:t>
             </a:fld>
             <a:endParaRPr lang="en-US"/>
           </a:p>
@@ -6030,7 +6265,7 @@
             <a:fld id="{1D8BD707-D9CF-40AE-B4C6-C98DA3205C09}" type="datetimeFigureOut">
               <a:rPr lang="en-US" smtClean="0"/>
               <a:pPr/>
-              <a:t>9/18/2015</a:t>
+              <a:t>9/22/2015</a:t>
             </a:fld>
             <a:endParaRPr lang="en-US"/>
           </a:p>
@@ -6285,7 +6520,7 @@
             <a:fld id="{1D8BD707-D9CF-40AE-B4C6-C98DA3205C09}" type="datetimeFigureOut">
               <a:rPr lang="en-US" smtClean="0"/>
               <a:pPr/>
-              <a:t>9/18/2015</a:t>
+              <a:t>9/22/2015</a:t>
             </a:fld>
             <a:endParaRPr lang="en-US"/>
           </a:p>
@@ -6500,7 +6735,7 @@
             <a:fld id="{1D8BD707-D9CF-40AE-B4C6-C98DA3205C09}" type="datetimeFigureOut">
               <a:rPr lang="en-US" smtClean="0"/>
               <a:pPr/>
-              <a:t>9/18/2015</a:t>
+              <a:t>9/22/2015</a:t>
             </a:fld>
             <a:endParaRPr lang="en-US"/>
           </a:p>
@@ -7060,6 +7295,608 @@
           <a:chExt cx="0" cy="0"/>
         </a:xfrm>
       </p:grpSpPr>
+      <p:pic>
+        <p:nvPicPr>
+          <p:cNvPr id="19" name="Picture 2" descr="C:\Users\Efthimia\AppData\Local\Microsoft\Windows\INetCache\IE\CB9RBLS6\Database_icon_simple[1].png"/>
+          <p:cNvPicPr>
+            <a:picLocks noChangeAspect="1" noChangeArrowheads="1"/>
+          </p:cNvPicPr>
+          <p:nvPr/>
+        </p:nvPicPr>
+        <p:blipFill>
+          <a:blip r:embed="rId3">
+            <a:extLst>
+              <a:ext uri="{28A0092B-C50C-407E-A947-70E740481C1C}">
+                <a14:useLocalDpi xmlns:a14="http://schemas.microsoft.com/office/drawing/2010/main" val="0"/>
+              </a:ext>
+            </a:extLst>
+          </a:blip>
+          <a:srcRect/>
+          <a:stretch>
+            <a:fillRect/>
+          </a:stretch>
+        </p:blipFill>
+        <p:spPr bwMode="auto">
+          <a:xfrm>
+            <a:off x="457200" y="2667000"/>
+            <a:ext cx="1649412" cy="1649413"/>
+          </a:xfrm>
+          <a:prstGeom prst="rect">
+            <a:avLst/>
+          </a:prstGeom>
+          <a:noFill/>
+          <a:extLst>
+            <a:ext uri="{909E8E84-426E-40DD-AFC4-6F175D3DCCD1}">
+              <a14:hiddenFill xmlns:a14="http://schemas.microsoft.com/office/drawing/2010/main">
+                <a:solidFill>
+                  <a:srgbClr val="FFFFFF"/>
+                </a:solidFill>
+              </a14:hiddenFill>
+            </a:ext>
+          </a:extLst>
+        </p:spPr>
+      </p:pic>
+      <p:pic>
+        <p:nvPicPr>
+          <p:cNvPr id="23" name="Picture 22"/>
+          <p:cNvPicPr>
+            <a:picLocks noChangeAspect="1"/>
+          </p:cNvPicPr>
+          <p:nvPr/>
+        </p:nvPicPr>
+        <p:blipFill>
+          <a:blip r:embed="rId4">
+            <a:extLst>
+              <a:ext uri="{28A0092B-C50C-407E-A947-70E740481C1C}">
+                <a14:useLocalDpi xmlns:a14="http://schemas.microsoft.com/office/drawing/2010/main" val="0"/>
+              </a:ext>
+            </a:extLst>
+          </a:blip>
+          <a:stretch>
+            <a:fillRect/>
+          </a:stretch>
+        </p:blipFill>
+        <p:spPr>
+          <a:xfrm>
+            <a:off x="4374139" y="2968108"/>
+            <a:ext cx="4244708" cy="2552921"/>
+          </a:xfrm>
+          <a:prstGeom prst="rect">
+            <a:avLst/>
+          </a:prstGeom>
+        </p:spPr>
+      </p:pic>
+      <p:sp>
+        <p:nvSpPr>
+          <p:cNvPr id="2" name="Title 1"/>
+          <p:cNvSpPr>
+            <a:spLocks noGrp="1"/>
+          </p:cNvSpPr>
+          <p:nvPr>
+            <p:ph type="title"/>
+          </p:nvPr>
+        </p:nvSpPr>
+        <p:spPr/>
+        <p:txBody>
+          <a:bodyPr/>
+          <a:lstStyle/>
+          <a:p>
+            <a:r>
+              <a:rPr lang="en-US" dirty="0" smtClean="0"/>
+              <a:t>Our approach</a:t>
+            </a:r>
+            <a:endParaRPr lang="en-US" dirty="0"/>
+          </a:p>
+        </p:txBody>
+      </p:sp>
+      <p:sp>
+        <p:nvSpPr>
+          <p:cNvPr id="3" name="Content Placeholder 2"/>
+          <p:cNvSpPr>
+            <a:spLocks noGrp="1"/>
+          </p:cNvSpPr>
+          <p:nvPr>
+            <p:ph idx="1"/>
+          </p:nvPr>
+        </p:nvSpPr>
+        <p:spPr>
+          <a:xfrm>
+            <a:off x="3429000" y="1905000"/>
+            <a:ext cx="2133600" cy="1437168"/>
+          </a:xfrm>
+          <a:prstGeom prst="roundRect">
+            <a:avLst/>
+          </a:prstGeom>
+        </p:spPr>
+        <p:style>
+          <a:lnRef idx="2">
+            <a:schemeClr val="accent4"/>
+          </a:lnRef>
+          <a:fillRef idx="1">
+            <a:schemeClr val="lt1"/>
+          </a:fillRef>
+          <a:effectRef idx="0">
+            <a:schemeClr val="accent4"/>
+          </a:effectRef>
+          <a:fontRef idx="minor">
+            <a:schemeClr val="dk1"/>
+          </a:fontRef>
+        </p:style>
+        <p:txBody>
+          <a:bodyPr>
+            <a:noAutofit/>
+          </a:bodyPr>
+          <a:lstStyle/>
+          <a:p>
+            <a:pPr marL="0" indent="0">
+              <a:buNone/>
+            </a:pPr>
+            <a:r>
+              <a:rPr lang="en-US" sz="2800" dirty="0" smtClean="0"/>
+              <a:t>Simple grammar parser</a:t>
+            </a:r>
+          </a:p>
+        </p:txBody>
+      </p:sp>
+      <p:sp>
+        <p:nvSpPr>
+          <p:cNvPr id="8" name="TextBox 7"/>
+          <p:cNvSpPr txBox="1"/>
+          <p:nvPr/>
+        </p:nvSpPr>
+        <p:spPr>
+          <a:xfrm>
+            <a:off x="533400" y="1905000"/>
+            <a:ext cx="1905000" cy="830997"/>
+          </a:xfrm>
+          <a:prstGeom prst="rect">
+            <a:avLst/>
+          </a:prstGeom>
+          <a:noFill/>
+        </p:spPr>
+        <p:txBody>
+          <a:bodyPr wrap="square" rtlCol="0">
+            <a:spAutoFit/>
+          </a:bodyPr>
+          <a:lstStyle/>
+          <a:p>
+            <a:r>
+              <a:rPr lang="en-US" sz="2400" dirty="0" smtClean="0"/>
+              <a:t>Scan/extract formulas</a:t>
+            </a:r>
+            <a:endParaRPr lang="en-US" sz="2400" dirty="0"/>
+          </a:p>
+        </p:txBody>
+      </p:sp>
+      <p:sp>
+        <p:nvSpPr>
+          <p:cNvPr id="12" name="TextBox 11"/>
+          <p:cNvSpPr txBox="1"/>
+          <p:nvPr/>
+        </p:nvSpPr>
+        <p:spPr>
+          <a:xfrm>
+            <a:off x="6477000" y="2020186"/>
+            <a:ext cx="1447800" cy="830997"/>
+          </a:xfrm>
+          <a:prstGeom prst="rect">
+            <a:avLst/>
+          </a:prstGeom>
+          <a:noFill/>
+        </p:spPr>
+        <p:txBody>
+          <a:bodyPr wrap="square" rtlCol="0">
+            <a:spAutoFit/>
+          </a:bodyPr>
+          <a:lstStyle/>
+          <a:p>
+            <a:r>
+              <a:rPr lang="en-US" sz="2400" dirty="0" smtClean="0"/>
+              <a:t>Calculate metrics</a:t>
+            </a:r>
+            <a:endParaRPr lang="en-US" sz="2400" dirty="0"/>
+          </a:p>
+        </p:txBody>
+      </p:sp>
+      <p:sp>
+        <p:nvSpPr>
+          <p:cNvPr id="14" name="Right Arrow 13"/>
+          <p:cNvSpPr/>
+          <p:nvPr/>
+        </p:nvSpPr>
+        <p:spPr>
+          <a:xfrm>
+            <a:off x="2514600" y="2277023"/>
+            <a:ext cx="762000" cy="300313"/>
+          </a:xfrm>
+          <a:prstGeom prst="rightArrow">
+            <a:avLst/>
+          </a:prstGeom>
+        </p:spPr>
+        <p:style>
+          <a:lnRef idx="2">
+            <a:schemeClr val="accent1">
+              <a:shade val="50000"/>
+            </a:schemeClr>
+          </a:lnRef>
+          <a:fillRef idx="1">
+            <a:schemeClr val="accent1"/>
+          </a:fillRef>
+          <a:effectRef idx="0">
+            <a:schemeClr val="accent1"/>
+          </a:effectRef>
+          <a:fontRef idx="minor">
+            <a:schemeClr val="lt1"/>
+          </a:fontRef>
+        </p:style>
+        <p:txBody>
+          <a:bodyPr rtlCol="0" anchor="ctr"/>
+          <a:lstStyle/>
+          <a:p>
+            <a:pPr algn="ctr"/>
+            <a:endParaRPr lang="en-US"/>
+          </a:p>
+        </p:txBody>
+      </p:sp>
+      <p:sp>
+        <p:nvSpPr>
+          <p:cNvPr id="18" name="Right Arrow 17"/>
+          <p:cNvSpPr/>
+          <p:nvPr/>
+        </p:nvSpPr>
+        <p:spPr>
+          <a:xfrm>
+            <a:off x="5715000" y="2320498"/>
+            <a:ext cx="762000" cy="300313"/>
+          </a:xfrm>
+          <a:prstGeom prst="rightArrow">
+            <a:avLst/>
+          </a:prstGeom>
+        </p:spPr>
+        <p:style>
+          <a:lnRef idx="2">
+            <a:schemeClr val="accent1">
+              <a:shade val="50000"/>
+            </a:schemeClr>
+          </a:lnRef>
+          <a:fillRef idx="1">
+            <a:schemeClr val="accent1"/>
+          </a:fillRef>
+          <a:effectRef idx="0">
+            <a:schemeClr val="accent1"/>
+          </a:effectRef>
+          <a:fontRef idx="minor">
+            <a:schemeClr val="lt1"/>
+          </a:fontRef>
+        </p:style>
+        <p:txBody>
+          <a:bodyPr rtlCol="0" anchor="ctr"/>
+          <a:lstStyle/>
+          <a:p>
+            <a:pPr algn="ctr"/>
+            <a:endParaRPr lang="en-US"/>
+          </a:p>
+        </p:txBody>
+      </p:sp>
+      <p:sp>
+        <p:nvSpPr>
+          <p:cNvPr id="25" name="Curved Right Arrow 24"/>
+          <p:cNvSpPr/>
+          <p:nvPr/>
+        </p:nvSpPr>
+        <p:spPr>
+          <a:xfrm rot="11659112">
+            <a:off x="5008021" y="2799716"/>
+            <a:ext cx="959861" cy="1371600"/>
+          </a:xfrm>
+          <a:prstGeom prst="curvedRightArrow">
+            <a:avLst/>
+          </a:prstGeom>
+        </p:spPr>
+        <p:style>
+          <a:lnRef idx="2">
+            <a:schemeClr val="accent1">
+              <a:shade val="50000"/>
+            </a:schemeClr>
+          </a:lnRef>
+          <a:fillRef idx="1">
+            <a:schemeClr val="accent1"/>
+          </a:fillRef>
+          <a:effectRef idx="0">
+            <a:schemeClr val="accent1"/>
+          </a:effectRef>
+          <a:fontRef idx="minor">
+            <a:schemeClr val="lt1"/>
+          </a:fontRef>
+        </p:style>
+        <p:txBody>
+          <a:bodyPr rtlCol="0" anchor="ctr"/>
+          <a:lstStyle/>
+          <a:p>
+            <a:pPr algn="ctr"/>
+            <a:endParaRPr lang="en-US">
+              <a:solidFill>
+                <a:schemeClr val="tx1"/>
+              </a:solidFill>
+            </a:endParaRPr>
+          </a:p>
+        </p:txBody>
+      </p:sp>
+    </p:spTree>
+    <p:extLst>
+      <p:ext uri="{BB962C8B-B14F-4D97-AF65-F5344CB8AC3E}">
+        <p14:creationId xmlns:p14="http://schemas.microsoft.com/office/powerpoint/2010/main" val="77546626"/>
+      </p:ext>
+    </p:extLst>
+  </p:cSld>
+  <p:clrMapOvr>
+    <a:masterClrMapping/>
+  </p:clrMapOvr>
+  <p:timing>
+    <p:tnLst>
+      <p:par>
+        <p:cTn id="1" dur="indefinite" restart="never" nodeType="tmRoot"/>
+      </p:par>
+    </p:tnLst>
+  </p:timing>
+</p:sld>
+</file>
+
+<file path=ppt/slides/slide11.xml><?xml version="1.0" encoding="utf-8"?>
+<p:sld xmlns:a="http://schemas.openxmlformats.org/drawingml/2006/main" xmlns:r="http://schemas.openxmlformats.org/officeDocument/2006/relationships" xmlns:p="http://schemas.openxmlformats.org/presentationml/2006/main">
+  <p:cSld>
+    <p:spTree>
+      <p:nvGrpSpPr>
+        <p:cNvPr id="1" name=""/>
+        <p:cNvGrpSpPr/>
+        <p:nvPr/>
+      </p:nvGrpSpPr>
+      <p:grpSpPr>
+        <a:xfrm>
+          <a:off x="0" y="0"/>
+          <a:ext cx="0" cy="0"/>
+          <a:chOff x="0" y="0"/>
+          <a:chExt cx="0" cy="0"/>
+        </a:xfrm>
+      </p:grpSpPr>
+      <p:sp>
+        <p:nvSpPr>
+          <p:cNvPr id="2" name="Title 1"/>
+          <p:cNvSpPr>
+            <a:spLocks noGrp="1"/>
+          </p:cNvSpPr>
+          <p:nvPr>
+            <p:ph type="title"/>
+          </p:nvPr>
+        </p:nvSpPr>
+        <p:spPr/>
+        <p:txBody>
+          <a:bodyPr/>
+          <a:lstStyle/>
+          <a:p>
+            <a:r>
+              <a:rPr lang="en-US" dirty="0" smtClean="0"/>
+              <a:t>Spreadsheets datasets</a:t>
+            </a:r>
+            <a:endParaRPr lang="en-US" dirty="0"/>
+          </a:p>
+        </p:txBody>
+      </p:sp>
+      <p:pic>
+        <p:nvPicPr>
+          <p:cNvPr id="1026" name="Picture 2" descr="C:\Users\Efthimia\AppData\Local\Microsoft\Windows\INetCache\IE\CB9RBLS6\Database_icon_simple[1].png"/>
+          <p:cNvPicPr>
+            <a:picLocks noChangeAspect="1" noChangeArrowheads="1"/>
+          </p:cNvPicPr>
+          <p:nvPr/>
+        </p:nvPicPr>
+        <p:blipFill>
+          <a:blip r:embed="rId3">
+            <a:extLst>
+              <a:ext uri="{28A0092B-C50C-407E-A947-70E740481C1C}">
+                <a14:useLocalDpi xmlns:a14="http://schemas.microsoft.com/office/drawing/2010/main" val="0"/>
+              </a:ext>
+            </a:extLst>
+          </a:blip>
+          <a:srcRect/>
+          <a:stretch>
+            <a:fillRect/>
+          </a:stretch>
+        </p:blipFill>
+        <p:spPr bwMode="auto">
+          <a:xfrm>
+            <a:off x="1905000" y="2439988"/>
+            <a:ext cx="1649412" cy="1649413"/>
+          </a:xfrm>
+          <a:prstGeom prst="rect">
+            <a:avLst/>
+          </a:prstGeom>
+          <a:noFill/>
+          <a:extLst>
+            <a:ext uri="{909E8E84-426E-40DD-AFC4-6F175D3DCCD1}">
+              <a14:hiddenFill xmlns:a14="http://schemas.microsoft.com/office/drawing/2010/main">
+                <a:solidFill>
+                  <a:srgbClr val="FFFFFF"/>
+                </a:solidFill>
+              </a14:hiddenFill>
+            </a:ext>
+          </a:extLst>
+        </p:spPr>
+      </p:pic>
+      <p:pic>
+        <p:nvPicPr>
+          <p:cNvPr id="1027" name="Picture 3" descr="C:\Users\Efthimia\AppData\Local\Microsoft\Windows\INetCache\IE\CB9RBLS6\Database_icon_simple[1].png"/>
+          <p:cNvPicPr>
+            <a:picLocks noChangeAspect="1" noChangeArrowheads="1"/>
+          </p:cNvPicPr>
+          <p:nvPr/>
+        </p:nvPicPr>
+        <p:blipFill>
+          <a:blip r:embed="rId3">
+            <a:extLst>
+              <a:ext uri="{28A0092B-C50C-407E-A947-70E740481C1C}">
+                <a14:useLocalDpi xmlns:a14="http://schemas.microsoft.com/office/drawing/2010/main" val="0"/>
+              </a:ext>
+            </a:extLst>
+          </a:blip>
+          <a:srcRect/>
+          <a:stretch>
+            <a:fillRect/>
+          </a:stretch>
+        </p:blipFill>
+        <p:spPr bwMode="auto">
+          <a:xfrm>
+            <a:off x="5181600" y="2439989"/>
+            <a:ext cx="1649413" cy="1649412"/>
+          </a:xfrm>
+          <a:prstGeom prst="rect">
+            <a:avLst/>
+          </a:prstGeom>
+          <a:noFill/>
+          <a:extLst>
+            <a:ext uri="{909E8E84-426E-40DD-AFC4-6F175D3DCCD1}">
+              <a14:hiddenFill xmlns:a14="http://schemas.microsoft.com/office/drawing/2010/main">
+                <a:solidFill>
+                  <a:srgbClr val="FFFFFF"/>
+                </a:solidFill>
+              </a14:hiddenFill>
+            </a:ext>
+          </a:extLst>
+        </p:spPr>
+      </p:pic>
+      <p:sp>
+        <p:nvSpPr>
+          <p:cNvPr id="4" name="TextBox 3"/>
+          <p:cNvSpPr txBox="1"/>
+          <p:nvPr/>
+        </p:nvSpPr>
+        <p:spPr>
+          <a:xfrm>
+            <a:off x="1548606" y="4127797"/>
+            <a:ext cx="2362200" cy="1569660"/>
+          </a:xfrm>
+          <a:prstGeom prst="rect">
+            <a:avLst/>
+          </a:prstGeom>
+          <a:noFill/>
+        </p:spPr>
+        <p:txBody>
+          <a:bodyPr wrap="square" rtlCol="0">
+            <a:spAutoFit/>
+          </a:bodyPr>
+          <a:lstStyle/>
+          <a:p>
+            <a:pPr algn="ctr"/>
+            <a:r>
+              <a:rPr lang="en-US" sz="2400" dirty="0" smtClean="0"/>
+              <a:t>EUSES</a:t>
+            </a:r>
+          </a:p>
+          <a:p>
+            <a:pPr algn="ctr"/>
+            <a:r>
+              <a:rPr lang="en-US" sz="2400" dirty="0" smtClean="0"/>
+              <a:t>2005</a:t>
+            </a:r>
+          </a:p>
+          <a:p>
+            <a:pPr algn="ctr"/>
+            <a:r>
+              <a:rPr lang="en-US" sz="2400" dirty="0" smtClean="0"/>
+              <a:t>4.498 workbooks</a:t>
+            </a:r>
+          </a:p>
+          <a:p>
+            <a:pPr algn="ctr"/>
+            <a:endParaRPr lang="en-US" sz="2400" dirty="0"/>
+          </a:p>
+        </p:txBody>
+      </p:sp>
+      <p:sp>
+        <p:nvSpPr>
+          <p:cNvPr id="7" name="TextBox 6"/>
+          <p:cNvSpPr txBox="1"/>
+          <p:nvPr/>
+        </p:nvSpPr>
+        <p:spPr>
+          <a:xfrm>
+            <a:off x="4825206" y="4127797"/>
+            <a:ext cx="2489994" cy="1569660"/>
+          </a:xfrm>
+          <a:prstGeom prst="rect">
+            <a:avLst/>
+          </a:prstGeom>
+          <a:noFill/>
+        </p:spPr>
+        <p:txBody>
+          <a:bodyPr wrap="square" rtlCol="0">
+            <a:spAutoFit/>
+          </a:bodyPr>
+          <a:lstStyle/>
+          <a:p>
+            <a:pPr algn="ctr"/>
+            <a:r>
+              <a:rPr lang="en-US" sz="2400" dirty="0" smtClean="0"/>
+              <a:t>Enron</a:t>
+            </a:r>
+          </a:p>
+          <a:p>
+            <a:pPr algn="ctr"/>
+            <a:r>
+              <a:rPr lang="en-US" sz="2400" dirty="0" smtClean="0"/>
+              <a:t>2004</a:t>
+            </a:r>
+          </a:p>
+          <a:p>
+            <a:pPr algn="ctr"/>
+            <a:r>
+              <a:rPr lang="en-US" sz="2400" dirty="0" smtClean="0"/>
+              <a:t>16.190 workbooks</a:t>
+            </a:r>
+          </a:p>
+          <a:p>
+            <a:pPr algn="ctr"/>
+            <a:endParaRPr lang="en-US" sz="2400" dirty="0"/>
+          </a:p>
+        </p:txBody>
+      </p:sp>
+    </p:spTree>
+    <p:extLst>
+      <p:ext uri="{BB962C8B-B14F-4D97-AF65-F5344CB8AC3E}">
+        <p14:creationId xmlns:p14="http://schemas.microsoft.com/office/powerpoint/2010/main" val="3196150900"/>
+      </p:ext>
+    </p:extLst>
+  </p:cSld>
+  <p:clrMapOvr>
+    <a:masterClrMapping/>
+  </p:clrMapOvr>
+  <p:timing>
+    <p:tnLst>
+      <p:par>
+        <p:cTn id="1" dur="indefinite" restart="never" nodeType="tmRoot"/>
+      </p:par>
+    </p:tnLst>
+  </p:timing>
+</p:sld>
+</file>
+
+<file path=ppt/slides/slide12.xml><?xml version="1.0" encoding="utf-8"?>
+<p:sld xmlns:a="http://schemas.openxmlformats.org/drawingml/2006/main" xmlns:r="http://schemas.openxmlformats.org/officeDocument/2006/relationships" xmlns:p="http://schemas.openxmlformats.org/presentationml/2006/main">
+  <p:cSld>
+    <p:spTree>
+      <p:nvGrpSpPr>
+        <p:cNvPr id="1" name=""/>
+        <p:cNvGrpSpPr/>
+        <p:nvPr/>
+      </p:nvGrpSpPr>
+      <p:grpSpPr>
+        <a:xfrm>
+          <a:off x="0" y="0"/>
+          <a:ext cx="0" cy="0"/>
+          <a:chOff x="0" y="0"/>
+          <a:chExt cx="0" cy="0"/>
+        </a:xfrm>
+      </p:grpSpPr>
       <p:sp>
         <p:nvSpPr>
           <p:cNvPr id="2" name="Title 1"/>
@@ -7358,36 +8195,6 @@
           </p:txBody>
         </p:sp>
       </p:grpSp>
-      <p:pic>
-        <p:nvPicPr>
-          <p:cNvPr id="23" name="Picture 22"/>
-          <p:cNvPicPr>
-            <a:picLocks noChangeAspect="1"/>
-          </p:cNvPicPr>
-          <p:nvPr/>
-        </p:nvPicPr>
-        <p:blipFill>
-          <a:blip r:embed="rId4">
-            <a:extLst>
-              <a:ext uri="{28A0092B-C50C-407E-A947-70E740481C1C}">
-                <a14:useLocalDpi xmlns:a14="http://schemas.microsoft.com/office/drawing/2010/main" val="0"/>
-              </a:ext>
-            </a:extLst>
-          </a:blip>
-          <a:stretch>
-            <a:fillRect/>
-          </a:stretch>
-        </p:blipFill>
-        <p:spPr>
-          <a:xfrm>
-            <a:off x="4374139" y="2968108"/>
-            <a:ext cx="4244708" cy="2552921"/>
-          </a:xfrm>
-          <a:prstGeom prst="rect">
-            <a:avLst/>
-          </a:prstGeom>
-        </p:spPr>
-      </p:pic>
       <p:grpSp>
         <p:nvGrpSpPr>
           <p:cNvPr id="26" name="Group 25"/>
@@ -7730,7 +8537,7 @@
           <p:nvPr/>
         </p:nvPicPr>
         <p:blipFill>
-          <a:blip r:embed="rId5">
+          <a:blip r:embed="rId4">
             <a:extLst>
               <a:ext uri="{28A0092B-C50C-407E-A947-70E740481C1C}">
                 <a14:useLocalDpi xmlns:a14="http://schemas.microsoft.com/office/drawing/2010/main" val="0"/>
@@ -7743,7 +8550,7 @@
         </p:blipFill>
         <p:spPr>
           <a:xfrm>
-            <a:off x="3365597" y="3457163"/>
+            <a:off x="3756292" y="3457163"/>
             <a:ext cx="4244708" cy="3299746"/>
           </a:xfrm>
           <a:prstGeom prst="rect">
@@ -8030,6 +8837,81 @@
           </a:p>
         </p:txBody>
       </p:sp>
+      <p:sp>
+        <p:nvSpPr>
+          <p:cNvPr id="24" name="TextBox 23"/>
+          <p:cNvSpPr txBox="1"/>
+          <p:nvPr/>
+        </p:nvSpPr>
+        <p:spPr>
+          <a:xfrm>
+            <a:off x="8404698" y="4872335"/>
+            <a:ext cx="663102" cy="461665"/>
+          </a:xfrm>
+          <a:prstGeom prst="rect">
+            <a:avLst/>
+          </a:prstGeom>
+          <a:noFill/>
+        </p:spPr>
+        <p:txBody>
+          <a:bodyPr wrap="square" rtlCol="0">
+            <a:spAutoFit/>
+          </a:bodyPr>
+          <a:lstStyle/>
+          <a:p>
+            <a:r>
+              <a:rPr lang="en-US" sz="2400" dirty="0" smtClean="0"/>
+              <a:t> </a:t>
+            </a:r>
+            <a:r>
+              <a:rPr lang="en-US" sz="2000" dirty="0" smtClean="0"/>
+              <a:t>~85 </a:t>
+            </a:r>
+            <a:endParaRPr lang="en-US" sz="2400" dirty="0"/>
+          </a:p>
+        </p:txBody>
+      </p:sp>
+      <p:sp>
+        <p:nvSpPr>
+          <p:cNvPr id="4" name="Left Brace 3"/>
+          <p:cNvSpPr/>
+          <p:nvPr/>
+        </p:nvSpPr>
+        <p:spPr>
+          <a:xfrm flipH="1">
+            <a:off x="7924800" y="3458492"/>
+            <a:ext cx="533400" cy="3297087"/>
+          </a:xfrm>
+          <a:prstGeom prst="leftBrace">
+            <a:avLst>
+              <a:gd name="adj1" fmla="val 8333"/>
+              <a:gd name="adj2" fmla="val 49691"/>
+            </a:avLst>
+          </a:prstGeom>
+        </p:spPr>
+        <p:style>
+          <a:lnRef idx="1">
+            <a:schemeClr val="accent1"/>
+          </a:lnRef>
+          <a:fillRef idx="0">
+            <a:schemeClr val="accent1"/>
+          </a:fillRef>
+          <a:effectRef idx="0">
+            <a:schemeClr val="accent1"/>
+          </a:effectRef>
+          <a:fontRef idx="minor">
+            <a:schemeClr val="tx1"/>
+          </a:fontRef>
+        </p:style>
+        <p:txBody>
+          <a:bodyPr rtlCol="0" anchor="ctr"/>
+          <a:lstStyle/>
+          <a:p>
+            <a:pPr algn="ctr"/>
+            <a:endParaRPr lang="en-US"/>
+          </a:p>
+        </p:txBody>
+      </p:sp>
     </p:spTree>
     <p:extLst>
       <p:ext uri="{BB962C8B-B14F-4D97-AF65-F5344CB8AC3E}">
@@ -8050,7 +8932,101 @@
 </p:sld>
 </file>
 
-<file path=ppt/slides/slide11.xml><?xml version="1.0" encoding="utf-8"?>
+<file path=ppt/slides/slide13.xml><?xml version="1.0" encoding="utf-8"?>
+<p:sld xmlns:a="http://schemas.openxmlformats.org/drawingml/2006/main" xmlns:r="http://schemas.openxmlformats.org/officeDocument/2006/relationships" xmlns:p="http://schemas.openxmlformats.org/presentationml/2006/main">
+  <p:cSld>
+    <p:bg>
+      <p:bgPr>
+        <a:blipFill dpi="0" rotWithShape="1">
+          <a:blip r:embed="rId2">
+            <a:alphaModFix amt="57000"/>
+            <a:lum/>
+          </a:blip>
+          <a:srcRect/>
+          <a:stretch>
+            <a:fillRect l="3000"/>
+          </a:stretch>
+        </a:blipFill>
+        <a:effectLst/>
+      </p:bgPr>
+    </p:bg>
+    <p:spTree>
+      <p:nvGrpSpPr>
+        <p:cNvPr id="1" name=""/>
+        <p:cNvGrpSpPr/>
+        <p:nvPr/>
+      </p:nvGrpSpPr>
+      <p:grpSpPr>
+        <a:xfrm>
+          <a:off x="0" y="0"/>
+          <a:ext cx="0" cy="0"/>
+          <a:chOff x="0" y="0"/>
+          <a:chExt cx="0" cy="0"/>
+        </a:xfrm>
+      </p:grpSpPr>
+      <p:sp>
+        <p:nvSpPr>
+          <p:cNvPr id="3" name="Content Placeholder 2"/>
+          <p:cNvSpPr>
+            <a:spLocks noGrp="1"/>
+          </p:cNvSpPr>
+          <p:nvPr>
+            <p:ph idx="1"/>
+          </p:nvPr>
+        </p:nvSpPr>
+        <p:spPr>
+          <a:xfrm>
+            <a:off x="2133600" y="1295400"/>
+            <a:ext cx="4572000" cy="1782763"/>
+          </a:xfrm>
+        </p:spPr>
+        <p:txBody>
+          <a:bodyPr>
+            <a:normAutofit/>
+          </a:bodyPr>
+          <a:lstStyle/>
+          <a:p>
+            <a:pPr marL="0" indent="0">
+              <a:buNone/>
+            </a:pPr>
+            <a:r>
+              <a:rPr lang="en-US" sz="3600" dirty="0" smtClean="0"/>
+              <a:t>20 lexical tokens</a:t>
+            </a:r>
+          </a:p>
+          <a:p>
+            <a:pPr marL="0" indent="0">
+              <a:buNone/>
+            </a:pPr>
+            <a:r>
+              <a:rPr lang="en-US" sz="3600" dirty="0" smtClean="0"/>
+              <a:t>19 production rules</a:t>
+            </a:r>
+            <a:endParaRPr lang="en-US" sz="3600" dirty="0"/>
+          </a:p>
+        </p:txBody>
+      </p:sp>
+    </p:spTree>
+    <p:extLst>
+      <p:ext uri="{BB962C8B-B14F-4D97-AF65-F5344CB8AC3E}">
+        <p14:creationId xmlns:p14="http://schemas.microsoft.com/office/powerpoint/2010/main" val="1987958850"/>
+      </p:ext>
+    </p:extLst>
+  </p:cSld>
+  <p:clrMapOvr>
+    <a:masterClrMapping/>
+  </p:clrMapOvr>
+  <p:timing>
+    <p:tnLst>
+      <p:par>
+        <p:cTn id="1" dur="indefinite" restart="never" nodeType="tmRoot"/>
+      </p:par>
+    </p:tnLst>
+  </p:timing>
+</p:sld>
+</file>
+
+<file path=ppt/slides/slide14.xml><?xml version="1.0" encoding="utf-8"?>
 <p:sld xmlns:a="http://schemas.openxmlformats.org/drawingml/2006/main" xmlns:r="http://schemas.openxmlformats.org/officeDocument/2006/relationships" xmlns:p="http://schemas.openxmlformats.org/presentationml/2006/main">
   <p:cSld>
     <p:spTree>
@@ -9473,7 +10449,7 @@
 </p:sld>
 </file>
 
-<file path=ppt/slides/slide12.xml><?xml version="1.0" encoding="utf-8"?>
+<file path=ppt/slides/slide15.xml><?xml version="1.0" encoding="utf-8"?>
 <p:sld xmlns:a="http://schemas.openxmlformats.org/drawingml/2006/main" xmlns:r="http://schemas.openxmlformats.org/officeDocument/2006/relationships" xmlns:p="http://schemas.openxmlformats.org/presentationml/2006/main">
   <p:cSld>
     <p:spTree>
@@ -10292,7 +11268,7 @@
 </p:sld>
 </file>
 
-<file path=ppt/slides/slide13.xml><?xml version="1.0" encoding="utf-8"?>
+<file path=ppt/slides/slide16.xml><?xml version="1.0" encoding="utf-8"?>
 <p:sld xmlns:a="http://schemas.openxmlformats.org/drawingml/2006/main" xmlns:r="http://schemas.openxmlformats.org/officeDocument/2006/relationships" xmlns:p="http://schemas.openxmlformats.org/presentationml/2006/main">
   <p:cSld>
     <p:spTree>
@@ -10438,7 +11414,7 @@
 </p:sld>
 </file>
 
-<file path=ppt/slides/slide14.xml><?xml version="1.0" encoding="utf-8"?>
+<file path=ppt/slides/slide17.xml><?xml version="1.0" encoding="utf-8"?>
 <p:sld xmlns:a="http://schemas.openxmlformats.org/drawingml/2006/main" xmlns:r="http://schemas.openxmlformats.org/officeDocument/2006/relationships" xmlns:p="http://schemas.openxmlformats.org/presentationml/2006/main">
   <p:cSld>
     <p:spTree>
@@ -10474,7 +11450,6 @@
               <a:rPr lang="en-US" dirty="0"/>
               <a:t>Analyzing 22M formulas</a:t>
             </a:r>
-            <a:endParaRPr lang="en-US" dirty="0"/>
           </a:p>
         </p:txBody>
       </p:sp>
@@ -10639,7 +11614,7 @@
 </p:sld>
 </file>
 
-<file path=ppt/slides/slide15.xml><?xml version="1.0" encoding="utf-8"?>
+<file path=ppt/slides/slide18.xml><?xml version="1.0" encoding="utf-8"?>
 <p:sld xmlns:a="http://schemas.openxmlformats.org/drawingml/2006/main" xmlns:r="http://schemas.openxmlformats.org/officeDocument/2006/relationships" xmlns:p="http://schemas.openxmlformats.org/presentationml/2006/main">
   <p:cSld>
     <p:spTree>
@@ -10948,7 +11923,7 @@
 </p:sld>
 </file>
 
-<file path=ppt/slides/slide16.xml><?xml version="1.0" encoding="utf-8"?>
+<file path=ppt/slides/slide19.xml><?xml version="1.0" encoding="utf-8"?>
 <p:sld xmlns:a="http://schemas.openxmlformats.org/drawingml/2006/main" xmlns:r="http://schemas.openxmlformats.org/officeDocument/2006/relationships" xmlns:p="http://schemas.openxmlformats.org/presentationml/2006/main">
   <p:cSld>
     <p:spTree>
@@ -11062,17 +12037,7 @@
                   </a:schemeClr>
                 </a:solidFill>
               </a:rPr>
-              <a:t>70</a:t>
-            </a:r>
-            <a:r>
-              <a:rPr lang="en-US" dirty="0" smtClean="0">
-                <a:solidFill>
-                  <a:schemeClr val="accent3">
-                    <a:lumMod val="75000"/>
-                  </a:schemeClr>
-                </a:solidFill>
-              </a:rPr>
-              <a:t> </a:t>
+              <a:t>70 </a:t>
             </a:r>
             <a:r>
               <a:rPr lang="en-US" dirty="0" smtClean="0"/>
@@ -11101,17 +12066,7 @@
                   </a:schemeClr>
                 </a:solidFill>
               </a:rPr>
-              <a:t>	</a:t>
-            </a:r>
-            <a:r>
-              <a:rPr lang="en-US" dirty="0" smtClean="0">
-                <a:solidFill>
-                  <a:schemeClr val="bg1">
-                    <a:lumMod val="50000"/>
-                  </a:schemeClr>
-                </a:solidFill>
-              </a:rPr>
-              <a:t>_</a:t>
+              <a:t>	_</a:t>
             </a:r>
             <a:r>
               <a:rPr lang="en-US" dirty="0" err="1" smtClean="0">
@@ -11185,8 +12140,21 @@
             </a:r>
             <a:r>
               <a:rPr lang="en-US" dirty="0"/>
-              <a:t>External UDF References       </a:t>
-            </a:r>
+              <a:t>External </a:t>
+            </a:r>
+            <a:r>
+              <a:rPr lang="en-US" dirty="0" smtClean="0"/>
+              <a:t>user-defined </a:t>
+            </a:r>
+            <a:r>
+              <a:rPr lang="en-US" dirty="0"/>
+              <a:t>f</a:t>
+            </a:r>
+            <a:r>
+              <a:rPr lang="en-US" dirty="0" smtClean="0"/>
+              <a:t>unctions</a:t>
+            </a:r>
+            <a:endParaRPr lang="en-US" dirty="0"/>
           </a:p>
           <a:p>
             <a:pPr marL="0" indent="0">
@@ -11271,7 +12239,149 @@
 </p:sld>
 </file>
 
-<file path=ppt/slides/slide17.xml><?xml version="1.0" encoding="utf-8"?>
+<file path=ppt/slides/slide2.xml><?xml version="1.0" encoding="utf-8"?>
+<p:sld xmlns:a="http://schemas.openxmlformats.org/drawingml/2006/main" xmlns:r="http://schemas.openxmlformats.org/officeDocument/2006/relationships" xmlns:p="http://schemas.openxmlformats.org/presentationml/2006/main">
+  <p:cSld>
+    <p:bg>
+      <p:bgPr>
+        <a:blipFill dpi="0" rotWithShape="1">
+          <a:blip r:embed="rId3">
+            <a:alphaModFix amt="72000"/>
+            <a:lum/>
+          </a:blip>
+          <a:srcRect/>
+          <a:stretch>
+            <a:fillRect b="-1000"/>
+          </a:stretch>
+        </a:blipFill>
+        <a:effectLst/>
+      </p:bgPr>
+    </p:bg>
+    <p:spTree>
+      <p:nvGrpSpPr>
+        <p:cNvPr id="1" name=""/>
+        <p:cNvGrpSpPr/>
+        <p:nvPr/>
+      </p:nvGrpSpPr>
+      <p:grpSpPr>
+        <a:xfrm>
+          <a:off x="0" y="0"/>
+          <a:ext cx="0" cy="0"/>
+          <a:chOff x="0" y="0"/>
+          <a:chExt cx="0" cy="0"/>
+        </a:xfrm>
+      </p:grpSpPr>
+      <p:sp>
+        <p:nvSpPr>
+          <p:cNvPr id="2" name="Title 1"/>
+          <p:cNvSpPr>
+            <a:spLocks noGrp="1"/>
+          </p:cNvSpPr>
+          <p:nvPr>
+            <p:ph type="title"/>
+          </p:nvPr>
+        </p:nvSpPr>
+        <p:spPr>
+          <a:xfrm>
+            <a:off x="1143000" y="1590463"/>
+            <a:ext cx="8229600" cy="1143000"/>
+          </a:xfrm>
+        </p:spPr>
+        <p:txBody>
+          <a:bodyPr>
+            <a:normAutofit fontScale="90000"/>
+          </a:bodyPr>
+          <a:lstStyle/>
+          <a:p>
+            <a:r>
+              <a:rPr lang="en-US" dirty="0" smtClean="0"/>
+              <a:t>A language that all of us (think we) know</a:t>
+            </a:r>
+            <a:endParaRPr lang="en-US" dirty="0"/>
+          </a:p>
+        </p:txBody>
+      </p:sp>
+      <p:pic>
+        <p:nvPicPr>
+          <p:cNvPr id="4" name="Picture 3"/>
+          <p:cNvPicPr>
+            <a:picLocks noChangeAspect="1"/>
+          </p:cNvPicPr>
+          <p:nvPr/>
+        </p:nvPicPr>
+        <p:blipFill>
+          <a:blip r:embed="rId4">
+            <a:extLst>
+              <a:ext uri="{28A0092B-C50C-407E-A947-70E740481C1C}">
+                <a14:useLocalDpi xmlns:a14="http://schemas.microsoft.com/office/drawing/2010/main" val="0"/>
+              </a:ext>
+            </a:extLst>
+          </a:blip>
+          <a:stretch>
+            <a:fillRect/>
+          </a:stretch>
+        </p:blipFill>
+        <p:spPr>
+          <a:xfrm>
+            <a:off x="533400" y="2232212"/>
+            <a:ext cx="1961324" cy="304800"/>
+          </a:xfrm>
+          <a:prstGeom prst="rect">
+            <a:avLst/>
+          </a:prstGeom>
+        </p:spPr>
+      </p:pic>
+      <p:pic>
+        <p:nvPicPr>
+          <p:cNvPr id="5" name="Picture 4"/>
+          <p:cNvPicPr>
+            <a:picLocks noChangeAspect="1"/>
+          </p:cNvPicPr>
+          <p:nvPr/>
+        </p:nvPicPr>
+        <p:blipFill>
+          <a:blip r:embed="rId5">
+            <a:extLst>
+              <a:ext uri="{28A0092B-C50C-407E-A947-70E740481C1C}">
+                <a14:useLocalDpi xmlns:a14="http://schemas.microsoft.com/office/drawing/2010/main" val="0"/>
+              </a:ext>
+            </a:extLst>
+          </a:blip>
+          <a:stretch>
+            <a:fillRect/>
+          </a:stretch>
+        </p:blipFill>
+        <p:spPr>
+          <a:xfrm>
+            <a:off x="1905000" y="2733463"/>
+            <a:ext cx="2406162" cy="316238"/>
+          </a:xfrm>
+          <a:prstGeom prst="rect">
+            <a:avLst/>
+          </a:prstGeom>
+        </p:spPr>
+      </p:pic>
+    </p:spTree>
+    <p:extLst>
+      <p:ext uri="{BB962C8B-B14F-4D97-AF65-F5344CB8AC3E}">
+        <p14:creationId xmlns:p14="http://schemas.microsoft.com/office/powerpoint/2010/main" val="861592318"/>
+      </p:ext>
+    </p:extLst>
+  </p:cSld>
+  <p:clrMapOvr>
+    <a:masterClrMapping/>
+  </p:clrMapOvr>
+  <p:timing>
+    <p:tnLst>
+      <p:par>
+        <p:cTn id="1" dur="indefinite" restart="never" nodeType="tmRoot"/>
+      </p:par>
+    </p:tnLst>
+  </p:timing>
+</p:sld>
+</file>
+
+<file path=ppt/slides/slide20.xml><?xml version="1.0" encoding="utf-8"?>
 <p:sld xmlns:a="http://schemas.openxmlformats.org/drawingml/2006/main" xmlns:r="http://schemas.openxmlformats.org/officeDocument/2006/relationships" xmlns:p="http://schemas.openxmlformats.org/presentationml/2006/main">
   <p:cSld>
     <p:spTree>
@@ -11306,38 +12416,6 @@
             <a:r>
               <a:rPr lang="en-US" dirty="0" smtClean="0"/>
               <a:t>The smelly</a:t>
-            </a:r>
-            <a:endParaRPr lang="en-US" dirty="0"/>
-          </a:p>
-        </p:txBody>
-      </p:sp>
-      <p:sp>
-        <p:nvSpPr>
-          <p:cNvPr id="3" name="Content Placeholder 2"/>
-          <p:cNvSpPr>
-            <a:spLocks noGrp="1"/>
-          </p:cNvSpPr>
-          <p:nvPr>
-            <p:ph idx="1"/>
-          </p:nvPr>
-        </p:nvSpPr>
-        <p:spPr/>
-        <p:txBody>
-          <a:bodyPr>
-            <a:normAutofit/>
-          </a:bodyPr>
-          <a:lstStyle/>
-          <a:p>
-            <a:pPr marL="0" indent="0" algn="ctr">
-              <a:buNone/>
-            </a:pPr>
-            <a:r>
-              <a:rPr lang="en-US" dirty="0" smtClean="0"/>
-              <a:t>Complex ranges, in 0.04</a:t>
-            </a:r>
-            <a:r>
-              <a:rPr lang="en-US" dirty="0" smtClean="0"/>
-              <a:t>%</a:t>
             </a:r>
             <a:endParaRPr lang="en-US" dirty="0"/>
           </a:p>
@@ -11384,9 +12462,114 @@
           </a:extLst>
         </p:spPr>
       </p:pic>
+      <p:sp>
+        <p:nvSpPr>
+          <p:cNvPr id="6" name="TextBox 5"/>
+          <p:cNvSpPr txBox="1"/>
+          <p:nvPr/>
+        </p:nvSpPr>
+        <p:spPr>
+          <a:xfrm>
+            <a:off x="1676400" y="5791200"/>
+            <a:ext cx="6019800" cy="1200329"/>
+          </a:xfrm>
+          <a:prstGeom prst="rect">
+            <a:avLst/>
+          </a:prstGeom>
+          <a:noFill/>
+        </p:spPr>
+        <p:txBody>
+          <a:bodyPr wrap="square" rtlCol="0">
+            <a:spAutoFit/>
+          </a:bodyPr>
+          <a:lstStyle/>
+          <a:p>
+            <a:pPr algn="ctr"/>
+            <a:r>
+              <a:rPr lang="en-US" sz="3600" dirty="0"/>
+              <a:t>SUM(</a:t>
+            </a:r>
+            <a:r>
+              <a:rPr lang="en-US" sz="3600" dirty="0">
+                <a:solidFill>
+                  <a:srgbClr val="0404FC"/>
+                </a:solidFill>
+              </a:rPr>
+              <a:t>B1</a:t>
+            </a:r>
+            <a:r>
+              <a:rPr lang="en-US" sz="3600" dirty="0"/>
+              <a:t>:</a:t>
+            </a:r>
+            <a:r>
+              <a:rPr lang="en-US" sz="3600" dirty="0">
+                <a:solidFill>
+                  <a:srgbClr val="0404FC"/>
+                </a:solidFill>
+              </a:rPr>
+              <a:t>B5</a:t>
+            </a:r>
+            <a:r>
+              <a:rPr lang="en-US" sz="3600" dirty="0"/>
+              <a:t>:</a:t>
+            </a:r>
+            <a:r>
+              <a:rPr lang="en-US" sz="3600" dirty="0">
+                <a:solidFill>
+                  <a:srgbClr val="29A74A"/>
+                </a:solidFill>
+              </a:rPr>
+              <a:t>A2</a:t>
+            </a:r>
+            <a:r>
+              <a:rPr lang="en-US" sz="3600" dirty="0"/>
+              <a:t>:</a:t>
+            </a:r>
+            <a:r>
+              <a:rPr lang="en-US" sz="3600" dirty="0">
+                <a:solidFill>
+                  <a:srgbClr val="29A74A"/>
+                </a:solidFill>
+              </a:rPr>
+              <a:t>C3</a:t>
+            </a:r>
+            <a:r>
+              <a:rPr lang="en-US" sz="3600" dirty="0">
+                <a:solidFill>
+                  <a:srgbClr val="000000"/>
+                </a:solidFill>
+              </a:rPr>
+              <a:t>)</a:t>
+            </a:r>
+            <a:r>
+              <a:rPr lang="en-US" sz="3600" dirty="0">
+                <a:solidFill>
+                  <a:schemeClr val="accent3">
+                    <a:lumMod val="75000"/>
+                  </a:schemeClr>
+                </a:solidFill>
+              </a:rPr>
+              <a:t> </a:t>
+            </a:r>
+            <a:r>
+              <a:rPr lang="en-US" sz="3600" dirty="0"/>
+              <a:t>== </a:t>
+            </a:r>
+            <a:r>
+              <a:rPr lang="en-US" sz="3600" dirty="0" smtClean="0"/>
+              <a:t>?</a:t>
+            </a:r>
+            <a:endParaRPr lang="en-US" sz="3600" dirty="0"/>
+          </a:p>
+          <a:p>
+            <a:pPr algn="ctr"/>
+            <a:endParaRPr lang="en-US" sz="3600" dirty="0"/>
+          </a:p>
+        </p:txBody>
+      </p:sp>
       <p:pic>
         <p:nvPicPr>
-          <p:cNvPr id="2050" name="Picture 2"/>
+          <p:cNvPr id="1027" name="Picture 3"/>
           <p:cNvPicPr>
             <a:picLocks noChangeAspect="1" noChangeArrowheads="1"/>
           </p:cNvPicPr>
@@ -11407,8 +12590,8 @@
         </p:blipFill>
         <p:spPr bwMode="auto">
           <a:xfrm>
-            <a:off x="1828800" y="2286000"/>
-            <a:ext cx="5571408" cy="3313130"/>
+            <a:off x="2362200" y="2286000"/>
+            <a:ext cx="4619625" cy="3374620"/>
           </a:xfrm>
           <a:prstGeom prst="rect">
             <a:avLst/>
@@ -11438,111 +12621,10 @@
           </a:extLst>
         </p:spPr>
       </p:pic>
-      <p:sp>
-        <p:nvSpPr>
-          <p:cNvPr id="6" name="TextBox 5"/>
-          <p:cNvSpPr txBox="1"/>
-          <p:nvPr/>
-        </p:nvSpPr>
-        <p:spPr>
-          <a:xfrm>
-            <a:off x="1905000" y="5791200"/>
-            <a:ext cx="5791200" cy="646331"/>
-          </a:xfrm>
-          <a:prstGeom prst="rect">
-            <a:avLst/>
-          </a:prstGeom>
-          <a:noFill/>
-        </p:spPr>
-        <p:txBody>
-          <a:bodyPr wrap="square" rtlCol="0">
-            <a:spAutoFit/>
-          </a:bodyPr>
-          <a:lstStyle/>
-          <a:p>
-            <a:pPr algn="ctr"/>
-            <a:r>
-              <a:rPr lang="en-US" sz="3600" dirty="0" smtClean="0"/>
-              <a:t>SUM(</a:t>
-            </a:r>
-            <a:r>
-              <a:rPr lang="en-US" sz="3600" dirty="0" smtClean="0">
-                <a:solidFill>
-                  <a:srgbClr val="0404FC"/>
-                </a:solidFill>
-              </a:rPr>
-              <a:t>B2</a:t>
-            </a:r>
-            <a:r>
-              <a:rPr lang="en-US" sz="3600" dirty="0"/>
-              <a:t>:</a:t>
-            </a:r>
-            <a:r>
-              <a:rPr lang="en-US" sz="3600" dirty="0">
-                <a:solidFill>
-                  <a:srgbClr val="0404FC"/>
-                </a:solidFill>
-              </a:rPr>
-              <a:t>D4</a:t>
-            </a:r>
-            <a:r>
-              <a:rPr lang="en-US" sz="3600" dirty="0"/>
-              <a:t>:</a:t>
-            </a:r>
-            <a:r>
-              <a:rPr lang="en-US" sz="3600" dirty="0">
-                <a:solidFill>
-                  <a:srgbClr val="29A74A"/>
-                </a:solidFill>
-              </a:rPr>
-              <a:t>C1</a:t>
-            </a:r>
-            <a:r>
-              <a:rPr lang="en-US" sz="3600" dirty="0"/>
-              <a:t>:</a:t>
-            </a:r>
-            <a:r>
-              <a:rPr lang="en-US" sz="3600" dirty="0" smtClean="0">
-                <a:solidFill>
-                  <a:srgbClr val="29A74A"/>
-                </a:solidFill>
-              </a:rPr>
-              <a:t>C5</a:t>
-            </a:r>
-            <a:r>
-              <a:rPr lang="en-US" sz="3600" dirty="0" smtClean="0">
-                <a:solidFill>
-                  <a:srgbClr val="000000"/>
-                </a:solidFill>
-              </a:rPr>
-              <a:t>)</a:t>
-            </a:r>
-            <a:r>
-              <a:rPr lang="en-US" sz="3600" dirty="0" smtClean="0">
-                <a:solidFill>
-                  <a:schemeClr val="accent3">
-                    <a:lumMod val="75000"/>
-                  </a:schemeClr>
-                </a:solidFill>
-              </a:rPr>
-              <a:t> </a:t>
-            </a:r>
-            <a:r>
-              <a:rPr lang="en-US" sz="3600" dirty="0"/>
-              <a:t>== </a:t>
-            </a:r>
-            <a:r>
-              <a:rPr lang="en-US" sz="3600" dirty="0" smtClean="0"/>
-              <a:t>?</a:t>
-            </a:r>
-            <a:endParaRPr lang="en-US" sz="3600" dirty="0"/>
-          </a:p>
-        </p:txBody>
-      </p:sp>
     </p:spTree>
     <p:extLst>
       <p:ext uri="{BB962C8B-B14F-4D97-AF65-F5344CB8AC3E}">
-        <p14:creationId xmlns:p14="http://schemas.microsoft.com/office/powerpoint/2010/main" val="3003301926"/>
+        <p14:creationId xmlns:p14="http://schemas.microsoft.com/office/powerpoint/2010/main" val="3366519254"/>
       </p:ext>
     </p:extLst>
   </p:cSld>
@@ -11633,7 +12715,7 @@
 </p:sld>
 </file>
 
-<file path=ppt/slides/slide18.xml><?xml version="1.0" encoding="utf-8"?>
+<file path=ppt/slides/slide21.xml><?xml version="1.0" encoding="utf-8"?>
 <p:sld xmlns:a="http://schemas.openxmlformats.org/drawingml/2006/main" xmlns:r="http://schemas.openxmlformats.org/officeDocument/2006/relationships" xmlns:p="http://schemas.openxmlformats.org/presentationml/2006/main">
   <p:cSld>
     <p:spTree>
@@ -11695,13 +12777,18 @@
             </a:pPr>
             <a:r>
               <a:rPr lang="en-US" dirty="0" smtClean="0"/>
-              <a:t>Complex ranges, in 0.04</a:t>
-            </a:r>
-            <a:r>
-              <a:rPr lang="en-US" dirty="0" smtClean="0"/>
-              <a:t>%</a:t>
-            </a:r>
-            <a:endParaRPr lang="en-US" dirty="0"/>
+              <a:t>Complex ranges, in </a:t>
+            </a:r>
+            <a:r>
+              <a:rPr lang="en-US" dirty="0">
+                <a:solidFill>
+                  <a:schemeClr val="accent3">
+                    <a:lumMod val="75000"/>
+                  </a:schemeClr>
+                </a:solidFill>
+              </a:rPr>
+              <a:t>367</a:t>
+            </a:r>
           </a:p>
         </p:txBody>
       </p:sp>
@@ -11746,9 +12833,118 @@
           </a:extLst>
         </p:spPr>
       </p:pic>
+      <p:sp>
+        <p:nvSpPr>
+          <p:cNvPr id="6" name="TextBox 5"/>
+          <p:cNvSpPr txBox="1"/>
+          <p:nvPr/>
+        </p:nvSpPr>
+        <p:spPr>
+          <a:xfrm>
+            <a:off x="838200" y="5791200"/>
+            <a:ext cx="7543800" cy="1200329"/>
+          </a:xfrm>
+          <a:prstGeom prst="rect">
+            <a:avLst/>
+          </a:prstGeom>
+          <a:noFill/>
+        </p:spPr>
+        <p:txBody>
+          <a:bodyPr wrap="square" rtlCol="0">
+            <a:spAutoFit/>
+          </a:bodyPr>
+          <a:lstStyle/>
+          <a:p>
+            <a:pPr algn="ctr"/>
+            <a:r>
+              <a:rPr lang="en-US" sz="3600" dirty="0"/>
+              <a:t>SUM(</a:t>
+            </a:r>
+            <a:r>
+              <a:rPr lang="en-US" sz="3600" dirty="0">
+                <a:solidFill>
+                  <a:srgbClr val="0404FC"/>
+                </a:solidFill>
+              </a:rPr>
+              <a:t>B1</a:t>
+            </a:r>
+            <a:r>
+              <a:rPr lang="en-US" sz="3600" dirty="0"/>
+              <a:t>:</a:t>
+            </a:r>
+            <a:r>
+              <a:rPr lang="en-US" sz="3600" dirty="0">
+                <a:solidFill>
+                  <a:srgbClr val="0404FC"/>
+                </a:solidFill>
+              </a:rPr>
+              <a:t>B5</a:t>
+            </a:r>
+            <a:r>
+              <a:rPr lang="en-US" sz="3600" dirty="0"/>
+              <a:t>:</a:t>
+            </a:r>
+            <a:r>
+              <a:rPr lang="en-US" sz="3600" dirty="0">
+                <a:solidFill>
+                  <a:srgbClr val="29A74A"/>
+                </a:solidFill>
+              </a:rPr>
+              <a:t>A2</a:t>
+            </a:r>
+            <a:r>
+              <a:rPr lang="en-US" sz="3600" dirty="0"/>
+              <a:t>:</a:t>
+            </a:r>
+            <a:r>
+              <a:rPr lang="en-US" sz="3600" dirty="0">
+                <a:solidFill>
+                  <a:srgbClr val="29A74A"/>
+                </a:solidFill>
+              </a:rPr>
+              <a:t>C3</a:t>
+            </a:r>
+            <a:r>
+              <a:rPr lang="en-US" sz="3600" dirty="0">
+                <a:solidFill>
+                  <a:srgbClr val="000000"/>
+                </a:solidFill>
+              </a:rPr>
+              <a:t>)</a:t>
+            </a:r>
+            <a:r>
+              <a:rPr lang="en-US" sz="3600" dirty="0">
+                <a:solidFill>
+                  <a:schemeClr val="accent3">
+                    <a:lumMod val="75000"/>
+                  </a:schemeClr>
+                </a:solidFill>
+              </a:rPr>
+              <a:t> </a:t>
+            </a:r>
+            <a:r>
+              <a:rPr lang="en-US" sz="3600" dirty="0"/>
+              <a:t>== </a:t>
+            </a:r>
+            <a:r>
+              <a:rPr lang="en-US" sz="3600" dirty="0" smtClean="0"/>
+              <a:t>SUM(A1:D5) </a:t>
+            </a:r>
+            <a:r>
+              <a:rPr lang="en-US" sz="3600" dirty="0" smtClean="0"/>
+              <a:t>(!)</a:t>
+            </a:r>
+            <a:endParaRPr lang="en-US" sz="3600" dirty="0"/>
+          </a:p>
+          <a:p>
+            <a:pPr algn="ctr"/>
+            <a:endParaRPr lang="en-US" sz="3600" dirty="0"/>
+          </a:p>
+        </p:txBody>
+      </p:sp>
       <p:pic>
         <p:nvPicPr>
-          <p:cNvPr id="2050" name="Picture 2"/>
+          <p:cNvPr id="1027" name="Picture 3"/>
           <p:cNvPicPr>
             <a:picLocks noChangeAspect="1" noChangeArrowheads="1"/>
           </p:cNvPicPr>
@@ -11769,8 +12965,8 @@
         </p:blipFill>
         <p:spPr bwMode="auto">
           <a:xfrm>
-            <a:off x="1828800" y="2286000"/>
-            <a:ext cx="5571408" cy="3313130"/>
+            <a:off x="2362200" y="2286000"/>
+            <a:ext cx="4619625" cy="3374620"/>
           </a:xfrm>
           <a:prstGeom prst="rect">
             <a:avLst/>
@@ -11802,118 +12998,14 @@
       </p:pic>
       <p:sp>
         <p:nvSpPr>
-          <p:cNvPr id="6" name="TextBox 5"/>
-          <p:cNvSpPr txBox="1"/>
-          <p:nvPr/>
-        </p:nvSpPr>
-        <p:spPr>
-          <a:xfrm>
-            <a:off x="1676400" y="5791200"/>
-            <a:ext cx="6019800" cy="1200329"/>
-          </a:xfrm>
-          <a:prstGeom prst="rect">
-            <a:avLst/>
-          </a:prstGeom>
-          <a:noFill/>
-        </p:spPr>
-        <p:txBody>
-          <a:bodyPr wrap="square" rtlCol="0">
-            <a:spAutoFit/>
-          </a:bodyPr>
-          <a:lstStyle/>
-          <a:p>
-            <a:pPr algn="ctr"/>
-            <a:r>
-              <a:rPr lang="en-US" sz="3600" dirty="0" smtClean="0"/>
-              <a:t>SUM(</a:t>
-            </a:r>
-            <a:r>
-              <a:rPr lang="en-US" sz="3600" dirty="0" smtClean="0">
-                <a:solidFill>
-                  <a:srgbClr val="0404FC"/>
-                </a:solidFill>
-              </a:rPr>
-              <a:t>B2</a:t>
-            </a:r>
-            <a:r>
-              <a:rPr lang="en-US" sz="3600" dirty="0"/>
-              <a:t>:</a:t>
-            </a:r>
-            <a:r>
-              <a:rPr lang="en-US" sz="3600" dirty="0">
-                <a:solidFill>
-                  <a:srgbClr val="0404FC"/>
-                </a:solidFill>
-              </a:rPr>
-              <a:t>D4</a:t>
-            </a:r>
-            <a:r>
-              <a:rPr lang="en-US" sz="3600" dirty="0"/>
-              <a:t>:</a:t>
-            </a:r>
-            <a:r>
-              <a:rPr lang="en-US" sz="3600" dirty="0">
-                <a:solidFill>
-                  <a:srgbClr val="29A74A"/>
-                </a:solidFill>
-              </a:rPr>
-              <a:t>C1</a:t>
-            </a:r>
-            <a:r>
-              <a:rPr lang="en-US" sz="3600" dirty="0"/>
-              <a:t>:</a:t>
-            </a:r>
-            <a:r>
-              <a:rPr lang="en-US" sz="3600" dirty="0" smtClean="0">
-                <a:solidFill>
-                  <a:srgbClr val="29A74A"/>
-                </a:solidFill>
-              </a:rPr>
-              <a:t>C5</a:t>
-            </a:r>
-            <a:r>
-              <a:rPr lang="en-US" sz="3600" dirty="0" smtClean="0">
-                <a:solidFill>
-                  <a:srgbClr val="000000"/>
-                </a:solidFill>
-              </a:rPr>
-              <a:t>)</a:t>
-            </a:r>
-            <a:r>
-              <a:rPr lang="en-US" sz="3600" dirty="0" smtClean="0">
-                <a:solidFill>
-                  <a:schemeClr val="accent3">
-                    <a:lumMod val="75000"/>
-                  </a:schemeClr>
-                </a:solidFill>
-              </a:rPr>
-              <a:t> </a:t>
-            </a:r>
-            <a:r>
-              <a:rPr lang="en-US" sz="3600" dirty="0"/>
-              <a:t>== </a:t>
-            </a:r>
-            <a:r>
-              <a:rPr lang="en-US" sz="3600" dirty="0"/>
-              <a:t>B1:D6 (!)</a:t>
-            </a:r>
-          </a:p>
-          <a:p>
-            <a:pPr algn="ctr"/>
-            <a:endParaRPr lang="en-US" sz="3600" dirty="0"/>
-          </a:p>
-        </p:txBody>
-      </p:sp>
-      <p:sp>
-        <p:nvSpPr>
           <p:cNvPr id="7" name="Rectangle 6"/>
           <p:cNvSpPr/>
           <p:nvPr/>
         </p:nvSpPr>
         <p:spPr>
           <a:xfrm>
-            <a:off x="2819400" y="3104364"/>
-            <a:ext cx="3581400" cy="2153435"/>
+            <a:off x="2895600" y="3249145"/>
+            <a:ext cx="3200400" cy="1932455"/>
           </a:xfrm>
           <a:prstGeom prst="rect">
             <a:avLst/>
@@ -12092,7 +13184,7 @@
 </p:sld>
 </file>
 
-<file path=ppt/slides/slide19.xml><?xml version="1.0" encoding="utf-8"?>
+<file path=ppt/slides/slide22.xml><?xml version="1.0" encoding="utf-8"?>
 <p:sld xmlns:a="http://schemas.openxmlformats.org/drawingml/2006/main" xmlns:r="http://schemas.openxmlformats.org/officeDocument/2006/relationships" xmlns:p="http://schemas.openxmlformats.org/presentationml/2006/main">
   <p:cSld>
     <p:spTree>
@@ -12383,239 +13475,7 @@
 </p:sld>
 </file>
 
-<file path=ppt/slides/slide2.xml><?xml version="1.0" encoding="utf-8"?>
-<p:sld xmlns:a="http://schemas.openxmlformats.org/drawingml/2006/main" xmlns:r="http://schemas.openxmlformats.org/officeDocument/2006/relationships" xmlns:p="http://schemas.openxmlformats.org/presentationml/2006/main">
-  <p:cSld>
-    <p:bg>
-      <p:bgPr>
-        <a:blipFill dpi="0" rotWithShape="1">
-          <a:blip r:embed="rId3">
-            <a:alphaModFix amt="72000"/>
-            <a:lum/>
-          </a:blip>
-          <a:srcRect/>
-          <a:stretch>
-            <a:fillRect b="-1000"/>
-          </a:stretch>
-        </a:blipFill>
-        <a:effectLst/>
-      </p:bgPr>
-    </p:bg>
-    <p:spTree>
-      <p:nvGrpSpPr>
-        <p:cNvPr id="1" name=""/>
-        <p:cNvGrpSpPr/>
-        <p:nvPr/>
-      </p:nvGrpSpPr>
-      <p:grpSpPr>
-        <a:xfrm>
-          <a:off x="0" y="0"/>
-          <a:ext cx="0" cy="0"/>
-          <a:chOff x="0" y="0"/>
-          <a:chExt cx="0" cy="0"/>
-        </a:xfrm>
-      </p:grpSpPr>
-      <p:sp>
-        <p:nvSpPr>
-          <p:cNvPr id="2" name="Title 1"/>
-          <p:cNvSpPr>
-            <a:spLocks noGrp="1"/>
-          </p:cNvSpPr>
-          <p:nvPr>
-            <p:ph type="title"/>
-          </p:nvPr>
-        </p:nvSpPr>
-        <p:spPr>
-          <a:xfrm>
-            <a:off x="1143000" y="1590463"/>
-            <a:ext cx="8229600" cy="1143000"/>
-          </a:xfrm>
-        </p:spPr>
-        <p:txBody>
-          <a:bodyPr>
-            <a:normAutofit fontScale="90000"/>
-          </a:bodyPr>
-          <a:lstStyle/>
-          <a:p>
-            <a:r>
-              <a:rPr lang="en-US" dirty="0" smtClean="0"/>
-              <a:t>A language that all of us (think we) know</a:t>
-            </a:r>
-            <a:endParaRPr lang="en-US" dirty="0"/>
-          </a:p>
-        </p:txBody>
-      </p:sp>
-      <p:pic>
-        <p:nvPicPr>
-          <p:cNvPr id="4" name="Picture 3"/>
-          <p:cNvPicPr>
-            <a:picLocks noChangeAspect="1"/>
-          </p:cNvPicPr>
-          <p:nvPr/>
-        </p:nvPicPr>
-        <p:blipFill>
-          <a:blip r:embed="rId4">
-            <a:extLst>
-              <a:ext uri="{28A0092B-C50C-407E-A947-70E740481C1C}">
-                <a14:useLocalDpi xmlns:a14="http://schemas.microsoft.com/office/drawing/2010/main" val="0"/>
-              </a:ext>
-            </a:extLst>
-          </a:blip>
-          <a:stretch>
-            <a:fillRect/>
-          </a:stretch>
-        </p:blipFill>
-        <p:spPr>
-          <a:xfrm>
-            <a:off x="533400" y="2232212"/>
-            <a:ext cx="1961324" cy="304800"/>
-          </a:xfrm>
-          <a:prstGeom prst="rect">
-            <a:avLst/>
-          </a:prstGeom>
-        </p:spPr>
-      </p:pic>
-      <p:pic>
-        <p:nvPicPr>
-          <p:cNvPr id="5" name="Picture 4"/>
-          <p:cNvPicPr>
-            <a:picLocks noChangeAspect="1"/>
-          </p:cNvPicPr>
-          <p:nvPr/>
-        </p:nvPicPr>
-        <p:blipFill>
-          <a:blip r:embed="rId5">
-            <a:extLst>
-              <a:ext uri="{28A0092B-C50C-407E-A947-70E740481C1C}">
-                <a14:useLocalDpi xmlns:a14="http://schemas.microsoft.com/office/drawing/2010/main" val="0"/>
-              </a:ext>
-            </a:extLst>
-          </a:blip>
-          <a:stretch>
-            <a:fillRect/>
-          </a:stretch>
-        </p:blipFill>
-        <p:spPr>
-          <a:xfrm>
-            <a:off x="1905000" y="2733463"/>
-            <a:ext cx="2406162" cy="316238"/>
-          </a:xfrm>
-          <a:prstGeom prst="rect">
-            <a:avLst/>
-          </a:prstGeom>
-        </p:spPr>
-      </p:pic>
-      <p:pic>
-        <p:nvPicPr>
-          <p:cNvPr id="6" name="Picture 5"/>
-          <p:cNvPicPr>
-            <a:picLocks noChangeAspect="1"/>
-          </p:cNvPicPr>
-          <p:nvPr/>
-        </p:nvPicPr>
-        <p:blipFill>
-          <a:blip r:embed="rId6">
-            <a:extLst>
-              <a:ext uri="{28A0092B-C50C-407E-A947-70E740481C1C}">
-                <a14:useLocalDpi xmlns:a14="http://schemas.microsoft.com/office/drawing/2010/main" val="0"/>
-              </a:ext>
-            </a:extLst>
-          </a:blip>
-          <a:stretch>
-            <a:fillRect/>
-          </a:stretch>
-        </p:blipFill>
-        <p:spPr>
-          <a:xfrm>
-            <a:off x="457200" y="3124200"/>
-            <a:ext cx="8763000" cy="749835"/>
-          </a:xfrm>
-          <a:prstGeom prst="rect">
-            <a:avLst/>
-          </a:prstGeom>
-        </p:spPr>
-      </p:pic>
-      <p:pic>
-        <p:nvPicPr>
-          <p:cNvPr id="7" name="Picture 6"/>
-          <p:cNvPicPr>
-            <a:picLocks noChangeAspect="1"/>
-          </p:cNvPicPr>
-          <p:nvPr/>
-        </p:nvPicPr>
-        <p:blipFill>
-          <a:blip r:embed="rId7">
-            <a:extLst>
-              <a:ext uri="{28A0092B-C50C-407E-A947-70E740481C1C}">
-                <a14:useLocalDpi xmlns:a14="http://schemas.microsoft.com/office/drawing/2010/main" val="0"/>
-              </a:ext>
-            </a:extLst>
-          </a:blip>
-          <a:stretch>
-            <a:fillRect/>
-          </a:stretch>
-        </p:blipFill>
-        <p:spPr>
-          <a:xfrm>
-            <a:off x="22412" y="4114800"/>
-            <a:ext cx="8763000" cy="963350"/>
-          </a:xfrm>
-          <a:prstGeom prst="rect">
-            <a:avLst/>
-          </a:prstGeom>
-        </p:spPr>
-      </p:pic>
-      <p:pic>
-        <p:nvPicPr>
-          <p:cNvPr id="8" name="Picture 7"/>
-          <p:cNvPicPr>
-            <a:picLocks noChangeAspect="1"/>
-          </p:cNvPicPr>
-          <p:nvPr/>
-        </p:nvPicPr>
-        <p:blipFill>
-          <a:blip r:embed="rId8">
-            <a:extLst>
-              <a:ext uri="{28A0092B-C50C-407E-A947-70E740481C1C}">
-                <a14:useLocalDpi xmlns:a14="http://schemas.microsoft.com/office/drawing/2010/main" val="0"/>
-              </a:ext>
-            </a:extLst>
-          </a:blip>
-          <a:stretch>
-            <a:fillRect/>
-          </a:stretch>
-        </p:blipFill>
-        <p:spPr>
-          <a:xfrm>
-            <a:off x="874275" y="5410200"/>
-            <a:ext cx="8274207" cy="914400"/>
-          </a:xfrm>
-          <a:prstGeom prst="rect">
-            <a:avLst/>
-          </a:prstGeom>
-        </p:spPr>
-      </p:pic>
-    </p:spTree>
-    <p:extLst>
-      <p:ext uri="{BB962C8B-B14F-4D97-AF65-F5344CB8AC3E}">
-        <p14:creationId xmlns:p14="http://schemas.microsoft.com/office/powerpoint/2010/main" val="861592318"/>
-      </p:ext>
-    </p:extLst>
-  </p:cSld>
-  <p:clrMapOvr>
-    <a:masterClrMapping/>
-  </p:clrMapOvr>
-  <p:timing>
-    <p:tnLst>
-      <p:par>
-        <p:cTn id="1" dur="indefinite" restart="never" nodeType="tmRoot"/>
-      </p:par>
-    </p:tnLst>
-  </p:timing>
-</p:sld>
-</file>
-
-<file path=ppt/slides/slide20.xml><?xml version="1.0" encoding="utf-8"?>
+<file path=ppt/slides/slide23.xml><?xml version="1.0" encoding="utf-8"?>
 <p:sld xmlns:a="http://schemas.openxmlformats.org/drawingml/2006/main" xmlns:r="http://schemas.openxmlformats.org/officeDocument/2006/relationships" xmlns:p="http://schemas.openxmlformats.org/presentationml/2006/main">
   <p:cSld>
     <p:spTree>
@@ -12710,11 +13570,7 @@
             </a:r>
             <a:r>
               <a:rPr lang="en-US" sz="3600" dirty="0"/>
-              <a:t>== </a:t>
-            </a:r>
-            <a:r>
-              <a:rPr lang="en-US" sz="3600" dirty="0"/>
-              <a:t>#NULL</a:t>
+              <a:t>== #NULL</a:t>
             </a:r>
             <a:r>
               <a:rPr lang="en-US" sz="3600" dirty="0" smtClean="0"/>
@@ -12849,14 +13705,22 @@
               <a:t>Intersection, in </a:t>
             </a:r>
             <a:r>
-              <a:rPr lang="en-US" dirty="0" smtClean="0"/>
-              <a:t>0.01</a:t>
-            </a:r>
-            <a:r>
-              <a:rPr lang="en-US" dirty="0" smtClean="0"/>
-              <a:t>% </a:t>
-            </a:r>
-            <a:endParaRPr lang="en-US" dirty="0"/>
+              <a:rPr lang="en-US" dirty="0" smtClean="0">
+                <a:solidFill>
+                  <a:schemeClr val="accent3">
+                    <a:lumMod val="75000"/>
+                  </a:schemeClr>
+                </a:solidFill>
+              </a:rPr>
+              <a:t>304</a:t>
+            </a:r>
+            <a:endParaRPr lang="en-US" dirty="0">
+              <a:solidFill>
+                <a:schemeClr val="accent3">
+                  <a:lumMod val="75000"/>
+                </a:schemeClr>
+              </a:solidFill>
+            </a:endParaRPr>
           </a:p>
           <a:p>
             <a:pPr marL="0" indent="0" algn="ctr">
@@ -12995,7 +13859,7 @@
 </p:sld>
 </file>
 
-<file path=ppt/slides/slide21.xml><?xml version="1.0" encoding="utf-8"?>
+<file path=ppt/slides/slide24.xml><?xml version="1.0" encoding="utf-8"?>
 <p:sld xmlns:a="http://schemas.openxmlformats.org/drawingml/2006/main" xmlns:r="http://schemas.openxmlformats.org/officeDocument/2006/relationships" xmlns:p="http://schemas.openxmlformats.org/presentationml/2006/main">
   <p:cSld>
     <p:spTree>
@@ -13144,7 +14008,7 @@
 </p:sld>
 </file>
 
-<file path=ppt/slides/slide22.xml><?xml version="1.0" encoding="utf-8"?>
+<file path=ppt/slides/slide25.xml><?xml version="1.0" encoding="utf-8"?>
 <p:sld xmlns:a="http://schemas.openxmlformats.org/drawingml/2006/main" xmlns:r="http://schemas.openxmlformats.org/officeDocument/2006/relationships" xmlns:p="http://schemas.openxmlformats.org/presentationml/2006/main">
   <p:cSld>
     <p:spTree>
@@ -13300,7 +14164,7 @@
 </p:sld>
 </file>
 
-<file path=ppt/slides/slide23.xml><?xml version="1.0" encoding="utf-8"?>
+<file path=ppt/slides/slide26.xml><?xml version="1.0" encoding="utf-8"?>
 <p:sld xmlns:a="http://schemas.openxmlformats.org/drawingml/2006/main" xmlns:r="http://schemas.openxmlformats.org/officeDocument/2006/relationships" xmlns:p="http://schemas.openxmlformats.org/presentationml/2006/main">
   <p:cSld>
     <p:spTree>
@@ -13445,7 +14309,7 @@
 </p:sld>
 </file>
 
-<file path=ppt/slides/slide24.xml><?xml version="1.0" encoding="utf-8"?>
+<file path=ppt/slides/slide27.xml><?xml version="1.0" encoding="utf-8"?>
 <p:sld xmlns:a="http://schemas.openxmlformats.org/drawingml/2006/main" xmlns:r="http://schemas.openxmlformats.org/officeDocument/2006/relationships" xmlns:p="http://schemas.openxmlformats.org/presentationml/2006/main">
   <p:cSld>
     <p:spTree>
@@ -13485,7 +14349,7 @@
         </p:blipFill>
         <p:spPr bwMode="auto">
           <a:xfrm>
-            <a:off x="381000" y="1256060"/>
+            <a:off x="381000" y="1560860"/>
             <a:ext cx="2682240" cy="2011680"/>
           </a:xfrm>
           <a:prstGeom prst="roundRect">
@@ -13559,7 +14423,7 @@
         </p:blipFill>
         <p:spPr bwMode="auto">
           <a:xfrm>
-            <a:off x="3276600" y="1264920"/>
+            <a:off x="3276600" y="1569720"/>
             <a:ext cx="2685364" cy="2011680"/>
           </a:xfrm>
           <a:prstGeom prst="roundRect">
@@ -13633,7 +14497,7 @@
         </p:blipFill>
         <p:spPr bwMode="auto">
           <a:xfrm>
-            <a:off x="6148226" y="1264920"/>
+            <a:off x="6148226" y="1569720"/>
             <a:ext cx="2690974" cy="2011680"/>
           </a:xfrm>
           <a:prstGeom prst="roundRect">
@@ -13706,7 +14570,7 @@
         </p:blipFill>
         <p:spPr>
           <a:xfrm>
-            <a:off x="236524" y="6002836"/>
+            <a:off x="217069" y="228600"/>
             <a:ext cx="2031594" cy="595194"/>
           </a:xfrm>
           <a:prstGeom prst="rect">
@@ -13724,7 +14588,7 @@
         </p:nvSpPr>
         <p:spPr>
           <a:xfrm>
-            <a:off x="3200400" y="5867400"/>
+            <a:off x="3124200" y="3962400"/>
             <a:ext cx="5715000" cy="685800"/>
           </a:xfrm>
           <a:prstGeom prst="rect">
@@ -13930,7 +14794,7 @@
         </p:nvSpPr>
         <p:spPr>
           <a:xfrm>
-            <a:off x="6400800" y="2636520"/>
+            <a:off x="6400800" y="2941320"/>
             <a:ext cx="2133600" cy="381000"/>
           </a:xfrm>
           <a:prstGeom prst="rect">
@@ -13967,6 +14831,140 @@
           </a:p>
         </p:txBody>
       </p:sp>
+      <p:sp>
+        <p:nvSpPr>
+          <p:cNvPr id="3" name="TextBox 2"/>
+          <p:cNvSpPr txBox="1"/>
+          <p:nvPr/>
+        </p:nvSpPr>
+        <p:spPr>
+          <a:xfrm>
+            <a:off x="152400" y="6172200"/>
+            <a:ext cx="6781800" cy="584775"/>
+          </a:xfrm>
+          <a:prstGeom prst="rect">
+            <a:avLst/>
+          </a:prstGeom>
+          <a:noFill/>
+        </p:spPr>
+        <p:txBody>
+          <a:bodyPr wrap="square" rtlCol="0">
+            <a:spAutoFit/>
+          </a:bodyPr>
+          <a:lstStyle/>
+          <a:p>
+            <a:r>
+              <a:rPr lang="en-US" sz="1600" dirty="0" smtClean="0">
+                <a:solidFill>
+                  <a:schemeClr val="bg1">
+                    <a:lumMod val="50000"/>
+                  </a:schemeClr>
+                </a:solidFill>
+              </a:rPr>
+              <a:t>Supported with a </a:t>
+            </a:r>
+            <a:r>
+              <a:rPr lang="en-US" sz="1600" dirty="0">
+                <a:solidFill>
+                  <a:schemeClr val="bg1">
+                    <a:lumMod val="50000"/>
+                  </a:schemeClr>
+                </a:solidFill>
+              </a:rPr>
+              <a:t>SCAM travel </a:t>
+            </a:r>
+            <a:r>
+              <a:rPr lang="en-US" sz="1600" dirty="0" smtClean="0">
+                <a:solidFill>
+                  <a:schemeClr val="bg1">
+                    <a:lumMod val="50000"/>
+                  </a:schemeClr>
+                </a:solidFill>
+              </a:rPr>
+              <a:t>grant</a:t>
+            </a:r>
+          </a:p>
+          <a:p>
+            <a:r>
+              <a:rPr lang="en-US" sz="1600" dirty="0" smtClean="0">
+                <a:solidFill>
+                  <a:schemeClr val="bg1">
+                    <a:lumMod val="50000"/>
+                  </a:schemeClr>
+                </a:solidFill>
+              </a:rPr>
+              <a:t>Thanks to </a:t>
+            </a:r>
+            <a:r>
+              <a:rPr lang="en-US" sz="1600" dirty="0" err="1" smtClean="0">
+                <a:solidFill>
+                  <a:schemeClr val="bg1">
+                    <a:lumMod val="50000"/>
+                  </a:schemeClr>
+                </a:solidFill>
+              </a:rPr>
+              <a:t>GrammaTech</a:t>
+            </a:r>
+            <a:r>
+              <a:rPr lang="en-US" sz="1600" dirty="0">
+                <a:solidFill>
+                  <a:schemeClr val="bg1">
+                    <a:lumMod val="50000"/>
+                  </a:schemeClr>
+                </a:solidFill>
+              </a:rPr>
+              <a:t>, of Ithaca </a:t>
+            </a:r>
+            <a:r>
+              <a:rPr lang="en-US" sz="1600" dirty="0" smtClean="0">
+                <a:solidFill>
+                  <a:schemeClr val="bg1">
+                    <a:lumMod val="50000"/>
+                  </a:schemeClr>
+                </a:solidFill>
+              </a:rPr>
+              <a:t>NY</a:t>
+            </a:r>
+            <a:r>
+              <a:rPr lang="en-US" sz="1600" dirty="0">
+                <a:solidFill>
+                  <a:schemeClr val="bg1">
+                    <a:lumMod val="50000"/>
+                  </a:schemeClr>
+                </a:solidFill>
+              </a:rPr>
+              <a:t> </a:t>
+            </a:r>
+            <a:r>
+              <a:rPr lang="en-US" sz="1600" dirty="0" smtClean="0">
+                <a:solidFill>
+                  <a:schemeClr val="bg1">
+                    <a:lumMod val="50000"/>
+                  </a:schemeClr>
+                </a:solidFill>
+              </a:rPr>
+              <a:t>and Microsoft </a:t>
+            </a:r>
+            <a:r>
+              <a:rPr lang="en-US" sz="1600" dirty="0">
+                <a:solidFill>
+                  <a:schemeClr val="bg1">
+                    <a:lumMod val="50000"/>
+                  </a:schemeClr>
+                </a:solidFill>
+              </a:rPr>
+              <a:t>Research, of Redmond WA</a:t>
+            </a:r>
+            <a:endParaRPr lang="en-US" sz="1600" dirty="0">
+              <a:solidFill>
+                <a:schemeClr val="bg1">
+                  <a:lumMod val="50000"/>
+                </a:schemeClr>
+              </a:solidFill>
+            </a:endParaRPr>
+          </a:p>
+        </p:txBody>
+      </p:sp>
     </p:spTree>
     <p:extLst>
       <p:ext uri="{BB962C8B-B14F-4D97-AF65-F5344CB8AC3E}">
@@ -13987,7 +14985,7 @@
 </p:sld>
 </file>
 
-<file path=ppt/slides/slide25.xml><?xml version="1.0" encoding="utf-8"?>
+<file path=ppt/slides/slide28.xml><?xml version="1.0" encoding="utf-8"?>
 <p:sld xmlns:a="http://schemas.openxmlformats.org/drawingml/2006/main" xmlns:r="http://schemas.openxmlformats.org/officeDocument/2006/relationships" xmlns:p="http://schemas.openxmlformats.org/presentationml/2006/main">
   <p:cSld>
     <p:spTree>
@@ -14062,7 +15060,7 @@
 </p:sld>
 </file>
 
-<file path=ppt/slides/slide26.xml><?xml version="1.0" encoding="utf-8"?>
+<file path=ppt/slides/slide29.xml><?xml version="1.0" encoding="utf-8"?>
 <p:sld xmlns:a="http://schemas.openxmlformats.org/drawingml/2006/main" xmlns:r="http://schemas.openxmlformats.org/officeDocument/2006/relationships" xmlns:p="http://schemas.openxmlformats.org/presentationml/2006/main">
   <p:cSld>
     <p:spTree>
@@ -14829,7 +15827,239 @@
 </p:sld>
 </file>
 
-<file path=ppt/slides/slide27.xml><?xml version="1.0" encoding="utf-8"?>
+<file path=ppt/slides/slide3.xml><?xml version="1.0" encoding="utf-8"?>
+<p:sld xmlns:a="http://schemas.openxmlformats.org/drawingml/2006/main" xmlns:r="http://schemas.openxmlformats.org/officeDocument/2006/relationships" xmlns:p="http://schemas.openxmlformats.org/presentationml/2006/main">
+  <p:cSld>
+    <p:bg>
+      <p:bgPr>
+        <a:blipFill dpi="0" rotWithShape="1">
+          <a:blip r:embed="rId3">
+            <a:alphaModFix amt="72000"/>
+            <a:lum/>
+          </a:blip>
+          <a:srcRect/>
+          <a:stretch>
+            <a:fillRect b="-1000"/>
+          </a:stretch>
+        </a:blipFill>
+        <a:effectLst/>
+      </p:bgPr>
+    </p:bg>
+    <p:spTree>
+      <p:nvGrpSpPr>
+        <p:cNvPr id="1" name=""/>
+        <p:cNvGrpSpPr/>
+        <p:nvPr/>
+      </p:nvGrpSpPr>
+      <p:grpSpPr>
+        <a:xfrm>
+          <a:off x="0" y="0"/>
+          <a:ext cx="0" cy="0"/>
+          <a:chOff x="0" y="0"/>
+          <a:chExt cx="0" cy="0"/>
+        </a:xfrm>
+      </p:grpSpPr>
+      <p:sp>
+        <p:nvSpPr>
+          <p:cNvPr id="2" name="Title 1"/>
+          <p:cNvSpPr>
+            <a:spLocks noGrp="1"/>
+          </p:cNvSpPr>
+          <p:nvPr>
+            <p:ph type="title"/>
+          </p:nvPr>
+        </p:nvSpPr>
+        <p:spPr>
+          <a:xfrm>
+            <a:off x="1143000" y="1590463"/>
+            <a:ext cx="8229600" cy="1143000"/>
+          </a:xfrm>
+        </p:spPr>
+        <p:txBody>
+          <a:bodyPr>
+            <a:normAutofit fontScale="90000"/>
+          </a:bodyPr>
+          <a:lstStyle/>
+          <a:p>
+            <a:r>
+              <a:rPr lang="en-US" dirty="0" smtClean="0"/>
+              <a:t>A language that all of us (think we) know</a:t>
+            </a:r>
+            <a:endParaRPr lang="en-US" dirty="0"/>
+          </a:p>
+        </p:txBody>
+      </p:sp>
+      <p:pic>
+        <p:nvPicPr>
+          <p:cNvPr id="4" name="Picture 3"/>
+          <p:cNvPicPr>
+            <a:picLocks noChangeAspect="1"/>
+          </p:cNvPicPr>
+          <p:nvPr/>
+        </p:nvPicPr>
+        <p:blipFill>
+          <a:blip r:embed="rId4">
+            <a:extLst>
+              <a:ext uri="{28A0092B-C50C-407E-A947-70E740481C1C}">
+                <a14:useLocalDpi xmlns:a14="http://schemas.microsoft.com/office/drawing/2010/main" val="0"/>
+              </a:ext>
+            </a:extLst>
+          </a:blip>
+          <a:stretch>
+            <a:fillRect/>
+          </a:stretch>
+        </p:blipFill>
+        <p:spPr>
+          <a:xfrm>
+            <a:off x="533400" y="2232212"/>
+            <a:ext cx="1961324" cy="304800"/>
+          </a:xfrm>
+          <a:prstGeom prst="rect">
+            <a:avLst/>
+          </a:prstGeom>
+        </p:spPr>
+      </p:pic>
+      <p:pic>
+        <p:nvPicPr>
+          <p:cNvPr id="5" name="Picture 4"/>
+          <p:cNvPicPr>
+            <a:picLocks noChangeAspect="1"/>
+          </p:cNvPicPr>
+          <p:nvPr/>
+        </p:nvPicPr>
+        <p:blipFill>
+          <a:blip r:embed="rId5">
+            <a:extLst>
+              <a:ext uri="{28A0092B-C50C-407E-A947-70E740481C1C}">
+                <a14:useLocalDpi xmlns:a14="http://schemas.microsoft.com/office/drawing/2010/main" val="0"/>
+              </a:ext>
+            </a:extLst>
+          </a:blip>
+          <a:stretch>
+            <a:fillRect/>
+          </a:stretch>
+        </p:blipFill>
+        <p:spPr>
+          <a:xfrm>
+            <a:off x="1905000" y="2733463"/>
+            <a:ext cx="2406162" cy="316238"/>
+          </a:xfrm>
+          <a:prstGeom prst="rect">
+            <a:avLst/>
+          </a:prstGeom>
+        </p:spPr>
+      </p:pic>
+      <p:pic>
+        <p:nvPicPr>
+          <p:cNvPr id="6" name="Picture 5"/>
+          <p:cNvPicPr>
+            <a:picLocks noChangeAspect="1"/>
+          </p:cNvPicPr>
+          <p:nvPr/>
+        </p:nvPicPr>
+        <p:blipFill>
+          <a:blip r:embed="rId6">
+            <a:extLst>
+              <a:ext uri="{28A0092B-C50C-407E-A947-70E740481C1C}">
+                <a14:useLocalDpi xmlns:a14="http://schemas.microsoft.com/office/drawing/2010/main" val="0"/>
+              </a:ext>
+            </a:extLst>
+          </a:blip>
+          <a:stretch>
+            <a:fillRect/>
+          </a:stretch>
+        </p:blipFill>
+        <p:spPr>
+          <a:xfrm>
+            <a:off x="457200" y="3124200"/>
+            <a:ext cx="8763000" cy="749835"/>
+          </a:xfrm>
+          <a:prstGeom prst="rect">
+            <a:avLst/>
+          </a:prstGeom>
+        </p:spPr>
+      </p:pic>
+      <p:pic>
+        <p:nvPicPr>
+          <p:cNvPr id="7" name="Picture 6"/>
+          <p:cNvPicPr>
+            <a:picLocks noChangeAspect="1"/>
+          </p:cNvPicPr>
+          <p:nvPr/>
+        </p:nvPicPr>
+        <p:blipFill>
+          <a:blip r:embed="rId7">
+            <a:extLst>
+              <a:ext uri="{28A0092B-C50C-407E-A947-70E740481C1C}">
+                <a14:useLocalDpi xmlns:a14="http://schemas.microsoft.com/office/drawing/2010/main" val="0"/>
+              </a:ext>
+            </a:extLst>
+          </a:blip>
+          <a:stretch>
+            <a:fillRect/>
+          </a:stretch>
+        </p:blipFill>
+        <p:spPr>
+          <a:xfrm>
+            <a:off x="22412" y="4114800"/>
+            <a:ext cx="8763000" cy="963350"/>
+          </a:xfrm>
+          <a:prstGeom prst="rect">
+            <a:avLst/>
+          </a:prstGeom>
+        </p:spPr>
+      </p:pic>
+      <p:pic>
+        <p:nvPicPr>
+          <p:cNvPr id="8" name="Picture 7"/>
+          <p:cNvPicPr>
+            <a:picLocks noChangeAspect="1"/>
+          </p:cNvPicPr>
+          <p:nvPr/>
+        </p:nvPicPr>
+        <p:blipFill>
+          <a:blip r:embed="rId8">
+            <a:extLst>
+              <a:ext uri="{28A0092B-C50C-407E-A947-70E740481C1C}">
+                <a14:useLocalDpi xmlns:a14="http://schemas.microsoft.com/office/drawing/2010/main" val="0"/>
+              </a:ext>
+            </a:extLst>
+          </a:blip>
+          <a:stretch>
+            <a:fillRect/>
+          </a:stretch>
+        </p:blipFill>
+        <p:spPr>
+          <a:xfrm>
+            <a:off x="874275" y="5410200"/>
+            <a:ext cx="8274207" cy="914400"/>
+          </a:xfrm>
+          <a:prstGeom prst="rect">
+            <a:avLst/>
+          </a:prstGeom>
+        </p:spPr>
+      </p:pic>
+    </p:spTree>
+    <p:extLst>
+      <p:ext uri="{BB962C8B-B14F-4D97-AF65-F5344CB8AC3E}">
+        <p14:creationId xmlns:p14="http://schemas.microsoft.com/office/powerpoint/2010/main" val="1851314246"/>
+      </p:ext>
+    </p:extLst>
+  </p:cSld>
+  <p:clrMapOvr>
+    <a:masterClrMapping/>
+  </p:clrMapOvr>
+  <p:timing>
+    <p:tnLst>
+      <p:par>
+        <p:cTn id="1" dur="indefinite" restart="never" nodeType="tmRoot"/>
+      </p:par>
+    </p:tnLst>
+  </p:timing>
+</p:sld>
+</file>
+
+<file path=ppt/slides/slide30.xml><?xml version="1.0" encoding="utf-8"?>
 <p:sld xmlns:a="http://schemas.openxmlformats.org/drawingml/2006/main" xmlns:r="http://schemas.openxmlformats.org/officeDocument/2006/relationships" xmlns:p="http://schemas.openxmlformats.org/presentationml/2006/main">
   <p:cSld>
     <p:spTree>
@@ -15618,7 +16848,7 @@
 </p:sld>
 </file>
 
-<file path=ppt/slides/slide28.xml><?xml version="1.0" encoding="utf-8"?>
+<file path=ppt/slides/slide31.xml><?xml version="1.0" encoding="utf-8"?>
 <p:sld xmlns:a="http://schemas.openxmlformats.org/drawingml/2006/main" xmlns:r="http://schemas.openxmlformats.org/officeDocument/2006/relationships" xmlns:p="http://schemas.openxmlformats.org/presentationml/2006/main">
   <p:cSld>
     <p:spTree>
@@ -15930,7 +17160,7 @@
 </p:sld>
 </file>
 
-<file path=ppt/slides/slide29.xml><?xml version="1.0" encoding="utf-8"?>
+<file path=ppt/slides/slide32.xml><?xml version="1.0" encoding="utf-8"?>
 <p:sld xmlns:a="http://schemas.openxmlformats.org/drawingml/2006/main" xmlns:r="http://schemas.openxmlformats.org/officeDocument/2006/relationships" xmlns:p="http://schemas.openxmlformats.org/presentationml/2006/main">
   <p:cSld>
     <p:spTree>
@@ -16247,391 +17477,7 @@
 </p:sld>
 </file>
 
-<file path=ppt/slides/slide3.xml><?xml version="1.0" encoding="utf-8"?>
-<p:sld xmlns:a="http://schemas.openxmlformats.org/drawingml/2006/main" xmlns:r="http://schemas.openxmlformats.org/officeDocument/2006/relationships" xmlns:p="http://schemas.openxmlformats.org/presentationml/2006/main">
-  <p:cSld>
-    <p:bg>
-      <p:bgPr>
-        <a:blipFill dpi="0" rotWithShape="1">
-          <a:blip r:embed="rId3">
-            <a:alphaModFix amt="72000"/>
-            <a:lum/>
-          </a:blip>
-          <a:srcRect/>
-          <a:stretch>
-            <a:fillRect b="-1000"/>
-          </a:stretch>
-        </a:blipFill>
-        <a:effectLst/>
-      </p:bgPr>
-    </p:bg>
-    <p:spTree>
-      <p:nvGrpSpPr>
-        <p:cNvPr id="1" name=""/>
-        <p:cNvGrpSpPr/>
-        <p:nvPr/>
-      </p:nvGrpSpPr>
-      <p:grpSpPr>
-        <a:xfrm>
-          <a:off x="0" y="0"/>
-          <a:ext cx="0" cy="0"/>
-          <a:chOff x="0" y="0"/>
-          <a:chExt cx="0" cy="0"/>
-        </a:xfrm>
-      </p:grpSpPr>
-      <p:sp>
-        <p:nvSpPr>
-          <p:cNvPr id="2" name="Title 1"/>
-          <p:cNvSpPr>
-            <a:spLocks noGrp="1"/>
-          </p:cNvSpPr>
-          <p:nvPr>
-            <p:ph type="title"/>
-          </p:nvPr>
-        </p:nvSpPr>
-        <p:spPr>
-          <a:xfrm>
-            <a:off x="1143000" y="1752600"/>
-            <a:ext cx="8229600" cy="762000"/>
-          </a:xfrm>
-        </p:spPr>
-        <p:txBody>
-          <a:bodyPr>
-            <a:normAutofit fontScale="90000"/>
-          </a:bodyPr>
-          <a:lstStyle/>
-          <a:p>
-            <a:r>
-              <a:rPr lang="en-US" dirty="0" smtClean="0"/>
-              <a:t>A programming language</a:t>
-            </a:r>
-            <a:br>
-              <a:rPr lang="en-US" dirty="0" smtClean="0"/>
-            </a:br>
-            <a:endParaRPr lang="en-US" sz="2000" dirty="0"/>
-          </a:p>
-        </p:txBody>
-      </p:sp>
-      <p:sp>
-        <p:nvSpPr>
-          <p:cNvPr id="3" name="TextBox 2"/>
-          <p:cNvSpPr txBox="1"/>
-          <p:nvPr/>
-        </p:nvSpPr>
-        <p:spPr>
-          <a:xfrm>
-            <a:off x="762000" y="2209800"/>
-            <a:ext cx="3962400" cy="4062651"/>
-          </a:xfrm>
-          <a:prstGeom prst="rect">
-            <a:avLst/>
-          </a:prstGeom>
-          <a:noFill/>
-        </p:spPr>
-        <p:txBody>
-          <a:bodyPr wrap="square" rtlCol="0">
-            <a:spAutoFit/>
-          </a:bodyPr>
-          <a:lstStyle/>
-          <a:p>
-            <a:r>
-              <a:rPr lang="en-US" sz="2000" dirty="0" smtClean="0"/>
-              <a:t>...</a:t>
-            </a:r>
-          </a:p>
-          <a:p>
-            <a:endParaRPr lang="en-US" sz="2000" dirty="0" smtClean="0"/>
-          </a:p>
-          <a:p>
-            <a:r>
-              <a:rPr lang="en-US" sz="2000" dirty="0" smtClean="0"/>
-              <a:t>A1 = SUM(F:F)</a:t>
-            </a:r>
-          </a:p>
-          <a:p>
-            <a:endParaRPr lang="en-US" sz="2000" dirty="0" smtClean="0"/>
-          </a:p>
-          <a:p>
-            <a:r>
-              <a:rPr lang="en-US" sz="2000" dirty="0" smtClean="0"/>
-              <a:t>A2 = MIN(A1,B1</a:t>
-            </a:r>
-            <a:r>
-              <a:rPr lang="en-US" sz="2000" dirty="0"/>
-              <a:t>, cells!A1</a:t>
-            </a:r>
-            <a:r>
-              <a:rPr lang="en-US" sz="2000" dirty="0" smtClean="0"/>
-              <a:t>)</a:t>
-            </a:r>
-          </a:p>
-          <a:p>
-            <a:endParaRPr lang="en-US" sz="2000" dirty="0" smtClean="0"/>
-          </a:p>
-          <a:p>
-            <a:r>
-              <a:rPr lang="en-US" sz="2000" dirty="0"/>
-              <a:t>C5 = </a:t>
-            </a:r>
-            <a:r>
-              <a:rPr lang="en-US" sz="2000" dirty="0" smtClean="0"/>
-              <a:t>VLOOKUP(A2,H2:K9,2)</a:t>
-            </a:r>
-          </a:p>
-          <a:p>
-            <a:endParaRPr lang="en-US" sz="2000" dirty="0" smtClean="0"/>
-          </a:p>
-          <a:p>
-            <a:r>
-              <a:rPr lang="en-US" sz="2000" dirty="0"/>
-              <a:t>Sheet2!A8 = </a:t>
-            </a:r>
-            <a:r>
-              <a:rPr lang="en-US" sz="2000" dirty="0" smtClean="0"/>
-              <a:t>A7 * Sheet1!C5</a:t>
-            </a:r>
-          </a:p>
-          <a:p>
-            <a:endParaRPr lang="en-US" sz="2000" dirty="0"/>
-          </a:p>
-          <a:p>
-            <a:r>
-              <a:rPr lang="en-US" sz="2000" dirty="0" smtClean="0"/>
-              <a:t>Sheet3!B2 </a:t>
-            </a:r>
-            <a:r>
-              <a:rPr lang="en-US" sz="2000" dirty="0"/>
-              <a:t>= </a:t>
-            </a:r>
-            <a:r>
-              <a:rPr lang="en-US" sz="2000" dirty="0" smtClean="0"/>
-              <a:t>IF(</a:t>
-            </a:r>
-            <a:r>
-              <a:rPr lang="en-US" sz="2000" dirty="0"/>
-              <a:t>Sheet2!A8 </a:t>
-            </a:r>
-            <a:r>
-              <a:rPr lang="en-US" sz="2000" dirty="0" smtClean="0"/>
-              <a:t>&gt;A8,0,1)</a:t>
-            </a:r>
-          </a:p>
-          <a:p>
-            <a:endParaRPr lang="en-US" sz="2000" dirty="0" smtClean="0"/>
-          </a:p>
-          <a:p>
-            <a:r>
-              <a:rPr lang="en-US" sz="2000" dirty="0" smtClean="0"/>
-              <a:t>…</a:t>
-            </a:r>
-            <a:endParaRPr lang="en-US" sz="2000" dirty="0"/>
-          </a:p>
-        </p:txBody>
-      </p:sp>
-      <p:cxnSp>
-        <p:nvCxnSpPr>
-          <p:cNvPr id="10" name="Straight Arrow Connector 9"/>
-          <p:cNvCxnSpPr/>
-          <p:nvPr/>
-        </p:nvCxnSpPr>
-        <p:spPr>
-          <a:xfrm>
-            <a:off x="1066800" y="3124200"/>
-            <a:ext cx="990600" cy="381000"/>
-          </a:xfrm>
-          <a:prstGeom prst="straightConnector1">
-            <a:avLst/>
-          </a:prstGeom>
-          <a:ln>
-            <a:tailEnd type="arrow"/>
-          </a:ln>
-        </p:spPr>
-        <p:style>
-          <a:lnRef idx="1">
-            <a:schemeClr val="accent1"/>
-          </a:lnRef>
-          <a:fillRef idx="0">
-            <a:schemeClr val="accent1"/>
-          </a:fillRef>
-          <a:effectRef idx="0">
-            <a:schemeClr val="accent1"/>
-          </a:effectRef>
-          <a:fontRef idx="minor">
-            <a:schemeClr val="tx1"/>
-          </a:fontRef>
-        </p:style>
-      </p:cxnSp>
-      <p:cxnSp>
-        <p:nvCxnSpPr>
-          <p:cNvPr id="12" name="Straight Arrow Connector 11"/>
-          <p:cNvCxnSpPr/>
-          <p:nvPr/>
-        </p:nvCxnSpPr>
-        <p:spPr>
-          <a:xfrm>
-            <a:off x="990600" y="3733800"/>
-            <a:ext cx="1600200" cy="381000"/>
-          </a:xfrm>
-          <a:prstGeom prst="straightConnector1">
-            <a:avLst/>
-          </a:prstGeom>
-          <a:ln>
-            <a:tailEnd type="arrow"/>
-          </a:ln>
-        </p:spPr>
-        <p:style>
-          <a:lnRef idx="1">
-            <a:schemeClr val="accent1"/>
-          </a:lnRef>
-          <a:fillRef idx="0">
-            <a:schemeClr val="accent1"/>
-          </a:fillRef>
-          <a:effectRef idx="0">
-            <a:schemeClr val="accent1"/>
-          </a:effectRef>
-          <a:fontRef idx="minor">
-            <a:schemeClr val="tx1"/>
-          </a:fontRef>
-        </p:style>
-      </p:cxnSp>
-      <p:cxnSp>
-        <p:nvCxnSpPr>
-          <p:cNvPr id="14" name="Straight Arrow Connector 13"/>
-          <p:cNvCxnSpPr/>
-          <p:nvPr/>
-        </p:nvCxnSpPr>
-        <p:spPr>
-          <a:xfrm>
-            <a:off x="990600" y="4343400"/>
-            <a:ext cx="2514600" cy="381000"/>
-          </a:xfrm>
-          <a:prstGeom prst="straightConnector1">
-            <a:avLst/>
-          </a:prstGeom>
-          <a:ln>
-            <a:tailEnd type="arrow"/>
-          </a:ln>
-        </p:spPr>
-        <p:style>
-          <a:lnRef idx="1">
-            <a:schemeClr val="accent1"/>
-          </a:lnRef>
-          <a:fillRef idx="0">
-            <a:schemeClr val="accent1"/>
-          </a:fillRef>
-          <a:effectRef idx="0">
-            <a:schemeClr val="accent1"/>
-          </a:effectRef>
-          <a:fontRef idx="minor">
-            <a:schemeClr val="tx1"/>
-          </a:fontRef>
-        </p:style>
-      </p:cxnSp>
-      <p:cxnSp>
-        <p:nvCxnSpPr>
-          <p:cNvPr id="16" name="Straight Arrow Connector 15"/>
-          <p:cNvCxnSpPr/>
-          <p:nvPr/>
-        </p:nvCxnSpPr>
-        <p:spPr>
-          <a:xfrm>
-            <a:off x="1676400" y="4953000"/>
-            <a:ext cx="1524000" cy="381000"/>
-          </a:xfrm>
-          <a:prstGeom prst="straightConnector1">
-            <a:avLst/>
-          </a:prstGeom>
-          <a:ln>
-            <a:tailEnd type="arrow"/>
-          </a:ln>
-        </p:spPr>
-        <p:style>
-          <a:lnRef idx="1">
-            <a:schemeClr val="accent1"/>
-          </a:lnRef>
-          <a:fillRef idx="0">
-            <a:schemeClr val="accent1"/>
-          </a:fillRef>
-          <a:effectRef idx="0">
-            <a:schemeClr val="accent1"/>
-          </a:effectRef>
-          <a:fontRef idx="minor">
-            <a:schemeClr val="tx1"/>
-          </a:fontRef>
-        </p:style>
-      </p:cxnSp>
-      <p:sp>
-        <p:nvSpPr>
-          <p:cNvPr id="17" name="TextBox 16"/>
-          <p:cNvSpPr txBox="1"/>
-          <p:nvPr/>
-        </p:nvSpPr>
-        <p:spPr>
-          <a:xfrm>
-            <a:off x="5029200" y="2438400"/>
-            <a:ext cx="2971800" cy="1200329"/>
-          </a:xfrm>
-          <a:prstGeom prst="rect">
-            <a:avLst/>
-          </a:prstGeom>
-          <a:noFill/>
-        </p:spPr>
-        <p:txBody>
-          <a:bodyPr wrap="square" rtlCol="0">
-            <a:spAutoFit/>
-          </a:bodyPr>
-          <a:lstStyle/>
-          <a:p>
-            <a:pPr algn="r"/>
-            <a:r>
-              <a:rPr lang="en-US" dirty="0" smtClean="0"/>
-              <a:t>Calculation trees</a:t>
-            </a:r>
-          </a:p>
-          <a:p>
-            <a:pPr algn="r"/>
-            <a:r>
-              <a:rPr lang="en-US" dirty="0" smtClean="0"/>
-              <a:t>Functions</a:t>
-            </a:r>
-          </a:p>
-          <a:p>
-            <a:pPr algn="r"/>
-            <a:r>
-              <a:rPr lang="en-US" dirty="0" smtClean="0"/>
-              <a:t>Cell references as variables</a:t>
-            </a:r>
-          </a:p>
-          <a:p>
-            <a:pPr algn="r"/>
-            <a:r>
-              <a:rPr lang="en-US" dirty="0" smtClean="0"/>
-              <a:t>Conditional expressions</a:t>
-            </a:r>
-          </a:p>
-        </p:txBody>
-      </p:sp>
-    </p:spTree>
-    <p:extLst>
-      <p:ext uri="{BB962C8B-B14F-4D97-AF65-F5344CB8AC3E}">
-        <p14:creationId xmlns:p14="http://schemas.microsoft.com/office/powerpoint/2010/main" val="2723881989"/>
-      </p:ext>
-    </p:extLst>
-  </p:cSld>
-  <p:clrMapOvr>
-    <a:masterClrMapping/>
-  </p:clrMapOvr>
-  <p:timing>
-    <p:tnLst>
-      <p:par>
-        <p:cTn id="1" dur="indefinite" restart="never" nodeType="tmRoot"/>
-      </p:par>
-    </p:tnLst>
-  </p:timing>
-</p:sld>
-</file>
-
-<file path=ppt/slides/slide30.xml><?xml version="1.0" encoding="utf-8"?>
+<file path=ppt/slides/slide33.xml><?xml version="1.0" encoding="utf-8"?>
 <p:sld xmlns:a="http://schemas.openxmlformats.org/drawingml/2006/main" xmlns:r="http://schemas.openxmlformats.org/officeDocument/2006/relationships" xmlns:p="http://schemas.openxmlformats.org/presentationml/2006/main">
   <p:cSld>
     <p:spTree>
@@ -16946,7 +17792,7 @@
 </p:sld>
 </file>
 
-<file path=ppt/slides/slide31.xml><?xml version="1.0" encoding="utf-8"?>
+<file path=ppt/slides/slide34.xml><?xml version="1.0" encoding="utf-8"?>
 <p:sld xmlns:a="http://schemas.openxmlformats.org/drawingml/2006/main" xmlns:r="http://schemas.openxmlformats.org/officeDocument/2006/relationships" xmlns:p="http://schemas.openxmlformats.org/presentationml/2006/main">
   <p:cSld>
     <p:spTree>
@@ -17283,7 +18129,7 @@
 </p:sld>
 </file>
 
-<file path=ppt/slides/slide32.xml><?xml version="1.0" encoding="utf-8"?>
+<file path=ppt/slides/slide35.xml><?xml version="1.0" encoding="utf-8"?>
 <p:sld xmlns:a="http://schemas.openxmlformats.org/drawingml/2006/main" xmlns:r="http://schemas.openxmlformats.org/officeDocument/2006/relationships" xmlns:p="http://schemas.openxmlformats.org/presentationml/2006/main">
   <p:cSld>
     <p:spTree>
@@ -17553,7 +18399,7 @@
 </p:sld>
 </file>
 
-<file path=ppt/slides/slide33.xml><?xml version="1.0" encoding="utf-8"?>
+<file path=ppt/slides/slide36.xml><?xml version="1.0" encoding="utf-8"?>
 <p:sld xmlns:a="http://schemas.openxmlformats.org/drawingml/2006/main" xmlns:r="http://schemas.openxmlformats.org/officeDocument/2006/relationships" xmlns:p="http://schemas.openxmlformats.org/presentationml/2006/main">
   <p:cSld>
     <p:spTree>
@@ -17964,7 +18810,7 @@
 </p:sld>
 </file>
 
-<file path=ppt/slides/slide34.xml><?xml version="1.0" encoding="utf-8"?>
+<file path=ppt/slides/slide37.xml><?xml version="1.0" encoding="utf-8"?>
 <p:sld xmlns:a="http://schemas.openxmlformats.org/drawingml/2006/main" xmlns:r="http://schemas.openxmlformats.org/officeDocument/2006/relationships" xmlns:p="http://schemas.openxmlformats.org/presentationml/2006/main">
   <p:cSld>
     <p:spTree>
@@ -18360,6 +19206,397 @@
 </file>
 
 <file path=ppt/slides/slide4.xml><?xml version="1.0" encoding="utf-8"?>
+<p:sld xmlns:a="http://schemas.openxmlformats.org/drawingml/2006/main" xmlns:r="http://schemas.openxmlformats.org/officeDocument/2006/relationships" xmlns:p="http://schemas.openxmlformats.org/presentationml/2006/main">
+  <p:cSld>
+    <p:bg>
+      <p:bgPr>
+        <a:blipFill dpi="0" rotWithShape="1">
+          <a:blip r:embed="rId3">
+            <a:alphaModFix amt="72000"/>
+            <a:lum/>
+          </a:blip>
+          <a:srcRect/>
+          <a:stretch>
+            <a:fillRect b="-1000"/>
+          </a:stretch>
+        </a:blipFill>
+        <a:effectLst/>
+      </p:bgPr>
+    </p:bg>
+    <p:spTree>
+      <p:nvGrpSpPr>
+        <p:cNvPr id="1" name=""/>
+        <p:cNvGrpSpPr/>
+        <p:nvPr/>
+      </p:nvGrpSpPr>
+      <p:grpSpPr>
+        <a:xfrm>
+          <a:off x="0" y="0"/>
+          <a:ext cx="0" cy="0"/>
+          <a:chOff x="0" y="0"/>
+          <a:chExt cx="0" cy="0"/>
+        </a:xfrm>
+      </p:grpSpPr>
+      <p:sp>
+        <p:nvSpPr>
+          <p:cNvPr id="2" name="Title 1"/>
+          <p:cNvSpPr>
+            <a:spLocks noGrp="1"/>
+          </p:cNvSpPr>
+          <p:nvPr>
+            <p:ph type="title"/>
+          </p:nvPr>
+        </p:nvSpPr>
+        <p:spPr>
+          <a:xfrm>
+            <a:off x="1143000" y="1752600"/>
+            <a:ext cx="8229600" cy="762000"/>
+          </a:xfrm>
+        </p:spPr>
+        <p:txBody>
+          <a:bodyPr>
+            <a:normAutofit fontScale="90000"/>
+          </a:bodyPr>
+          <a:lstStyle/>
+          <a:p>
+            <a:r>
+              <a:rPr lang="en-US" dirty="0" smtClean="0"/>
+              <a:t>A programming language</a:t>
+            </a:r>
+            <a:br>
+              <a:rPr lang="en-US" dirty="0" smtClean="0"/>
+            </a:br>
+            <a:endParaRPr lang="en-US" sz="2000" dirty="0"/>
+          </a:p>
+        </p:txBody>
+      </p:sp>
+      <p:sp>
+        <p:nvSpPr>
+          <p:cNvPr id="3" name="TextBox 2"/>
+          <p:cNvSpPr txBox="1"/>
+          <p:nvPr/>
+        </p:nvSpPr>
+        <p:spPr>
+          <a:xfrm>
+            <a:off x="762000" y="2209800"/>
+            <a:ext cx="3962400" cy="4062651"/>
+          </a:xfrm>
+          <a:prstGeom prst="rect">
+            <a:avLst/>
+          </a:prstGeom>
+          <a:noFill/>
+        </p:spPr>
+        <p:txBody>
+          <a:bodyPr wrap="square" rtlCol="0">
+            <a:spAutoFit/>
+          </a:bodyPr>
+          <a:lstStyle/>
+          <a:p>
+            <a:r>
+              <a:rPr lang="en-US" sz="2000" dirty="0" smtClean="0"/>
+              <a:t>...</a:t>
+            </a:r>
+          </a:p>
+          <a:p>
+            <a:endParaRPr lang="en-US" sz="2000" dirty="0" smtClean="0"/>
+          </a:p>
+          <a:p>
+            <a:r>
+              <a:rPr lang="en-US" sz="2000" dirty="0" smtClean="0"/>
+              <a:t>A1 = SUM(F:F)</a:t>
+            </a:r>
+          </a:p>
+          <a:p>
+            <a:endParaRPr lang="en-US" sz="2000" dirty="0" smtClean="0"/>
+          </a:p>
+          <a:p>
+            <a:r>
+              <a:rPr lang="en-US" sz="2000" dirty="0" smtClean="0"/>
+              <a:t>A2 = MIN(A1,B1</a:t>
+            </a:r>
+            <a:r>
+              <a:rPr lang="en-US" sz="2000" dirty="0"/>
+              <a:t>, cells!A1</a:t>
+            </a:r>
+            <a:r>
+              <a:rPr lang="en-US" sz="2000" dirty="0" smtClean="0"/>
+              <a:t>)</a:t>
+            </a:r>
+          </a:p>
+          <a:p>
+            <a:endParaRPr lang="en-US" sz="2000" dirty="0" smtClean="0"/>
+          </a:p>
+          <a:p>
+            <a:r>
+              <a:rPr lang="en-US" sz="2000" dirty="0"/>
+              <a:t>C5 = </a:t>
+            </a:r>
+            <a:r>
+              <a:rPr lang="en-US" sz="2000" dirty="0" smtClean="0"/>
+              <a:t>VLOOKUP(A2,H2:K9,2)</a:t>
+            </a:r>
+          </a:p>
+          <a:p>
+            <a:endParaRPr lang="en-US" sz="2000" dirty="0" smtClean="0"/>
+          </a:p>
+          <a:p>
+            <a:r>
+              <a:rPr lang="en-US" sz="2000" dirty="0"/>
+              <a:t>Sheet2!A8 = </a:t>
+            </a:r>
+            <a:r>
+              <a:rPr lang="en-US" sz="2000" dirty="0" smtClean="0"/>
+              <a:t>A7 * Sheet1!C5</a:t>
+            </a:r>
+          </a:p>
+          <a:p>
+            <a:endParaRPr lang="en-US" sz="2000" dirty="0"/>
+          </a:p>
+          <a:p>
+            <a:r>
+              <a:rPr lang="en-US" sz="2000" dirty="0" smtClean="0"/>
+              <a:t>Sheet3!B2 </a:t>
+            </a:r>
+            <a:r>
+              <a:rPr lang="en-US" sz="2000" dirty="0"/>
+              <a:t>= </a:t>
+            </a:r>
+            <a:r>
+              <a:rPr lang="en-US" sz="2000" dirty="0" smtClean="0"/>
+              <a:t>IF(</a:t>
+            </a:r>
+            <a:r>
+              <a:rPr lang="en-US" sz="2000" dirty="0"/>
+              <a:t>Sheet2!A8 </a:t>
+            </a:r>
+            <a:r>
+              <a:rPr lang="en-US" sz="2000" dirty="0" smtClean="0"/>
+              <a:t>&gt;A8,0,1)</a:t>
+            </a:r>
+          </a:p>
+          <a:p>
+            <a:endParaRPr lang="en-US" sz="2000" dirty="0" smtClean="0"/>
+          </a:p>
+          <a:p>
+            <a:r>
+              <a:rPr lang="en-US" sz="2000" dirty="0" smtClean="0"/>
+              <a:t>…</a:t>
+            </a:r>
+            <a:endParaRPr lang="en-US" sz="2000" dirty="0"/>
+          </a:p>
+        </p:txBody>
+      </p:sp>
+      <p:cxnSp>
+        <p:nvCxnSpPr>
+          <p:cNvPr id="10" name="Straight Arrow Connector 9"/>
+          <p:cNvCxnSpPr/>
+          <p:nvPr/>
+        </p:nvCxnSpPr>
+        <p:spPr>
+          <a:xfrm>
+            <a:off x="1066800" y="3124200"/>
+            <a:ext cx="990600" cy="381000"/>
+          </a:xfrm>
+          <a:prstGeom prst="straightConnector1">
+            <a:avLst/>
+          </a:prstGeom>
+          <a:ln>
+            <a:tailEnd type="arrow"/>
+          </a:ln>
+        </p:spPr>
+        <p:style>
+          <a:lnRef idx="1">
+            <a:schemeClr val="accent1"/>
+          </a:lnRef>
+          <a:fillRef idx="0">
+            <a:schemeClr val="accent1"/>
+          </a:fillRef>
+          <a:effectRef idx="0">
+            <a:schemeClr val="accent1"/>
+          </a:effectRef>
+          <a:fontRef idx="minor">
+            <a:schemeClr val="tx1"/>
+          </a:fontRef>
+        </p:style>
+      </p:cxnSp>
+      <p:cxnSp>
+        <p:nvCxnSpPr>
+          <p:cNvPr id="12" name="Straight Arrow Connector 11"/>
+          <p:cNvCxnSpPr/>
+          <p:nvPr/>
+        </p:nvCxnSpPr>
+        <p:spPr>
+          <a:xfrm>
+            <a:off x="990600" y="3733800"/>
+            <a:ext cx="1600200" cy="381000"/>
+          </a:xfrm>
+          <a:prstGeom prst="straightConnector1">
+            <a:avLst/>
+          </a:prstGeom>
+          <a:ln>
+            <a:tailEnd type="arrow"/>
+          </a:ln>
+        </p:spPr>
+        <p:style>
+          <a:lnRef idx="1">
+            <a:schemeClr val="accent1"/>
+          </a:lnRef>
+          <a:fillRef idx="0">
+            <a:schemeClr val="accent1"/>
+          </a:fillRef>
+          <a:effectRef idx="0">
+            <a:schemeClr val="accent1"/>
+          </a:effectRef>
+          <a:fontRef idx="minor">
+            <a:schemeClr val="tx1"/>
+          </a:fontRef>
+        </p:style>
+      </p:cxnSp>
+      <p:cxnSp>
+        <p:nvCxnSpPr>
+          <p:cNvPr id="14" name="Straight Arrow Connector 13"/>
+          <p:cNvCxnSpPr/>
+          <p:nvPr/>
+        </p:nvCxnSpPr>
+        <p:spPr>
+          <a:xfrm>
+            <a:off x="990600" y="4343400"/>
+            <a:ext cx="2514600" cy="381000"/>
+          </a:xfrm>
+          <a:prstGeom prst="straightConnector1">
+            <a:avLst/>
+          </a:prstGeom>
+          <a:ln>
+            <a:tailEnd type="arrow"/>
+          </a:ln>
+        </p:spPr>
+        <p:style>
+          <a:lnRef idx="1">
+            <a:schemeClr val="accent1"/>
+          </a:lnRef>
+          <a:fillRef idx="0">
+            <a:schemeClr val="accent1"/>
+          </a:fillRef>
+          <a:effectRef idx="0">
+            <a:schemeClr val="accent1"/>
+          </a:effectRef>
+          <a:fontRef idx="minor">
+            <a:schemeClr val="tx1"/>
+          </a:fontRef>
+        </p:style>
+      </p:cxnSp>
+      <p:cxnSp>
+        <p:nvCxnSpPr>
+          <p:cNvPr id="16" name="Straight Arrow Connector 15"/>
+          <p:cNvCxnSpPr/>
+          <p:nvPr/>
+        </p:nvCxnSpPr>
+        <p:spPr>
+          <a:xfrm>
+            <a:off x="1676400" y="4953000"/>
+            <a:ext cx="1524000" cy="381000"/>
+          </a:xfrm>
+          <a:prstGeom prst="straightConnector1">
+            <a:avLst/>
+          </a:prstGeom>
+          <a:ln>
+            <a:tailEnd type="arrow"/>
+          </a:ln>
+        </p:spPr>
+        <p:style>
+          <a:lnRef idx="1">
+            <a:schemeClr val="accent1"/>
+          </a:lnRef>
+          <a:fillRef idx="0">
+            <a:schemeClr val="accent1"/>
+          </a:fillRef>
+          <a:effectRef idx="0">
+            <a:schemeClr val="accent1"/>
+          </a:effectRef>
+          <a:fontRef idx="minor">
+            <a:schemeClr val="tx1"/>
+          </a:fontRef>
+        </p:style>
+      </p:cxnSp>
+      <p:sp>
+        <p:nvSpPr>
+          <p:cNvPr id="17" name="TextBox 16"/>
+          <p:cNvSpPr txBox="1"/>
+          <p:nvPr/>
+        </p:nvSpPr>
+        <p:spPr>
+          <a:xfrm>
+            <a:off x="5029200" y="2438400"/>
+            <a:ext cx="2971800" cy="1477328"/>
+          </a:xfrm>
+          <a:prstGeom prst="rect">
+            <a:avLst/>
+          </a:prstGeom>
+          <a:noFill/>
+        </p:spPr>
+        <p:txBody>
+          <a:bodyPr wrap="square" rtlCol="0">
+            <a:spAutoFit/>
+          </a:bodyPr>
+          <a:lstStyle/>
+          <a:p>
+            <a:pPr algn="r"/>
+            <a:r>
+              <a:rPr lang="en-US" dirty="0" smtClean="0"/>
+              <a:t>Calculation trees</a:t>
+            </a:r>
+          </a:p>
+          <a:p>
+            <a:pPr algn="r"/>
+            <a:r>
+              <a:rPr lang="en-US" dirty="0" smtClean="0"/>
+              <a:t>Functions</a:t>
+            </a:r>
+          </a:p>
+          <a:p>
+            <a:pPr algn="r"/>
+            <a:r>
+              <a:rPr lang="en-US" dirty="0" smtClean="0"/>
+              <a:t>Cell references as variables</a:t>
+            </a:r>
+          </a:p>
+          <a:p>
+            <a:pPr algn="r"/>
+            <a:r>
+              <a:rPr lang="en-US" dirty="0" smtClean="0"/>
+              <a:t>Conditional expressions</a:t>
+            </a:r>
+          </a:p>
+          <a:p>
+            <a:pPr algn="r"/>
+            <a:r>
+              <a:rPr lang="en-US" dirty="0" smtClean="0"/>
+              <a:t>Turing complete</a:t>
+            </a:r>
+          </a:p>
+        </p:txBody>
+      </p:sp>
+    </p:spTree>
+    <p:extLst>
+      <p:ext uri="{BB962C8B-B14F-4D97-AF65-F5344CB8AC3E}">
+        <p14:creationId xmlns:p14="http://schemas.microsoft.com/office/powerpoint/2010/main" val="2723881989"/>
+      </p:ext>
+    </p:extLst>
+  </p:cSld>
+  <p:clrMapOvr>
+    <a:masterClrMapping/>
+  </p:clrMapOvr>
+  <p:timing>
+    <p:tnLst>
+      <p:par>
+        <p:cTn id="1" dur="indefinite" restart="never" nodeType="tmRoot"/>
+      </p:par>
+    </p:tnLst>
+  </p:timing>
+</p:sld>
+</file>
+
+<file path=ppt/slides/slide5.xml><?xml version="1.0" encoding="utf-8"?>
 <p:sld xmlns:a="http://schemas.openxmlformats.org/drawingml/2006/main" xmlns:r="http://schemas.openxmlformats.org/officeDocument/2006/relationships" xmlns:p="http://schemas.openxmlformats.org/presentationml/2006/main">
   <p:cSld>
     <p:spTree>
@@ -18925,7 +20162,92 @@
 </p:sld>
 </file>
 
-<file path=ppt/slides/slide5.xml><?xml version="1.0" encoding="utf-8"?>
+<file path=ppt/slides/slide6.xml><?xml version="1.0" encoding="utf-8"?>
+<p:sld xmlns:a="http://schemas.openxmlformats.org/drawingml/2006/main" xmlns:r="http://schemas.openxmlformats.org/officeDocument/2006/relationships" xmlns:p="http://schemas.openxmlformats.org/presentationml/2006/main">
+  <p:cSld>
+    <p:bg>
+      <p:bgPr>
+        <a:blipFill dpi="0" rotWithShape="1">
+          <a:blip r:embed="rId3">
+            <a:lum/>
+          </a:blip>
+          <a:srcRect/>
+          <a:stretch>
+            <a:fillRect r="-2000"/>
+          </a:stretch>
+        </a:blipFill>
+        <a:effectLst/>
+      </p:bgPr>
+    </p:bg>
+    <p:spTree>
+      <p:nvGrpSpPr>
+        <p:cNvPr id="1" name=""/>
+        <p:cNvGrpSpPr/>
+        <p:nvPr/>
+      </p:nvGrpSpPr>
+      <p:grpSpPr>
+        <a:xfrm>
+          <a:off x="0" y="0"/>
+          <a:ext cx="0" cy="0"/>
+          <a:chOff x="0" y="0"/>
+          <a:chExt cx="0" cy="0"/>
+        </a:xfrm>
+      </p:grpSpPr>
+      <p:sp>
+        <p:nvSpPr>
+          <p:cNvPr id="5" name="TextBox 4"/>
+          <p:cNvSpPr txBox="1"/>
+          <p:nvPr/>
+        </p:nvSpPr>
+        <p:spPr>
+          <a:xfrm>
+            <a:off x="1219200" y="196334"/>
+            <a:ext cx="7086600" cy="584775"/>
+          </a:xfrm>
+          <a:prstGeom prst="rect">
+            <a:avLst/>
+          </a:prstGeom>
+          <a:noFill/>
+        </p:spPr>
+        <p:txBody>
+          <a:bodyPr wrap="square" rtlCol="0">
+            <a:spAutoFit/>
+          </a:bodyPr>
+          <a:lstStyle/>
+          <a:p>
+            <a:r>
+              <a:rPr lang="en-US" sz="3200" dirty="0"/>
+              <a:t>MS official grammar for Excel </a:t>
+            </a:r>
+            <a:r>
+              <a:rPr lang="en-US" sz="3200" dirty="0" smtClean="0"/>
+              <a:t>formulas</a:t>
+            </a:r>
+            <a:endParaRPr lang="en-US" sz="3200" dirty="0"/>
+          </a:p>
+        </p:txBody>
+      </p:sp>
+    </p:spTree>
+    <p:extLst>
+      <p:ext uri="{BB962C8B-B14F-4D97-AF65-F5344CB8AC3E}">
+        <p14:creationId xmlns:p14="http://schemas.microsoft.com/office/powerpoint/2010/main" val="2199378067"/>
+      </p:ext>
+    </p:extLst>
+  </p:cSld>
+  <p:clrMapOvr>
+    <a:masterClrMapping/>
+  </p:clrMapOvr>
+  <p:timing>
+    <p:tnLst>
+      <p:par>
+        <p:cTn id="1" dur="indefinite" restart="never" nodeType="tmRoot"/>
+      </p:par>
+    </p:tnLst>
+  </p:timing>
+</p:sld>
+</file>
+
+<file path=ppt/slides/slide7.xml><?xml version="1.0" encoding="utf-8"?>
 <p:sld xmlns:a="http://schemas.openxmlformats.org/drawingml/2006/main" xmlns:r="http://schemas.openxmlformats.org/officeDocument/2006/relationships" xmlns:p="http://schemas.openxmlformats.org/presentationml/2006/main">
   <p:cSld>
     <p:bg>
@@ -19161,7 +20483,7 @@
     </p:spTree>
     <p:extLst>
       <p:ext uri="{BB962C8B-B14F-4D97-AF65-F5344CB8AC3E}">
-        <p14:creationId xmlns:p14="http://schemas.microsoft.com/office/powerpoint/2010/main" val="2199378067"/>
+        <p14:creationId xmlns:p14="http://schemas.microsoft.com/office/powerpoint/2010/main" val="3767072630"/>
       </p:ext>
     </p:extLst>
   </p:cSld>
@@ -19246,7 +20568,7 @@
 </p:sld>
 </file>
 
-<file path=ppt/slides/slide6.xml><?xml version="1.0" encoding="utf-8"?>
+<file path=ppt/slides/slide8.xml><?xml version="1.0" encoding="utf-8"?>
 <p:sld xmlns:a="http://schemas.openxmlformats.org/drawingml/2006/main" xmlns:r="http://schemas.openxmlformats.org/officeDocument/2006/relationships" xmlns:p="http://schemas.openxmlformats.org/presentationml/2006/main">
   <p:cSld>
     <p:bg>
@@ -19284,10 +20606,17 @@
   <p:clrMapOvr>
     <a:masterClrMapping/>
   </p:clrMapOvr>
+  <p:timing>
+    <p:tnLst>
+      <p:par>
+        <p:cTn id="1" dur="indefinite" restart="never" nodeType="tmRoot"/>
+      </p:par>
+    </p:tnLst>
+  </p:timing>
 </p:sld>
 </file>
 
-<file path=ppt/slides/slide7.xml><?xml version="1.0" encoding="utf-8"?>
+<file path=ppt/slides/slide9.xml><?xml version="1.0" encoding="utf-8"?>
 <p:sld xmlns:a="http://schemas.openxmlformats.org/drawingml/2006/main" xmlns:r="http://schemas.openxmlformats.org/officeDocument/2006/relationships" xmlns:p="http://schemas.openxmlformats.org/presentationml/2006/main">
   <p:cSld>
     <p:spTree>
@@ -19458,608 +20787,6 @@
     <p:extLst>
       <p:ext uri="{BB962C8B-B14F-4D97-AF65-F5344CB8AC3E}">
         <p14:creationId xmlns:p14="http://schemas.microsoft.com/office/powerpoint/2010/main" val="729272317"/>
-      </p:ext>
-    </p:extLst>
-  </p:cSld>
-  <p:clrMapOvr>
-    <a:masterClrMapping/>
-  </p:clrMapOvr>
-  <p:timing>
-    <p:tnLst>
-      <p:par>
-        <p:cTn id="1" dur="indefinite" restart="never" nodeType="tmRoot"/>
-      </p:par>
-    </p:tnLst>
-  </p:timing>
-</p:sld>
-</file>
-
-<file path=ppt/slides/slide8.xml><?xml version="1.0" encoding="utf-8"?>
-<p:sld xmlns:a="http://schemas.openxmlformats.org/drawingml/2006/main" xmlns:r="http://schemas.openxmlformats.org/officeDocument/2006/relationships" xmlns:p="http://schemas.openxmlformats.org/presentationml/2006/main">
-  <p:cSld>
-    <p:spTree>
-      <p:nvGrpSpPr>
-        <p:cNvPr id="1" name=""/>
-        <p:cNvGrpSpPr/>
-        <p:nvPr/>
-      </p:nvGrpSpPr>
-      <p:grpSpPr>
-        <a:xfrm>
-          <a:off x="0" y="0"/>
-          <a:ext cx="0" cy="0"/>
-          <a:chOff x="0" y="0"/>
-          <a:chExt cx="0" cy="0"/>
-        </a:xfrm>
-      </p:grpSpPr>
-      <p:pic>
-        <p:nvPicPr>
-          <p:cNvPr id="19" name="Picture 2" descr="C:\Users\Efthimia\AppData\Local\Microsoft\Windows\INetCache\IE\CB9RBLS6\Database_icon_simple[1].png"/>
-          <p:cNvPicPr>
-            <a:picLocks noChangeAspect="1" noChangeArrowheads="1"/>
-          </p:cNvPicPr>
-          <p:nvPr/>
-        </p:nvPicPr>
-        <p:blipFill>
-          <a:blip r:embed="rId3">
-            <a:extLst>
-              <a:ext uri="{28A0092B-C50C-407E-A947-70E740481C1C}">
-                <a14:useLocalDpi xmlns:a14="http://schemas.microsoft.com/office/drawing/2010/main" val="0"/>
-              </a:ext>
-            </a:extLst>
-          </a:blip>
-          <a:srcRect/>
-          <a:stretch>
-            <a:fillRect/>
-          </a:stretch>
-        </p:blipFill>
-        <p:spPr bwMode="auto">
-          <a:xfrm>
-            <a:off x="457200" y="2667000"/>
-            <a:ext cx="1649412" cy="1649413"/>
-          </a:xfrm>
-          <a:prstGeom prst="rect">
-            <a:avLst/>
-          </a:prstGeom>
-          <a:noFill/>
-          <a:extLst>
-            <a:ext uri="{909E8E84-426E-40DD-AFC4-6F175D3DCCD1}">
-              <a14:hiddenFill xmlns:a14="http://schemas.microsoft.com/office/drawing/2010/main">
-                <a:solidFill>
-                  <a:srgbClr val="FFFFFF"/>
-                </a:solidFill>
-              </a14:hiddenFill>
-            </a:ext>
-          </a:extLst>
-        </p:spPr>
-      </p:pic>
-      <p:pic>
-        <p:nvPicPr>
-          <p:cNvPr id="23" name="Picture 22"/>
-          <p:cNvPicPr>
-            <a:picLocks noChangeAspect="1"/>
-          </p:cNvPicPr>
-          <p:nvPr/>
-        </p:nvPicPr>
-        <p:blipFill>
-          <a:blip r:embed="rId4">
-            <a:extLst>
-              <a:ext uri="{28A0092B-C50C-407E-A947-70E740481C1C}">
-                <a14:useLocalDpi xmlns:a14="http://schemas.microsoft.com/office/drawing/2010/main" val="0"/>
-              </a:ext>
-            </a:extLst>
-          </a:blip>
-          <a:stretch>
-            <a:fillRect/>
-          </a:stretch>
-        </p:blipFill>
-        <p:spPr>
-          <a:xfrm>
-            <a:off x="4374139" y="2968108"/>
-            <a:ext cx="4244708" cy="2552921"/>
-          </a:xfrm>
-          <a:prstGeom prst="rect">
-            <a:avLst/>
-          </a:prstGeom>
-        </p:spPr>
-      </p:pic>
-      <p:sp>
-        <p:nvSpPr>
-          <p:cNvPr id="2" name="Title 1"/>
-          <p:cNvSpPr>
-            <a:spLocks noGrp="1"/>
-          </p:cNvSpPr>
-          <p:nvPr>
-            <p:ph type="title"/>
-          </p:nvPr>
-        </p:nvSpPr>
-        <p:spPr/>
-        <p:txBody>
-          <a:bodyPr/>
-          <a:lstStyle/>
-          <a:p>
-            <a:r>
-              <a:rPr lang="en-US" dirty="0" smtClean="0"/>
-              <a:t>Our approach</a:t>
-            </a:r>
-            <a:endParaRPr lang="en-US" dirty="0"/>
-          </a:p>
-        </p:txBody>
-      </p:sp>
-      <p:sp>
-        <p:nvSpPr>
-          <p:cNvPr id="3" name="Content Placeholder 2"/>
-          <p:cNvSpPr>
-            <a:spLocks noGrp="1"/>
-          </p:cNvSpPr>
-          <p:nvPr>
-            <p:ph idx="1"/>
-          </p:nvPr>
-        </p:nvSpPr>
-        <p:spPr>
-          <a:xfrm>
-            <a:off x="3429000" y="1905000"/>
-            <a:ext cx="2133600" cy="1437168"/>
-          </a:xfrm>
-          <a:prstGeom prst="roundRect">
-            <a:avLst/>
-          </a:prstGeom>
-        </p:spPr>
-        <p:style>
-          <a:lnRef idx="2">
-            <a:schemeClr val="accent4"/>
-          </a:lnRef>
-          <a:fillRef idx="1">
-            <a:schemeClr val="lt1"/>
-          </a:fillRef>
-          <a:effectRef idx="0">
-            <a:schemeClr val="accent4"/>
-          </a:effectRef>
-          <a:fontRef idx="minor">
-            <a:schemeClr val="dk1"/>
-          </a:fontRef>
-        </p:style>
-        <p:txBody>
-          <a:bodyPr>
-            <a:noAutofit/>
-          </a:bodyPr>
-          <a:lstStyle/>
-          <a:p>
-            <a:pPr marL="0" indent="0">
-              <a:buNone/>
-            </a:pPr>
-            <a:r>
-              <a:rPr lang="en-US" sz="2800" dirty="0" smtClean="0"/>
-              <a:t>Simple grammar parser</a:t>
-            </a:r>
-          </a:p>
-        </p:txBody>
-      </p:sp>
-      <p:sp>
-        <p:nvSpPr>
-          <p:cNvPr id="8" name="TextBox 7"/>
-          <p:cNvSpPr txBox="1"/>
-          <p:nvPr/>
-        </p:nvSpPr>
-        <p:spPr>
-          <a:xfrm>
-            <a:off x="533400" y="1905000"/>
-            <a:ext cx="1905000" cy="830997"/>
-          </a:xfrm>
-          <a:prstGeom prst="rect">
-            <a:avLst/>
-          </a:prstGeom>
-          <a:noFill/>
-        </p:spPr>
-        <p:txBody>
-          <a:bodyPr wrap="square" rtlCol="0">
-            <a:spAutoFit/>
-          </a:bodyPr>
-          <a:lstStyle/>
-          <a:p>
-            <a:r>
-              <a:rPr lang="en-US" sz="2400" dirty="0" smtClean="0"/>
-              <a:t>Scan/extract formulas</a:t>
-            </a:r>
-            <a:endParaRPr lang="en-US" sz="2400" dirty="0"/>
-          </a:p>
-        </p:txBody>
-      </p:sp>
-      <p:sp>
-        <p:nvSpPr>
-          <p:cNvPr id="12" name="TextBox 11"/>
-          <p:cNvSpPr txBox="1"/>
-          <p:nvPr/>
-        </p:nvSpPr>
-        <p:spPr>
-          <a:xfrm>
-            <a:off x="6477000" y="2020186"/>
-            <a:ext cx="1447800" cy="830997"/>
-          </a:xfrm>
-          <a:prstGeom prst="rect">
-            <a:avLst/>
-          </a:prstGeom>
-          <a:noFill/>
-        </p:spPr>
-        <p:txBody>
-          <a:bodyPr wrap="square" rtlCol="0">
-            <a:spAutoFit/>
-          </a:bodyPr>
-          <a:lstStyle/>
-          <a:p>
-            <a:r>
-              <a:rPr lang="en-US" sz="2400" dirty="0" smtClean="0"/>
-              <a:t>Calculate metrics</a:t>
-            </a:r>
-            <a:endParaRPr lang="en-US" sz="2400" dirty="0"/>
-          </a:p>
-        </p:txBody>
-      </p:sp>
-      <p:sp>
-        <p:nvSpPr>
-          <p:cNvPr id="14" name="Right Arrow 13"/>
-          <p:cNvSpPr/>
-          <p:nvPr/>
-        </p:nvSpPr>
-        <p:spPr>
-          <a:xfrm>
-            <a:off x="2514600" y="2277023"/>
-            <a:ext cx="762000" cy="300313"/>
-          </a:xfrm>
-          <a:prstGeom prst="rightArrow">
-            <a:avLst/>
-          </a:prstGeom>
-        </p:spPr>
-        <p:style>
-          <a:lnRef idx="2">
-            <a:schemeClr val="accent1">
-              <a:shade val="50000"/>
-            </a:schemeClr>
-          </a:lnRef>
-          <a:fillRef idx="1">
-            <a:schemeClr val="accent1"/>
-          </a:fillRef>
-          <a:effectRef idx="0">
-            <a:schemeClr val="accent1"/>
-          </a:effectRef>
-          <a:fontRef idx="minor">
-            <a:schemeClr val="lt1"/>
-          </a:fontRef>
-        </p:style>
-        <p:txBody>
-          <a:bodyPr rtlCol="0" anchor="ctr"/>
-          <a:lstStyle/>
-          <a:p>
-            <a:pPr algn="ctr"/>
-            <a:endParaRPr lang="en-US"/>
-          </a:p>
-        </p:txBody>
-      </p:sp>
-      <p:sp>
-        <p:nvSpPr>
-          <p:cNvPr id="18" name="Right Arrow 17"/>
-          <p:cNvSpPr/>
-          <p:nvPr/>
-        </p:nvSpPr>
-        <p:spPr>
-          <a:xfrm>
-            <a:off x="5715000" y="2320498"/>
-            <a:ext cx="762000" cy="300313"/>
-          </a:xfrm>
-          <a:prstGeom prst="rightArrow">
-            <a:avLst/>
-          </a:prstGeom>
-        </p:spPr>
-        <p:style>
-          <a:lnRef idx="2">
-            <a:schemeClr val="accent1">
-              <a:shade val="50000"/>
-            </a:schemeClr>
-          </a:lnRef>
-          <a:fillRef idx="1">
-            <a:schemeClr val="accent1"/>
-          </a:fillRef>
-          <a:effectRef idx="0">
-            <a:schemeClr val="accent1"/>
-          </a:effectRef>
-          <a:fontRef idx="minor">
-            <a:schemeClr val="lt1"/>
-          </a:fontRef>
-        </p:style>
-        <p:txBody>
-          <a:bodyPr rtlCol="0" anchor="ctr"/>
-          <a:lstStyle/>
-          <a:p>
-            <a:pPr algn="ctr"/>
-            <a:endParaRPr lang="en-US"/>
-          </a:p>
-        </p:txBody>
-      </p:sp>
-      <p:sp>
-        <p:nvSpPr>
-          <p:cNvPr id="25" name="Curved Right Arrow 24"/>
-          <p:cNvSpPr/>
-          <p:nvPr/>
-        </p:nvSpPr>
-        <p:spPr>
-          <a:xfrm rot="11659112">
-            <a:off x="5008021" y="2799716"/>
-            <a:ext cx="959861" cy="1371600"/>
-          </a:xfrm>
-          <a:prstGeom prst="curvedRightArrow">
-            <a:avLst/>
-          </a:prstGeom>
-        </p:spPr>
-        <p:style>
-          <a:lnRef idx="2">
-            <a:schemeClr val="accent1">
-              <a:shade val="50000"/>
-            </a:schemeClr>
-          </a:lnRef>
-          <a:fillRef idx="1">
-            <a:schemeClr val="accent1"/>
-          </a:fillRef>
-          <a:effectRef idx="0">
-            <a:schemeClr val="accent1"/>
-          </a:effectRef>
-          <a:fontRef idx="minor">
-            <a:schemeClr val="lt1"/>
-          </a:fontRef>
-        </p:style>
-        <p:txBody>
-          <a:bodyPr rtlCol="0" anchor="ctr"/>
-          <a:lstStyle/>
-          <a:p>
-            <a:pPr algn="ctr"/>
-            <a:endParaRPr lang="en-US">
-              <a:solidFill>
-                <a:schemeClr val="tx1"/>
-              </a:solidFill>
-            </a:endParaRPr>
-          </a:p>
-        </p:txBody>
-      </p:sp>
-    </p:spTree>
-    <p:extLst>
-      <p:ext uri="{BB962C8B-B14F-4D97-AF65-F5344CB8AC3E}">
-        <p14:creationId xmlns:p14="http://schemas.microsoft.com/office/powerpoint/2010/main" val="77546626"/>
-      </p:ext>
-    </p:extLst>
-  </p:cSld>
-  <p:clrMapOvr>
-    <a:masterClrMapping/>
-  </p:clrMapOvr>
-  <p:timing>
-    <p:tnLst>
-      <p:par>
-        <p:cTn id="1" dur="indefinite" restart="never" nodeType="tmRoot"/>
-      </p:par>
-    </p:tnLst>
-  </p:timing>
-</p:sld>
-</file>
-
-<file path=ppt/slides/slide9.xml><?xml version="1.0" encoding="utf-8"?>
-<p:sld xmlns:a="http://schemas.openxmlformats.org/drawingml/2006/main" xmlns:r="http://schemas.openxmlformats.org/officeDocument/2006/relationships" xmlns:p="http://schemas.openxmlformats.org/presentationml/2006/main">
-  <p:cSld>
-    <p:spTree>
-      <p:nvGrpSpPr>
-        <p:cNvPr id="1" name=""/>
-        <p:cNvGrpSpPr/>
-        <p:nvPr/>
-      </p:nvGrpSpPr>
-      <p:grpSpPr>
-        <a:xfrm>
-          <a:off x="0" y="0"/>
-          <a:ext cx="0" cy="0"/>
-          <a:chOff x="0" y="0"/>
-          <a:chExt cx="0" cy="0"/>
-        </a:xfrm>
-      </p:grpSpPr>
-      <p:sp>
-        <p:nvSpPr>
-          <p:cNvPr id="2" name="Title 1"/>
-          <p:cNvSpPr>
-            <a:spLocks noGrp="1"/>
-          </p:cNvSpPr>
-          <p:nvPr>
-            <p:ph type="title"/>
-          </p:nvPr>
-        </p:nvSpPr>
-        <p:spPr/>
-        <p:txBody>
-          <a:bodyPr/>
-          <a:lstStyle/>
-          <a:p>
-            <a:r>
-              <a:rPr lang="en-US" dirty="0" smtClean="0"/>
-              <a:t>Spreadsheets datasets</a:t>
-            </a:r>
-            <a:endParaRPr lang="en-US" dirty="0"/>
-          </a:p>
-        </p:txBody>
-      </p:sp>
-      <p:pic>
-        <p:nvPicPr>
-          <p:cNvPr id="1026" name="Picture 2" descr="C:\Users\Efthimia\AppData\Local\Microsoft\Windows\INetCache\IE\CB9RBLS6\Database_icon_simple[1].png"/>
-          <p:cNvPicPr>
-            <a:picLocks noChangeAspect="1" noChangeArrowheads="1"/>
-          </p:cNvPicPr>
-          <p:nvPr/>
-        </p:nvPicPr>
-        <p:blipFill>
-          <a:blip r:embed="rId3">
-            <a:extLst>
-              <a:ext uri="{28A0092B-C50C-407E-A947-70E740481C1C}">
-                <a14:useLocalDpi xmlns:a14="http://schemas.microsoft.com/office/drawing/2010/main" val="0"/>
-              </a:ext>
-            </a:extLst>
-          </a:blip>
-          <a:srcRect/>
-          <a:stretch>
-            <a:fillRect/>
-          </a:stretch>
-        </p:blipFill>
-        <p:spPr bwMode="auto">
-          <a:xfrm>
-            <a:off x="1905000" y="2439988"/>
-            <a:ext cx="1649412" cy="1649413"/>
-          </a:xfrm>
-          <a:prstGeom prst="rect">
-            <a:avLst/>
-          </a:prstGeom>
-          <a:noFill/>
-          <a:extLst>
-            <a:ext uri="{909E8E84-426E-40DD-AFC4-6F175D3DCCD1}">
-              <a14:hiddenFill xmlns:a14="http://schemas.microsoft.com/office/drawing/2010/main">
-                <a:solidFill>
-                  <a:srgbClr val="FFFFFF"/>
-                </a:solidFill>
-              </a14:hiddenFill>
-            </a:ext>
-          </a:extLst>
-        </p:spPr>
-      </p:pic>
-      <p:pic>
-        <p:nvPicPr>
-          <p:cNvPr id="1027" name="Picture 3" descr="C:\Users\Efthimia\AppData\Local\Microsoft\Windows\INetCache\IE\CB9RBLS6\Database_icon_simple[1].png"/>
-          <p:cNvPicPr>
-            <a:picLocks noChangeAspect="1" noChangeArrowheads="1"/>
-          </p:cNvPicPr>
-          <p:nvPr/>
-        </p:nvPicPr>
-        <p:blipFill>
-          <a:blip r:embed="rId3">
-            <a:extLst>
-              <a:ext uri="{28A0092B-C50C-407E-A947-70E740481C1C}">
-                <a14:useLocalDpi xmlns:a14="http://schemas.microsoft.com/office/drawing/2010/main" val="0"/>
-              </a:ext>
-            </a:extLst>
-          </a:blip>
-          <a:srcRect/>
-          <a:stretch>
-            <a:fillRect/>
-          </a:stretch>
-        </p:blipFill>
-        <p:spPr bwMode="auto">
-          <a:xfrm>
-            <a:off x="5181600" y="2439989"/>
-            <a:ext cx="1649413" cy="1649412"/>
-          </a:xfrm>
-          <a:prstGeom prst="rect">
-            <a:avLst/>
-          </a:prstGeom>
-          <a:noFill/>
-          <a:extLst>
-            <a:ext uri="{909E8E84-426E-40DD-AFC4-6F175D3DCCD1}">
-              <a14:hiddenFill xmlns:a14="http://schemas.microsoft.com/office/drawing/2010/main">
-                <a:solidFill>
-                  <a:srgbClr val="FFFFFF"/>
-                </a:solidFill>
-              </a14:hiddenFill>
-            </a:ext>
-          </a:extLst>
-        </p:spPr>
-      </p:pic>
-      <p:sp>
-        <p:nvSpPr>
-          <p:cNvPr id="4" name="TextBox 3"/>
-          <p:cNvSpPr txBox="1"/>
-          <p:nvPr/>
-        </p:nvSpPr>
-        <p:spPr>
-          <a:xfrm>
-            <a:off x="1548606" y="4127797"/>
-            <a:ext cx="2362200" cy="1569660"/>
-          </a:xfrm>
-          <a:prstGeom prst="rect">
-            <a:avLst/>
-          </a:prstGeom>
-          <a:noFill/>
-        </p:spPr>
-        <p:txBody>
-          <a:bodyPr wrap="square" rtlCol="0">
-            <a:spAutoFit/>
-          </a:bodyPr>
-          <a:lstStyle/>
-          <a:p>
-            <a:pPr algn="ctr"/>
-            <a:r>
-              <a:rPr lang="en-US" sz="2400" dirty="0" smtClean="0"/>
-              <a:t>EUSES</a:t>
-            </a:r>
-          </a:p>
-          <a:p>
-            <a:pPr algn="ctr"/>
-            <a:r>
-              <a:rPr lang="en-US" sz="2400" dirty="0" smtClean="0"/>
-              <a:t>2005</a:t>
-            </a:r>
-          </a:p>
-          <a:p>
-            <a:pPr algn="ctr"/>
-            <a:r>
-              <a:rPr lang="en-US" sz="2400" dirty="0" smtClean="0"/>
-              <a:t>4.498 workbooks</a:t>
-            </a:r>
-          </a:p>
-          <a:p>
-            <a:pPr algn="ctr"/>
-            <a:endParaRPr lang="en-US" sz="2400" dirty="0"/>
-          </a:p>
-        </p:txBody>
-      </p:sp>
-      <p:sp>
-        <p:nvSpPr>
-          <p:cNvPr id="7" name="TextBox 6"/>
-          <p:cNvSpPr txBox="1"/>
-          <p:nvPr/>
-        </p:nvSpPr>
-        <p:spPr>
-          <a:xfrm>
-            <a:off x="4825206" y="4127797"/>
-            <a:ext cx="2489994" cy="1569660"/>
-          </a:xfrm>
-          <a:prstGeom prst="rect">
-            <a:avLst/>
-          </a:prstGeom>
-          <a:noFill/>
-        </p:spPr>
-        <p:txBody>
-          <a:bodyPr wrap="square" rtlCol="0">
-            <a:spAutoFit/>
-          </a:bodyPr>
-          <a:lstStyle/>
-          <a:p>
-            <a:pPr algn="ctr"/>
-            <a:r>
-              <a:rPr lang="en-US" sz="2400" dirty="0" smtClean="0"/>
-              <a:t>Enron</a:t>
-            </a:r>
-          </a:p>
-          <a:p>
-            <a:pPr algn="ctr"/>
-            <a:r>
-              <a:rPr lang="en-US" sz="2400" dirty="0" smtClean="0"/>
-              <a:t>2004</a:t>
-            </a:r>
-          </a:p>
-          <a:p>
-            <a:pPr algn="ctr"/>
-            <a:r>
-              <a:rPr lang="en-US" sz="2400" dirty="0" smtClean="0"/>
-              <a:t>16.190 workbooks</a:t>
-            </a:r>
-          </a:p>
-          <a:p>
-            <a:pPr algn="ctr"/>
-            <a:endParaRPr lang="en-US" sz="2400" dirty="0"/>
-          </a:p>
-        </p:txBody>
-      </p:sp>
-    </p:spTree>
-    <p:extLst>
-      <p:ext uri="{BB962C8B-B14F-4D97-AF65-F5344CB8AC3E}">
-        <p14:creationId xmlns:p14="http://schemas.microsoft.com/office/powerpoint/2010/main" val="3196150900"/>
       </p:ext>
     </p:extLst>
   </p:cSld>

--- a/presentation/XLParser.pptx
+++ b/presentation/XLParser.pptx
@@ -5,12 +5,12 @@
     <p:sldMasterId id="2147483804" r:id="rId1"/>
   </p:sldMasterIdLst>
   <p:notesMasterIdLst>
-    <p:notesMasterId r:id="rId39"/>
+    <p:notesMasterId r:id="rId30"/>
   </p:notesMasterIdLst>
   <p:sldIdLst>
     <p:sldId id="256" r:id="rId2"/>
-    <p:sldId id="258" r:id="rId3"/>
-    <p:sldId id="319" r:id="rId4"/>
+    <p:sldId id="319" r:id="rId3"/>
+    <p:sldId id="323" r:id="rId4"/>
     <p:sldId id="260" r:id="rId5"/>
     <p:sldId id="261" r:id="rId6"/>
     <p:sldId id="263" r:id="rId7"/>
@@ -36,15 +36,6 @@
     <p:sldId id="279" r:id="rId27"/>
     <p:sldId id="257" r:id="rId28"/>
     <p:sldId id="309" r:id="rId29"/>
-    <p:sldId id="297" r:id="rId30"/>
-    <p:sldId id="298" r:id="rId31"/>
-    <p:sldId id="299" r:id="rId32"/>
-    <p:sldId id="300" r:id="rId33"/>
-    <p:sldId id="301" r:id="rId34"/>
-    <p:sldId id="302" r:id="rId35"/>
-    <p:sldId id="303" r:id="rId36"/>
-    <p:sldId id="304" r:id="rId37"/>
-    <p:sldId id="305" r:id="rId38"/>
   </p:sldIdLst>
   <p:sldSz cx="9144000" cy="6858000" type="screen4x3"/>
   <p:notesSz cx="6858000" cy="9144000"/>
@@ -242,11 +233,11 @@
           <c:showBubbleSize val="0"/>
         </c:dLbls>
         <c:gapWidth val="100"/>
-        <c:axId val="44548480"/>
-        <c:axId val="44542592"/>
+        <c:axId val="42769408"/>
+        <c:axId val="42767872"/>
       </c:barChart>
       <c:valAx>
-        <c:axId val="44542592"/>
+        <c:axId val="42767872"/>
         <c:scaling>
           <c:orientation val="minMax"/>
         </c:scaling>
@@ -256,12 +247,12 @@
         <c:majorTickMark val="out"/>
         <c:minorTickMark val="none"/>
         <c:tickLblPos val="nextTo"/>
-        <c:crossAx val="44548480"/>
+        <c:crossAx val="42769408"/>
         <c:crosses val="autoZero"/>
         <c:crossBetween val="between"/>
       </c:valAx>
       <c:catAx>
-        <c:axId val="44548480"/>
+        <c:axId val="42769408"/>
         <c:scaling>
           <c:orientation val="minMax"/>
         </c:scaling>
@@ -270,7 +261,7 @@
         <c:majorTickMark val="out"/>
         <c:minorTickMark val="none"/>
         <c:tickLblPos val="nextTo"/>
-        <c:crossAx val="44542592"/>
+        <c:crossAx val="42767872"/>
         <c:crosses val="autoZero"/>
         <c:auto val="1"/>
         <c:lblAlgn val="ctr"/>
@@ -552,7 +543,7 @@
           <a:p>
             <a:fld id="{F2D2C67B-9859-4AD6-A6B1-118CE337E14D}" type="datetimeFigureOut">
               <a:rPr lang="en-US" smtClean="0"/>
-              <a:t>9/22/2015</a:t>
+              <a:t>9/27/2015</a:t>
             </a:fld>
             <a:endParaRPr lang="en-US"/>
           </a:p>
@@ -2096,1230 +2087,6 @@
 </p:notes>
 </file>
 
-<file path=ppt/notesSlides/notesSlide21.xml><?xml version="1.0" encoding="utf-8"?>
-<p:notes xmlns:a="http://schemas.openxmlformats.org/drawingml/2006/main" xmlns:r="http://schemas.openxmlformats.org/officeDocument/2006/relationships" xmlns:p="http://schemas.openxmlformats.org/presentationml/2006/main">
-  <p:cSld>
-    <p:spTree>
-      <p:nvGrpSpPr>
-        <p:cNvPr id="1" name=""/>
-        <p:cNvGrpSpPr/>
-        <p:nvPr/>
-      </p:nvGrpSpPr>
-      <p:grpSpPr>
-        <a:xfrm>
-          <a:off x="0" y="0"/>
-          <a:ext cx="0" cy="0"/>
-          <a:chOff x="0" y="0"/>
-          <a:chExt cx="0" cy="0"/>
-        </a:xfrm>
-      </p:grpSpPr>
-      <p:sp>
-        <p:nvSpPr>
-          <p:cNvPr id="2" name="Slide Image Placeholder 1"/>
-          <p:cNvSpPr>
-            <a:spLocks noGrp="1" noRot="1" noChangeAspect="1"/>
-          </p:cNvSpPr>
-          <p:nvPr>
-            <p:ph type="sldImg"/>
-          </p:nvPr>
-        </p:nvSpPr>
-        <p:spPr/>
-      </p:sp>
-      <p:sp>
-        <p:nvSpPr>
-          <p:cNvPr id="3" name="Notes Placeholder 2"/>
-          <p:cNvSpPr>
-            <a:spLocks noGrp="1"/>
-          </p:cNvSpPr>
-          <p:nvPr>
-            <p:ph type="body" idx="1"/>
-          </p:nvPr>
-        </p:nvSpPr>
-        <p:spPr/>
-        <p:txBody>
-          <a:bodyPr/>
-          <a:lstStyle/>
-          <a:p>
-            <a:r>
-              <a:rPr lang="en-US" dirty="0" smtClean="0"/>
-              <a:t>What do formulas consist of?</a:t>
-            </a:r>
-          </a:p>
-          <a:p>
-            <a:r>
-              <a:rPr lang="en-US" dirty="0" smtClean="0"/>
-              <a:t>20 lexical tokes</a:t>
-            </a:r>
-          </a:p>
-          <a:p>
-            <a:r>
-              <a:rPr lang="en-US" dirty="0" smtClean="0"/>
-              <a:t>In the paper,</a:t>
-            </a:r>
-            <a:r>
-              <a:rPr lang="en-US" baseline="0" dirty="0" smtClean="0"/>
-              <a:t> their identification patterns in the regular expression language</a:t>
-            </a:r>
-          </a:p>
-          <a:p>
-            <a:r>
-              <a:rPr lang="en-US" baseline="0" dirty="0" smtClean="0"/>
-              <a:t>Along with their priorities</a:t>
-            </a:r>
-            <a:endParaRPr lang="en-US" dirty="0"/>
-          </a:p>
-        </p:txBody>
-      </p:sp>
-      <p:sp>
-        <p:nvSpPr>
-          <p:cNvPr id="4" name="Slide Number Placeholder 3"/>
-          <p:cNvSpPr>
-            <a:spLocks noGrp="1"/>
-          </p:cNvSpPr>
-          <p:nvPr>
-            <p:ph type="sldNum" sz="quarter" idx="10"/>
-          </p:nvPr>
-        </p:nvSpPr>
-        <p:spPr/>
-        <p:txBody>
-          <a:bodyPr/>
-          <a:lstStyle/>
-          <a:p>
-            <a:fld id="{13AEE553-B631-4BB9-A545-34E07B763307}" type="slidenum">
-              <a:rPr lang="en-US" smtClean="0"/>
-              <a:t>29</a:t>
-            </a:fld>
-            <a:endParaRPr lang="en-US"/>
-          </a:p>
-        </p:txBody>
-      </p:sp>
-    </p:spTree>
-    <p:extLst>
-      <p:ext uri="{BB962C8B-B14F-4D97-AF65-F5344CB8AC3E}">
-        <p14:creationId xmlns:p14="http://schemas.microsoft.com/office/powerpoint/2010/main" val="3414651741"/>
-      </p:ext>
-    </p:extLst>
-  </p:cSld>
-  <p:clrMapOvr>
-    <a:masterClrMapping/>
-  </p:clrMapOvr>
-</p:notes>
-</file>
-
-<file path=ppt/notesSlides/notesSlide22.xml><?xml version="1.0" encoding="utf-8"?>
-<p:notes xmlns:a="http://schemas.openxmlformats.org/drawingml/2006/main" xmlns:r="http://schemas.openxmlformats.org/officeDocument/2006/relationships" xmlns:p="http://schemas.openxmlformats.org/presentationml/2006/main">
-  <p:cSld>
-    <p:spTree>
-      <p:nvGrpSpPr>
-        <p:cNvPr id="1" name=""/>
-        <p:cNvGrpSpPr/>
-        <p:nvPr/>
-      </p:nvGrpSpPr>
-      <p:grpSpPr>
-        <a:xfrm>
-          <a:off x="0" y="0"/>
-          <a:ext cx="0" cy="0"/>
-          <a:chOff x="0" y="0"/>
-          <a:chExt cx="0" cy="0"/>
-        </a:xfrm>
-      </p:grpSpPr>
-      <p:sp>
-        <p:nvSpPr>
-          <p:cNvPr id="2" name="Slide Image Placeholder 1"/>
-          <p:cNvSpPr>
-            <a:spLocks noGrp="1" noRot="1" noChangeAspect="1"/>
-          </p:cNvSpPr>
-          <p:nvPr>
-            <p:ph type="sldImg"/>
-          </p:nvPr>
-        </p:nvSpPr>
-        <p:spPr/>
-      </p:sp>
-      <p:sp>
-        <p:nvSpPr>
-          <p:cNvPr id="3" name="Notes Placeholder 2"/>
-          <p:cNvSpPr>
-            <a:spLocks noGrp="1"/>
-          </p:cNvSpPr>
-          <p:nvPr>
-            <p:ph type="body" idx="1"/>
-          </p:nvPr>
-        </p:nvSpPr>
-        <p:spPr/>
-        <p:txBody>
-          <a:bodyPr/>
-          <a:lstStyle/>
-          <a:p>
-            <a:r>
-              <a:rPr lang="en-US" baseline="0" dirty="0" smtClean="0"/>
-              <a:t>Dynamic data exchange link</a:t>
-            </a:r>
-          </a:p>
-          <a:p>
-            <a:endParaRPr lang="en-US" baseline="0" dirty="0" smtClean="0"/>
-          </a:p>
-          <a:p>
-            <a:r>
-              <a:rPr lang="en-US" baseline="0" dirty="0" smtClean="0"/>
-              <a:t>Internal representation of external file references is numeric</a:t>
-            </a:r>
-            <a:endParaRPr lang="en-US" dirty="0"/>
-          </a:p>
-        </p:txBody>
-      </p:sp>
-      <p:sp>
-        <p:nvSpPr>
-          <p:cNvPr id="4" name="Slide Number Placeholder 3"/>
-          <p:cNvSpPr>
-            <a:spLocks noGrp="1"/>
-          </p:cNvSpPr>
-          <p:nvPr>
-            <p:ph type="sldNum" sz="quarter" idx="10"/>
-          </p:nvPr>
-        </p:nvSpPr>
-        <p:spPr/>
-        <p:txBody>
-          <a:bodyPr/>
-          <a:lstStyle/>
-          <a:p>
-            <a:fld id="{13AEE553-B631-4BB9-A545-34E07B763307}" type="slidenum">
-              <a:rPr lang="en-US" smtClean="0"/>
-              <a:t>30</a:t>
-            </a:fld>
-            <a:endParaRPr lang="en-US"/>
-          </a:p>
-        </p:txBody>
-      </p:sp>
-    </p:spTree>
-    <p:extLst>
-      <p:ext uri="{BB962C8B-B14F-4D97-AF65-F5344CB8AC3E}">
-        <p14:creationId xmlns:p14="http://schemas.microsoft.com/office/powerpoint/2010/main" val="3414651741"/>
-      </p:ext>
-    </p:extLst>
-  </p:cSld>
-  <p:clrMapOvr>
-    <a:masterClrMapping/>
-  </p:clrMapOvr>
-</p:notes>
-</file>
-
-<file path=ppt/notesSlides/notesSlide23.xml><?xml version="1.0" encoding="utf-8"?>
-<p:notes xmlns:a="http://schemas.openxmlformats.org/drawingml/2006/main" xmlns:r="http://schemas.openxmlformats.org/officeDocument/2006/relationships" xmlns:p="http://schemas.openxmlformats.org/presentationml/2006/main">
-  <p:cSld>
-    <p:spTree>
-      <p:nvGrpSpPr>
-        <p:cNvPr id="1" name=""/>
-        <p:cNvGrpSpPr/>
-        <p:nvPr/>
-      </p:nvGrpSpPr>
-      <p:grpSpPr>
-        <a:xfrm>
-          <a:off x="0" y="0"/>
-          <a:ext cx="0" cy="0"/>
-          <a:chOff x="0" y="0"/>
-          <a:chExt cx="0" cy="0"/>
-        </a:xfrm>
-      </p:grpSpPr>
-      <p:sp>
-        <p:nvSpPr>
-          <p:cNvPr id="2" name="Slide Image Placeholder 1"/>
-          <p:cNvSpPr>
-            <a:spLocks noGrp="1" noRot="1" noChangeAspect="1"/>
-          </p:cNvSpPr>
-          <p:nvPr>
-            <p:ph type="sldImg"/>
-          </p:nvPr>
-        </p:nvSpPr>
-        <p:spPr/>
-      </p:sp>
-      <p:sp>
-        <p:nvSpPr>
-          <p:cNvPr id="3" name="Notes Placeholder 2"/>
-          <p:cNvSpPr>
-            <a:spLocks noGrp="1"/>
-          </p:cNvSpPr>
-          <p:nvPr>
-            <p:ph type="body" idx="1"/>
-          </p:nvPr>
-        </p:nvSpPr>
-        <p:spPr/>
-        <p:txBody>
-          <a:bodyPr/>
-          <a:lstStyle/>
-          <a:p>
-            <a:pPr marL="0" marR="0" indent="0" algn="l" defTabSz="914400" rtl="0" eaLnBrk="1" fontAlgn="auto" latinLnBrk="0" hangingPunct="1">
-              <a:lnSpc>
-                <a:spcPct val="100000"/>
-              </a:lnSpc>
-              <a:spcBef>
-                <a:spcPts val="0"/>
-              </a:spcBef>
-              <a:spcAft>
-                <a:spcPts val="0"/>
-              </a:spcAft>
-              <a:buClrTx/>
-              <a:buSzTx/>
-              <a:buFontTx/>
-              <a:buNone/>
-              <a:tabLst/>
-              <a:defRPr/>
-            </a:pPr>
-            <a:r>
-              <a:rPr lang="en-US" dirty="0" smtClean="0"/>
-              <a:t>Next: Constant</a:t>
-            </a:r>
-          </a:p>
-          <a:p>
-            <a:endParaRPr lang="en-US" dirty="0"/>
-          </a:p>
-        </p:txBody>
-      </p:sp>
-      <p:sp>
-        <p:nvSpPr>
-          <p:cNvPr id="4" name="Slide Number Placeholder 3"/>
-          <p:cNvSpPr>
-            <a:spLocks noGrp="1"/>
-          </p:cNvSpPr>
-          <p:nvPr>
-            <p:ph type="sldNum" sz="quarter" idx="10"/>
-          </p:nvPr>
-        </p:nvSpPr>
-        <p:spPr/>
-        <p:txBody>
-          <a:bodyPr/>
-          <a:lstStyle/>
-          <a:p>
-            <a:fld id="{13AEE553-B631-4BB9-A545-34E07B763307}" type="slidenum">
-              <a:rPr lang="en-US" smtClean="0"/>
-              <a:t>31</a:t>
-            </a:fld>
-            <a:endParaRPr lang="en-US"/>
-          </a:p>
-        </p:txBody>
-      </p:sp>
-    </p:spTree>
-    <p:extLst>
-      <p:ext uri="{BB962C8B-B14F-4D97-AF65-F5344CB8AC3E}">
-        <p14:creationId xmlns:p14="http://schemas.microsoft.com/office/powerpoint/2010/main" val="3548756803"/>
-      </p:ext>
-    </p:extLst>
-  </p:cSld>
-  <p:clrMapOvr>
-    <a:masterClrMapping/>
-  </p:clrMapOvr>
-</p:notes>
-</file>
-
-<file path=ppt/notesSlides/notesSlide24.xml><?xml version="1.0" encoding="utf-8"?>
-<p:notes xmlns:a="http://schemas.openxmlformats.org/drawingml/2006/main" xmlns:r="http://schemas.openxmlformats.org/officeDocument/2006/relationships" xmlns:p="http://schemas.openxmlformats.org/presentationml/2006/main">
-  <p:cSld>
-    <p:spTree>
-      <p:nvGrpSpPr>
-        <p:cNvPr id="1" name=""/>
-        <p:cNvGrpSpPr/>
-        <p:nvPr/>
-      </p:nvGrpSpPr>
-      <p:grpSpPr>
-        <a:xfrm>
-          <a:off x="0" y="0"/>
-          <a:ext cx="0" cy="0"/>
-          <a:chOff x="0" y="0"/>
-          <a:chExt cx="0" cy="0"/>
-        </a:xfrm>
-      </p:grpSpPr>
-      <p:sp>
-        <p:nvSpPr>
-          <p:cNvPr id="2" name="Slide Image Placeholder 1"/>
-          <p:cNvSpPr>
-            <a:spLocks noGrp="1" noRot="1" noChangeAspect="1"/>
-          </p:cNvSpPr>
-          <p:nvPr>
-            <p:ph type="sldImg"/>
-          </p:nvPr>
-        </p:nvSpPr>
-        <p:spPr/>
-      </p:sp>
-      <p:sp>
-        <p:nvSpPr>
-          <p:cNvPr id="3" name="Notes Placeholder 2"/>
-          <p:cNvSpPr>
-            <a:spLocks noGrp="1"/>
-          </p:cNvSpPr>
-          <p:nvPr>
-            <p:ph type="body" idx="1"/>
-          </p:nvPr>
-        </p:nvSpPr>
-        <p:spPr/>
-        <p:txBody>
-          <a:bodyPr/>
-          <a:lstStyle/>
-          <a:p>
-            <a:r>
-              <a:rPr lang="en-US" dirty="0" smtClean="0"/>
-              <a:t>Constants</a:t>
-            </a:r>
-          </a:p>
-          <a:p>
-            <a:r>
-              <a:rPr lang="en-US" dirty="0" smtClean="0"/>
-              <a:t>Next: </a:t>
-            </a:r>
-            <a:r>
-              <a:rPr lang="en-US" dirty="0" err="1" smtClean="0"/>
-              <a:t>ConstantArray</a:t>
-            </a:r>
-            <a:endParaRPr lang="en-US" dirty="0"/>
-          </a:p>
-        </p:txBody>
-      </p:sp>
-      <p:sp>
-        <p:nvSpPr>
-          <p:cNvPr id="4" name="Slide Number Placeholder 3"/>
-          <p:cNvSpPr>
-            <a:spLocks noGrp="1"/>
-          </p:cNvSpPr>
-          <p:nvPr>
-            <p:ph type="sldNum" sz="quarter" idx="10"/>
-          </p:nvPr>
-        </p:nvSpPr>
-        <p:spPr/>
-        <p:txBody>
-          <a:bodyPr/>
-          <a:lstStyle/>
-          <a:p>
-            <a:fld id="{13AEE553-B631-4BB9-A545-34E07B763307}" type="slidenum">
-              <a:rPr lang="en-US" smtClean="0"/>
-              <a:t>32</a:t>
-            </a:fld>
-            <a:endParaRPr lang="en-US"/>
-          </a:p>
-        </p:txBody>
-      </p:sp>
-    </p:spTree>
-    <p:extLst>
-      <p:ext uri="{BB962C8B-B14F-4D97-AF65-F5344CB8AC3E}">
-        <p14:creationId xmlns:p14="http://schemas.microsoft.com/office/powerpoint/2010/main" val="2935516014"/>
-      </p:ext>
-    </p:extLst>
-  </p:cSld>
-  <p:clrMapOvr>
-    <a:masterClrMapping/>
-  </p:clrMapOvr>
-</p:notes>
-</file>
-
-<file path=ppt/notesSlides/notesSlide25.xml><?xml version="1.0" encoding="utf-8"?>
-<p:notes xmlns:a="http://schemas.openxmlformats.org/drawingml/2006/main" xmlns:r="http://schemas.openxmlformats.org/officeDocument/2006/relationships" xmlns:p="http://schemas.openxmlformats.org/presentationml/2006/main">
-  <p:cSld>
-    <p:spTree>
-      <p:nvGrpSpPr>
-        <p:cNvPr id="1" name=""/>
-        <p:cNvGrpSpPr/>
-        <p:nvPr/>
-      </p:nvGrpSpPr>
-      <p:grpSpPr>
-        <a:xfrm>
-          <a:off x="0" y="0"/>
-          <a:ext cx="0" cy="0"/>
-          <a:chOff x="0" y="0"/>
-          <a:chExt cx="0" cy="0"/>
-        </a:xfrm>
-      </p:grpSpPr>
-      <p:sp>
-        <p:nvSpPr>
-          <p:cNvPr id="2" name="Slide Image Placeholder 1"/>
-          <p:cNvSpPr>
-            <a:spLocks noGrp="1" noRot="1" noChangeAspect="1"/>
-          </p:cNvSpPr>
-          <p:nvPr>
-            <p:ph type="sldImg"/>
-          </p:nvPr>
-        </p:nvSpPr>
-        <p:spPr/>
-      </p:sp>
-      <p:sp>
-        <p:nvSpPr>
-          <p:cNvPr id="3" name="Notes Placeholder 2"/>
-          <p:cNvSpPr>
-            <a:spLocks noGrp="1"/>
-          </p:cNvSpPr>
-          <p:nvPr>
-            <p:ph type="body" idx="1"/>
-          </p:nvPr>
-        </p:nvSpPr>
-        <p:spPr/>
-        <p:txBody>
-          <a:bodyPr/>
-          <a:lstStyle/>
-          <a:p>
-            <a:r>
-              <a:rPr lang="en-US" sz="1200" b="0" i="0" kern="1200" dirty="0" smtClean="0">
-                <a:solidFill>
-                  <a:schemeClr val="tx1"/>
-                </a:solidFill>
-                <a:effectLst/>
-                <a:latin typeface="+mn-lt"/>
-                <a:ea typeface="+mn-ea"/>
-                <a:cs typeface="+mn-cs"/>
-              </a:rPr>
-              <a:t>Constants Arrays + CTRL+SHIFT+ENTER</a:t>
-            </a:r>
-          </a:p>
-          <a:p>
-            <a:r>
-              <a:rPr lang="en-US" sz="1200" b="0" i="0" kern="1200" dirty="0" smtClean="0">
-                <a:solidFill>
-                  <a:schemeClr val="tx1"/>
-                </a:solidFill>
-                <a:effectLst/>
-                <a:latin typeface="+mn-lt"/>
-                <a:ea typeface="+mn-ea"/>
-                <a:cs typeface="+mn-cs"/>
-              </a:rPr>
-              <a:t>Next: </a:t>
-            </a:r>
-            <a:r>
-              <a:rPr lang="en-US" sz="1200" b="0" i="0" kern="1200" dirty="0" err="1" smtClean="0">
-                <a:solidFill>
-                  <a:schemeClr val="tx1"/>
-                </a:solidFill>
-                <a:effectLst/>
-                <a:latin typeface="+mn-lt"/>
-                <a:ea typeface="+mn-ea"/>
-                <a:cs typeface="+mn-cs"/>
-              </a:rPr>
-              <a:t>FunctionCall</a:t>
-            </a:r>
-            <a:endParaRPr lang="en-US" sz="1200" b="0" i="0" kern="1200" dirty="0" smtClean="0">
-              <a:solidFill>
-                <a:schemeClr val="tx1"/>
-              </a:solidFill>
-              <a:effectLst/>
-              <a:latin typeface="+mn-lt"/>
-              <a:ea typeface="+mn-ea"/>
-              <a:cs typeface="+mn-cs"/>
-            </a:endParaRPr>
-          </a:p>
-          <a:p>
-            <a:endParaRPr lang="en-US" dirty="0"/>
-          </a:p>
-        </p:txBody>
-      </p:sp>
-      <p:sp>
-        <p:nvSpPr>
-          <p:cNvPr id="4" name="Slide Number Placeholder 3"/>
-          <p:cNvSpPr>
-            <a:spLocks noGrp="1"/>
-          </p:cNvSpPr>
-          <p:nvPr>
-            <p:ph type="sldNum" sz="quarter" idx="10"/>
-          </p:nvPr>
-        </p:nvSpPr>
-        <p:spPr/>
-        <p:txBody>
-          <a:bodyPr/>
-          <a:lstStyle/>
-          <a:p>
-            <a:fld id="{13AEE553-B631-4BB9-A545-34E07B763307}" type="slidenum">
-              <a:rPr lang="en-US" smtClean="0"/>
-              <a:t>33</a:t>
-            </a:fld>
-            <a:endParaRPr lang="en-US"/>
-          </a:p>
-        </p:txBody>
-      </p:sp>
-    </p:spTree>
-    <p:extLst>
-      <p:ext uri="{BB962C8B-B14F-4D97-AF65-F5344CB8AC3E}">
-        <p14:creationId xmlns:p14="http://schemas.microsoft.com/office/powerpoint/2010/main" val="2935516014"/>
-      </p:ext>
-    </p:extLst>
-  </p:cSld>
-  <p:clrMapOvr>
-    <a:masterClrMapping/>
-  </p:clrMapOvr>
-</p:notes>
-</file>
-
-<file path=ppt/notesSlides/notesSlide26.xml><?xml version="1.0" encoding="utf-8"?>
-<p:notes xmlns:a="http://schemas.openxmlformats.org/drawingml/2006/main" xmlns:r="http://schemas.openxmlformats.org/officeDocument/2006/relationships" xmlns:p="http://schemas.openxmlformats.org/presentationml/2006/main">
-  <p:cSld>
-    <p:spTree>
-      <p:nvGrpSpPr>
-        <p:cNvPr id="1" name=""/>
-        <p:cNvGrpSpPr/>
-        <p:nvPr/>
-      </p:nvGrpSpPr>
-      <p:grpSpPr>
-        <a:xfrm>
-          <a:off x="0" y="0"/>
-          <a:ext cx="0" cy="0"/>
-          <a:chOff x="0" y="0"/>
-          <a:chExt cx="0" cy="0"/>
-        </a:xfrm>
-      </p:grpSpPr>
-      <p:sp>
-        <p:nvSpPr>
-          <p:cNvPr id="2" name="Slide Image Placeholder 1"/>
-          <p:cNvSpPr>
-            <a:spLocks noGrp="1" noRot="1" noChangeAspect="1"/>
-          </p:cNvSpPr>
-          <p:nvPr>
-            <p:ph type="sldImg"/>
-          </p:nvPr>
-        </p:nvSpPr>
-        <p:spPr/>
-      </p:sp>
-      <p:sp>
-        <p:nvSpPr>
-          <p:cNvPr id="3" name="Notes Placeholder 2"/>
-          <p:cNvSpPr>
-            <a:spLocks noGrp="1"/>
-          </p:cNvSpPr>
-          <p:nvPr>
-            <p:ph type="body" idx="1"/>
-          </p:nvPr>
-        </p:nvSpPr>
-        <p:spPr/>
-        <p:txBody>
-          <a:bodyPr/>
-          <a:lstStyle/>
-          <a:p>
-            <a:r>
-              <a:rPr lang="en-US" sz="1200" b="0" i="0" kern="1200" dirty="0" err="1" smtClean="0">
-                <a:solidFill>
-                  <a:schemeClr val="tx1"/>
-                </a:solidFill>
-                <a:effectLst/>
-                <a:latin typeface="+mn-lt"/>
-                <a:ea typeface="+mn-ea"/>
-                <a:cs typeface="+mn-cs"/>
-              </a:rPr>
-              <a:t>FunctionCall</a:t>
-            </a:r>
-            <a:endParaRPr lang="en-US" sz="1200" b="0" i="0" kern="1200" dirty="0" smtClean="0">
-              <a:solidFill>
-                <a:schemeClr val="tx1"/>
-              </a:solidFill>
-              <a:effectLst/>
-              <a:latin typeface="+mn-lt"/>
-              <a:ea typeface="+mn-ea"/>
-              <a:cs typeface="+mn-cs"/>
-            </a:endParaRPr>
-          </a:p>
-          <a:p>
-            <a:r>
-              <a:rPr lang="en-US" sz="1200" b="0" i="0" kern="1200" dirty="0" smtClean="0">
-                <a:solidFill>
-                  <a:schemeClr val="tx1"/>
-                </a:solidFill>
-                <a:effectLst/>
-                <a:latin typeface="+mn-lt"/>
-                <a:ea typeface="+mn-ea"/>
-                <a:cs typeface="+mn-cs"/>
-              </a:rPr>
-              <a:t>Next: Reference Rule</a:t>
-            </a:r>
-          </a:p>
-          <a:p>
-            <a:endParaRPr lang="en-US" dirty="0"/>
-          </a:p>
-        </p:txBody>
-      </p:sp>
-      <p:sp>
-        <p:nvSpPr>
-          <p:cNvPr id="4" name="Slide Number Placeholder 3"/>
-          <p:cNvSpPr>
-            <a:spLocks noGrp="1"/>
-          </p:cNvSpPr>
-          <p:nvPr>
-            <p:ph type="sldNum" sz="quarter" idx="10"/>
-          </p:nvPr>
-        </p:nvSpPr>
-        <p:spPr/>
-        <p:txBody>
-          <a:bodyPr/>
-          <a:lstStyle/>
-          <a:p>
-            <a:fld id="{13AEE553-B631-4BB9-A545-34E07B763307}" type="slidenum">
-              <a:rPr lang="en-US" smtClean="0"/>
-              <a:t>34</a:t>
-            </a:fld>
-            <a:endParaRPr lang="en-US"/>
-          </a:p>
-        </p:txBody>
-      </p:sp>
-    </p:spTree>
-    <p:extLst>
-      <p:ext uri="{BB962C8B-B14F-4D97-AF65-F5344CB8AC3E}">
-        <p14:creationId xmlns:p14="http://schemas.microsoft.com/office/powerpoint/2010/main" val="2935516014"/>
-      </p:ext>
-    </p:extLst>
-  </p:cSld>
-  <p:clrMapOvr>
-    <a:masterClrMapping/>
-  </p:clrMapOvr>
-</p:notes>
-</file>
-
-<file path=ppt/notesSlides/notesSlide27.xml><?xml version="1.0" encoding="utf-8"?>
-<p:notes xmlns:a="http://schemas.openxmlformats.org/drawingml/2006/main" xmlns:r="http://schemas.openxmlformats.org/officeDocument/2006/relationships" xmlns:p="http://schemas.openxmlformats.org/presentationml/2006/main">
-  <p:cSld>
-    <p:spTree>
-      <p:nvGrpSpPr>
-        <p:cNvPr id="1" name=""/>
-        <p:cNvGrpSpPr/>
-        <p:nvPr/>
-      </p:nvGrpSpPr>
-      <p:grpSpPr>
-        <a:xfrm>
-          <a:off x="0" y="0"/>
-          <a:ext cx="0" cy="0"/>
-          <a:chOff x="0" y="0"/>
-          <a:chExt cx="0" cy="0"/>
-        </a:xfrm>
-      </p:grpSpPr>
-      <p:sp>
-        <p:nvSpPr>
-          <p:cNvPr id="2" name="Slide Image Placeholder 1"/>
-          <p:cNvSpPr>
-            <a:spLocks noGrp="1" noRot="1" noChangeAspect="1"/>
-          </p:cNvSpPr>
-          <p:nvPr>
-            <p:ph type="sldImg"/>
-          </p:nvPr>
-        </p:nvSpPr>
-        <p:spPr/>
-      </p:sp>
-      <p:sp>
-        <p:nvSpPr>
-          <p:cNvPr id="3" name="Notes Placeholder 2"/>
-          <p:cNvSpPr>
-            <a:spLocks noGrp="1"/>
-          </p:cNvSpPr>
-          <p:nvPr>
-            <p:ph type="body" idx="1"/>
-          </p:nvPr>
-        </p:nvSpPr>
-        <p:spPr/>
-        <p:txBody>
-          <a:bodyPr/>
-          <a:lstStyle/>
-          <a:p>
-            <a:r>
-              <a:rPr lang="en-US" sz="1200" b="0" i="0" kern="1200" dirty="0" err="1" smtClean="0">
-                <a:solidFill>
-                  <a:schemeClr val="tx1"/>
-                </a:solidFill>
-                <a:effectLst/>
-                <a:latin typeface="+mn-lt"/>
-                <a:ea typeface="+mn-ea"/>
-                <a:cs typeface="+mn-cs"/>
-              </a:rPr>
-              <a:t>FunctionCall</a:t>
-            </a:r>
-            <a:endParaRPr lang="en-US" sz="1200" b="0" i="0" kern="1200" dirty="0" smtClean="0">
-              <a:solidFill>
-                <a:schemeClr val="tx1"/>
-              </a:solidFill>
-              <a:effectLst/>
-              <a:latin typeface="+mn-lt"/>
-              <a:ea typeface="+mn-ea"/>
-              <a:cs typeface="+mn-cs"/>
-            </a:endParaRPr>
-          </a:p>
-          <a:p>
-            <a:r>
-              <a:rPr lang="en-US" sz="1200" b="0" i="0" kern="1200" dirty="0" smtClean="0">
-                <a:solidFill>
-                  <a:schemeClr val="tx1"/>
-                </a:solidFill>
-                <a:effectLst/>
-                <a:latin typeface="+mn-lt"/>
-                <a:ea typeface="+mn-ea"/>
-                <a:cs typeface="+mn-cs"/>
-              </a:rPr>
-              <a:t>Next: Prefix and </a:t>
-            </a:r>
-            <a:r>
-              <a:rPr lang="en-US" sz="1200" b="0" i="0" kern="1200" dirty="0" err="1" smtClean="0">
-                <a:solidFill>
-                  <a:schemeClr val="tx1"/>
-                </a:solidFill>
-                <a:effectLst/>
-                <a:latin typeface="+mn-lt"/>
-                <a:ea typeface="+mn-ea"/>
-                <a:cs typeface="+mn-cs"/>
-              </a:rPr>
-              <a:t>ReferenceItem</a:t>
-            </a:r>
-            <a:endParaRPr lang="en-US" sz="1200" b="0" i="0" kern="1200" dirty="0" smtClean="0">
-              <a:solidFill>
-                <a:schemeClr val="tx1"/>
-              </a:solidFill>
-              <a:effectLst/>
-              <a:latin typeface="+mn-lt"/>
-              <a:ea typeface="+mn-ea"/>
-              <a:cs typeface="+mn-cs"/>
-            </a:endParaRPr>
-          </a:p>
-          <a:p>
-            <a:endParaRPr lang="en-US" dirty="0"/>
-          </a:p>
-        </p:txBody>
-      </p:sp>
-      <p:sp>
-        <p:nvSpPr>
-          <p:cNvPr id="4" name="Slide Number Placeholder 3"/>
-          <p:cNvSpPr>
-            <a:spLocks noGrp="1"/>
-          </p:cNvSpPr>
-          <p:nvPr>
-            <p:ph type="sldNum" sz="quarter" idx="10"/>
-          </p:nvPr>
-        </p:nvSpPr>
-        <p:spPr/>
-        <p:txBody>
-          <a:bodyPr/>
-          <a:lstStyle/>
-          <a:p>
-            <a:fld id="{13AEE553-B631-4BB9-A545-34E07B763307}" type="slidenum">
-              <a:rPr lang="en-US" smtClean="0"/>
-              <a:t>35</a:t>
-            </a:fld>
-            <a:endParaRPr lang="en-US"/>
-          </a:p>
-        </p:txBody>
-      </p:sp>
-    </p:spTree>
-    <p:extLst>
-      <p:ext uri="{BB962C8B-B14F-4D97-AF65-F5344CB8AC3E}">
-        <p14:creationId xmlns:p14="http://schemas.microsoft.com/office/powerpoint/2010/main" val="2935516014"/>
-      </p:ext>
-    </p:extLst>
-  </p:cSld>
-  <p:clrMapOvr>
-    <a:masterClrMapping/>
-  </p:clrMapOvr>
-</p:notes>
-</file>
-
-<file path=ppt/notesSlides/notesSlide28.xml><?xml version="1.0" encoding="utf-8"?>
-<p:notes xmlns:a="http://schemas.openxmlformats.org/drawingml/2006/main" xmlns:r="http://schemas.openxmlformats.org/officeDocument/2006/relationships" xmlns:p="http://schemas.openxmlformats.org/presentationml/2006/main">
-  <p:cSld>
-    <p:spTree>
-      <p:nvGrpSpPr>
-        <p:cNvPr id="1" name=""/>
-        <p:cNvGrpSpPr/>
-        <p:nvPr/>
-      </p:nvGrpSpPr>
-      <p:grpSpPr>
-        <a:xfrm>
-          <a:off x="0" y="0"/>
-          <a:ext cx="0" cy="0"/>
-          <a:chOff x="0" y="0"/>
-          <a:chExt cx="0" cy="0"/>
-        </a:xfrm>
-      </p:grpSpPr>
-      <p:sp>
-        <p:nvSpPr>
-          <p:cNvPr id="2" name="Slide Image Placeholder 1"/>
-          <p:cNvSpPr>
-            <a:spLocks noGrp="1" noRot="1" noChangeAspect="1"/>
-          </p:cNvSpPr>
-          <p:nvPr>
-            <p:ph type="sldImg"/>
-          </p:nvPr>
-        </p:nvSpPr>
-        <p:spPr/>
-      </p:sp>
-      <p:sp>
-        <p:nvSpPr>
-          <p:cNvPr id="3" name="Notes Placeholder 2"/>
-          <p:cNvSpPr>
-            <a:spLocks noGrp="1"/>
-          </p:cNvSpPr>
-          <p:nvPr>
-            <p:ph type="body" idx="1"/>
-          </p:nvPr>
-        </p:nvSpPr>
-        <p:spPr/>
-        <p:txBody>
-          <a:bodyPr/>
-          <a:lstStyle/>
-          <a:p>
-            <a:r>
-              <a:rPr lang="en-US" sz="1200" b="0" i="0" kern="1200" dirty="0" smtClean="0">
-                <a:solidFill>
-                  <a:schemeClr val="tx1"/>
-                </a:solidFill>
-                <a:effectLst/>
-                <a:latin typeface="+mn-lt"/>
-                <a:ea typeface="+mn-ea"/>
-                <a:cs typeface="+mn-cs"/>
-              </a:rPr>
-              <a:t>Prefix +</a:t>
-            </a:r>
-            <a:r>
-              <a:rPr lang="en-US" sz="1200" b="0" i="0" kern="1200" baseline="0" dirty="0" smtClean="0">
-                <a:solidFill>
-                  <a:schemeClr val="tx1"/>
-                </a:solidFill>
-                <a:effectLst/>
-                <a:latin typeface="+mn-lt"/>
-                <a:ea typeface="+mn-ea"/>
-                <a:cs typeface="+mn-cs"/>
-              </a:rPr>
-              <a:t> </a:t>
-            </a:r>
-            <a:r>
-              <a:rPr lang="en-US" sz="1200" b="0" i="0" kern="1200" baseline="0" dirty="0" err="1" smtClean="0">
-                <a:solidFill>
-                  <a:schemeClr val="tx1"/>
-                </a:solidFill>
-                <a:effectLst/>
-                <a:latin typeface="+mn-lt"/>
-                <a:ea typeface="+mn-ea"/>
-                <a:cs typeface="+mn-cs"/>
-              </a:rPr>
-              <a:t>referenceItem</a:t>
-            </a:r>
-            <a:endParaRPr lang="en-US" sz="1200" b="0" i="0" kern="1200" dirty="0" smtClean="0">
-              <a:solidFill>
-                <a:schemeClr val="tx1"/>
-              </a:solidFill>
-              <a:effectLst/>
-              <a:latin typeface="+mn-lt"/>
-              <a:ea typeface="+mn-ea"/>
-              <a:cs typeface="+mn-cs"/>
-            </a:endParaRPr>
-          </a:p>
-          <a:p>
-            <a:r>
-              <a:rPr lang="en-US" sz="1200" b="0" i="0" kern="1200" dirty="0" smtClean="0">
-                <a:solidFill>
-                  <a:schemeClr val="tx1"/>
-                </a:solidFill>
-                <a:effectLst/>
-                <a:latin typeface="+mn-lt"/>
-                <a:ea typeface="+mn-ea"/>
-                <a:cs typeface="+mn-cs"/>
-              </a:rPr>
-              <a:t>Next: </a:t>
-            </a:r>
-            <a:r>
-              <a:rPr lang="en-US" sz="1200" b="0" i="0" kern="1200" dirty="0" err="1" smtClean="0">
-                <a:solidFill>
-                  <a:schemeClr val="tx1"/>
-                </a:solidFill>
-                <a:effectLst/>
-                <a:latin typeface="+mn-lt"/>
-                <a:ea typeface="+mn-ea"/>
-                <a:cs typeface="+mn-cs"/>
-              </a:rPr>
-              <a:t>RefFunctionCall</a:t>
-            </a:r>
-            <a:endParaRPr lang="en-US" sz="1200" b="0" i="0" kern="1200" dirty="0" smtClean="0">
-              <a:solidFill>
-                <a:schemeClr val="tx1"/>
-              </a:solidFill>
-              <a:effectLst/>
-              <a:latin typeface="+mn-lt"/>
-              <a:ea typeface="+mn-ea"/>
-              <a:cs typeface="+mn-cs"/>
-            </a:endParaRPr>
-          </a:p>
-          <a:p>
-            <a:endParaRPr lang="en-US" dirty="0"/>
-          </a:p>
-        </p:txBody>
-      </p:sp>
-      <p:sp>
-        <p:nvSpPr>
-          <p:cNvPr id="4" name="Slide Number Placeholder 3"/>
-          <p:cNvSpPr>
-            <a:spLocks noGrp="1"/>
-          </p:cNvSpPr>
-          <p:nvPr>
-            <p:ph type="sldNum" sz="quarter" idx="10"/>
-          </p:nvPr>
-        </p:nvSpPr>
-        <p:spPr/>
-        <p:txBody>
-          <a:bodyPr/>
-          <a:lstStyle/>
-          <a:p>
-            <a:fld id="{13AEE553-B631-4BB9-A545-34E07B763307}" type="slidenum">
-              <a:rPr lang="en-US" smtClean="0"/>
-              <a:t>36</a:t>
-            </a:fld>
-            <a:endParaRPr lang="en-US"/>
-          </a:p>
-        </p:txBody>
-      </p:sp>
-    </p:spTree>
-    <p:extLst>
-      <p:ext uri="{BB962C8B-B14F-4D97-AF65-F5344CB8AC3E}">
-        <p14:creationId xmlns:p14="http://schemas.microsoft.com/office/powerpoint/2010/main" val="2935516014"/>
-      </p:ext>
-    </p:extLst>
-  </p:cSld>
-  <p:clrMapOvr>
-    <a:masterClrMapping/>
-  </p:clrMapOvr>
-</p:notes>
-</file>
-
-<file path=ppt/notesSlides/notesSlide29.xml><?xml version="1.0" encoding="utf-8"?>
-<p:notes xmlns:a="http://schemas.openxmlformats.org/drawingml/2006/main" xmlns:r="http://schemas.openxmlformats.org/officeDocument/2006/relationships" xmlns:p="http://schemas.openxmlformats.org/presentationml/2006/main">
-  <p:cSld>
-    <p:spTree>
-      <p:nvGrpSpPr>
-        <p:cNvPr id="1" name=""/>
-        <p:cNvGrpSpPr/>
-        <p:nvPr/>
-      </p:nvGrpSpPr>
-      <p:grpSpPr>
-        <a:xfrm>
-          <a:off x="0" y="0"/>
-          <a:ext cx="0" cy="0"/>
-          <a:chOff x="0" y="0"/>
-          <a:chExt cx="0" cy="0"/>
-        </a:xfrm>
-      </p:grpSpPr>
-      <p:sp>
-        <p:nvSpPr>
-          <p:cNvPr id="2" name="Slide Image Placeholder 1"/>
-          <p:cNvSpPr>
-            <a:spLocks noGrp="1" noRot="1" noChangeAspect="1"/>
-          </p:cNvSpPr>
-          <p:nvPr>
-            <p:ph type="sldImg"/>
-          </p:nvPr>
-        </p:nvSpPr>
-        <p:spPr/>
-      </p:sp>
-      <p:sp>
-        <p:nvSpPr>
-          <p:cNvPr id="3" name="Notes Placeholder 2"/>
-          <p:cNvSpPr>
-            <a:spLocks noGrp="1"/>
-          </p:cNvSpPr>
-          <p:nvPr>
-            <p:ph type="body" idx="1"/>
-          </p:nvPr>
-        </p:nvSpPr>
-        <p:spPr/>
-        <p:txBody>
-          <a:bodyPr/>
-          <a:lstStyle/>
-          <a:p>
-            <a:r>
-              <a:rPr lang="en-US" sz="1200" b="0" i="0" kern="1200" dirty="0" err="1" smtClean="0">
-                <a:solidFill>
-                  <a:schemeClr val="tx1"/>
-                </a:solidFill>
-                <a:effectLst/>
-                <a:latin typeface="+mn-lt"/>
-                <a:ea typeface="+mn-ea"/>
-                <a:cs typeface="+mn-cs"/>
-              </a:rPr>
-              <a:t>RefFunctionCall</a:t>
-            </a:r>
-            <a:endParaRPr lang="en-US" sz="1200" b="0" i="0" kern="1200" dirty="0" smtClean="0">
-              <a:solidFill>
-                <a:schemeClr val="tx1"/>
-              </a:solidFill>
-              <a:effectLst/>
-              <a:latin typeface="+mn-lt"/>
-              <a:ea typeface="+mn-ea"/>
-              <a:cs typeface="+mn-cs"/>
-            </a:endParaRPr>
-          </a:p>
-          <a:p>
-            <a:r>
-              <a:rPr lang="en-US" sz="1200" b="0" i="0" kern="1200" dirty="0" smtClean="0">
-                <a:solidFill>
-                  <a:schemeClr val="tx1"/>
-                </a:solidFill>
-                <a:effectLst/>
-                <a:latin typeface="+mn-lt"/>
-                <a:ea typeface="+mn-ea"/>
-                <a:cs typeface="+mn-cs"/>
-              </a:rPr>
-              <a:t>3</a:t>
-            </a:r>
-            <a:r>
-              <a:rPr lang="en-US" sz="1200" b="0" i="0" kern="1200" baseline="0" dirty="0" smtClean="0">
-                <a:solidFill>
-                  <a:schemeClr val="tx1"/>
-                </a:solidFill>
-                <a:effectLst/>
-                <a:latin typeface="+mn-lt"/>
-                <a:ea typeface="+mn-ea"/>
-                <a:cs typeface="+mn-cs"/>
-              </a:rPr>
-              <a:t> </a:t>
-            </a:r>
-            <a:r>
-              <a:rPr lang="en-US" sz="1200" b="0" i="0" kern="1200" baseline="0" dirty="0" err="1" smtClean="0">
-                <a:solidFill>
-                  <a:schemeClr val="tx1"/>
-                </a:solidFill>
-                <a:effectLst/>
-                <a:latin typeface="+mn-lt"/>
-                <a:ea typeface="+mn-ea"/>
-                <a:cs typeface="+mn-cs"/>
-              </a:rPr>
-              <a:t>operatos</a:t>
-            </a:r>
-            <a:r>
-              <a:rPr lang="en-US" sz="1200" b="0" i="0" kern="1200" baseline="0" dirty="0" smtClean="0">
-                <a:solidFill>
-                  <a:schemeClr val="tx1"/>
-                </a:solidFill>
-                <a:effectLst/>
-                <a:latin typeface="+mn-lt"/>
-                <a:ea typeface="+mn-ea"/>
-                <a:cs typeface="+mn-cs"/>
-              </a:rPr>
-              <a:t> for ranges:</a:t>
-            </a:r>
-            <a:endParaRPr lang="en-US" sz="1200" b="0" i="0" kern="1200" dirty="0" smtClean="0">
-              <a:solidFill>
-                <a:schemeClr val="tx1"/>
-              </a:solidFill>
-              <a:effectLst/>
-              <a:latin typeface="+mn-lt"/>
-              <a:ea typeface="+mn-ea"/>
-              <a:cs typeface="+mn-cs"/>
-            </a:endParaRPr>
-          </a:p>
-          <a:p>
-            <a:r>
-              <a:rPr lang="en-US" sz="1200" b="0" i="0" kern="1200" dirty="0" smtClean="0">
-                <a:solidFill>
-                  <a:schemeClr val="tx1"/>
-                </a:solidFill>
-                <a:effectLst/>
-                <a:latin typeface="+mn-lt"/>
-                <a:ea typeface="+mn-ea"/>
-                <a:cs typeface="+mn-cs"/>
-              </a:rPr>
-              <a:t>Union, range, intersection</a:t>
-            </a:r>
-          </a:p>
-          <a:p>
-            <a:r>
-              <a:rPr lang="en-US" sz="1200" b="0" i="0" kern="1200" dirty="0" smtClean="0">
-                <a:solidFill>
-                  <a:schemeClr val="tx1"/>
-                </a:solidFill>
-                <a:effectLst/>
-                <a:latin typeface="+mn-lt"/>
-                <a:ea typeface="+mn-ea"/>
-                <a:cs typeface="+mn-cs"/>
-              </a:rPr>
-              <a:t>Unions only within parentheses:</a:t>
-            </a:r>
-            <a:r>
-              <a:rPr lang="en-US" sz="1200" b="0" i="0" kern="1200" baseline="0" dirty="0" smtClean="0">
-                <a:solidFill>
-                  <a:schemeClr val="tx1"/>
-                </a:solidFill>
-                <a:effectLst/>
-                <a:latin typeface="+mn-lt"/>
-                <a:ea typeface="+mn-ea"/>
-                <a:cs typeface="+mn-cs"/>
-              </a:rPr>
-              <a:t> the only known compatibility breach. Without (), undisguisable from arguments, reduce </a:t>
-            </a:r>
-            <a:r>
-              <a:rPr lang="en-US" sz="1200" b="0" i="0" kern="1200" baseline="0" dirty="0" err="1" smtClean="0">
-                <a:solidFill>
-                  <a:schemeClr val="tx1"/>
-                </a:solidFill>
-                <a:effectLst/>
-                <a:latin typeface="+mn-lt"/>
-                <a:ea typeface="+mn-ea"/>
-                <a:cs typeface="+mn-cs"/>
-              </a:rPr>
-              <a:t>reduce</a:t>
-            </a:r>
-            <a:r>
-              <a:rPr lang="en-US" sz="1200" b="0" i="0" kern="1200" baseline="0" dirty="0" smtClean="0">
-                <a:solidFill>
-                  <a:schemeClr val="tx1"/>
-                </a:solidFill>
-                <a:effectLst/>
-                <a:latin typeface="+mn-lt"/>
-                <a:ea typeface="+mn-ea"/>
-                <a:cs typeface="+mn-cs"/>
-              </a:rPr>
-              <a:t> conflict on comma</a:t>
-            </a:r>
-            <a:endParaRPr lang="en-US" sz="1200" b="0" i="0" kern="1200" dirty="0" smtClean="0">
-              <a:solidFill>
-                <a:schemeClr val="tx1"/>
-              </a:solidFill>
-              <a:effectLst/>
-              <a:latin typeface="+mn-lt"/>
-              <a:ea typeface="+mn-ea"/>
-              <a:cs typeface="+mn-cs"/>
-            </a:endParaRPr>
-          </a:p>
-          <a:p>
-            <a:endParaRPr lang="en-US" sz="1200" b="0" i="0" kern="1200" dirty="0" smtClean="0">
-              <a:solidFill>
-                <a:schemeClr val="tx1"/>
-              </a:solidFill>
-              <a:effectLst/>
-              <a:latin typeface="+mn-lt"/>
-              <a:ea typeface="+mn-ea"/>
-              <a:cs typeface="+mn-cs"/>
-            </a:endParaRPr>
-          </a:p>
-          <a:p>
-            <a:endParaRPr lang="en-US" dirty="0"/>
-          </a:p>
-        </p:txBody>
-      </p:sp>
-      <p:sp>
-        <p:nvSpPr>
-          <p:cNvPr id="4" name="Slide Number Placeholder 3"/>
-          <p:cNvSpPr>
-            <a:spLocks noGrp="1"/>
-          </p:cNvSpPr>
-          <p:nvPr>
-            <p:ph type="sldNum" sz="quarter" idx="10"/>
-          </p:nvPr>
-        </p:nvSpPr>
-        <p:spPr/>
-        <p:txBody>
-          <a:bodyPr/>
-          <a:lstStyle/>
-          <a:p>
-            <a:fld id="{13AEE553-B631-4BB9-A545-34E07B763307}" type="slidenum">
-              <a:rPr lang="en-US" smtClean="0"/>
-              <a:t>37</a:t>
-            </a:fld>
-            <a:endParaRPr lang="en-US"/>
-          </a:p>
-        </p:txBody>
-      </p:sp>
-    </p:spTree>
-    <p:extLst>
-      <p:ext uri="{BB962C8B-B14F-4D97-AF65-F5344CB8AC3E}">
-        <p14:creationId xmlns:p14="http://schemas.microsoft.com/office/powerpoint/2010/main" val="2935516014"/>
-      </p:ext>
-    </p:extLst>
-  </p:cSld>
-  <p:clrMapOvr>
-    <a:masterClrMapping/>
-  </p:clrMapOvr>
-</p:notes>
-</file>
-
 <file path=ppt/notesSlides/notesSlide3.xml><?xml version="1.0" encoding="utf-8"?>
 <p:notes xmlns:a="http://schemas.openxmlformats.org/drawingml/2006/main" xmlns:r="http://schemas.openxmlformats.org/officeDocument/2006/relationships" xmlns:p="http://schemas.openxmlformats.org/presentationml/2006/main">
   <p:cSld>
@@ -4281,7 +3048,7 @@
             <a:fld id="{1D8BD707-D9CF-40AE-B4C6-C98DA3205C09}" type="datetimeFigureOut">
               <a:rPr lang="en-US" smtClean="0"/>
               <a:pPr/>
-              <a:t>9/22/2015</a:t>
+              <a:t>9/27/2015</a:t>
             </a:fld>
             <a:endParaRPr lang="en-US"/>
           </a:p>
@@ -4453,7 +3220,7 @@
             <a:fld id="{1D8BD707-D9CF-40AE-B4C6-C98DA3205C09}" type="datetimeFigureOut">
               <a:rPr lang="en-US" smtClean="0"/>
               <a:pPr/>
-              <a:t>9/22/2015</a:t>
+              <a:t>9/27/2015</a:t>
             </a:fld>
             <a:endParaRPr lang="en-US"/>
           </a:p>
@@ -4635,7 +3402,7 @@
             <a:fld id="{1D8BD707-D9CF-40AE-B4C6-C98DA3205C09}" type="datetimeFigureOut">
               <a:rPr lang="en-US" smtClean="0"/>
               <a:pPr/>
-              <a:t>9/22/2015</a:t>
+              <a:t>9/27/2015</a:t>
             </a:fld>
             <a:endParaRPr lang="en-US"/>
           </a:p>
@@ -4807,7 +3574,7 @@
             <a:fld id="{1D8BD707-D9CF-40AE-B4C6-C98DA3205C09}" type="datetimeFigureOut">
               <a:rPr lang="en-US" smtClean="0"/>
               <a:pPr/>
-              <a:t>9/22/2015</a:t>
+              <a:t>9/27/2015</a:t>
             </a:fld>
             <a:endParaRPr lang="en-US"/>
           </a:p>
@@ -5055,7 +3822,7 @@
             <a:fld id="{1D8BD707-D9CF-40AE-B4C6-C98DA3205C09}" type="datetimeFigureOut">
               <a:rPr lang="en-US" smtClean="0"/>
               <a:pPr/>
-              <a:t>9/22/2015</a:t>
+              <a:t>9/27/2015</a:t>
             </a:fld>
             <a:endParaRPr lang="en-US"/>
           </a:p>
@@ -5345,7 +4112,7 @@
             <a:fld id="{1D8BD707-D9CF-40AE-B4C6-C98DA3205C09}" type="datetimeFigureOut">
               <a:rPr lang="en-US" smtClean="0"/>
               <a:pPr/>
-              <a:t>9/22/2015</a:t>
+              <a:t>9/27/2015</a:t>
             </a:fld>
             <a:endParaRPr lang="en-US"/>
           </a:p>
@@ -5769,7 +4536,7 @@
             <a:fld id="{1D8BD707-D9CF-40AE-B4C6-C98DA3205C09}" type="datetimeFigureOut">
               <a:rPr lang="en-US" smtClean="0"/>
               <a:pPr/>
-              <a:t>9/22/2015</a:t>
+              <a:t>9/27/2015</a:t>
             </a:fld>
             <a:endParaRPr lang="en-US"/>
           </a:p>
@@ -5889,7 +4656,7 @@
             <a:fld id="{1D8BD707-D9CF-40AE-B4C6-C98DA3205C09}" type="datetimeFigureOut">
               <a:rPr lang="en-US" smtClean="0"/>
               <a:pPr/>
-              <a:t>9/22/2015</a:t>
+              <a:t>9/27/2015</a:t>
             </a:fld>
             <a:endParaRPr lang="en-US"/>
           </a:p>
@@ -5986,7 +4753,7 @@
             <a:fld id="{1D8BD707-D9CF-40AE-B4C6-C98DA3205C09}" type="datetimeFigureOut">
               <a:rPr lang="en-US" smtClean="0"/>
               <a:pPr/>
-              <a:t>9/22/2015</a:t>
+              <a:t>9/27/2015</a:t>
             </a:fld>
             <a:endParaRPr lang="en-US"/>
           </a:p>
@@ -6265,7 +5032,7 @@
             <a:fld id="{1D8BD707-D9CF-40AE-B4C6-C98DA3205C09}" type="datetimeFigureOut">
               <a:rPr lang="en-US" smtClean="0"/>
               <a:pPr/>
-              <a:t>9/22/2015</a:t>
+              <a:t>9/27/2015</a:t>
             </a:fld>
             <a:endParaRPr lang="en-US"/>
           </a:p>
@@ -6520,7 +5287,7 @@
             <a:fld id="{1D8BD707-D9CF-40AE-B4C6-C98DA3205C09}" type="datetimeFigureOut">
               <a:rPr lang="en-US" smtClean="0"/>
               <a:pPr/>
-              <a:t>9/22/2015</a:t>
+              <a:t>9/27/2015</a:t>
             </a:fld>
             <a:endParaRPr lang="en-US"/>
           </a:p>
@@ -6735,7 +5502,7 @@
             <a:fld id="{1D8BD707-D9CF-40AE-B4C6-C98DA3205C09}" type="datetimeFigureOut">
               <a:rPr lang="en-US" smtClean="0"/>
               <a:pPr/>
-              <a:t>9/22/2015</a:t>
+              <a:t>9/27/2015</a:t>
             </a:fld>
             <a:endParaRPr lang="en-US"/>
           </a:p>
@@ -8939,12 +7706,12 @@
       <p:bgPr>
         <a:blipFill dpi="0" rotWithShape="1">
           <a:blip r:embed="rId2">
-            <a:alphaModFix amt="57000"/>
+            <a:alphaModFix amt="76000"/>
             <a:lum/>
           </a:blip>
           <a:srcRect/>
           <a:stretch>
-            <a:fillRect l="3000"/>
+            <a:fillRect/>
           </a:stretch>
         </a:blipFill>
         <a:effectLst/>
@@ -12364,7 +11131,7 @@
     </p:spTree>
     <p:extLst>
       <p:ext uri="{BB962C8B-B14F-4D97-AF65-F5344CB8AC3E}">
-        <p14:creationId xmlns:p14="http://schemas.microsoft.com/office/powerpoint/2010/main" val="861592318"/>
+        <p14:creationId xmlns:p14="http://schemas.microsoft.com/office/powerpoint/2010/main" val="1851314246"/>
       </p:ext>
     </p:extLst>
   </p:cSld>
@@ -12928,11 +11695,7 @@
             </a:r>
             <a:r>
               <a:rPr lang="en-US" sz="3600" dirty="0" smtClean="0"/>
-              <a:t>SUM(A1:D5) </a:t>
-            </a:r>
-            <a:r>
-              <a:rPr lang="en-US" sz="3600" dirty="0" smtClean="0"/>
-              <a:t>(!)</a:t>
+              <a:t>SUM(A1:D5) (!)</a:t>
             </a:r>
             <a:endParaRPr lang="en-US" sz="3600" dirty="0"/>
           </a:p>
@@ -14839,8 +13602,8 @@
         </p:nvSpPr>
         <p:spPr>
           <a:xfrm>
-            <a:off x="152400" y="6172200"/>
-            <a:ext cx="6781800" cy="584775"/>
+            <a:off x="76200" y="6258580"/>
+            <a:ext cx="6781800" cy="523220"/>
           </a:xfrm>
           <a:prstGeom prst="rect">
             <a:avLst/>
@@ -14854,7 +13617,7 @@
           <a:lstStyle/>
           <a:p>
             <a:r>
-              <a:rPr lang="en-US" sz="1600" dirty="0" smtClean="0">
+              <a:rPr lang="en-US" sz="1400" dirty="0" smtClean="0">
                 <a:solidFill>
                   <a:schemeClr val="bg1">
                     <a:lumMod val="50000"/>
@@ -14864,7 +13627,7 @@
               <a:t>Supported with a </a:t>
             </a:r>
             <a:r>
-              <a:rPr lang="en-US" sz="1600" dirty="0">
+              <a:rPr lang="en-US" sz="1400" dirty="0">
                 <a:solidFill>
                   <a:schemeClr val="bg1">
                     <a:lumMod val="50000"/>
@@ -14874,7 +13637,7 @@
               <a:t>SCAM travel </a:t>
             </a:r>
             <a:r>
-              <a:rPr lang="en-US" sz="1600" dirty="0" smtClean="0">
+              <a:rPr lang="en-US" sz="1400" dirty="0" smtClean="0">
                 <a:solidFill>
                   <a:schemeClr val="bg1">
                     <a:lumMod val="50000"/>
@@ -14886,7 +13649,7 @@
           </a:p>
           <a:p>
             <a:r>
-              <a:rPr lang="en-US" sz="1600" dirty="0" smtClean="0">
+              <a:rPr lang="en-US" sz="1400" dirty="0" smtClean="0">
                 <a:solidFill>
                   <a:schemeClr val="bg1">
                     <a:lumMod val="50000"/>
@@ -14896,7 +13659,7 @@
               <a:t>Thanks to </a:t>
             </a:r>
             <a:r>
-              <a:rPr lang="en-US" sz="1600" dirty="0" err="1" smtClean="0">
+              <a:rPr lang="en-US" sz="1400" dirty="0" err="1" smtClean="0">
                 <a:solidFill>
                   <a:schemeClr val="bg1">
                     <a:lumMod val="50000"/>
@@ -14906,7 +13669,7 @@
               <a:t>GrammaTech</a:t>
             </a:r>
             <a:r>
-              <a:rPr lang="en-US" sz="1600" dirty="0">
+              <a:rPr lang="en-US" sz="1400" dirty="0">
                 <a:solidFill>
                   <a:schemeClr val="bg1">
                     <a:lumMod val="50000"/>
@@ -14916,7 +13679,7 @@
               <a:t>, of Ithaca </a:t>
             </a:r>
             <a:r>
-              <a:rPr lang="en-US" sz="1600" dirty="0" smtClean="0">
+              <a:rPr lang="en-US" sz="1400" dirty="0" smtClean="0">
                 <a:solidFill>
                   <a:schemeClr val="bg1">
                     <a:lumMod val="50000"/>
@@ -14926,7 +13689,7 @@
               <a:t>NY</a:t>
             </a:r>
             <a:r>
-              <a:rPr lang="en-US" sz="1600" dirty="0">
+              <a:rPr lang="en-US" sz="1400" dirty="0">
                 <a:solidFill>
                   <a:schemeClr val="bg1">
                     <a:lumMod val="50000"/>
@@ -14936,7 +13699,7 @@
               <a:t> </a:t>
             </a:r>
             <a:r>
-              <a:rPr lang="en-US" sz="1600" dirty="0" smtClean="0">
+              <a:rPr lang="en-US" sz="1400" dirty="0" smtClean="0">
                 <a:solidFill>
                   <a:schemeClr val="bg1">
                     <a:lumMod val="50000"/>
@@ -14946,7 +13709,7 @@
               <a:t>and Microsoft </a:t>
             </a:r>
             <a:r>
-              <a:rPr lang="en-US" sz="1600" dirty="0">
+              <a:rPr lang="en-US" sz="1400" dirty="0">
                 <a:solidFill>
                   <a:schemeClr val="bg1">
                     <a:lumMod val="50000"/>
@@ -14955,13 +13718,6 @@
               </a:rPr>
               <a:t>Research, of Redmond WA</a:t>
             </a:r>
-            <a:endParaRPr lang="en-US" sz="1600" dirty="0">
-              <a:solidFill>
-                <a:schemeClr val="bg1">
-                  <a:lumMod val="50000"/>
-                </a:schemeClr>
-              </a:solidFill>
-            </a:endParaRPr>
           </a:p>
         </p:txBody>
       </p:sp>
@@ -15044,773 +13800,6 @@
     <p:extLst>
       <p:ext uri="{BB962C8B-B14F-4D97-AF65-F5344CB8AC3E}">
         <p14:creationId xmlns:p14="http://schemas.microsoft.com/office/powerpoint/2010/main" val="3636090966"/>
-      </p:ext>
-    </p:extLst>
-  </p:cSld>
-  <p:clrMapOvr>
-    <a:masterClrMapping/>
-  </p:clrMapOvr>
-  <p:timing>
-    <p:tnLst>
-      <p:par>
-        <p:cTn id="1" dur="indefinite" restart="never" nodeType="tmRoot"/>
-      </p:par>
-    </p:tnLst>
-  </p:timing>
-</p:sld>
-</file>
-
-<file path=ppt/slides/slide29.xml><?xml version="1.0" encoding="utf-8"?>
-<p:sld xmlns:a="http://schemas.openxmlformats.org/drawingml/2006/main" xmlns:r="http://schemas.openxmlformats.org/officeDocument/2006/relationships" xmlns:p="http://schemas.openxmlformats.org/presentationml/2006/main">
-  <p:cSld>
-    <p:spTree>
-      <p:nvGrpSpPr>
-        <p:cNvPr id="1" name=""/>
-        <p:cNvGrpSpPr/>
-        <p:nvPr/>
-      </p:nvGrpSpPr>
-      <p:grpSpPr>
-        <a:xfrm>
-          <a:off x="0" y="0"/>
-          <a:ext cx="0" cy="0"/>
-          <a:chOff x="0" y="0"/>
-          <a:chExt cx="0" cy="0"/>
-        </a:xfrm>
-      </p:grpSpPr>
-      <p:sp>
-        <p:nvSpPr>
-          <p:cNvPr id="2" name="Title 1"/>
-          <p:cNvSpPr>
-            <a:spLocks noGrp="1"/>
-          </p:cNvSpPr>
-          <p:nvPr>
-            <p:ph type="title"/>
-          </p:nvPr>
-        </p:nvSpPr>
-        <p:spPr/>
-        <p:txBody>
-          <a:bodyPr/>
-          <a:lstStyle/>
-          <a:p>
-            <a:r>
-              <a:rPr lang="en-US" dirty="0" smtClean="0"/>
-              <a:t>Lexical analysis (1)</a:t>
-            </a:r>
-            <a:endParaRPr lang="en-US" dirty="0"/>
-          </a:p>
-        </p:txBody>
-      </p:sp>
-      <p:graphicFrame>
-        <p:nvGraphicFramePr>
-          <p:cNvPr id="4" name="Content Placeholder 3"/>
-          <p:cNvGraphicFramePr>
-            <a:graphicFrameLocks noGrp="1"/>
-          </p:cNvGraphicFramePr>
-          <p:nvPr>
-            <p:ph idx="1"/>
-            <p:extLst>
-              <p:ext uri="{D42A27DB-BD31-4B8C-83A1-F6EECF244321}">
-                <p14:modId xmlns:p14="http://schemas.microsoft.com/office/powerpoint/2010/main" val="2775947853"/>
-              </p:ext>
-            </p:extLst>
-          </p:nvPr>
-        </p:nvGraphicFramePr>
-        <p:xfrm>
-          <a:off x="457200" y="1447800"/>
-          <a:ext cx="8229600" cy="4079240"/>
-        </p:xfrm>
-        <a:graphic>
-          <a:graphicData uri="http://schemas.openxmlformats.org/drawingml/2006/table">
-            <a:tbl>
-              <a:tblPr firstRow="1" bandRow="1">
-                <a:tableStyleId>{2D5ABB26-0587-4C30-8999-92F81FD0307C}</a:tableStyleId>
-              </a:tblPr>
-              <a:tblGrid>
-                <a:gridCol w="2362200"/>
-                <a:gridCol w="5867400"/>
-              </a:tblGrid>
-              <a:tr h="370840">
-                <a:tc>
-                  <a:txBody>
-                    <a:bodyPr/>
-                    <a:lstStyle/>
-                    <a:p>
-                      <a:r>
-                        <a:rPr lang="en-US" b="1" dirty="0" smtClean="0"/>
-                        <a:t>Constants</a:t>
-                      </a:r>
-                      <a:endParaRPr lang="en-US" b="1" dirty="0"/>
-                    </a:p>
-                  </a:txBody>
-                  <a:tcPr>
-                    <a:lnB w="12700" cap="flat" cmpd="sng" algn="ctr">
-                      <a:solidFill>
-                        <a:schemeClr val="tx1"/>
-                      </a:solidFill>
-                      <a:prstDash val="solid"/>
-                      <a:round/>
-                      <a:headEnd type="none" w="med" len="med"/>
-                      <a:tailEnd type="none" w="med" len="med"/>
-                    </a:lnB>
-                  </a:tcPr>
-                </a:tc>
-                <a:tc>
-                  <a:txBody>
-                    <a:bodyPr/>
-                    <a:lstStyle/>
-                    <a:p>
-                      <a:endParaRPr lang="en-US" dirty="0"/>
-                    </a:p>
-                  </a:txBody>
-                  <a:tcPr>
-                    <a:lnB w="12700" cap="flat" cmpd="sng" algn="ctr">
-                      <a:solidFill>
-                        <a:schemeClr val="tx1"/>
-                      </a:solidFill>
-                      <a:prstDash val="solid"/>
-                      <a:round/>
-                      <a:headEnd type="none" w="med" len="med"/>
-                      <a:tailEnd type="none" w="med" len="med"/>
-                    </a:lnB>
-                  </a:tcPr>
-                </a:tc>
-              </a:tr>
-              <a:tr h="370840">
-                <a:tc>
-                  <a:txBody>
-                    <a:bodyPr/>
-                    <a:lstStyle/>
-                    <a:p>
-                      <a:r>
-                        <a:rPr lang="en-US" dirty="0" smtClean="0"/>
-                        <a:t>NUMBER</a:t>
-                      </a:r>
-                      <a:endParaRPr lang="en-US" dirty="0"/>
-                    </a:p>
-                  </a:txBody>
-                  <a:tcPr>
-                    <a:lnT w="12700" cap="flat" cmpd="sng" algn="ctr">
-                      <a:solidFill>
-                        <a:schemeClr val="tx1"/>
-                      </a:solidFill>
-                      <a:prstDash val="solid"/>
-                      <a:round/>
-                      <a:headEnd type="none" w="med" len="med"/>
-                      <a:tailEnd type="none" w="med" len="med"/>
-                    </a:lnT>
-                  </a:tcPr>
-                </a:tc>
-                <a:tc>
-                  <a:txBody>
-                    <a:bodyPr/>
-                    <a:lstStyle/>
-                    <a:p>
-                      <a:r>
-                        <a:rPr lang="en-US" dirty="0" smtClean="0">
-                          <a:solidFill>
-                            <a:schemeClr val="tx2">
-                              <a:lumMod val="60000"/>
-                              <a:lumOff val="40000"/>
-                            </a:schemeClr>
-                          </a:solidFill>
-                        </a:rPr>
-                        <a:t>12</a:t>
-                      </a:r>
-                      <a:r>
-                        <a:rPr lang="en-US" baseline="0" dirty="0" smtClean="0">
-                          <a:solidFill>
-                            <a:schemeClr val="tx2">
-                              <a:lumMod val="60000"/>
-                              <a:lumOff val="40000"/>
-                            </a:schemeClr>
-                          </a:solidFill>
-                        </a:rPr>
-                        <a:t>      </a:t>
-                      </a:r>
-                      <a:r>
-                        <a:rPr lang="en-US" dirty="0" smtClean="0">
-                          <a:solidFill>
-                            <a:schemeClr val="tx2">
-                              <a:lumMod val="60000"/>
-                              <a:lumOff val="40000"/>
-                            </a:schemeClr>
-                          </a:solidFill>
-                        </a:rPr>
-                        <a:t>1.34</a:t>
-                      </a:r>
-                      <a:r>
-                        <a:rPr lang="en-US" baseline="0" dirty="0" smtClean="0">
-                          <a:solidFill>
-                            <a:schemeClr val="tx2">
-                              <a:lumMod val="60000"/>
-                              <a:lumOff val="40000"/>
-                            </a:schemeClr>
-                          </a:solidFill>
-                        </a:rPr>
-                        <a:t>      </a:t>
-                      </a:r>
-                      <a:r>
-                        <a:rPr lang="en-US" dirty="0" smtClean="0">
-                          <a:solidFill>
-                            <a:schemeClr val="tx2">
-                              <a:lumMod val="60000"/>
-                              <a:lumOff val="40000"/>
-                            </a:schemeClr>
-                          </a:solidFill>
-                        </a:rPr>
-                        <a:t>7.67e+24      (dates too!)</a:t>
-                      </a:r>
-                      <a:endParaRPr lang="en-US" dirty="0">
-                        <a:solidFill>
-                          <a:schemeClr val="tx2">
-                            <a:lumMod val="60000"/>
-                            <a:lumOff val="40000"/>
-                          </a:schemeClr>
-                        </a:solidFill>
-                      </a:endParaRPr>
-                    </a:p>
-                  </a:txBody>
-                  <a:tcPr>
-                    <a:lnT w="12700" cap="flat" cmpd="sng" algn="ctr">
-                      <a:solidFill>
-                        <a:schemeClr val="tx1"/>
-                      </a:solidFill>
-                      <a:prstDash val="solid"/>
-                      <a:round/>
-                      <a:headEnd type="none" w="med" len="med"/>
-                      <a:tailEnd type="none" w="med" len="med"/>
-                    </a:lnT>
-                  </a:tcPr>
-                </a:tc>
-              </a:tr>
-              <a:tr h="370840">
-                <a:tc>
-                  <a:txBody>
-                    <a:bodyPr/>
-                    <a:lstStyle/>
-                    <a:p>
-                      <a:r>
-                        <a:rPr lang="en-US" dirty="0" smtClean="0"/>
-                        <a:t>STRING</a:t>
-                      </a:r>
-                      <a:endParaRPr lang="en-US" dirty="0"/>
-                    </a:p>
-                  </a:txBody>
-                  <a:tcPr/>
-                </a:tc>
-                <a:tc>
-                  <a:txBody>
-                    <a:bodyPr/>
-                    <a:lstStyle/>
-                    <a:p>
-                      <a:r>
-                        <a:rPr lang="en-US" dirty="0" smtClean="0">
-                          <a:solidFill>
-                            <a:schemeClr val="tx2">
-                              <a:lumMod val="60000"/>
-                              <a:lumOff val="40000"/>
-                            </a:schemeClr>
-                          </a:solidFill>
-                        </a:rPr>
-                        <a:t>“</a:t>
-                      </a:r>
-                      <a:r>
-                        <a:rPr lang="en-US" dirty="0" err="1" smtClean="0">
-                          <a:solidFill>
-                            <a:schemeClr val="tx2">
-                              <a:lumMod val="60000"/>
-                              <a:lumOff val="40000"/>
-                            </a:schemeClr>
-                          </a:solidFill>
-                        </a:rPr>
-                        <a:t>mpla</a:t>
-                      </a:r>
-                      <a:r>
-                        <a:rPr lang="en-US" dirty="0" smtClean="0">
-                          <a:solidFill>
-                            <a:schemeClr val="tx2">
-                              <a:lumMod val="60000"/>
-                              <a:lumOff val="40000"/>
-                            </a:schemeClr>
-                          </a:solidFill>
-                        </a:rPr>
-                        <a:t>”</a:t>
-                      </a:r>
-                      <a:r>
-                        <a:rPr lang="en-US" baseline="0" dirty="0" smtClean="0">
-                          <a:solidFill>
-                            <a:schemeClr val="tx2">
-                              <a:lumMod val="60000"/>
-                              <a:lumOff val="40000"/>
-                            </a:schemeClr>
-                          </a:solidFill>
-                        </a:rPr>
-                        <a:t>       </a:t>
-                      </a:r>
-                      <a:r>
-                        <a:rPr lang="en-US" dirty="0" smtClean="0">
-                          <a:solidFill>
-                            <a:schemeClr val="tx2">
-                              <a:lumMod val="60000"/>
-                              <a:lumOff val="40000"/>
-                            </a:schemeClr>
-                          </a:solidFill>
-                        </a:rPr>
-                        <a:t>“</a:t>
-                      </a:r>
-                      <a:r>
-                        <a:rPr lang="en-US" dirty="0" err="1" smtClean="0">
-                          <a:solidFill>
-                            <a:schemeClr val="tx2">
-                              <a:lumMod val="60000"/>
-                              <a:lumOff val="40000"/>
-                            </a:schemeClr>
-                          </a:solidFill>
-                        </a:rPr>
-                        <a:t>mp</a:t>
-                      </a:r>
-                      <a:r>
-                        <a:rPr lang="en-US" dirty="0" smtClean="0">
-                          <a:solidFill>
-                            <a:schemeClr val="tx2">
-                              <a:lumMod val="60000"/>
-                              <a:lumOff val="40000"/>
-                            </a:schemeClr>
-                          </a:solidFill>
-                        </a:rPr>
-                        <a:t>””la”</a:t>
-                      </a:r>
-                      <a:endParaRPr lang="en-US" dirty="0">
-                        <a:solidFill>
-                          <a:schemeClr val="tx2">
-                            <a:lumMod val="60000"/>
-                            <a:lumOff val="40000"/>
-                          </a:schemeClr>
-                        </a:solidFill>
-                      </a:endParaRPr>
-                    </a:p>
-                  </a:txBody>
-                  <a:tcPr/>
-                </a:tc>
-              </a:tr>
-              <a:tr h="370840">
-                <a:tc>
-                  <a:txBody>
-                    <a:bodyPr/>
-                    <a:lstStyle/>
-                    <a:p>
-                      <a:r>
-                        <a:rPr lang="en-US" dirty="0" smtClean="0"/>
-                        <a:t>BOOL</a:t>
-                      </a:r>
-                      <a:endParaRPr lang="en-US" dirty="0"/>
-                    </a:p>
-                  </a:txBody>
-                  <a:tcPr/>
-                </a:tc>
-                <a:tc>
-                  <a:txBody>
-                    <a:bodyPr/>
-                    <a:lstStyle/>
-                    <a:p>
-                      <a:r>
-                        <a:rPr lang="en-US" dirty="0" smtClean="0">
-                          <a:solidFill>
-                            <a:schemeClr val="tx2">
-                              <a:lumMod val="60000"/>
-                              <a:lumOff val="40000"/>
-                            </a:schemeClr>
-                          </a:solidFill>
-                        </a:rPr>
-                        <a:t>TRUE      FALSE</a:t>
-                      </a:r>
-                      <a:endParaRPr lang="en-US" dirty="0">
-                        <a:solidFill>
-                          <a:schemeClr val="tx2">
-                            <a:lumMod val="60000"/>
-                            <a:lumOff val="40000"/>
-                          </a:schemeClr>
-                        </a:solidFill>
-                      </a:endParaRPr>
-                    </a:p>
-                  </a:txBody>
-                  <a:tcPr/>
-                </a:tc>
-              </a:tr>
-              <a:tr h="370840">
-                <a:tc>
-                  <a:txBody>
-                    <a:bodyPr/>
-                    <a:lstStyle/>
-                    <a:p>
-                      <a:r>
-                        <a:rPr lang="en-US" dirty="0" smtClean="0"/>
-                        <a:t>ERROR</a:t>
-                      </a:r>
-                      <a:endParaRPr lang="en-US" dirty="0"/>
-                    </a:p>
-                  </a:txBody>
-                  <a:tcPr/>
-                </a:tc>
-                <a:tc>
-                  <a:txBody>
-                    <a:bodyPr/>
-                    <a:lstStyle/>
-                    <a:p>
-                      <a:r>
-                        <a:rPr lang="en-US" dirty="0" smtClean="0">
-                          <a:solidFill>
-                            <a:schemeClr val="tx2">
-                              <a:lumMod val="60000"/>
-                              <a:lumOff val="40000"/>
-                            </a:schemeClr>
-                          </a:solidFill>
-                        </a:rPr>
-                        <a:t>#NULL!      #N/A      #DIV/0!</a:t>
-                      </a:r>
-                      <a:endParaRPr lang="en-US" dirty="0">
-                        <a:solidFill>
-                          <a:schemeClr val="tx2">
-                            <a:lumMod val="60000"/>
-                            <a:lumOff val="40000"/>
-                          </a:schemeClr>
-                        </a:solidFill>
-                      </a:endParaRPr>
-                    </a:p>
-                  </a:txBody>
-                  <a:tcPr/>
-                </a:tc>
-              </a:tr>
-              <a:tr h="370840">
-                <a:tc>
-                  <a:txBody>
-                    <a:bodyPr/>
-                    <a:lstStyle/>
-                    <a:p>
-                      <a:endParaRPr lang="en-US" dirty="0"/>
-                    </a:p>
-                  </a:txBody>
-                  <a:tcPr/>
-                </a:tc>
-                <a:tc>
-                  <a:txBody>
-                    <a:bodyPr/>
-                    <a:lstStyle/>
-                    <a:p>
-                      <a:endParaRPr lang="en-US" dirty="0">
-                        <a:solidFill>
-                          <a:schemeClr val="tx2">
-                            <a:lumMod val="60000"/>
-                            <a:lumOff val="40000"/>
-                          </a:schemeClr>
-                        </a:solidFill>
-                      </a:endParaRPr>
-                    </a:p>
-                  </a:txBody>
-                  <a:tcPr/>
-                </a:tc>
-              </a:tr>
-              <a:tr h="370840">
-                <a:tc>
-                  <a:txBody>
-                    <a:bodyPr/>
-                    <a:lstStyle/>
-                    <a:p>
-                      <a:r>
-                        <a:rPr lang="en-US" b="1" dirty="0" smtClean="0"/>
-                        <a:t>Functions</a:t>
-                      </a:r>
-                      <a:endParaRPr lang="en-US" b="1" dirty="0"/>
-                    </a:p>
-                  </a:txBody>
-                  <a:tcPr>
-                    <a:lnB w="12700" cap="flat" cmpd="sng" algn="ctr">
-                      <a:solidFill>
-                        <a:schemeClr val="tx1"/>
-                      </a:solidFill>
-                      <a:prstDash val="solid"/>
-                      <a:round/>
-                      <a:headEnd type="none" w="med" len="med"/>
-                      <a:tailEnd type="none" w="med" len="med"/>
-                    </a:lnB>
-                  </a:tcPr>
-                </a:tc>
-                <a:tc>
-                  <a:txBody>
-                    <a:bodyPr/>
-                    <a:lstStyle/>
-                    <a:p>
-                      <a:endParaRPr lang="en-US" dirty="0">
-                        <a:solidFill>
-                          <a:schemeClr val="tx2">
-                            <a:lumMod val="60000"/>
-                            <a:lumOff val="40000"/>
-                          </a:schemeClr>
-                        </a:solidFill>
-                      </a:endParaRPr>
-                    </a:p>
-                  </a:txBody>
-                  <a:tcPr>
-                    <a:lnB w="12700" cap="flat" cmpd="sng" algn="ctr">
-                      <a:solidFill>
-                        <a:schemeClr val="tx1"/>
-                      </a:solidFill>
-                      <a:prstDash val="solid"/>
-                      <a:round/>
-                      <a:headEnd type="none" w="med" len="med"/>
-                      <a:tailEnd type="none" w="med" len="med"/>
-                    </a:lnB>
-                  </a:tcPr>
-                </a:tc>
-              </a:tr>
-              <a:tr h="370840">
-                <a:tc>
-                  <a:txBody>
-                    <a:bodyPr/>
-                    <a:lstStyle/>
-                    <a:p>
-                      <a:r>
-                        <a:rPr lang="en-US" dirty="0" smtClean="0"/>
-                        <a:t>EXCEL-FUNCTION</a:t>
-                      </a:r>
-                      <a:endParaRPr lang="en-US" dirty="0"/>
-                    </a:p>
-                  </a:txBody>
-                  <a:tcPr>
-                    <a:lnT w="12700" cap="flat" cmpd="sng" algn="ctr">
-                      <a:solidFill>
-                        <a:schemeClr val="tx1"/>
-                      </a:solidFill>
-                      <a:prstDash val="solid"/>
-                      <a:round/>
-                      <a:headEnd type="none" w="med" len="med"/>
-                      <a:tailEnd type="none" w="med" len="med"/>
-                    </a:lnT>
-                  </a:tcPr>
-                </a:tc>
-                <a:tc>
-                  <a:txBody>
-                    <a:bodyPr/>
-                    <a:lstStyle/>
-                    <a:p>
-                      <a:r>
-                        <a:rPr lang="en-US" dirty="0" smtClean="0">
-                          <a:solidFill>
-                            <a:schemeClr val="tx2">
-                              <a:lumMod val="60000"/>
-                              <a:lumOff val="40000"/>
-                            </a:schemeClr>
-                          </a:solidFill>
-                        </a:rPr>
-                        <a:t>SUM(      MIN(      …</a:t>
-                      </a:r>
-                      <a:endParaRPr lang="en-US" dirty="0">
-                        <a:solidFill>
-                          <a:schemeClr val="tx2">
-                            <a:lumMod val="60000"/>
-                            <a:lumOff val="40000"/>
-                          </a:schemeClr>
-                        </a:solidFill>
-                      </a:endParaRPr>
-                    </a:p>
-                  </a:txBody>
-                  <a:tcPr>
-                    <a:lnT w="12700" cap="flat" cmpd="sng" algn="ctr">
-                      <a:solidFill>
-                        <a:schemeClr val="tx1"/>
-                      </a:solidFill>
-                      <a:prstDash val="solid"/>
-                      <a:round/>
-                      <a:headEnd type="none" w="med" len="med"/>
-                      <a:tailEnd type="none" w="med" len="med"/>
-                    </a:lnT>
-                  </a:tcPr>
-                </a:tc>
-              </a:tr>
-              <a:tr h="370840">
-                <a:tc>
-                  <a:txBody>
-                    <a:bodyPr/>
-                    <a:lstStyle/>
-                    <a:p>
-                      <a:r>
-                        <a:rPr lang="en-US" dirty="0" smtClean="0"/>
-                        <a:t>REF-FUNCTION</a:t>
-                      </a:r>
-                      <a:endParaRPr lang="en-US" dirty="0"/>
-                    </a:p>
-                  </a:txBody>
-                  <a:tcPr/>
-                </a:tc>
-                <a:tc>
-                  <a:txBody>
-                    <a:bodyPr/>
-                    <a:lstStyle/>
-                    <a:p>
-                      <a:r>
-                        <a:rPr lang="en-US" dirty="0" smtClean="0">
-                          <a:solidFill>
-                            <a:schemeClr val="tx2">
-                              <a:lumMod val="60000"/>
-                              <a:lumOff val="40000"/>
-                            </a:schemeClr>
-                          </a:solidFill>
-                        </a:rPr>
-                        <a:t>INDEX(      OFFSET(      INDIRECT(</a:t>
-                      </a:r>
-                      <a:endParaRPr lang="en-US" dirty="0">
-                        <a:solidFill>
-                          <a:schemeClr val="tx2">
-                            <a:lumMod val="60000"/>
-                            <a:lumOff val="40000"/>
-                          </a:schemeClr>
-                        </a:solidFill>
-                      </a:endParaRPr>
-                    </a:p>
-                  </a:txBody>
-                  <a:tcPr/>
-                </a:tc>
-              </a:tr>
-              <a:tr h="370840">
-                <a:tc>
-                  <a:txBody>
-                    <a:bodyPr/>
-                    <a:lstStyle/>
-                    <a:p>
-                      <a:r>
-                        <a:rPr lang="en-US" dirty="0" smtClean="0"/>
-                        <a:t>REF-FUNCTION-COND</a:t>
-                      </a:r>
-                      <a:endParaRPr lang="en-US" dirty="0"/>
-                    </a:p>
-                  </a:txBody>
-                  <a:tcPr/>
-                </a:tc>
-                <a:tc>
-                  <a:txBody>
-                    <a:bodyPr/>
-                    <a:lstStyle/>
-                    <a:p>
-                      <a:r>
-                        <a:rPr lang="en-US" dirty="0" smtClean="0">
-                          <a:solidFill>
-                            <a:schemeClr val="tx2">
-                              <a:lumMod val="60000"/>
-                              <a:lumOff val="40000"/>
-                            </a:schemeClr>
-                          </a:solidFill>
-                        </a:rPr>
-                        <a:t>IF(</a:t>
-                      </a:r>
-                      <a:r>
-                        <a:rPr lang="en-US" baseline="0" dirty="0" smtClean="0">
-                          <a:solidFill>
-                            <a:schemeClr val="tx2">
-                              <a:lumMod val="60000"/>
-                              <a:lumOff val="40000"/>
-                            </a:schemeClr>
-                          </a:solidFill>
-                        </a:rPr>
-                        <a:t>      CHOOSE(</a:t>
-                      </a:r>
-                      <a:endParaRPr lang="en-US" dirty="0">
-                        <a:solidFill>
-                          <a:schemeClr val="tx2">
-                            <a:lumMod val="60000"/>
-                            <a:lumOff val="40000"/>
-                          </a:schemeClr>
-                        </a:solidFill>
-                      </a:endParaRPr>
-                    </a:p>
-                  </a:txBody>
-                  <a:tcPr/>
-                </a:tc>
-              </a:tr>
-              <a:tr h="370840">
-                <a:tc>
-                  <a:txBody>
-                    <a:bodyPr/>
-                    <a:lstStyle/>
-                    <a:p>
-                      <a:r>
-                        <a:rPr lang="en-US" dirty="0" smtClean="0"/>
-                        <a:t>UDF</a:t>
-                      </a:r>
-                      <a:endParaRPr lang="en-US" dirty="0"/>
-                    </a:p>
-                  </a:txBody>
-                  <a:tcPr/>
-                </a:tc>
-                <a:tc>
-                  <a:txBody>
-                    <a:bodyPr/>
-                    <a:lstStyle/>
-                    <a:p>
-                      <a:r>
-                        <a:rPr lang="en-US" dirty="0" err="1" smtClean="0">
-                          <a:solidFill>
-                            <a:schemeClr val="tx2">
-                              <a:lumMod val="60000"/>
-                              <a:lumOff val="40000"/>
-                            </a:schemeClr>
-                          </a:solidFill>
-                        </a:rPr>
-                        <a:t>myFunction</a:t>
-                      </a:r>
-                      <a:r>
-                        <a:rPr lang="en-US" dirty="0" smtClean="0">
-                          <a:solidFill>
-                            <a:schemeClr val="tx2">
-                              <a:lumMod val="60000"/>
-                              <a:lumOff val="40000"/>
-                            </a:schemeClr>
-                          </a:solidFill>
-                        </a:rPr>
-                        <a:t>(       _</a:t>
-                      </a:r>
-                      <a:r>
-                        <a:rPr lang="en-US" dirty="0" err="1" smtClean="0">
-                          <a:solidFill>
-                            <a:schemeClr val="tx2">
-                              <a:lumMod val="60000"/>
-                              <a:lumOff val="40000"/>
-                            </a:schemeClr>
-                          </a:solidFill>
-                        </a:rPr>
-                        <a:t>xll.myFunction</a:t>
-                      </a:r>
-                      <a:r>
-                        <a:rPr lang="en-US" dirty="0" smtClean="0">
-                          <a:solidFill>
-                            <a:schemeClr val="tx2">
-                              <a:lumMod val="60000"/>
-                              <a:lumOff val="40000"/>
-                            </a:schemeClr>
-                          </a:solidFill>
-                        </a:rPr>
-                        <a:t>(</a:t>
-                      </a:r>
-                      <a:endParaRPr lang="en-US" dirty="0">
-                        <a:solidFill>
-                          <a:schemeClr val="tx2">
-                            <a:lumMod val="60000"/>
-                            <a:lumOff val="40000"/>
-                          </a:schemeClr>
-                        </a:solidFill>
-                      </a:endParaRPr>
-                    </a:p>
-                  </a:txBody>
-                  <a:tcPr/>
-                </a:tc>
-              </a:tr>
-            </a:tbl>
-          </a:graphicData>
-        </a:graphic>
-      </p:graphicFrame>
-    </p:spTree>
-    <p:extLst>
-      <p:ext uri="{BB962C8B-B14F-4D97-AF65-F5344CB8AC3E}">
-        <p14:creationId xmlns:p14="http://schemas.microsoft.com/office/powerpoint/2010/main" val="1242452885"/>
       </p:ext>
     </p:extLst>
   </p:cSld>
@@ -16042,3153 +14031,7 @@
     </p:spTree>
     <p:extLst>
       <p:ext uri="{BB962C8B-B14F-4D97-AF65-F5344CB8AC3E}">
-        <p14:creationId xmlns:p14="http://schemas.microsoft.com/office/powerpoint/2010/main" val="1851314246"/>
-      </p:ext>
-    </p:extLst>
-  </p:cSld>
-  <p:clrMapOvr>
-    <a:masterClrMapping/>
-  </p:clrMapOvr>
-  <p:timing>
-    <p:tnLst>
-      <p:par>
-        <p:cTn id="1" dur="indefinite" restart="never" nodeType="tmRoot"/>
-      </p:par>
-    </p:tnLst>
-  </p:timing>
-</p:sld>
-</file>
-
-<file path=ppt/slides/slide30.xml><?xml version="1.0" encoding="utf-8"?>
-<p:sld xmlns:a="http://schemas.openxmlformats.org/drawingml/2006/main" xmlns:r="http://schemas.openxmlformats.org/officeDocument/2006/relationships" xmlns:p="http://schemas.openxmlformats.org/presentationml/2006/main">
-  <p:cSld>
-    <p:spTree>
-      <p:nvGrpSpPr>
-        <p:cNvPr id="1" name=""/>
-        <p:cNvGrpSpPr/>
-        <p:nvPr/>
-      </p:nvGrpSpPr>
-      <p:grpSpPr>
-        <a:xfrm>
-          <a:off x="0" y="0"/>
-          <a:ext cx="0" cy="0"/>
-          <a:chOff x="0" y="0"/>
-          <a:chExt cx="0" cy="0"/>
-        </a:xfrm>
-      </p:grpSpPr>
-      <p:sp>
-        <p:nvSpPr>
-          <p:cNvPr id="2" name="Title 1"/>
-          <p:cNvSpPr>
-            <a:spLocks noGrp="1"/>
-          </p:cNvSpPr>
-          <p:nvPr>
-            <p:ph type="title"/>
-          </p:nvPr>
-        </p:nvSpPr>
-        <p:spPr/>
-        <p:txBody>
-          <a:bodyPr/>
-          <a:lstStyle/>
-          <a:p>
-            <a:r>
-              <a:rPr lang="en-US" dirty="0" smtClean="0"/>
-              <a:t>Lexical analysis (2)</a:t>
-            </a:r>
-            <a:endParaRPr lang="en-US" dirty="0"/>
-          </a:p>
-        </p:txBody>
-      </p:sp>
-      <p:graphicFrame>
-        <p:nvGraphicFramePr>
-          <p:cNvPr id="4" name="Content Placeholder 3"/>
-          <p:cNvGraphicFramePr>
-            <a:graphicFrameLocks noGrp="1"/>
-          </p:cNvGraphicFramePr>
-          <p:nvPr>
-            <p:ph idx="1"/>
-            <p:extLst>
-              <p:ext uri="{D42A27DB-BD31-4B8C-83A1-F6EECF244321}">
-                <p14:modId xmlns:p14="http://schemas.microsoft.com/office/powerpoint/2010/main" val="1775972202"/>
-              </p:ext>
-            </p:extLst>
-          </p:nvPr>
-        </p:nvGraphicFramePr>
-        <p:xfrm>
-          <a:off x="457200" y="1447800"/>
-          <a:ext cx="8229600" cy="5191760"/>
-        </p:xfrm>
-        <a:graphic>
-          <a:graphicData uri="http://schemas.openxmlformats.org/drawingml/2006/table">
-            <a:tbl>
-              <a:tblPr firstRow="1" bandRow="1">
-                <a:tableStyleId>{2D5ABB26-0587-4C30-8999-92F81FD0307C}</a:tableStyleId>
-              </a:tblPr>
-              <a:tblGrid>
-                <a:gridCol w="2362200"/>
-                <a:gridCol w="5867400"/>
-              </a:tblGrid>
-              <a:tr h="370840">
-                <a:tc>
-                  <a:txBody>
-                    <a:bodyPr/>
-                    <a:lstStyle/>
-                    <a:p>
-                      <a:r>
-                        <a:rPr lang="en-US" b="1" dirty="0" smtClean="0"/>
-                        <a:t>References</a:t>
-                      </a:r>
-                      <a:endParaRPr lang="en-US" b="1" dirty="0"/>
-                    </a:p>
-                  </a:txBody>
-                  <a:tcPr>
-                    <a:lnB w="12700" cap="flat" cmpd="sng" algn="ctr">
-                      <a:solidFill>
-                        <a:schemeClr val="tx1"/>
-                      </a:solidFill>
-                      <a:prstDash val="solid"/>
-                      <a:round/>
-                      <a:headEnd type="none" w="med" len="med"/>
-                      <a:tailEnd type="none" w="med" len="med"/>
-                    </a:lnB>
-                  </a:tcPr>
-                </a:tc>
-                <a:tc>
-                  <a:txBody>
-                    <a:bodyPr/>
-                    <a:lstStyle/>
-                    <a:p>
-                      <a:endParaRPr lang="en-US" dirty="0"/>
-                    </a:p>
-                  </a:txBody>
-                  <a:tcPr>
-                    <a:lnB w="12700" cap="flat" cmpd="sng" algn="ctr">
-                      <a:solidFill>
-                        <a:schemeClr val="tx1"/>
-                      </a:solidFill>
-                      <a:prstDash val="solid"/>
-                      <a:round/>
-                      <a:headEnd type="none" w="med" len="med"/>
-                      <a:tailEnd type="none" w="med" len="med"/>
-                    </a:lnB>
-                  </a:tcPr>
-                </a:tc>
-              </a:tr>
-              <a:tr h="370840">
-                <a:tc>
-                  <a:txBody>
-                    <a:bodyPr/>
-                    <a:lstStyle/>
-                    <a:p>
-                      <a:r>
-                        <a:rPr lang="en-US" dirty="0" smtClean="0"/>
-                        <a:t>CELL</a:t>
-                      </a:r>
-                      <a:endParaRPr lang="en-US" dirty="0"/>
-                    </a:p>
-                  </a:txBody>
-                  <a:tcPr>
-                    <a:lnT w="12700" cap="flat" cmpd="sng" algn="ctr">
-                      <a:solidFill>
-                        <a:schemeClr val="tx1"/>
-                      </a:solidFill>
-                      <a:prstDash val="solid"/>
-                      <a:round/>
-                      <a:headEnd type="none" w="med" len="med"/>
-                      <a:tailEnd type="none" w="med" len="med"/>
-                    </a:lnT>
-                  </a:tcPr>
-                </a:tc>
-                <a:tc>
-                  <a:txBody>
-                    <a:bodyPr/>
-                    <a:lstStyle/>
-                    <a:p>
-                      <a:r>
-                        <a:rPr lang="en-US" dirty="0" smtClean="0">
-                          <a:solidFill>
-                            <a:schemeClr val="tx2">
-                              <a:lumMod val="60000"/>
-                              <a:lumOff val="40000"/>
-                            </a:schemeClr>
-                          </a:solidFill>
-                        </a:rPr>
-                        <a:t>A1      $BH12      $AZ$33</a:t>
-                      </a:r>
-                      <a:endParaRPr lang="en-US" dirty="0">
-                        <a:solidFill>
-                          <a:schemeClr val="tx2">
-                            <a:lumMod val="60000"/>
-                            <a:lumOff val="40000"/>
-                          </a:schemeClr>
-                        </a:solidFill>
-                      </a:endParaRPr>
-                    </a:p>
-                  </a:txBody>
-                  <a:tcPr>
-                    <a:lnT w="12700" cap="flat" cmpd="sng" algn="ctr">
-                      <a:solidFill>
-                        <a:schemeClr val="tx1"/>
-                      </a:solidFill>
-                      <a:prstDash val="solid"/>
-                      <a:round/>
-                      <a:headEnd type="none" w="med" len="med"/>
-                      <a:tailEnd type="none" w="med" len="med"/>
-                    </a:lnT>
-                  </a:tcPr>
-                </a:tc>
-              </a:tr>
-              <a:tr h="370840">
-                <a:tc>
-                  <a:txBody>
-                    <a:bodyPr/>
-                    <a:lstStyle/>
-                    <a:p>
-                      <a:r>
-                        <a:rPr lang="en-US" dirty="0" smtClean="0"/>
-                        <a:t>NR</a:t>
-                      </a:r>
-                      <a:endParaRPr lang="en-US" dirty="0"/>
-                    </a:p>
-                  </a:txBody>
-                  <a:tcPr/>
-                </a:tc>
-                <a:tc>
-                  <a:txBody>
-                    <a:bodyPr/>
-                    <a:lstStyle/>
-                    <a:p>
-                      <a:r>
-                        <a:rPr lang="en-US" dirty="0" err="1" smtClean="0">
-                          <a:solidFill>
-                            <a:schemeClr val="tx2">
-                              <a:lumMod val="60000"/>
-                              <a:lumOff val="40000"/>
-                            </a:schemeClr>
-                          </a:solidFill>
-                        </a:rPr>
-                        <a:t>myNamedRange</a:t>
-                      </a:r>
-                      <a:r>
-                        <a:rPr lang="en-US" dirty="0" smtClean="0">
-                          <a:solidFill>
-                            <a:schemeClr val="tx2">
-                              <a:lumMod val="60000"/>
-                              <a:lumOff val="40000"/>
-                            </a:schemeClr>
-                          </a:solidFill>
-                        </a:rPr>
-                        <a:t>       \range.12</a:t>
-                      </a:r>
-                      <a:endParaRPr lang="en-US" dirty="0">
-                        <a:solidFill>
-                          <a:schemeClr val="tx2">
-                            <a:lumMod val="60000"/>
-                            <a:lumOff val="40000"/>
-                          </a:schemeClr>
-                        </a:solidFill>
-                      </a:endParaRPr>
-                    </a:p>
-                  </a:txBody>
-                  <a:tcPr/>
-                </a:tc>
-              </a:tr>
-              <a:tr h="370840">
-                <a:tc>
-                  <a:txBody>
-                    <a:bodyPr/>
-                    <a:lstStyle/>
-                    <a:p>
-                      <a:r>
-                        <a:rPr lang="en-US" dirty="0" smtClean="0"/>
-                        <a:t>HORIZONTAL-RANGE</a:t>
-                      </a:r>
-                      <a:endParaRPr lang="en-US" dirty="0"/>
-                    </a:p>
-                  </a:txBody>
-                  <a:tcPr/>
-                </a:tc>
-                <a:tc>
-                  <a:txBody>
-                    <a:bodyPr/>
-                    <a:lstStyle/>
-                    <a:p>
-                      <a:r>
-                        <a:rPr lang="en-US" dirty="0" smtClean="0">
-                          <a:solidFill>
-                            <a:schemeClr val="tx2">
-                              <a:lumMod val="60000"/>
-                              <a:lumOff val="40000"/>
-                            </a:schemeClr>
-                          </a:solidFill>
-                        </a:rPr>
-                        <a:t>2:3     </a:t>
-                      </a:r>
-                      <a:r>
-                        <a:rPr lang="en-US" baseline="0" dirty="0" smtClean="0">
-                          <a:solidFill>
-                            <a:schemeClr val="tx2">
-                              <a:lumMod val="60000"/>
-                              <a:lumOff val="40000"/>
-                            </a:schemeClr>
-                          </a:solidFill>
-                        </a:rPr>
-                        <a:t> 2:$3</a:t>
-                      </a:r>
-                      <a:endParaRPr lang="en-US" dirty="0">
-                        <a:solidFill>
-                          <a:schemeClr val="tx2">
-                            <a:lumMod val="60000"/>
-                            <a:lumOff val="40000"/>
-                          </a:schemeClr>
-                        </a:solidFill>
-                      </a:endParaRPr>
-                    </a:p>
-                  </a:txBody>
-                  <a:tcPr/>
-                </a:tc>
-              </a:tr>
-              <a:tr h="370840">
-                <a:tc>
-                  <a:txBody>
-                    <a:bodyPr/>
-                    <a:lstStyle/>
-                    <a:p>
-                      <a:r>
-                        <a:rPr lang="en-US" dirty="0" smtClean="0"/>
-                        <a:t>VERTICAL-RANGE</a:t>
-                      </a:r>
-                      <a:endParaRPr lang="en-US" dirty="0"/>
-                    </a:p>
-                  </a:txBody>
-                  <a:tcPr/>
-                </a:tc>
-                <a:tc>
-                  <a:txBody>
-                    <a:bodyPr/>
-                    <a:lstStyle/>
-                    <a:p>
-                      <a:r>
-                        <a:rPr lang="en-US" dirty="0" smtClean="0">
-                          <a:solidFill>
-                            <a:schemeClr val="tx2">
-                              <a:lumMod val="60000"/>
-                              <a:lumOff val="40000"/>
-                            </a:schemeClr>
-                          </a:solidFill>
-                        </a:rPr>
-                        <a:t>A:C      $A:$C</a:t>
-                      </a:r>
-                      <a:endParaRPr lang="en-US" dirty="0">
-                        <a:solidFill>
-                          <a:schemeClr val="tx2">
-                            <a:lumMod val="60000"/>
-                            <a:lumOff val="40000"/>
-                          </a:schemeClr>
-                        </a:solidFill>
-                      </a:endParaRPr>
-                    </a:p>
-                  </a:txBody>
-                  <a:tcPr/>
-                </a:tc>
-              </a:tr>
-              <a:tr h="370840">
-                <a:tc>
-                  <a:txBody>
-                    <a:bodyPr/>
-                    <a:lstStyle/>
-                    <a:p>
-                      <a:r>
-                        <a:rPr lang="en-US" dirty="0" smtClean="0"/>
-                        <a:t>ERROR-REF</a:t>
-                      </a:r>
-                      <a:endParaRPr lang="en-US" dirty="0"/>
-                    </a:p>
-                  </a:txBody>
-                  <a:tcPr/>
-                </a:tc>
-                <a:tc>
-                  <a:txBody>
-                    <a:bodyPr/>
-                    <a:lstStyle/>
-                    <a:p>
-                      <a:r>
-                        <a:rPr lang="en-US" dirty="0" smtClean="0">
-                          <a:solidFill>
-                            <a:schemeClr val="tx2">
-                              <a:lumMod val="60000"/>
-                              <a:lumOff val="40000"/>
-                            </a:schemeClr>
-                          </a:solidFill>
-                        </a:rPr>
-                        <a:t>#REF!</a:t>
-                      </a:r>
-                      <a:endParaRPr lang="en-US" dirty="0">
-                        <a:solidFill>
-                          <a:schemeClr val="tx2">
-                            <a:lumMod val="60000"/>
-                            <a:lumOff val="40000"/>
-                          </a:schemeClr>
-                        </a:solidFill>
-                      </a:endParaRPr>
-                    </a:p>
-                  </a:txBody>
-                  <a:tcPr/>
-                </a:tc>
-              </a:tr>
-              <a:tr h="370840">
-                <a:tc>
-                  <a:txBody>
-                    <a:bodyPr/>
-                    <a:lstStyle/>
-                    <a:p>
-                      <a:r>
-                        <a:rPr lang="en-US" dirty="0" smtClean="0"/>
-                        <a:t>RESERVED-NAME</a:t>
-                      </a:r>
-                      <a:endParaRPr lang="en-US" dirty="0"/>
-                    </a:p>
-                  </a:txBody>
-                  <a:tcPr/>
-                </a:tc>
-                <a:tc>
-                  <a:txBody>
-                    <a:bodyPr/>
-                    <a:lstStyle/>
-                    <a:p>
-                      <a:r>
-                        <a:rPr lang="en-US" dirty="0" smtClean="0">
-                          <a:solidFill>
-                            <a:schemeClr val="tx2">
-                              <a:lumMod val="60000"/>
-                              <a:lumOff val="40000"/>
-                            </a:schemeClr>
-                          </a:solidFill>
-                        </a:rPr>
-                        <a:t>_</a:t>
-                      </a:r>
-                      <a:r>
-                        <a:rPr lang="en-US" dirty="0" err="1" smtClean="0">
-                          <a:solidFill>
-                            <a:schemeClr val="tx2">
-                              <a:lumMod val="60000"/>
-                              <a:lumOff val="40000"/>
-                            </a:schemeClr>
-                          </a:solidFill>
-                        </a:rPr>
-                        <a:t>xlnm.Print_Area</a:t>
-                      </a:r>
-                      <a:endParaRPr lang="en-US" dirty="0">
-                        <a:solidFill>
-                          <a:schemeClr val="tx2">
-                            <a:lumMod val="60000"/>
-                            <a:lumOff val="40000"/>
-                          </a:schemeClr>
-                        </a:solidFill>
-                      </a:endParaRPr>
-                    </a:p>
-                  </a:txBody>
-                  <a:tcPr/>
-                </a:tc>
-              </a:tr>
-              <a:tr h="370840">
-                <a:tc>
-                  <a:txBody>
-                    <a:bodyPr/>
-                    <a:lstStyle/>
-                    <a:p>
-                      <a:endParaRPr lang="en-US" dirty="0"/>
-                    </a:p>
-                  </a:txBody>
-                  <a:tcPr/>
-                </a:tc>
-                <a:tc>
-                  <a:txBody>
-                    <a:bodyPr/>
-                    <a:lstStyle/>
-                    <a:p>
-                      <a:endParaRPr lang="en-US" dirty="0">
-                        <a:solidFill>
-                          <a:schemeClr val="tx2">
-                            <a:lumMod val="60000"/>
-                            <a:lumOff val="40000"/>
-                          </a:schemeClr>
-                        </a:solidFill>
-                      </a:endParaRPr>
-                    </a:p>
-                  </a:txBody>
-                  <a:tcPr/>
-                </a:tc>
-              </a:tr>
-              <a:tr h="370840">
-                <a:tc>
-                  <a:txBody>
-                    <a:bodyPr/>
-                    <a:lstStyle/>
-                    <a:p>
-                      <a:r>
-                        <a:rPr lang="en-US" b="1" dirty="0" smtClean="0"/>
-                        <a:t>External References</a:t>
-                      </a:r>
-                      <a:endParaRPr lang="en-US" b="1" dirty="0"/>
-                    </a:p>
-                  </a:txBody>
-                  <a:tcPr>
-                    <a:lnB w="12700" cap="flat" cmpd="sng" algn="ctr">
-                      <a:solidFill>
-                        <a:schemeClr val="tx1"/>
-                      </a:solidFill>
-                      <a:prstDash val="solid"/>
-                      <a:round/>
-                      <a:headEnd type="none" w="med" len="med"/>
-                      <a:tailEnd type="none" w="med" len="med"/>
-                    </a:lnB>
-                  </a:tcPr>
-                </a:tc>
-                <a:tc>
-                  <a:txBody>
-                    <a:bodyPr/>
-                    <a:lstStyle/>
-                    <a:p>
-                      <a:endParaRPr lang="en-US" dirty="0">
-                        <a:solidFill>
-                          <a:schemeClr val="tx2">
-                            <a:lumMod val="60000"/>
-                            <a:lumOff val="40000"/>
-                          </a:schemeClr>
-                        </a:solidFill>
-                      </a:endParaRPr>
-                    </a:p>
-                  </a:txBody>
-                  <a:tcPr>
-                    <a:lnB w="12700" cap="flat" cmpd="sng" algn="ctr">
-                      <a:solidFill>
-                        <a:schemeClr val="tx1"/>
-                      </a:solidFill>
-                      <a:prstDash val="solid"/>
-                      <a:round/>
-                      <a:headEnd type="none" w="med" len="med"/>
-                      <a:tailEnd type="none" w="med" len="med"/>
-                    </a:lnB>
-                  </a:tcPr>
-                </a:tc>
-              </a:tr>
-              <a:tr h="370840">
-                <a:tc>
-                  <a:txBody>
-                    <a:bodyPr/>
-                    <a:lstStyle/>
-                    <a:p>
-                      <a:r>
-                        <a:rPr lang="en-US" dirty="0" smtClean="0"/>
-                        <a:t>SHEET</a:t>
-                      </a:r>
-                      <a:endParaRPr lang="en-US" dirty="0"/>
-                    </a:p>
-                  </a:txBody>
-                  <a:tcPr>
-                    <a:lnT w="12700" cap="flat" cmpd="sng" algn="ctr">
-                      <a:solidFill>
-                        <a:schemeClr val="tx1"/>
-                      </a:solidFill>
-                      <a:prstDash val="solid"/>
-                      <a:round/>
-                      <a:headEnd type="none" w="med" len="med"/>
-                      <a:tailEnd type="none" w="med" len="med"/>
-                    </a:lnT>
-                  </a:tcPr>
-                </a:tc>
-                <a:tc>
-                  <a:txBody>
-                    <a:bodyPr/>
-                    <a:lstStyle/>
-                    <a:p>
-                      <a:r>
-                        <a:rPr lang="en-US" dirty="0" smtClean="0">
-                          <a:solidFill>
-                            <a:schemeClr val="tx2">
-                              <a:lumMod val="60000"/>
-                              <a:lumOff val="40000"/>
-                            </a:schemeClr>
-                          </a:solidFill>
-                        </a:rPr>
-                        <a:t>Sheet1!       'Sheet''   1'!</a:t>
-                      </a:r>
-                      <a:endParaRPr lang="en-US" dirty="0">
-                        <a:solidFill>
-                          <a:schemeClr val="tx2">
-                            <a:lumMod val="60000"/>
-                            <a:lumOff val="40000"/>
-                          </a:schemeClr>
-                        </a:solidFill>
-                      </a:endParaRPr>
-                    </a:p>
-                  </a:txBody>
-                  <a:tcPr>
-                    <a:lnT w="12700" cap="flat" cmpd="sng" algn="ctr">
-                      <a:solidFill>
-                        <a:schemeClr val="tx1"/>
-                      </a:solidFill>
-                      <a:prstDash val="solid"/>
-                      <a:round/>
-                      <a:headEnd type="none" w="med" len="med"/>
-                      <a:tailEnd type="none" w="med" len="med"/>
-                    </a:lnT>
-                  </a:tcPr>
-                </a:tc>
-              </a:tr>
-              <a:tr h="370840">
-                <a:tc>
-                  <a:txBody>
-                    <a:bodyPr/>
-                    <a:lstStyle/>
-                    <a:p>
-                      <a:r>
-                        <a:rPr lang="en-US" dirty="0" smtClean="0"/>
-                        <a:t>MULTIPLE-SHEETS</a:t>
-                      </a:r>
-                      <a:endParaRPr lang="en-US" dirty="0"/>
-                    </a:p>
-                  </a:txBody>
-                  <a:tcPr/>
-                </a:tc>
-                <a:tc>
-                  <a:txBody>
-                    <a:bodyPr/>
-                    <a:lstStyle/>
-                    <a:p>
-                      <a:r>
-                        <a:rPr lang="en-US" dirty="0" smtClean="0">
-                          <a:solidFill>
-                            <a:schemeClr val="tx2">
-                              <a:lumMod val="60000"/>
-                              <a:lumOff val="40000"/>
-                            </a:schemeClr>
-                          </a:solidFill>
-                        </a:rPr>
-                        <a:t>Sheet1:Sheet2!       'Sheet   1:Sheet2'!A1</a:t>
-                      </a:r>
-                      <a:endParaRPr lang="en-US" dirty="0">
-                        <a:solidFill>
-                          <a:schemeClr val="tx2">
-                            <a:lumMod val="60000"/>
-                            <a:lumOff val="40000"/>
-                          </a:schemeClr>
-                        </a:solidFill>
-                      </a:endParaRPr>
-                    </a:p>
-                  </a:txBody>
-                  <a:tcPr/>
-                </a:tc>
-              </a:tr>
-              <a:tr h="370840">
-                <a:tc>
-                  <a:txBody>
-                    <a:bodyPr/>
-                    <a:lstStyle/>
-                    <a:p>
-                      <a:r>
-                        <a:rPr lang="en-US" dirty="0" smtClean="0"/>
-                        <a:t>FILE</a:t>
-                      </a:r>
-                      <a:endParaRPr lang="en-US" dirty="0"/>
-                    </a:p>
-                  </a:txBody>
-                  <a:tcPr/>
-                </a:tc>
-                <a:tc>
-                  <a:txBody>
-                    <a:bodyPr/>
-                    <a:lstStyle/>
-                    <a:p>
-                      <a:r>
-                        <a:rPr lang="en-US" dirty="0" smtClean="0">
-                          <a:solidFill>
-                            <a:schemeClr val="tx2">
-                              <a:lumMod val="60000"/>
-                              <a:lumOff val="40000"/>
-                            </a:schemeClr>
-                          </a:solidFill>
-                        </a:rPr>
-                        <a:t>[1]</a:t>
-                      </a:r>
-                      <a:endParaRPr lang="en-US" dirty="0">
-                        <a:solidFill>
-                          <a:schemeClr val="tx2">
-                            <a:lumMod val="60000"/>
-                            <a:lumOff val="40000"/>
-                          </a:schemeClr>
-                        </a:solidFill>
-                      </a:endParaRPr>
-                    </a:p>
-                  </a:txBody>
-                  <a:tcPr/>
-                </a:tc>
-              </a:tr>
-              <a:tr h="370840">
-                <a:tc>
-                  <a:txBody>
-                    <a:bodyPr/>
-                    <a:lstStyle/>
-                    <a:p>
-                      <a:r>
-                        <a:rPr lang="en-US" dirty="0" smtClean="0"/>
-                        <a:t>QUOTED-FILE-SHEET</a:t>
-                      </a:r>
-                      <a:endParaRPr lang="en-US" dirty="0"/>
-                    </a:p>
-                  </a:txBody>
-                  <a:tcPr/>
-                </a:tc>
-                <a:tc>
-                  <a:txBody>
-                    <a:bodyPr/>
-                    <a:lstStyle/>
-                    <a:p>
-                      <a:r>
-                        <a:rPr lang="en-US" sz="1800" kern="1200" dirty="0" smtClean="0">
-                          <a:solidFill>
-                            <a:schemeClr val="tx2">
-                              <a:lumMod val="60000"/>
-                              <a:lumOff val="40000"/>
-                            </a:schemeClr>
-                          </a:solidFill>
-                        </a:rPr>
-                        <a:t>'[2]Sheet1'!</a:t>
-                      </a:r>
-                      <a:endParaRPr lang="en-US" dirty="0">
-                        <a:solidFill>
-                          <a:schemeClr val="tx2">
-                            <a:lumMod val="60000"/>
-                            <a:lumOff val="40000"/>
-                          </a:schemeClr>
-                        </a:solidFill>
-                      </a:endParaRPr>
-                    </a:p>
-                  </a:txBody>
-                  <a:tcPr/>
-                </a:tc>
-              </a:tr>
-              <a:tr h="370840">
-                <a:tc>
-                  <a:txBody>
-                    <a:bodyPr/>
-                    <a:lstStyle/>
-                    <a:p>
-                      <a:r>
-                        <a:rPr lang="en-US" dirty="0" smtClean="0"/>
-                        <a:t>DDECALL</a:t>
-                      </a:r>
-                      <a:endParaRPr lang="en-US" dirty="0"/>
-                    </a:p>
-                  </a:txBody>
-                  <a:tcPr/>
-                </a:tc>
-                <a:tc>
-                  <a:txBody>
-                    <a:bodyPr/>
-                    <a:lstStyle/>
-                    <a:p>
-                      <a:r>
-                        <a:rPr lang="en-US" dirty="0" err="1" smtClean="0">
-                          <a:solidFill>
-                            <a:schemeClr val="tx2">
-                              <a:lumMod val="60000"/>
-                              <a:lumOff val="40000"/>
-                            </a:schemeClr>
-                          </a:solidFill>
-                        </a:rPr>
-                        <a:t>Program|Topic</a:t>
-                      </a:r>
-                      <a:r>
-                        <a:rPr lang="en-US" dirty="0" smtClean="0">
-                          <a:solidFill>
-                            <a:schemeClr val="tx2">
-                              <a:lumMod val="60000"/>
-                              <a:lumOff val="40000"/>
-                            </a:schemeClr>
-                          </a:solidFill>
-                        </a:rPr>
-                        <a:t>!’Arguments’</a:t>
-                      </a:r>
-                      <a:endParaRPr lang="en-US" dirty="0">
-                        <a:solidFill>
-                          <a:schemeClr val="tx2">
-                            <a:lumMod val="60000"/>
-                            <a:lumOff val="40000"/>
-                          </a:schemeClr>
-                        </a:solidFill>
-                      </a:endParaRPr>
-                    </a:p>
-                  </a:txBody>
-                  <a:tcPr/>
-                </a:tc>
-              </a:tr>
-            </a:tbl>
-          </a:graphicData>
-        </a:graphic>
-      </p:graphicFrame>
-    </p:spTree>
-    <p:extLst>
-      <p:ext uri="{BB962C8B-B14F-4D97-AF65-F5344CB8AC3E}">
-        <p14:creationId xmlns:p14="http://schemas.microsoft.com/office/powerpoint/2010/main" val="1755937574"/>
-      </p:ext>
-    </p:extLst>
-  </p:cSld>
-  <p:clrMapOvr>
-    <a:masterClrMapping/>
-  </p:clrMapOvr>
-  <p:timing>
-    <p:tnLst>
-      <p:par>
-        <p:cTn id="1" dur="indefinite" restart="never" nodeType="tmRoot"/>
-      </p:par>
-    </p:tnLst>
-  </p:timing>
-</p:sld>
-</file>
-
-<file path=ppt/slides/slide31.xml><?xml version="1.0" encoding="utf-8"?>
-<p:sld xmlns:a="http://schemas.openxmlformats.org/drawingml/2006/main" xmlns:r="http://schemas.openxmlformats.org/officeDocument/2006/relationships" xmlns:p="http://schemas.openxmlformats.org/presentationml/2006/main">
-  <p:cSld>
-    <p:spTree>
-      <p:nvGrpSpPr>
-        <p:cNvPr id="1" name=""/>
-        <p:cNvGrpSpPr/>
-        <p:nvPr/>
-      </p:nvGrpSpPr>
-      <p:grpSpPr>
-        <a:xfrm>
-          <a:off x="0" y="0"/>
-          <a:ext cx="0" cy="0"/>
-          <a:chOff x="0" y="0"/>
-          <a:chExt cx="0" cy="0"/>
-        </a:xfrm>
-      </p:grpSpPr>
-      <p:sp>
-        <p:nvSpPr>
-          <p:cNvPr id="2" name="Title 1"/>
-          <p:cNvSpPr>
-            <a:spLocks noGrp="1"/>
-          </p:cNvSpPr>
-          <p:nvPr>
-            <p:ph type="title"/>
-          </p:nvPr>
-        </p:nvSpPr>
-        <p:spPr/>
-        <p:txBody>
-          <a:bodyPr/>
-          <a:lstStyle/>
-          <a:p>
-            <a:r>
-              <a:rPr lang="en-US" dirty="0" smtClean="0"/>
-              <a:t>Syntactical analysis: Formula rule</a:t>
-            </a:r>
-            <a:endParaRPr lang="en-US" dirty="0"/>
-          </a:p>
-        </p:txBody>
-      </p:sp>
-      <p:pic>
-        <p:nvPicPr>
-          <p:cNvPr id="10" name="Picture 9"/>
-          <p:cNvPicPr>
-            <a:picLocks noChangeAspect="1"/>
-          </p:cNvPicPr>
-          <p:nvPr/>
-        </p:nvPicPr>
-        <p:blipFill>
-          <a:blip r:embed="rId3">
-            <a:extLst>
-              <a:ext uri="{28A0092B-C50C-407E-A947-70E740481C1C}">
-                <a14:useLocalDpi xmlns:a14="http://schemas.microsoft.com/office/drawing/2010/main" val="0"/>
-              </a:ext>
-            </a:extLst>
-          </a:blip>
-          <a:stretch>
-            <a:fillRect/>
-          </a:stretch>
-        </p:blipFill>
-        <p:spPr>
-          <a:xfrm>
-            <a:off x="838200" y="1447800"/>
-            <a:ext cx="2377440" cy="2340864"/>
-          </a:xfrm>
-          <a:prstGeom prst="rect">
-            <a:avLst/>
-          </a:prstGeom>
-        </p:spPr>
-      </p:pic>
-      <p:graphicFrame>
-        <p:nvGraphicFramePr>
-          <p:cNvPr id="12" name="Table 11"/>
-          <p:cNvGraphicFramePr>
-            <a:graphicFrameLocks noGrp="1"/>
-          </p:cNvGraphicFramePr>
-          <p:nvPr>
-            <p:extLst>
-              <p:ext uri="{D42A27DB-BD31-4B8C-83A1-F6EECF244321}">
-                <p14:modId xmlns:p14="http://schemas.microsoft.com/office/powerpoint/2010/main" val="949780683"/>
-              </p:ext>
-            </p:extLst>
-          </p:nvPr>
-        </p:nvGraphicFramePr>
-        <p:xfrm>
-          <a:off x="3352800" y="1392936"/>
-          <a:ext cx="2209800" cy="2417064"/>
-        </p:xfrm>
-        <a:graphic>
-          <a:graphicData uri="http://schemas.openxmlformats.org/drawingml/2006/table">
-            <a:tbl>
-              <a:tblPr firstRow="1" bandRow="1">
-                <a:tableStyleId>{2D5ABB26-0587-4C30-8999-92F81FD0307C}</a:tableStyleId>
-              </a:tblPr>
-              <a:tblGrid>
-                <a:gridCol w="2209800"/>
-              </a:tblGrid>
-              <a:tr h="402844">
-                <a:tc>
-                  <a:txBody>
-                    <a:bodyPr/>
-                    <a:lstStyle/>
-                    <a:p>
-                      <a:r>
-                        <a:rPr lang="en-US" dirty="0" smtClean="0">
-                          <a:solidFill>
-                            <a:schemeClr val="tx2">
-                              <a:lumMod val="60000"/>
-                              <a:lumOff val="40000"/>
-                            </a:schemeClr>
-                          </a:solidFill>
-                        </a:rPr>
-                        <a:t>=(A1 + 3)</a:t>
-                      </a:r>
-                      <a:endParaRPr lang="en-US" dirty="0">
-                        <a:solidFill>
-                          <a:schemeClr val="tx2">
-                            <a:lumMod val="60000"/>
-                            <a:lumOff val="40000"/>
-                          </a:schemeClr>
-                        </a:solidFill>
-                      </a:endParaRPr>
-                    </a:p>
-                  </a:txBody>
-                  <a:tcPr/>
-                </a:tc>
-              </a:tr>
-              <a:tr h="402844">
-                <a:tc>
-                  <a:txBody>
-                    <a:bodyPr/>
-                    <a:lstStyle/>
-                    <a:p>
-                      <a:r>
-                        <a:rPr lang="en-US" dirty="0" smtClean="0">
-                          <a:solidFill>
-                            <a:schemeClr val="tx2">
-                              <a:lumMod val="60000"/>
-                              <a:lumOff val="40000"/>
-                            </a:schemeClr>
-                          </a:solidFill>
-                        </a:rPr>
-                        <a:t>=Sheet1!B2</a:t>
-                      </a:r>
-                      <a:endParaRPr lang="en-US" dirty="0">
-                        <a:solidFill>
-                          <a:schemeClr val="tx2">
-                            <a:lumMod val="60000"/>
-                            <a:lumOff val="40000"/>
-                          </a:schemeClr>
-                        </a:solidFill>
-                      </a:endParaRPr>
-                    </a:p>
-                  </a:txBody>
-                  <a:tcPr/>
-                </a:tc>
-              </a:tr>
-              <a:tr h="402844">
-                <a:tc>
-                  <a:txBody>
-                    <a:bodyPr/>
-                    <a:lstStyle/>
-                    <a:p>
-                      <a:r>
-                        <a:rPr lang="en-US" dirty="0" smtClean="0">
-                          <a:solidFill>
-                            <a:schemeClr val="tx2">
-                              <a:lumMod val="60000"/>
-                              <a:lumOff val="40000"/>
-                            </a:schemeClr>
-                          </a:solidFill>
-                        </a:rPr>
-                        <a:t>=SUM(A2:B4)</a:t>
-                      </a:r>
-                      <a:endParaRPr lang="en-US" dirty="0">
-                        <a:solidFill>
-                          <a:schemeClr val="tx2">
-                            <a:lumMod val="60000"/>
-                            <a:lumOff val="40000"/>
-                          </a:schemeClr>
-                        </a:solidFill>
-                      </a:endParaRPr>
-                    </a:p>
-                  </a:txBody>
-                  <a:tcPr/>
-                </a:tc>
-              </a:tr>
-              <a:tr h="402844">
-                <a:tc>
-                  <a:txBody>
-                    <a:bodyPr/>
-                    <a:lstStyle/>
-                    <a:p>
-                      <a:r>
-                        <a:rPr lang="en-US" dirty="0" smtClean="0">
-                          <a:solidFill>
-                            <a:schemeClr val="tx2">
-                              <a:lumMod val="60000"/>
-                              <a:lumOff val="40000"/>
-                            </a:schemeClr>
-                          </a:solidFill>
-                        </a:rPr>
-                        <a:t>={2,3;4,5}</a:t>
-                      </a:r>
-                      <a:endParaRPr lang="en-US" dirty="0">
-                        <a:solidFill>
-                          <a:schemeClr val="tx2">
-                            <a:lumMod val="60000"/>
-                            <a:lumOff val="40000"/>
-                          </a:schemeClr>
-                        </a:solidFill>
-                      </a:endParaRPr>
-                    </a:p>
-                  </a:txBody>
-                  <a:tcPr/>
-                </a:tc>
-              </a:tr>
-              <a:tr h="402844">
-                <a:tc>
-                  <a:txBody>
-                    <a:bodyPr/>
-                    <a:lstStyle/>
-                    <a:p>
-                      <a:r>
-                        <a:rPr lang="en-US" dirty="0" smtClean="0">
-                          <a:solidFill>
-                            <a:schemeClr val="tx2">
-                              <a:lumMod val="60000"/>
-                              <a:lumOff val="40000"/>
-                            </a:schemeClr>
-                          </a:solidFill>
-                        </a:rPr>
-                        <a:t>=5</a:t>
-                      </a:r>
-                      <a:endParaRPr lang="en-US" dirty="0">
-                        <a:solidFill>
-                          <a:schemeClr val="tx2">
-                            <a:lumMod val="60000"/>
-                            <a:lumOff val="40000"/>
-                          </a:schemeClr>
-                        </a:solidFill>
-                      </a:endParaRPr>
-                    </a:p>
-                  </a:txBody>
-                  <a:tcPr/>
-                </a:tc>
-              </a:tr>
-              <a:tr h="402844">
-                <a:tc>
-                  <a:txBody>
-                    <a:bodyPr/>
-                    <a:lstStyle/>
-                    <a:p>
-                      <a:r>
-                        <a:rPr lang="en-US" dirty="0" smtClean="0">
-                          <a:solidFill>
-                            <a:schemeClr val="tx2">
-                              <a:lumMod val="60000"/>
-                              <a:lumOff val="40000"/>
-                            </a:schemeClr>
-                          </a:solidFill>
-                        </a:rPr>
-                        <a:t>=_</a:t>
-                      </a:r>
-                      <a:r>
-                        <a:rPr lang="en-US" dirty="0" err="1" smtClean="0">
-                          <a:solidFill>
-                            <a:schemeClr val="tx2">
-                              <a:lumMod val="60000"/>
-                              <a:lumOff val="40000"/>
-                            </a:schemeClr>
-                          </a:solidFill>
-                        </a:rPr>
-                        <a:t>xlnm.Print_Area</a:t>
-                      </a:r>
-                      <a:endParaRPr lang="en-US" dirty="0">
-                        <a:solidFill>
-                          <a:schemeClr val="tx2">
-                            <a:lumMod val="60000"/>
-                            <a:lumOff val="40000"/>
-                          </a:schemeClr>
-                        </a:solidFill>
-                      </a:endParaRPr>
-                    </a:p>
-                  </a:txBody>
-                  <a:tcPr/>
-                </a:tc>
-              </a:tr>
-            </a:tbl>
-          </a:graphicData>
-        </a:graphic>
-      </p:graphicFrame>
-    </p:spTree>
-    <p:extLst>
-      <p:ext uri="{BB962C8B-B14F-4D97-AF65-F5344CB8AC3E}">
-        <p14:creationId xmlns:p14="http://schemas.microsoft.com/office/powerpoint/2010/main" val="674468675"/>
-      </p:ext>
-    </p:extLst>
-  </p:cSld>
-  <p:clrMapOvr>
-    <a:masterClrMapping/>
-  </p:clrMapOvr>
-  <p:timing>
-    <p:tnLst>
-      <p:par>
-        <p:cTn id="1" dur="indefinite" restart="never" nodeType="tmRoot"/>
-      </p:par>
-    </p:tnLst>
-  </p:timing>
-</p:sld>
-</file>
-
-<file path=ppt/slides/slide32.xml><?xml version="1.0" encoding="utf-8"?>
-<p:sld xmlns:a="http://schemas.openxmlformats.org/drawingml/2006/main" xmlns:r="http://schemas.openxmlformats.org/officeDocument/2006/relationships" xmlns:p="http://schemas.openxmlformats.org/presentationml/2006/main">
-  <p:cSld>
-    <p:spTree>
-      <p:nvGrpSpPr>
-        <p:cNvPr id="1" name=""/>
-        <p:cNvGrpSpPr/>
-        <p:nvPr/>
-      </p:nvGrpSpPr>
-      <p:grpSpPr>
-        <a:xfrm>
-          <a:off x="0" y="0"/>
-          <a:ext cx="0" cy="0"/>
-          <a:chOff x="0" y="0"/>
-          <a:chExt cx="0" cy="0"/>
-        </a:xfrm>
-      </p:grpSpPr>
-      <p:sp>
-        <p:nvSpPr>
-          <p:cNvPr id="4" name="Rectangle 3"/>
-          <p:cNvSpPr/>
-          <p:nvPr/>
-        </p:nvSpPr>
-        <p:spPr>
-          <a:xfrm>
-            <a:off x="685800" y="2971800"/>
-            <a:ext cx="2590800" cy="1676400"/>
-          </a:xfrm>
-          <a:prstGeom prst="rect">
-            <a:avLst/>
-          </a:prstGeom>
-        </p:spPr>
-        <p:style>
-          <a:lnRef idx="1">
-            <a:schemeClr val="accent3"/>
-          </a:lnRef>
-          <a:fillRef idx="2">
-            <a:schemeClr val="accent3"/>
-          </a:fillRef>
-          <a:effectRef idx="1">
-            <a:schemeClr val="accent3"/>
-          </a:effectRef>
-          <a:fontRef idx="minor">
-            <a:schemeClr val="dk1"/>
-          </a:fontRef>
-        </p:style>
-        <p:txBody>
-          <a:bodyPr rtlCol="0" anchor="ctr"/>
-          <a:lstStyle/>
-          <a:p>
-            <a:pPr algn="ctr"/>
-            <a:endParaRPr lang="en-US"/>
-          </a:p>
-        </p:txBody>
-      </p:sp>
-      <p:sp>
-        <p:nvSpPr>
-          <p:cNvPr id="2" name="Title 1"/>
-          <p:cNvSpPr>
-            <a:spLocks noGrp="1"/>
-          </p:cNvSpPr>
-          <p:nvPr>
-            <p:ph type="title"/>
-          </p:nvPr>
-        </p:nvSpPr>
-        <p:spPr/>
-        <p:txBody>
-          <a:bodyPr/>
-          <a:lstStyle/>
-          <a:p>
-            <a:r>
-              <a:rPr lang="en-US" dirty="0" smtClean="0"/>
-              <a:t>Syntactical analysis: Formula rule</a:t>
-            </a:r>
-            <a:endParaRPr lang="en-US" dirty="0"/>
-          </a:p>
-        </p:txBody>
-      </p:sp>
-      <p:graphicFrame>
-        <p:nvGraphicFramePr>
-          <p:cNvPr id="12" name="Table 11"/>
-          <p:cNvGraphicFramePr>
-            <a:graphicFrameLocks noGrp="1"/>
-          </p:cNvGraphicFramePr>
-          <p:nvPr>
-            <p:extLst>
-              <p:ext uri="{D42A27DB-BD31-4B8C-83A1-F6EECF244321}">
-                <p14:modId xmlns:p14="http://schemas.microsoft.com/office/powerpoint/2010/main" val="2296564051"/>
-              </p:ext>
-            </p:extLst>
-          </p:nvPr>
-        </p:nvGraphicFramePr>
-        <p:xfrm>
-          <a:off x="3352800" y="2993136"/>
-          <a:ext cx="2209800" cy="2417064"/>
-        </p:xfrm>
-        <a:graphic>
-          <a:graphicData uri="http://schemas.openxmlformats.org/drawingml/2006/table">
-            <a:tbl>
-              <a:tblPr firstRow="1" bandRow="1">
-                <a:tableStyleId>{2D5ABB26-0587-4C30-8999-92F81FD0307C}</a:tableStyleId>
-              </a:tblPr>
-              <a:tblGrid>
-                <a:gridCol w="2209800"/>
-              </a:tblGrid>
-              <a:tr h="402844">
-                <a:tc>
-                  <a:txBody>
-                    <a:bodyPr/>
-                    <a:lstStyle/>
-                    <a:p>
-                      <a:r>
-                        <a:rPr lang="en-US" dirty="0" smtClean="0">
-                          <a:solidFill>
-                            <a:schemeClr val="tx2">
-                              <a:lumMod val="60000"/>
-                              <a:lumOff val="40000"/>
-                            </a:schemeClr>
-                          </a:solidFill>
-                        </a:rPr>
-                        <a:t>=5</a:t>
-                      </a:r>
-                      <a:endParaRPr lang="en-US" dirty="0">
-                        <a:solidFill>
-                          <a:schemeClr val="tx2">
-                            <a:lumMod val="60000"/>
-                            <a:lumOff val="40000"/>
-                          </a:schemeClr>
-                        </a:solidFill>
-                      </a:endParaRPr>
-                    </a:p>
-                  </a:txBody>
-                  <a:tcPr/>
-                </a:tc>
-              </a:tr>
-              <a:tr h="402844">
-                <a:tc>
-                  <a:txBody>
-                    <a:bodyPr/>
-                    <a:lstStyle/>
-                    <a:p>
-                      <a:r>
-                        <a:rPr lang="en-US" dirty="0" smtClean="0">
-                          <a:solidFill>
-                            <a:schemeClr val="tx2">
-                              <a:lumMod val="60000"/>
-                              <a:lumOff val="40000"/>
-                            </a:schemeClr>
-                          </a:solidFill>
-                        </a:rPr>
-                        <a:t>=“String”</a:t>
-                      </a:r>
-                      <a:endParaRPr lang="en-US" dirty="0">
-                        <a:solidFill>
-                          <a:schemeClr val="tx2">
-                            <a:lumMod val="60000"/>
-                            <a:lumOff val="40000"/>
-                          </a:schemeClr>
-                        </a:solidFill>
-                      </a:endParaRPr>
-                    </a:p>
-                  </a:txBody>
-                  <a:tcPr/>
-                </a:tc>
-              </a:tr>
-              <a:tr h="402844">
-                <a:tc>
-                  <a:txBody>
-                    <a:bodyPr/>
-                    <a:lstStyle/>
-                    <a:p>
-                      <a:r>
-                        <a:rPr lang="en-US" dirty="0" smtClean="0">
-                          <a:solidFill>
-                            <a:schemeClr val="tx2">
-                              <a:lumMod val="60000"/>
-                              <a:lumOff val="40000"/>
-                            </a:schemeClr>
-                          </a:solidFill>
-                        </a:rPr>
-                        <a:t>=TRUE</a:t>
-                      </a:r>
-                      <a:endParaRPr lang="en-US" dirty="0">
-                        <a:solidFill>
-                          <a:schemeClr val="tx2">
-                            <a:lumMod val="60000"/>
-                            <a:lumOff val="40000"/>
-                          </a:schemeClr>
-                        </a:solidFill>
-                      </a:endParaRPr>
-                    </a:p>
-                  </a:txBody>
-                  <a:tcPr/>
-                </a:tc>
-              </a:tr>
-              <a:tr h="402844">
-                <a:tc>
-                  <a:txBody>
-                    <a:bodyPr/>
-                    <a:lstStyle/>
-                    <a:p>
-                      <a:r>
-                        <a:rPr lang="en-US" dirty="0" smtClean="0">
-                          <a:solidFill>
-                            <a:schemeClr val="tx2">
-                              <a:lumMod val="60000"/>
-                              <a:lumOff val="40000"/>
-                            </a:schemeClr>
-                          </a:solidFill>
-                        </a:rPr>
-                        <a:t>=#DIV/0!</a:t>
-                      </a:r>
-                      <a:endParaRPr lang="en-US" dirty="0">
-                        <a:solidFill>
-                          <a:schemeClr val="tx2">
-                            <a:lumMod val="60000"/>
-                            <a:lumOff val="40000"/>
-                          </a:schemeClr>
-                        </a:solidFill>
-                      </a:endParaRPr>
-                    </a:p>
-                  </a:txBody>
-                  <a:tcPr/>
-                </a:tc>
-              </a:tr>
-              <a:tr h="402844">
-                <a:tc>
-                  <a:txBody>
-                    <a:bodyPr/>
-                    <a:lstStyle/>
-                    <a:p>
-                      <a:endParaRPr lang="en-US" dirty="0">
-                        <a:solidFill>
-                          <a:schemeClr val="tx2">
-                            <a:lumMod val="60000"/>
-                            <a:lumOff val="40000"/>
-                          </a:schemeClr>
-                        </a:solidFill>
-                      </a:endParaRPr>
-                    </a:p>
-                  </a:txBody>
-                  <a:tcPr/>
-                </a:tc>
-              </a:tr>
-              <a:tr h="402844">
-                <a:tc>
-                  <a:txBody>
-                    <a:bodyPr/>
-                    <a:lstStyle/>
-                    <a:p>
-                      <a:endParaRPr lang="en-US" dirty="0">
-                        <a:solidFill>
-                          <a:schemeClr val="tx2">
-                            <a:lumMod val="60000"/>
-                            <a:lumOff val="40000"/>
-                          </a:schemeClr>
-                        </a:solidFill>
-                      </a:endParaRPr>
-                    </a:p>
-                  </a:txBody>
-                  <a:tcPr/>
-                </a:tc>
-              </a:tr>
-            </a:tbl>
-          </a:graphicData>
-        </a:graphic>
-      </p:graphicFrame>
-      <p:pic>
-        <p:nvPicPr>
-          <p:cNvPr id="3" name="Picture 2"/>
-          <p:cNvPicPr>
-            <a:picLocks noChangeAspect="1"/>
-          </p:cNvPicPr>
-          <p:nvPr/>
-        </p:nvPicPr>
-        <p:blipFill>
-          <a:blip r:embed="rId3">
-            <a:extLst>
-              <a:ext uri="{28A0092B-C50C-407E-A947-70E740481C1C}">
-                <a14:useLocalDpi xmlns:a14="http://schemas.microsoft.com/office/drawing/2010/main" val="0"/>
-              </a:ext>
-            </a:extLst>
-          </a:blip>
-          <a:stretch>
-            <a:fillRect/>
-          </a:stretch>
-        </p:blipFill>
-        <p:spPr>
-          <a:xfrm>
-            <a:off x="838200" y="1447800"/>
-            <a:ext cx="2377440" cy="3547872"/>
-          </a:xfrm>
-          <a:prstGeom prst="rect">
-            <a:avLst/>
-          </a:prstGeom>
-        </p:spPr>
-      </p:pic>
-    </p:spTree>
-    <p:extLst>
-      <p:ext uri="{BB962C8B-B14F-4D97-AF65-F5344CB8AC3E}">
-        <p14:creationId xmlns:p14="http://schemas.microsoft.com/office/powerpoint/2010/main" val="3232416774"/>
-      </p:ext>
-    </p:extLst>
-  </p:cSld>
-  <p:clrMapOvr>
-    <a:masterClrMapping/>
-  </p:clrMapOvr>
-  <p:timing>
-    <p:tnLst>
-      <p:par>
-        <p:cTn id="1" dur="indefinite" restart="never" nodeType="tmRoot"/>
-      </p:par>
-    </p:tnLst>
-  </p:timing>
-</p:sld>
-</file>
-
-<file path=ppt/slides/slide33.xml><?xml version="1.0" encoding="utf-8"?>
-<p:sld xmlns:a="http://schemas.openxmlformats.org/drawingml/2006/main" xmlns:r="http://schemas.openxmlformats.org/officeDocument/2006/relationships" xmlns:p="http://schemas.openxmlformats.org/presentationml/2006/main">
-  <p:cSld>
-    <p:spTree>
-      <p:nvGrpSpPr>
-        <p:cNvPr id="1" name=""/>
-        <p:cNvGrpSpPr/>
-        <p:nvPr/>
-      </p:nvGrpSpPr>
-      <p:grpSpPr>
-        <a:xfrm>
-          <a:off x="0" y="0"/>
-          <a:ext cx="0" cy="0"/>
-          <a:chOff x="0" y="0"/>
-          <a:chExt cx="0" cy="0"/>
-        </a:xfrm>
-      </p:grpSpPr>
-      <p:sp>
-        <p:nvSpPr>
-          <p:cNvPr id="4" name="Rectangle 3"/>
-          <p:cNvSpPr/>
-          <p:nvPr/>
-        </p:nvSpPr>
-        <p:spPr>
-          <a:xfrm>
-            <a:off x="838200" y="2590800"/>
-            <a:ext cx="4389120" cy="3505200"/>
-          </a:xfrm>
-          <a:prstGeom prst="rect">
-            <a:avLst/>
-          </a:prstGeom>
-        </p:spPr>
-        <p:style>
-          <a:lnRef idx="1">
-            <a:schemeClr val="accent3"/>
-          </a:lnRef>
-          <a:fillRef idx="2">
-            <a:schemeClr val="accent3"/>
-          </a:fillRef>
-          <a:effectRef idx="1">
-            <a:schemeClr val="accent3"/>
-          </a:effectRef>
-          <a:fontRef idx="minor">
-            <a:schemeClr val="dk1"/>
-          </a:fontRef>
-        </p:style>
-        <p:txBody>
-          <a:bodyPr rtlCol="0" anchor="ctr"/>
-          <a:lstStyle/>
-          <a:p>
-            <a:pPr algn="ctr"/>
-            <a:endParaRPr lang="en-US"/>
-          </a:p>
-        </p:txBody>
-      </p:sp>
-      <p:sp>
-        <p:nvSpPr>
-          <p:cNvPr id="2" name="Title 1"/>
-          <p:cNvSpPr>
-            <a:spLocks noGrp="1"/>
-          </p:cNvSpPr>
-          <p:nvPr>
-            <p:ph type="title"/>
-          </p:nvPr>
-        </p:nvSpPr>
-        <p:spPr/>
-        <p:txBody>
-          <a:bodyPr/>
-          <a:lstStyle/>
-          <a:p>
-            <a:r>
-              <a:rPr lang="en-US" dirty="0" smtClean="0"/>
-              <a:t>Syntactical analysis: Formula rule</a:t>
-            </a:r>
-            <a:endParaRPr lang="en-US" dirty="0"/>
-          </a:p>
-        </p:txBody>
-      </p:sp>
-      <p:graphicFrame>
-        <p:nvGraphicFramePr>
-          <p:cNvPr id="12" name="Table 11"/>
-          <p:cNvGraphicFramePr>
-            <a:graphicFrameLocks noGrp="1"/>
-          </p:cNvGraphicFramePr>
-          <p:nvPr>
-            <p:extLst>
-              <p:ext uri="{D42A27DB-BD31-4B8C-83A1-F6EECF244321}">
-                <p14:modId xmlns:p14="http://schemas.microsoft.com/office/powerpoint/2010/main" val="3357719961"/>
-              </p:ext>
-            </p:extLst>
-          </p:nvPr>
-        </p:nvGraphicFramePr>
-        <p:xfrm>
-          <a:off x="5486400" y="3429000"/>
-          <a:ext cx="2209800" cy="2417064"/>
-        </p:xfrm>
-        <a:graphic>
-          <a:graphicData uri="http://schemas.openxmlformats.org/drawingml/2006/table">
-            <a:tbl>
-              <a:tblPr firstRow="1" bandRow="1">
-                <a:tableStyleId>{2D5ABB26-0587-4C30-8999-92F81FD0307C}</a:tableStyleId>
-              </a:tblPr>
-              <a:tblGrid>
-                <a:gridCol w="2209800"/>
-              </a:tblGrid>
-              <a:tr h="402844">
-                <a:tc>
-                  <a:txBody>
-                    <a:bodyPr/>
-                    <a:lstStyle/>
-                    <a:p>
-                      <a:r>
-                        <a:rPr lang="en-US" dirty="0" smtClean="0">
-                          <a:solidFill>
-                            <a:schemeClr val="tx2">
-                              <a:lumMod val="60000"/>
-                              <a:lumOff val="40000"/>
-                            </a:schemeClr>
-                          </a:solidFill>
-                        </a:rPr>
-                        <a:t>={1;2;3;4;5}</a:t>
-                      </a:r>
-                      <a:endParaRPr lang="en-US" dirty="0">
-                        <a:solidFill>
-                          <a:schemeClr val="tx2">
-                            <a:lumMod val="60000"/>
-                            <a:lumOff val="40000"/>
-                          </a:schemeClr>
-                        </a:solidFill>
-                      </a:endParaRPr>
-                    </a:p>
-                  </a:txBody>
-                  <a:tcPr/>
-                </a:tc>
-              </a:tr>
-              <a:tr h="402844">
-                <a:tc>
-                  <a:txBody>
-                    <a:bodyPr/>
-                    <a:lstStyle/>
-                    <a:p>
-                      <a:pPr marL="0" marR="0" indent="0" algn="l" defTabSz="914400" rtl="0" eaLnBrk="1" fontAlgn="auto" latinLnBrk="0" hangingPunct="1">
-                        <a:lnSpc>
-                          <a:spcPct val="100000"/>
-                        </a:lnSpc>
-                        <a:spcBef>
-                          <a:spcPts val="0"/>
-                        </a:spcBef>
-                        <a:spcAft>
-                          <a:spcPts val="0"/>
-                        </a:spcAft>
-                        <a:buClrTx/>
-                        <a:buSzTx/>
-                        <a:buFontTx/>
-                        <a:buNone/>
-                        <a:tabLst/>
-                        <a:defRPr/>
-                      </a:pPr>
-                      <a:r>
-                        <a:rPr lang="en-US" dirty="0" smtClean="0">
-                          <a:solidFill>
-                            <a:schemeClr val="tx2">
-                              <a:lumMod val="60000"/>
-                              <a:lumOff val="40000"/>
-                            </a:schemeClr>
-                          </a:solidFill>
-                        </a:rPr>
-                        <a:t>=SUM({1,2,3}*10)</a:t>
-                      </a:r>
-                    </a:p>
-                  </a:txBody>
-                  <a:tcPr/>
-                </a:tc>
-              </a:tr>
-              <a:tr h="402844">
-                <a:tc>
-                  <a:txBody>
-                    <a:bodyPr/>
-                    <a:lstStyle/>
-                    <a:p>
-                      <a:r>
-                        <a:rPr lang="en-US" dirty="0" smtClean="0">
-                          <a:solidFill>
-                            <a:schemeClr val="tx2">
-                              <a:lumMod val="60000"/>
-                              <a:lumOff val="40000"/>
-                            </a:schemeClr>
-                          </a:solidFill>
-                        </a:rPr>
-                        <a:t>={“ONE”,1;”TWO”,2}</a:t>
-                      </a:r>
-                      <a:endParaRPr lang="en-US" dirty="0">
-                        <a:solidFill>
-                          <a:schemeClr val="tx2">
-                            <a:lumMod val="60000"/>
-                            <a:lumOff val="40000"/>
-                          </a:schemeClr>
-                        </a:solidFill>
-                      </a:endParaRPr>
-                    </a:p>
-                  </a:txBody>
-                  <a:tcPr/>
-                </a:tc>
-              </a:tr>
-              <a:tr h="402844">
-                <a:tc>
-                  <a:txBody>
-                    <a:bodyPr/>
-                    <a:lstStyle/>
-                    <a:p>
-                      <a:endParaRPr lang="en-US" dirty="0">
-                        <a:solidFill>
-                          <a:schemeClr val="tx2">
-                            <a:lumMod val="60000"/>
-                            <a:lumOff val="40000"/>
-                          </a:schemeClr>
-                        </a:solidFill>
-                      </a:endParaRPr>
-                    </a:p>
-                  </a:txBody>
-                  <a:tcPr/>
-                </a:tc>
-              </a:tr>
-              <a:tr h="402844">
-                <a:tc>
-                  <a:txBody>
-                    <a:bodyPr/>
-                    <a:lstStyle/>
-                    <a:p>
-                      <a:endParaRPr lang="en-US" dirty="0">
-                        <a:solidFill>
-                          <a:schemeClr val="tx2">
-                            <a:lumMod val="60000"/>
-                            <a:lumOff val="40000"/>
-                          </a:schemeClr>
-                        </a:solidFill>
-                      </a:endParaRPr>
-                    </a:p>
-                  </a:txBody>
-                  <a:tcPr/>
-                </a:tc>
-              </a:tr>
-              <a:tr h="402844">
-                <a:tc>
-                  <a:txBody>
-                    <a:bodyPr/>
-                    <a:lstStyle/>
-                    <a:p>
-                      <a:endParaRPr lang="en-US" dirty="0">
-                        <a:solidFill>
-                          <a:schemeClr val="tx2">
-                            <a:lumMod val="60000"/>
-                            <a:lumOff val="40000"/>
-                          </a:schemeClr>
-                        </a:solidFill>
-                      </a:endParaRPr>
-                    </a:p>
-                  </a:txBody>
-                  <a:tcPr/>
-                </a:tc>
-              </a:tr>
-            </a:tbl>
-          </a:graphicData>
-        </a:graphic>
-      </p:graphicFrame>
-      <p:pic>
-        <p:nvPicPr>
-          <p:cNvPr id="5" name="Picture 4"/>
-          <p:cNvPicPr>
-            <a:picLocks noChangeAspect="1"/>
-          </p:cNvPicPr>
-          <p:nvPr/>
-        </p:nvPicPr>
-        <p:blipFill>
-          <a:blip r:embed="rId3">
-            <a:extLst>
-              <a:ext uri="{28A0092B-C50C-407E-A947-70E740481C1C}">
-                <a14:useLocalDpi xmlns:a14="http://schemas.microsoft.com/office/drawing/2010/main" val="0"/>
-              </a:ext>
-            </a:extLst>
-          </a:blip>
-          <a:stretch>
-            <a:fillRect/>
-          </a:stretch>
-        </p:blipFill>
-        <p:spPr>
-          <a:xfrm>
-            <a:off x="838200" y="1447800"/>
-            <a:ext cx="4389120" cy="5358384"/>
-          </a:xfrm>
-          <a:prstGeom prst="rect">
-            <a:avLst/>
-          </a:prstGeom>
-        </p:spPr>
-      </p:pic>
-    </p:spTree>
-    <p:extLst>
-      <p:ext uri="{BB962C8B-B14F-4D97-AF65-F5344CB8AC3E}">
-        <p14:creationId xmlns:p14="http://schemas.microsoft.com/office/powerpoint/2010/main" val="2610836125"/>
-      </p:ext>
-    </p:extLst>
-  </p:cSld>
-  <p:clrMapOvr>
-    <a:masterClrMapping/>
-  </p:clrMapOvr>
-  <p:timing>
-    <p:tnLst>
-      <p:par>
-        <p:cTn id="1" dur="indefinite" restart="never" nodeType="tmRoot"/>
-      </p:par>
-    </p:tnLst>
-  </p:timing>
-</p:sld>
-</file>
-
-<file path=ppt/slides/slide34.xml><?xml version="1.0" encoding="utf-8"?>
-<p:sld xmlns:a="http://schemas.openxmlformats.org/drawingml/2006/main" xmlns:r="http://schemas.openxmlformats.org/officeDocument/2006/relationships" xmlns:p="http://schemas.openxmlformats.org/presentationml/2006/main">
-  <p:cSld>
-    <p:spTree>
-      <p:nvGrpSpPr>
-        <p:cNvPr id="1" name=""/>
-        <p:cNvGrpSpPr/>
-        <p:nvPr/>
-      </p:nvGrpSpPr>
-      <p:grpSpPr>
-        <a:xfrm>
-          <a:off x="0" y="0"/>
-          <a:ext cx="0" cy="0"/>
-          <a:chOff x="0" y="0"/>
-          <a:chExt cx="0" cy="0"/>
-        </a:xfrm>
-      </p:grpSpPr>
-      <p:sp>
-        <p:nvSpPr>
-          <p:cNvPr id="4" name="Rectangle 3"/>
-          <p:cNvSpPr/>
-          <p:nvPr/>
-        </p:nvSpPr>
-        <p:spPr>
-          <a:xfrm>
-            <a:off x="829340" y="2209800"/>
-            <a:ext cx="4160236" cy="3200400"/>
-          </a:xfrm>
-          <a:prstGeom prst="rect">
-            <a:avLst/>
-          </a:prstGeom>
-        </p:spPr>
-        <p:style>
-          <a:lnRef idx="1">
-            <a:schemeClr val="accent3"/>
-          </a:lnRef>
-          <a:fillRef idx="2">
-            <a:schemeClr val="accent3"/>
-          </a:fillRef>
-          <a:effectRef idx="1">
-            <a:schemeClr val="accent3"/>
-          </a:effectRef>
-          <a:fontRef idx="minor">
-            <a:schemeClr val="dk1"/>
-          </a:fontRef>
-        </p:style>
-        <p:txBody>
-          <a:bodyPr rtlCol="0" anchor="ctr"/>
-          <a:lstStyle/>
-          <a:p>
-            <a:pPr algn="ctr"/>
-            <a:endParaRPr lang="en-US"/>
-          </a:p>
-        </p:txBody>
-      </p:sp>
-      <p:sp>
-        <p:nvSpPr>
-          <p:cNvPr id="2" name="Title 1"/>
-          <p:cNvSpPr>
-            <a:spLocks noGrp="1"/>
-          </p:cNvSpPr>
-          <p:nvPr>
-            <p:ph type="title"/>
-          </p:nvPr>
-        </p:nvSpPr>
-        <p:spPr/>
-        <p:txBody>
-          <a:bodyPr/>
-          <a:lstStyle/>
-          <a:p>
-            <a:r>
-              <a:rPr lang="en-US" dirty="0" smtClean="0"/>
-              <a:t>Syntactical analysis: Formula rule</a:t>
-            </a:r>
-            <a:endParaRPr lang="en-US" dirty="0"/>
-          </a:p>
-        </p:txBody>
-      </p:sp>
-      <p:graphicFrame>
-        <p:nvGraphicFramePr>
-          <p:cNvPr id="12" name="Table 11"/>
-          <p:cNvGraphicFramePr>
-            <a:graphicFrameLocks noGrp="1"/>
-          </p:cNvGraphicFramePr>
-          <p:nvPr>
-            <p:extLst>
-              <p:ext uri="{D42A27DB-BD31-4B8C-83A1-F6EECF244321}">
-                <p14:modId xmlns:p14="http://schemas.microsoft.com/office/powerpoint/2010/main" val="1083646753"/>
-              </p:ext>
-            </p:extLst>
-          </p:nvPr>
-        </p:nvGraphicFramePr>
-        <p:xfrm>
-          <a:off x="5105400" y="2286000"/>
-          <a:ext cx="2209800" cy="2895600"/>
-        </p:xfrm>
-        <a:graphic>
-          <a:graphicData uri="http://schemas.openxmlformats.org/drawingml/2006/table">
-            <a:tbl>
-              <a:tblPr firstRow="1" bandRow="1">
-                <a:tableStyleId>{2D5ABB26-0587-4C30-8999-92F81FD0307C}</a:tableStyleId>
-              </a:tblPr>
-              <a:tblGrid>
-                <a:gridCol w="2209800"/>
-              </a:tblGrid>
-              <a:tr h="482600">
-                <a:tc>
-                  <a:txBody>
-                    <a:bodyPr/>
-                    <a:lstStyle/>
-                    <a:p>
-                      <a:r>
-                        <a:rPr lang="en-US" dirty="0" smtClean="0">
-                          <a:solidFill>
-                            <a:schemeClr val="tx2">
-                              <a:lumMod val="60000"/>
-                              <a:lumOff val="40000"/>
-                            </a:schemeClr>
-                          </a:solidFill>
-                        </a:rPr>
-                        <a:t>=SUM(A1,A5)</a:t>
-                      </a:r>
-                      <a:endParaRPr lang="en-US" dirty="0">
-                        <a:solidFill>
-                          <a:schemeClr val="tx2">
-                            <a:lumMod val="60000"/>
-                            <a:lumOff val="40000"/>
-                          </a:schemeClr>
-                        </a:solidFill>
-                      </a:endParaRPr>
-                    </a:p>
-                  </a:txBody>
-                  <a:tcPr/>
-                </a:tc>
-              </a:tr>
-              <a:tr h="482600">
-                <a:tc>
-                  <a:txBody>
-                    <a:bodyPr/>
-                    <a:lstStyle/>
-                    <a:p>
-                      <a:pPr marL="0" marR="0" indent="0" algn="l" defTabSz="914400" rtl="0" eaLnBrk="1" fontAlgn="auto" latinLnBrk="0" hangingPunct="1">
-                        <a:lnSpc>
-                          <a:spcPct val="100000"/>
-                        </a:lnSpc>
-                        <a:spcBef>
-                          <a:spcPts val="0"/>
-                        </a:spcBef>
-                        <a:spcAft>
-                          <a:spcPts val="0"/>
-                        </a:spcAft>
-                        <a:buClrTx/>
-                        <a:buSzTx/>
-                        <a:buFontTx/>
-                        <a:buNone/>
-                        <a:tabLst/>
-                        <a:defRPr/>
-                      </a:pPr>
-                      <a:r>
-                        <a:rPr lang="en-US" dirty="0" smtClean="0">
-                          <a:solidFill>
-                            <a:schemeClr val="tx2">
-                              <a:lumMod val="60000"/>
-                              <a:lumOff val="40000"/>
-                            </a:schemeClr>
-                          </a:solidFill>
-                        </a:rPr>
-                        <a:t>=SUM(,,A2)</a:t>
-                      </a:r>
-                    </a:p>
-                  </a:txBody>
-                  <a:tcPr/>
-                </a:tc>
-              </a:tr>
-              <a:tr h="482600">
-                <a:tc>
-                  <a:txBody>
-                    <a:bodyPr/>
-                    <a:lstStyle/>
-                    <a:p>
-                      <a:r>
-                        <a:rPr lang="en-US" dirty="0" smtClean="0">
-                          <a:solidFill>
-                            <a:schemeClr val="tx2">
-                              <a:lumMod val="60000"/>
-                              <a:lumOff val="40000"/>
-                            </a:schemeClr>
-                          </a:solidFill>
-                        </a:rPr>
-                        <a:t>=5%</a:t>
-                      </a:r>
-                      <a:endParaRPr lang="en-US" dirty="0">
-                        <a:solidFill>
-                          <a:schemeClr val="tx2">
-                            <a:lumMod val="60000"/>
-                            <a:lumOff val="40000"/>
-                          </a:schemeClr>
-                        </a:solidFill>
-                      </a:endParaRPr>
-                    </a:p>
-                  </a:txBody>
-                  <a:tcPr/>
-                </a:tc>
-              </a:tr>
-              <a:tr h="482600">
-                <a:tc>
-                  <a:txBody>
-                    <a:bodyPr/>
-                    <a:lstStyle/>
-                    <a:p>
-                      <a:endParaRPr lang="en-US" dirty="0">
-                        <a:solidFill>
-                          <a:schemeClr val="tx2">
-                            <a:lumMod val="60000"/>
-                            <a:lumOff val="40000"/>
-                          </a:schemeClr>
-                        </a:solidFill>
-                      </a:endParaRPr>
-                    </a:p>
-                  </a:txBody>
-                  <a:tcPr/>
-                </a:tc>
-              </a:tr>
-              <a:tr h="482600">
-                <a:tc>
-                  <a:txBody>
-                    <a:bodyPr/>
-                    <a:lstStyle/>
-                    <a:p>
-                      <a:r>
-                        <a:rPr lang="en-US" dirty="0" smtClean="0">
-                          <a:solidFill>
-                            <a:schemeClr val="tx2">
-                              <a:lumMod val="60000"/>
-                              <a:lumOff val="40000"/>
-                            </a:schemeClr>
-                          </a:solidFill>
-                        </a:rPr>
-                        <a:t>=5+A3</a:t>
-                      </a:r>
-                      <a:endParaRPr lang="en-US" dirty="0">
-                        <a:solidFill>
-                          <a:schemeClr val="tx2">
-                            <a:lumMod val="60000"/>
-                            <a:lumOff val="40000"/>
-                          </a:schemeClr>
-                        </a:solidFill>
-                      </a:endParaRPr>
-                    </a:p>
-                  </a:txBody>
-                  <a:tcPr/>
-                </a:tc>
-              </a:tr>
-              <a:tr h="482600">
-                <a:tc>
-                  <a:txBody>
-                    <a:bodyPr/>
-                    <a:lstStyle/>
-                    <a:p>
-                      <a:r>
-                        <a:rPr lang="en-US" dirty="0" smtClean="0">
-                          <a:solidFill>
-                            <a:schemeClr val="tx2">
-                              <a:lumMod val="60000"/>
-                              <a:lumOff val="40000"/>
-                            </a:schemeClr>
-                          </a:solidFill>
-                        </a:rPr>
-                        <a:t>=A4&gt;=A5</a:t>
-                      </a:r>
-                      <a:endParaRPr lang="en-US" dirty="0">
-                        <a:solidFill>
-                          <a:schemeClr val="tx2">
-                            <a:lumMod val="60000"/>
-                            <a:lumOff val="40000"/>
-                          </a:schemeClr>
-                        </a:solidFill>
-                      </a:endParaRPr>
-                    </a:p>
-                  </a:txBody>
-                  <a:tcPr/>
-                </a:tc>
-              </a:tr>
-            </a:tbl>
-          </a:graphicData>
-        </a:graphic>
-      </p:graphicFrame>
-      <p:pic>
-        <p:nvPicPr>
-          <p:cNvPr id="3" name="Picture 2"/>
-          <p:cNvPicPr>
-            <a:picLocks noChangeAspect="1"/>
-          </p:cNvPicPr>
-          <p:nvPr/>
-        </p:nvPicPr>
-        <p:blipFill>
-          <a:blip r:embed="rId3">
-            <a:extLst>
-              <a:ext uri="{28A0092B-C50C-407E-A947-70E740481C1C}">
-                <a14:useLocalDpi xmlns:a14="http://schemas.microsoft.com/office/drawing/2010/main" val="0"/>
-              </a:ext>
-            </a:extLst>
-          </a:blip>
-          <a:stretch>
-            <a:fillRect/>
-          </a:stretch>
-        </p:blipFill>
-        <p:spPr>
-          <a:xfrm>
-            <a:off x="838200" y="1447800"/>
-            <a:ext cx="4151376" cy="5157216"/>
-          </a:xfrm>
-          <a:prstGeom prst="rect">
-            <a:avLst/>
-          </a:prstGeom>
-        </p:spPr>
-      </p:pic>
-    </p:spTree>
-    <p:extLst>
-      <p:ext uri="{BB962C8B-B14F-4D97-AF65-F5344CB8AC3E}">
-        <p14:creationId xmlns:p14="http://schemas.microsoft.com/office/powerpoint/2010/main" val="2532551588"/>
-      </p:ext>
-    </p:extLst>
-  </p:cSld>
-  <p:clrMapOvr>
-    <a:masterClrMapping/>
-  </p:clrMapOvr>
-  <p:timing>
-    <p:tnLst>
-      <p:par>
-        <p:cTn id="1" dur="indefinite" restart="never" nodeType="tmRoot"/>
-      </p:par>
-    </p:tnLst>
-  </p:timing>
-</p:sld>
-</file>
-
-<file path=ppt/slides/slide35.xml><?xml version="1.0" encoding="utf-8"?>
-<p:sld xmlns:a="http://schemas.openxmlformats.org/drawingml/2006/main" xmlns:r="http://schemas.openxmlformats.org/officeDocument/2006/relationships" xmlns:p="http://schemas.openxmlformats.org/presentationml/2006/main">
-  <p:cSld>
-    <p:spTree>
-      <p:nvGrpSpPr>
-        <p:cNvPr id="1" name=""/>
-        <p:cNvGrpSpPr/>
-        <p:nvPr/>
-      </p:nvGrpSpPr>
-      <p:grpSpPr>
-        <a:xfrm>
-          <a:off x="0" y="0"/>
-          <a:ext cx="0" cy="0"/>
-          <a:chOff x="0" y="0"/>
-          <a:chExt cx="0" cy="0"/>
-        </a:xfrm>
-      </p:grpSpPr>
-      <p:sp>
-        <p:nvSpPr>
-          <p:cNvPr id="2" name="Title 1"/>
-          <p:cNvSpPr>
-            <a:spLocks noGrp="1"/>
-          </p:cNvSpPr>
-          <p:nvPr>
-            <p:ph type="title"/>
-          </p:nvPr>
-        </p:nvSpPr>
-        <p:spPr/>
-        <p:txBody>
-          <a:bodyPr/>
-          <a:lstStyle/>
-          <a:p>
-            <a:r>
-              <a:rPr lang="en-US" dirty="0" smtClean="0"/>
-              <a:t>Syntactical analysis: Reference rule</a:t>
-            </a:r>
-            <a:endParaRPr lang="en-US" dirty="0"/>
-          </a:p>
-        </p:txBody>
-      </p:sp>
-      <p:graphicFrame>
-        <p:nvGraphicFramePr>
-          <p:cNvPr id="12" name="Table 11"/>
-          <p:cNvGraphicFramePr>
-            <a:graphicFrameLocks noGrp="1"/>
-          </p:cNvGraphicFramePr>
-          <p:nvPr>
-            <p:extLst>
-              <p:ext uri="{D42A27DB-BD31-4B8C-83A1-F6EECF244321}">
-                <p14:modId xmlns:p14="http://schemas.microsoft.com/office/powerpoint/2010/main" val="1602874744"/>
-              </p:ext>
-            </p:extLst>
-          </p:nvPr>
-        </p:nvGraphicFramePr>
-        <p:xfrm>
-          <a:off x="3733800" y="1371600"/>
-          <a:ext cx="3124200" cy="1905000"/>
-        </p:xfrm>
-        <a:graphic>
-          <a:graphicData uri="http://schemas.openxmlformats.org/drawingml/2006/table">
-            <a:tbl>
-              <a:tblPr firstRow="1" bandRow="1">
-                <a:tableStyleId>{2D5ABB26-0587-4C30-8999-92F81FD0307C}</a:tableStyleId>
-              </a:tblPr>
-              <a:tblGrid>
-                <a:gridCol w="3124200"/>
-              </a:tblGrid>
-              <a:tr h="476250">
-                <a:tc>
-                  <a:txBody>
-                    <a:bodyPr/>
-                    <a:lstStyle/>
-                    <a:p>
-                      <a:r>
-                        <a:rPr lang="en-US" dirty="0" smtClean="0">
-                          <a:solidFill>
-                            <a:schemeClr val="tx2">
-                              <a:lumMod val="60000"/>
-                              <a:lumOff val="40000"/>
-                            </a:schemeClr>
-                          </a:solidFill>
-                        </a:rPr>
-                        <a:t>=(A1)</a:t>
-                      </a:r>
-                      <a:endParaRPr lang="en-US" dirty="0">
-                        <a:solidFill>
-                          <a:schemeClr val="tx2">
-                            <a:lumMod val="60000"/>
-                            <a:lumOff val="40000"/>
-                          </a:schemeClr>
-                        </a:solidFill>
-                      </a:endParaRPr>
-                    </a:p>
-                  </a:txBody>
-                  <a:tcPr/>
-                </a:tc>
-              </a:tr>
-              <a:tr h="476250">
-                <a:tc>
-                  <a:txBody>
-                    <a:bodyPr/>
-                    <a:lstStyle/>
-                    <a:p>
-                      <a:pPr marL="0" marR="0" indent="0" algn="l" defTabSz="914400" rtl="0" eaLnBrk="1" fontAlgn="auto" latinLnBrk="0" hangingPunct="1">
-                        <a:lnSpc>
-                          <a:spcPct val="100000"/>
-                        </a:lnSpc>
-                        <a:spcBef>
-                          <a:spcPts val="0"/>
-                        </a:spcBef>
-                        <a:spcAft>
-                          <a:spcPts val="0"/>
-                        </a:spcAft>
-                        <a:buClrTx/>
-                        <a:buSzTx/>
-                        <a:buFontTx/>
-                        <a:buNone/>
-                        <a:tabLst/>
-                        <a:defRPr/>
-                      </a:pPr>
-                      <a:r>
-                        <a:rPr lang="en-US" dirty="0" smtClean="0">
-                          <a:solidFill>
-                            <a:schemeClr val="tx2">
-                              <a:lumMod val="60000"/>
-                              <a:lumOff val="40000"/>
-                            </a:schemeClr>
-                          </a:solidFill>
-                        </a:rPr>
-                        <a:t>=Sheet1!A1</a:t>
-                      </a:r>
-                    </a:p>
-                  </a:txBody>
-                  <a:tcPr/>
-                </a:tc>
-              </a:tr>
-              <a:tr h="476250">
-                <a:tc>
-                  <a:txBody>
-                    <a:bodyPr/>
-                    <a:lstStyle/>
-                    <a:p>
-                      <a:r>
-                        <a:rPr lang="en-US" dirty="0" smtClean="0">
-                          <a:solidFill>
-                            <a:schemeClr val="tx2">
-                              <a:lumMod val="60000"/>
-                              <a:lumOff val="40000"/>
-                            </a:schemeClr>
-                          </a:solidFill>
-                        </a:rPr>
-                        <a:t>=INDEX(A1:A10,5)</a:t>
-                      </a:r>
-                      <a:endParaRPr lang="en-US" dirty="0">
-                        <a:solidFill>
-                          <a:schemeClr val="tx2">
-                            <a:lumMod val="60000"/>
-                            <a:lumOff val="40000"/>
-                          </a:schemeClr>
-                        </a:solidFill>
-                      </a:endParaRPr>
-                    </a:p>
-                  </a:txBody>
-                  <a:tcPr/>
-                </a:tc>
-              </a:tr>
-              <a:tr h="476250">
-                <a:tc>
-                  <a:txBody>
-                    <a:bodyPr/>
-                    <a:lstStyle/>
-                    <a:p>
-                      <a:pPr marL="0" marR="0" indent="0" algn="l" defTabSz="914400" rtl="0" eaLnBrk="1" fontAlgn="auto" latinLnBrk="0" hangingPunct="1">
-                        <a:lnSpc>
-                          <a:spcPct val="100000"/>
-                        </a:lnSpc>
-                        <a:spcBef>
-                          <a:spcPts val="0"/>
-                        </a:spcBef>
-                        <a:spcAft>
-                          <a:spcPts val="0"/>
-                        </a:spcAft>
-                        <a:buClrTx/>
-                        <a:buSzTx/>
-                        <a:buFontTx/>
-                        <a:buNone/>
-                        <a:tabLst/>
-                        <a:defRPr/>
-                      </a:pPr>
-                      <a:r>
-                        <a:rPr lang="en-US" dirty="0" err="1" smtClean="0">
-                          <a:solidFill>
-                            <a:schemeClr val="tx2">
-                              <a:lumMod val="60000"/>
-                              <a:lumOff val="40000"/>
-                            </a:schemeClr>
-                          </a:solidFill>
-                        </a:rPr>
-                        <a:t>Program|Topic</a:t>
-                      </a:r>
-                      <a:r>
-                        <a:rPr lang="en-US" dirty="0" smtClean="0">
-                          <a:solidFill>
-                            <a:schemeClr val="tx2">
-                              <a:lumMod val="60000"/>
-                              <a:lumOff val="40000"/>
-                            </a:schemeClr>
-                          </a:solidFill>
-                        </a:rPr>
-                        <a:t>!’Arguments’</a:t>
-                      </a:r>
-                    </a:p>
-                  </a:txBody>
-                  <a:tcPr/>
-                </a:tc>
-              </a:tr>
-            </a:tbl>
-          </a:graphicData>
-        </a:graphic>
-      </p:graphicFrame>
-      <p:pic>
-        <p:nvPicPr>
-          <p:cNvPr id="5" name="Picture 4"/>
-          <p:cNvPicPr>
-            <a:picLocks noChangeAspect="1"/>
-          </p:cNvPicPr>
-          <p:nvPr/>
-        </p:nvPicPr>
-        <p:blipFill>
-          <a:blip r:embed="rId3">
-            <a:extLst>
-              <a:ext uri="{28A0092B-C50C-407E-A947-70E740481C1C}">
-                <a14:useLocalDpi xmlns:a14="http://schemas.microsoft.com/office/drawing/2010/main" val="0"/>
-              </a:ext>
-            </a:extLst>
-          </a:blip>
-          <a:stretch>
-            <a:fillRect/>
-          </a:stretch>
-        </p:blipFill>
-        <p:spPr>
-          <a:xfrm>
-            <a:off x="609600" y="1447800"/>
-            <a:ext cx="2962656" cy="1737360"/>
-          </a:xfrm>
-          <a:prstGeom prst="rect">
-            <a:avLst/>
-          </a:prstGeom>
-        </p:spPr>
-      </p:pic>
-    </p:spTree>
-    <p:extLst>
-      <p:ext uri="{BB962C8B-B14F-4D97-AF65-F5344CB8AC3E}">
-        <p14:creationId xmlns:p14="http://schemas.microsoft.com/office/powerpoint/2010/main" val="2770178995"/>
-      </p:ext>
-    </p:extLst>
-  </p:cSld>
-  <p:clrMapOvr>
-    <a:masterClrMapping/>
-  </p:clrMapOvr>
-  <p:timing>
-    <p:tnLst>
-      <p:par>
-        <p:cTn id="1" dur="indefinite" restart="never" nodeType="tmRoot"/>
-      </p:par>
-    </p:tnLst>
-  </p:timing>
-</p:sld>
-</file>
-
-<file path=ppt/slides/slide36.xml><?xml version="1.0" encoding="utf-8"?>
-<p:sld xmlns:a="http://schemas.openxmlformats.org/drawingml/2006/main" xmlns:r="http://schemas.openxmlformats.org/officeDocument/2006/relationships" xmlns:p="http://schemas.openxmlformats.org/presentationml/2006/main">
-  <p:cSld>
-    <p:spTree>
-      <p:nvGrpSpPr>
-        <p:cNvPr id="1" name=""/>
-        <p:cNvGrpSpPr/>
-        <p:nvPr/>
-      </p:nvGrpSpPr>
-      <p:grpSpPr>
-        <a:xfrm>
-          <a:off x="0" y="0"/>
-          <a:ext cx="0" cy="0"/>
-          <a:chOff x="0" y="0"/>
-          <a:chExt cx="0" cy="0"/>
-        </a:xfrm>
-      </p:grpSpPr>
-      <p:sp>
-        <p:nvSpPr>
-          <p:cNvPr id="4" name="Rectangle 3"/>
-          <p:cNvSpPr/>
-          <p:nvPr/>
-        </p:nvSpPr>
-        <p:spPr>
-          <a:xfrm>
-            <a:off x="685800" y="1802360"/>
-            <a:ext cx="6172200" cy="2464840"/>
-          </a:xfrm>
-          <a:prstGeom prst="rect">
-            <a:avLst/>
-          </a:prstGeom>
-        </p:spPr>
-        <p:style>
-          <a:lnRef idx="1">
-            <a:schemeClr val="accent3"/>
-          </a:lnRef>
-          <a:fillRef idx="2">
-            <a:schemeClr val="accent3"/>
-          </a:fillRef>
-          <a:effectRef idx="1">
-            <a:schemeClr val="accent3"/>
-          </a:effectRef>
-          <a:fontRef idx="minor">
-            <a:schemeClr val="dk1"/>
-          </a:fontRef>
-        </p:style>
-        <p:txBody>
-          <a:bodyPr rtlCol="0" anchor="ctr"/>
-          <a:lstStyle/>
-          <a:p>
-            <a:pPr algn="ctr"/>
-            <a:endParaRPr lang="en-US"/>
-          </a:p>
-        </p:txBody>
-      </p:sp>
-      <p:pic>
-        <p:nvPicPr>
-          <p:cNvPr id="5" name="Picture 4"/>
-          <p:cNvPicPr>
-            <a:picLocks noChangeAspect="1"/>
-          </p:cNvPicPr>
-          <p:nvPr/>
-        </p:nvPicPr>
-        <p:blipFill>
-          <a:blip r:embed="rId3">
-            <a:extLst>
-              <a:ext uri="{28A0092B-C50C-407E-A947-70E740481C1C}">
-                <a14:useLocalDpi xmlns:a14="http://schemas.microsoft.com/office/drawing/2010/main" val="0"/>
-              </a:ext>
-            </a:extLst>
-          </a:blip>
-          <a:stretch>
-            <a:fillRect/>
-          </a:stretch>
-        </p:blipFill>
-        <p:spPr>
-          <a:xfrm>
-            <a:off x="609600" y="1447800"/>
-            <a:ext cx="6364224" cy="3547872"/>
-          </a:xfrm>
-          <a:prstGeom prst="rect">
-            <a:avLst/>
-          </a:prstGeom>
-        </p:spPr>
-      </p:pic>
-      <p:sp>
-        <p:nvSpPr>
-          <p:cNvPr id="2" name="Title 1"/>
-          <p:cNvSpPr>
-            <a:spLocks noGrp="1"/>
-          </p:cNvSpPr>
-          <p:nvPr>
-            <p:ph type="title"/>
-          </p:nvPr>
-        </p:nvSpPr>
-        <p:spPr/>
-        <p:txBody>
-          <a:bodyPr/>
-          <a:lstStyle/>
-          <a:p>
-            <a:r>
-              <a:rPr lang="en-US" dirty="0" smtClean="0"/>
-              <a:t>Syntactical analysis: Reference rule</a:t>
-            </a:r>
-            <a:endParaRPr lang="en-US" dirty="0"/>
-          </a:p>
-        </p:txBody>
-      </p:sp>
-      <p:graphicFrame>
-        <p:nvGraphicFramePr>
-          <p:cNvPr id="12" name="Table 11"/>
-          <p:cNvGraphicFramePr>
-            <a:graphicFrameLocks noGrp="1"/>
-          </p:cNvGraphicFramePr>
-          <p:nvPr>
-            <p:extLst>
-              <p:ext uri="{D42A27DB-BD31-4B8C-83A1-F6EECF244321}">
-                <p14:modId xmlns:p14="http://schemas.microsoft.com/office/powerpoint/2010/main" val="25002952"/>
-              </p:ext>
-            </p:extLst>
-          </p:nvPr>
-        </p:nvGraphicFramePr>
-        <p:xfrm>
-          <a:off x="6894576" y="1802360"/>
-          <a:ext cx="2325624" cy="2464842"/>
-        </p:xfrm>
-        <a:graphic>
-          <a:graphicData uri="http://schemas.openxmlformats.org/drawingml/2006/table">
-            <a:tbl>
-              <a:tblPr firstRow="1" bandRow="1">
-                <a:tableStyleId>{2D5ABB26-0587-4C30-8999-92F81FD0307C}</a:tableStyleId>
-              </a:tblPr>
-              <a:tblGrid>
-                <a:gridCol w="2325624"/>
-              </a:tblGrid>
-              <a:tr h="410807">
-                <a:tc>
-                  <a:txBody>
-                    <a:bodyPr/>
-                    <a:lstStyle/>
-                    <a:p>
-                      <a:r>
-                        <a:rPr lang="en-US" dirty="0" smtClean="0">
-                          <a:solidFill>
-                            <a:schemeClr val="tx2">
-                              <a:lumMod val="60000"/>
-                              <a:lumOff val="40000"/>
-                            </a:schemeClr>
-                          </a:solidFill>
-                        </a:rPr>
-                        <a:t>=Sh1:Sh4!A3</a:t>
-                      </a:r>
-                      <a:endParaRPr lang="en-US" dirty="0">
-                        <a:solidFill>
-                          <a:schemeClr val="tx2">
-                            <a:lumMod val="60000"/>
-                            <a:lumOff val="40000"/>
-                          </a:schemeClr>
-                        </a:solidFill>
-                      </a:endParaRPr>
-                    </a:p>
-                  </a:txBody>
-                  <a:tcPr/>
-                </a:tc>
-              </a:tr>
-              <a:tr h="410807">
-                <a:tc>
-                  <a:txBody>
-                    <a:bodyPr/>
-                    <a:lstStyle/>
-                    <a:p>
-                      <a:pPr marL="0" marR="0" indent="0" algn="l" defTabSz="914400" rtl="0" eaLnBrk="1" fontAlgn="auto" latinLnBrk="0" hangingPunct="1">
-                        <a:lnSpc>
-                          <a:spcPct val="100000"/>
-                        </a:lnSpc>
-                        <a:spcBef>
-                          <a:spcPts val="0"/>
-                        </a:spcBef>
-                        <a:spcAft>
-                          <a:spcPts val="0"/>
-                        </a:spcAft>
-                        <a:buClrTx/>
-                        <a:buSzTx/>
-                        <a:buFontTx/>
-                        <a:buNone/>
-                        <a:tabLst/>
-                        <a:defRPr/>
-                      </a:pPr>
-                      <a:r>
-                        <a:rPr lang="en-US" dirty="0" smtClean="0">
-                          <a:solidFill>
-                            <a:schemeClr val="tx2">
-                              <a:lumMod val="60000"/>
-                              <a:lumOff val="40000"/>
-                            </a:schemeClr>
-                          </a:solidFill>
-                        </a:rPr>
-                        <a:t>=[1]</a:t>
-                      </a:r>
-                      <a:r>
-                        <a:rPr lang="en-US" dirty="0" err="1" smtClean="0">
-                          <a:solidFill>
-                            <a:schemeClr val="tx2">
-                              <a:lumMod val="60000"/>
-                              <a:lumOff val="40000"/>
-                            </a:schemeClr>
-                          </a:solidFill>
-                        </a:rPr>
-                        <a:t>namedRange</a:t>
-                      </a:r>
-                      <a:endParaRPr lang="en-US" dirty="0" smtClean="0">
-                        <a:solidFill>
-                          <a:schemeClr val="tx2">
-                            <a:lumMod val="60000"/>
-                            <a:lumOff val="40000"/>
-                          </a:schemeClr>
-                        </a:solidFill>
-                      </a:endParaRPr>
-                    </a:p>
-                  </a:txBody>
-                  <a:tcPr/>
-                </a:tc>
-              </a:tr>
-              <a:tr h="410807">
-                <a:tc>
-                  <a:txBody>
-                    <a:bodyPr/>
-                    <a:lstStyle/>
-                    <a:p>
-                      <a:r>
-                        <a:rPr lang="en-US" dirty="0" smtClean="0">
-                          <a:solidFill>
-                            <a:schemeClr val="tx2">
-                              <a:lumMod val="60000"/>
-                              <a:lumOff val="40000"/>
-                            </a:schemeClr>
-                          </a:solidFill>
-                        </a:rPr>
-                        <a:t>=C:$D</a:t>
-                      </a:r>
-                      <a:endParaRPr lang="en-US" dirty="0">
-                        <a:solidFill>
-                          <a:schemeClr val="tx2">
-                            <a:lumMod val="60000"/>
-                            <a:lumOff val="40000"/>
-                          </a:schemeClr>
-                        </a:solidFill>
-                      </a:endParaRPr>
-                    </a:p>
-                  </a:txBody>
-                  <a:tcPr/>
-                </a:tc>
-              </a:tr>
-              <a:tr h="410807">
-                <a:tc>
-                  <a:txBody>
-                    <a:bodyPr/>
-                    <a:lstStyle/>
-                    <a:p>
-                      <a:r>
-                        <a:rPr lang="en-US" dirty="0" smtClean="0">
-                          <a:solidFill>
-                            <a:schemeClr val="tx2">
-                              <a:lumMod val="60000"/>
-                              <a:lumOff val="40000"/>
-                            </a:schemeClr>
-                          </a:solidFill>
-                        </a:rPr>
-                        <a:t>=Sheet2!3:$4</a:t>
-                      </a:r>
-                      <a:endParaRPr lang="en-US" dirty="0">
-                        <a:solidFill>
-                          <a:schemeClr val="tx2">
-                            <a:lumMod val="60000"/>
-                            <a:lumOff val="40000"/>
-                          </a:schemeClr>
-                        </a:solidFill>
-                      </a:endParaRPr>
-                    </a:p>
-                  </a:txBody>
-                  <a:tcPr/>
-                </a:tc>
-              </a:tr>
-              <a:tr h="410807">
-                <a:tc>
-                  <a:txBody>
-                    <a:bodyPr/>
-                    <a:lstStyle/>
-                    <a:p>
-                      <a:r>
-                        <a:rPr lang="en-US" dirty="0" smtClean="0">
-                          <a:solidFill>
-                            <a:schemeClr val="tx2">
-                              <a:lumMod val="60000"/>
-                              <a:lumOff val="40000"/>
-                            </a:schemeClr>
-                          </a:solidFill>
-                        </a:rPr>
-                        <a:t>=[1]!</a:t>
-                      </a:r>
-                      <a:r>
-                        <a:rPr lang="en-US" dirty="0" err="1" smtClean="0">
-                          <a:solidFill>
-                            <a:schemeClr val="tx2">
-                              <a:lumMod val="60000"/>
-                              <a:lumOff val="40000"/>
-                            </a:schemeClr>
-                          </a:solidFill>
-                        </a:rPr>
-                        <a:t>myUdf</a:t>
-                      </a:r>
-                      <a:r>
-                        <a:rPr lang="en-US" dirty="0" smtClean="0">
-                          <a:solidFill>
-                            <a:schemeClr val="tx2">
-                              <a:lumMod val="60000"/>
-                              <a:lumOff val="40000"/>
-                            </a:schemeClr>
-                          </a:solidFill>
-                        </a:rPr>
-                        <a:t>(A3,A2)</a:t>
-                      </a:r>
-                      <a:endParaRPr lang="en-US" dirty="0">
-                        <a:solidFill>
-                          <a:schemeClr val="tx2">
-                            <a:lumMod val="60000"/>
-                            <a:lumOff val="40000"/>
-                          </a:schemeClr>
-                        </a:solidFill>
-                      </a:endParaRPr>
-                    </a:p>
-                  </a:txBody>
-                  <a:tcPr/>
-                </a:tc>
-              </a:tr>
-              <a:tr h="410807">
-                <a:tc>
-                  <a:txBody>
-                    <a:bodyPr/>
-                    <a:lstStyle/>
-                    <a:p>
-                      <a:r>
-                        <a:rPr lang="en-US" dirty="0" smtClean="0">
-                          <a:solidFill>
-                            <a:schemeClr val="tx2">
-                              <a:lumMod val="60000"/>
-                              <a:lumOff val="40000"/>
-                            </a:schemeClr>
-                          </a:solidFill>
-                        </a:rPr>
-                        <a:t>=‘[1]my</a:t>
-                      </a:r>
-                      <a:r>
-                        <a:rPr lang="en-US" baseline="0" dirty="0" smtClean="0">
-                          <a:solidFill>
-                            <a:schemeClr val="tx2">
-                              <a:lumMod val="60000"/>
-                              <a:lumOff val="40000"/>
-                            </a:schemeClr>
-                          </a:solidFill>
-                        </a:rPr>
-                        <a:t> sheet’</a:t>
-                      </a:r>
-                      <a:r>
-                        <a:rPr lang="en-US" dirty="0" smtClean="0">
-                          <a:solidFill>
-                            <a:schemeClr val="tx2">
-                              <a:lumMod val="60000"/>
-                              <a:lumOff val="40000"/>
-                            </a:schemeClr>
-                          </a:solidFill>
-                        </a:rPr>
-                        <a:t>!#REF!</a:t>
-                      </a:r>
-                      <a:endParaRPr lang="en-US" dirty="0">
-                        <a:solidFill>
-                          <a:schemeClr val="tx2">
-                            <a:lumMod val="60000"/>
-                            <a:lumOff val="40000"/>
-                          </a:schemeClr>
-                        </a:solidFill>
-                      </a:endParaRPr>
-                    </a:p>
-                  </a:txBody>
-                  <a:tcPr/>
-                </a:tc>
-              </a:tr>
-            </a:tbl>
-          </a:graphicData>
-        </a:graphic>
-      </p:graphicFrame>
-    </p:spTree>
-    <p:extLst>
-      <p:ext uri="{BB962C8B-B14F-4D97-AF65-F5344CB8AC3E}">
-        <p14:creationId xmlns:p14="http://schemas.microsoft.com/office/powerpoint/2010/main" val="3949137925"/>
-      </p:ext>
-    </p:extLst>
-  </p:cSld>
-  <p:clrMapOvr>
-    <a:masterClrMapping/>
-  </p:clrMapOvr>
-  <p:timing>
-    <p:tnLst>
-      <p:par>
-        <p:cTn id="1" dur="indefinite" restart="never" nodeType="tmRoot"/>
-      </p:par>
-    </p:tnLst>
-  </p:timing>
-</p:sld>
-</file>
-
-<file path=ppt/slides/slide37.xml><?xml version="1.0" encoding="utf-8"?>
-<p:sld xmlns:a="http://schemas.openxmlformats.org/drawingml/2006/main" xmlns:r="http://schemas.openxmlformats.org/officeDocument/2006/relationships" xmlns:p="http://schemas.openxmlformats.org/presentationml/2006/main">
-  <p:cSld>
-    <p:spTree>
-      <p:nvGrpSpPr>
-        <p:cNvPr id="1" name=""/>
-        <p:cNvGrpSpPr/>
-        <p:nvPr/>
-      </p:nvGrpSpPr>
-      <p:grpSpPr>
-        <a:xfrm>
-          <a:off x="0" y="0"/>
-          <a:ext cx="0" cy="0"/>
-          <a:chOff x="0" y="0"/>
-          <a:chExt cx="0" cy="0"/>
-        </a:xfrm>
-      </p:grpSpPr>
-      <p:sp>
-        <p:nvSpPr>
-          <p:cNvPr id="4" name="Rectangle 3"/>
-          <p:cNvSpPr/>
-          <p:nvPr/>
-        </p:nvSpPr>
-        <p:spPr>
-          <a:xfrm>
-            <a:off x="762000" y="2362200"/>
-            <a:ext cx="3886200" cy="2464840"/>
-          </a:xfrm>
-          <a:prstGeom prst="rect">
-            <a:avLst/>
-          </a:prstGeom>
-        </p:spPr>
-        <p:style>
-          <a:lnRef idx="1">
-            <a:schemeClr val="accent3"/>
-          </a:lnRef>
-          <a:fillRef idx="2">
-            <a:schemeClr val="accent3"/>
-          </a:fillRef>
-          <a:effectRef idx="1">
-            <a:schemeClr val="accent3"/>
-          </a:effectRef>
-          <a:fontRef idx="minor">
-            <a:schemeClr val="dk1"/>
-          </a:fontRef>
-        </p:style>
-        <p:txBody>
-          <a:bodyPr rtlCol="0" anchor="ctr"/>
-          <a:lstStyle/>
-          <a:p>
-            <a:pPr algn="ctr"/>
-            <a:endParaRPr lang="en-US"/>
-          </a:p>
-        </p:txBody>
-      </p:sp>
-      <p:sp>
-        <p:nvSpPr>
-          <p:cNvPr id="2" name="Title 1"/>
-          <p:cNvSpPr>
-            <a:spLocks noGrp="1"/>
-          </p:cNvSpPr>
-          <p:nvPr>
-            <p:ph type="title"/>
-          </p:nvPr>
-        </p:nvSpPr>
-        <p:spPr/>
-        <p:txBody>
-          <a:bodyPr/>
-          <a:lstStyle/>
-          <a:p>
-            <a:r>
-              <a:rPr lang="en-US" dirty="0" smtClean="0"/>
-              <a:t>Syntactical analysis: Reference rule</a:t>
-            </a:r>
-            <a:endParaRPr lang="en-US" dirty="0"/>
-          </a:p>
-        </p:txBody>
-      </p:sp>
-      <p:graphicFrame>
-        <p:nvGraphicFramePr>
-          <p:cNvPr id="12" name="Table 11"/>
-          <p:cNvGraphicFramePr>
-            <a:graphicFrameLocks noGrp="1"/>
-          </p:cNvGraphicFramePr>
-          <p:nvPr>
-            <p:extLst>
-              <p:ext uri="{D42A27DB-BD31-4B8C-83A1-F6EECF244321}">
-                <p14:modId xmlns:p14="http://schemas.microsoft.com/office/powerpoint/2010/main" val="1491182876"/>
-              </p:ext>
-            </p:extLst>
-          </p:nvPr>
-        </p:nvGraphicFramePr>
-        <p:xfrm>
-          <a:off x="4669464" y="2362200"/>
-          <a:ext cx="3636335" cy="2464842"/>
-        </p:xfrm>
-        <a:graphic>
-          <a:graphicData uri="http://schemas.openxmlformats.org/drawingml/2006/table">
-            <a:tbl>
-              <a:tblPr firstRow="1" bandRow="1">
-                <a:tableStyleId>{2D5ABB26-0587-4C30-8999-92F81FD0307C}</a:tableStyleId>
-              </a:tblPr>
-              <a:tblGrid>
-                <a:gridCol w="3636335"/>
-              </a:tblGrid>
-              <a:tr h="410807">
-                <a:tc>
-                  <a:txBody>
-                    <a:bodyPr/>
-                    <a:lstStyle/>
-                    <a:p>
-                      <a:r>
-                        <a:rPr lang="en-US" dirty="0" smtClean="0">
-                          <a:solidFill>
-                            <a:schemeClr val="tx2">
-                              <a:lumMod val="60000"/>
-                              <a:lumOff val="40000"/>
-                            </a:schemeClr>
-                          </a:solidFill>
-                        </a:rPr>
-                        <a:t>=INDEX(A1:A5,2)</a:t>
-                      </a:r>
-                      <a:endParaRPr lang="en-US" dirty="0">
-                        <a:solidFill>
-                          <a:schemeClr val="tx2">
-                            <a:lumMod val="60000"/>
-                            <a:lumOff val="40000"/>
-                          </a:schemeClr>
-                        </a:solidFill>
-                      </a:endParaRPr>
-                    </a:p>
-                  </a:txBody>
-                  <a:tcPr/>
-                </a:tc>
-              </a:tr>
-              <a:tr h="410807">
-                <a:tc>
-                  <a:txBody>
-                    <a:bodyPr/>
-                    <a:lstStyle/>
-                    <a:p>
-                      <a:pPr marL="0" marR="0" indent="0" algn="l" defTabSz="914400" rtl="0" eaLnBrk="1" fontAlgn="auto" latinLnBrk="0" hangingPunct="1">
-                        <a:lnSpc>
-                          <a:spcPct val="100000"/>
-                        </a:lnSpc>
-                        <a:spcBef>
-                          <a:spcPts val="0"/>
-                        </a:spcBef>
-                        <a:spcAft>
-                          <a:spcPts val="0"/>
-                        </a:spcAft>
-                        <a:buClrTx/>
-                        <a:buSzTx/>
-                        <a:buFontTx/>
-                        <a:buNone/>
-                        <a:tabLst/>
-                        <a:defRPr/>
-                      </a:pPr>
-                      <a:r>
-                        <a:rPr lang="en-US" dirty="0" smtClean="0">
-                          <a:solidFill>
-                            <a:schemeClr val="tx1"/>
-                          </a:solidFill>
-                        </a:rPr>
-                        <a:t>=SUM(</a:t>
-                      </a:r>
-                      <a:r>
-                        <a:rPr lang="en-US" dirty="0" smtClean="0">
-                          <a:solidFill>
-                            <a:schemeClr val="tx2">
-                              <a:lumMod val="60000"/>
-                              <a:lumOff val="40000"/>
-                            </a:schemeClr>
-                          </a:solidFill>
-                        </a:rPr>
-                        <a:t>IF(TRUE,B1,C1)</a:t>
-                      </a:r>
-                      <a:r>
-                        <a:rPr lang="en-US" dirty="0" smtClean="0">
-                          <a:solidFill>
-                            <a:schemeClr val="tx1"/>
-                          </a:solidFill>
-                        </a:rPr>
-                        <a:t>:D4)</a:t>
-                      </a:r>
-                    </a:p>
-                  </a:txBody>
-                  <a:tcPr/>
-                </a:tc>
-              </a:tr>
-              <a:tr h="410807">
-                <a:tc>
-                  <a:txBody>
-                    <a:bodyPr/>
-                    <a:lstStyle/>
-                    <a:p>
-                      <a:endParaRPr lang="en-US" dirty="0">
-                        <a:solidFill>
-                          <a:schemeClr val="tx1"/>
-                        </a:solidFill>
-                      </a:endParaRPr>
-                    </a:p>
-                  </a:txBody>
-                  <a:tcPr/>
-                </a:tc>
-              </a:tr>
-              <a:tr h="410807">
-                <a:tc>
-                  <a:txBody>
-                    <a:bodyPr/>
-                    <a:lstStyle/>
-                    <a:p>
-                      <a:r>
-                        <a:rPr lang="en-US" dirty="0" smtClean="0">
-                          <a:solidFill>
-                            <a:schemeClr val="tx1"/>
-                          </a:solidFill>
-                        </a:rPr>
-                        <a:t>=LARGE(</a:t>
-                      </a:r>
-                      <a:r>
-                        <a:rPr lang="en-US" dirty="0" smtClean="0">
-                          <a:solidFill>
-                            <a:schemeClr val="tx2">
-                              <a:lumMod val="60000"/>
-                              <a:lumOff val="40000"/>
-                            </a:schemeClr>
-                          </a:solidFill>
-                        </a:rPr>
-                        <a:t>(A1,A2,A3)</a:t>
-                      </a:r>
-                      <a:r>
-                        <a:rPr lang="en-US" dirty="0" smtClean="0">
-                          <a:solidFill>
-                            <a:schemeClr val="tx1"/>
-                          </a:solidFill>
-                        </a:rPr>
-                        <a:t>,1)</a:t>
-                      </a:r>
-                      <a:r>
-                        <a:rPr lang="en-US" dirty="0" smtClean="0">
-                          <a:solidFill>
-                            <a:srgbClr val="FF0000"/>
-                          </a:solidFill>
-                        </a:rPr>
-                        <a:t>*</a:t>
-                      </a:r>
-                      <a:endParaRPr lang="en-US" dirty="0">
-                        <a:solidFill>
-                          <a:srgbClr val="FF0000"/>
-                        </a:solidFill>
-                      </a:endParaRPr>
-                    </a:p>
-                  </a:txBody>
-                  <a:tcPr/>
-                </a:tc>
-              </a:tr>
-              <a:tr h="410807">
-                <a:tc>
-                  <a:txBody>
-                    <a:bodyPr/>
-                    <a:lstStyle/>
-                    <a:p>
-                      <a:r>
-                        <a:rPr lang="en-US" dirty="0" smtClean="0">
-                          <a:solidFill>
-                            <a:schemeClr val="tx1"/>
-                          </a:solidFill>
-                        </a:rPr>
-                        <a:t>=SUM(</a:t>
-                      </a:r>
-                      <a:r>
-                        <a:rPr lang="en-US" dirty="0" smtClean="0">
-                          <a:solidFill>
-                            <a:schemeClr val="tx2">
-                              <a:lumMod val="60000"/>
-                              <a:lumOff val="40000"/>
-                            </a:schemeClr>
-                          </a:solidFill>
-                        </a:rPr>
-                        <a:t>A1:A5:B4</a:t>
-                      </a:r>
-                      <a:r>
-                        <a:rPr lang="en-US" dirty="0" smtClean="0">
-                          <a:solidFill>
-                            <a:schemeClr val="tx1"/>
-                          </a:solidFill>
-                        </a:rPr>
-                        <a:t>)</a:t>
-                      </a:r>
-                      <a:endParaRPr lang="en-US" dirty="0">
-                        <a:solidFill>
-                          <a:schemeClr val="tx1"/>
-                        </a:solidFill>
-                      </a:endParaRPr>
-                    </a:p>
-                  </a:txBody>
-                  <a:tcPr/>
-                </a:tc>
-              </a:tr>
-              <a:tr h="410807">
-                <a:tc>
-                  <a:txBody>
-                    <a:bodyPr/>
-                    <a:lstStyle/>
-                    <a:p>
-                      <a:r>
-                        <a:rPr lang="en-US" dirty="0" smtClean="0">
-                          <a:solidFill>
-                            <a:schemeClr val="tx2">
-                              <a:lumMod val="60000"/>
-                              <a:lumOff val="40000"/>
-                            </a:schemeClr>
-                          </a:solidFill>
-                        </a:rPr>
-                        <a:t>=</a:t>
-                      </a:r>
-                      <a:r>
-                        <a:rPr lang="en-US" baseline="0" dirty="0" smtClean="0">
-                          <a:solidFill>
-                            <a:schemeClr val="tx2">
-                              <a:lumMod val="60000"/>
-                              <a:lumOff val="40000"/>
-                            </a:schemeClr>
-                          </a:solidFill>
-                        </a:rPr>
-                        <a:t>B1:B10 A5:C5</a:t>
-                      </a:r>
-                      <a:endParaRPr lang="en-US" dirty="0">
-                        <a:solidFill>
-                          <a:schemeClr val="tx2">
-                            <a:lumMod val="60000"/>
-                            <a:lumOff val="40000"/>
-                          </a:schemeClr>
-                        </a:solidFill>
-                      </a:endParaRPr>
-                    </a:p>
-                  </a:txBody>
-                  <a:tcPr/>
-                </a:tc>
-              </a:tr>
-            </a:tbl>
-          </a:graphicData>
-        </a:graphic>
-      </p:graphicFrame>
-      <p:pic>
-        <p:nvPicPr>
-          <p:cNvPr id="3" name="Picture 2"/>
-          <p:cNvPicPr>
-            <a:picLocks noChangeAspect="1"/>
-          </p:cNvPicPr>
-          <p:nvPr/>
-        </p:nvPicPr>
-        <p:blipFill>
-          <a:blip r:embed="rId3">
-            <a:extLst>
-              <a:ext uri="{28A0092B-C50C-407E-A947-70E740481C1C}">
-                <a14:useLocalDpi xmlns:a14="http://schemas.microsoft.com/office/drawing/2010/main" val="0"/>
-              </a:ext>
-            </a:extLst>
-          </a:blip>
-          <a:stretch>
-            <a:fillRect/>
-          </a:stretch>
-        </p:blipFill>
-        <p:spPr>
-          <a:xfrm>
-            <a:off x="609600" y="1447800"/>
-            <a:ext cx="4206240" cy="3749040"/>
-          </a:xfrm>
-          <a:prstGeom prst="rect">
-            <a:avLst/>
-          </a:prstGeom>
-        </p:spPr>
-      </p:pic>
-    </p:spTree>
-    <p:extLst>
-      <p:ext uri="{BB962C8B-B14F-4D97-AF65-F5344CB8AC3E}">
-        <p14:creationId xmlns:p14="http://schemas.microsoft.com/office/powerpoint/2010/main" val="2166741072"/>
+        <p14:creationId xmlns:p14="http://schemas.microsoft.com/office/powerpoint/2010/main" val="3879063212"/>
       </p:ext>
     </p:extLst>
   </p:cSld>
